--- a/Final_Presentation/draft_presentation.pptx
+++ b/Final_Presentation/draft_presentation.pptx
@@ -9,11 +9,16 @@
     <p:sldId id="258" r:id="rId3"/>
     <p:sldId id="257" r:id="rId4"/>
     <p:sldId id="260" r:id="rId5"/>
-    <p:sldId id="259" r:id="rId6"/>
-    <p:sldId id="261" r:id="rId7"/>
-    <p:sldId id="262" r:id="rId8"/>
-    <p:sldId id="263" r:id="rId9"/>
-    <p:sldId id="264" r:id="rId10"/>
+    <p:sldId id="265" r:id="rId6"/>
+    <p:sldId id="259" r:id="rId7"/>
+    <p:sldId id="266" r:id="rId8"/>
+    <p:sldId id="261" r:id="rId9"/>
+    <p:sldId id="262" r:id="rId10"/>
+    <p:sldId id="263" r:id="rId11"/>
+    <p:sldId id="264" r:id="rId12"/>
+    <p:sldId id="267" r:id="rId13"/>
+    <p:sldId id="268" r:id="rId14"/>
+    <p:sldId id="269" r:id="rId15"/>
   </p:sldIdLst>
   <p:sldSz cx="12192000" cy="6858000"/>
   <p:notesSz cx="6858000" cy="9144000"/>
@@ -112,7 +117,276 @@
       </a:defRPr>
     </a:lvl9pPr>
   </p:defaultTextStyle>
+  <p:extLst>
+    <p:ext uri="{EFAFB233-063F-42B5-8137-9DF3F51BA10A}">
+      <p15:sldGuideLst xmlns:p15="http://schemas.microsoft.com/office/powerpoint/2012/main"/>
+    </p:ext>
+  </p:extLst>
 </p:presentation>
+</file>
+
+<file path=ppt/changesInfos/changesInfo1.xml><?xml version="1.0" encoding="utf-8"?>
+<pc:chgInfo xmlns:a="http://schemas.openxmlformats.org/drawingml/2006/main" xmlns:r="http://schemas.openxmlformats.org/officeDocument/2006/relationships" xmlns:ac="http://schemas.microsoft.com/office/drawing/2013/main/command" xmlns:pc="http://schemas.microsoft.com/office/powerpoint/2013/main/command">
+  <pc:docChgLst>
+    <pc:chgData name="Aditya Priyadarshi" userId="77e3dce1717f3105" providerId="LiveId" clId="{B1D5EEBF-C571-4A0B-84AF-1F93F8160EFF}"/>
+    <pc:docChg chg="undo custSel addSld modSld">
+      <pc:chgData name="Aditya Priyadarshi" userId="77e3dce1717f3105" providerId="LiveId" clId="{B1D5EEBF-C571-4A0B-84AF-1F93F8160EFF}" dt="2017-12-13T05:32:53.263" v="1060" actId="20577"/>
+      <pc:docMkLst>
+        <pc:docMk/>
+      </pc:docMkLst>
+      <pc:sldChg chg="addSp delSp modSp mod setBg">
+        <pc:chgData name="Aditya Priyadarshi" userId="77e3dce1717f3105" providerId="LiveId" clId="{B1D5EEBF-C571-4A0B-84AF-1F93F8160EFF}" dt="2017-12-13T05:16:08.646" v="606" actId="1076"/>
+        <pc:sldMkLst>
+          <pc:docMk/>
+          <pc:sldMk cId="1561574345" sldId="259"/>
+        </pc:sldMkLst>
+        <pc:spChg chg="mod ord">
+          <ac:chgData name="Aditya Priyadarshi" userId="77e3dce1717f3105" providerId="LiveId" clId="{B1D5EEBF-C571-4A0B-84AF-1F93F8160EFF}" dt="2017-12-13T05:15:16.419" v="588" actId="1076"/>
+          <ac:spMkLst>
+            <pc:docMk/>
+            <pc:sldMk cId="1561574345" sldId="259"/>
+            <ac:spMk id="5" creationId="{00000000-0000-0000-0000-000000000000}"/>
+          </ac:spMkLst>
+        </pc:spChg>
+        <pc:spChg chg="add del mod ord">
+          <ac:chgData name="Aditya Priyadarshi" userId="77e3dce1717f3105" providerId="LiveId" clId="{B1D5EEBF-C571-4A0B-84AF-1F93F8160EFF}" dt="2017-12-13T05:16:08.646" v="606" actId="1076"/>
+          <ac:spMkLst>
+            <pc:docMk/>
+            <pc:sldMk cId="1561574345" sldId="259"/>
+            <ac:spMk id="6" creationId="{00000000-0000-0000-0000-000000000000}"/>
+          </ac:spMkLst>
+        </pc:spChg>
+        <pc:spChg chg="add del">
+          <ac:chgData name="Aditya Priyadarshi" userId="77e3dce1717f3105" providerId="LiveId" clId="{B1D5EEBF-C571-4A0B-84AF-1F93F8160EFF}" dt="2017-12-13T05:08:57.966" v="338" actId="26606"/>
+          <ac:spMkLst>
+            <pc:docMk/>
+            <pc:sldMk cId="1561574345" sldId="259"/>
+            <ac:spMk id="12" creationId="{C2CAC0E2-A334-4A65-B7FA-9BDDAD042CC6}"/>
+          </ac:spMkLst>
+        </pc:spChg>
+        <pc:picChg chg="add mod">
+          <ac:chgData name="Aditya Priyadarshi" userId="77e3dce1717f3105" providerId="LiveId" clId="{B1D5EEBF-C571-4A0B-84AF-1F93F8160EFF}" dt="2017-12-13T05:15:59.242" v="604" actId="14100"/>
+          <ac:picMkLst>
+            <pc:docMk/>
+            <pc:sldMk cId="1561574345" sldId="259"/>
+            <ac:picMk id="3" creationId="{974A4BF6-6710-4CD5-AEBB-4E04BC431CF3}"/>
+          </ac:picMkLst>
+        </pc:picChg>
+        <pc:picChg chg="add mod">
+          <ac:chgData name="Aditya Priyadarshi" userId="77e3dce1717f3105" providerId="LiveId" clId="{B1D5EEBF-C571-4A0B-84AF-1F93F8160EFF}" dt="2017-12-13T05:16:02.231" v="605" actId="14100"/>
+          <ac:picMkLst>
+            <pc:docMk/>
+            <pc:sldMk cId="1561574345" sldId="259"/>
+            <ac:picMk id="7" creationId="{3372DF14-1931-43AA-91BD-59A5B218EB62}"/>
+          </ac:picMkLst>
+        </pc:picChg>
+        <pc:picChg chg="del">
+          <ac:chgData name="Aditya Priyadarshi" userId="77e3dce1717f3105" providerId="LiveId" clId="{B1D5EEBF-C571-4A0B-84AF-1F93F8160EFF}" dt="2017-12-13T05:07:07.376" v="309" actId="478"/>
+          <ac:picMkLst>
+            <pc:docMk/>
+            <pc:sldMk cId="1561574345" sldId="259"/>
+            <ac:picMk id="8" creationId="{00000000-0000-0000-0000-000000000000}"/>
+          </ac:picMkLst>
+        </pc:picChg>
+        <pc:picChg chg="del">
+          <ac:chgData name="Aditya Priyadarshi" userId="77e3dce1717f3105" providerId="LiveId" clId="{B1D5EEBF-C571-4A0B-84AF-1F93F8160EFF}" dt="2017-12-13T05:07:09.253" v="310" actId="478"/>
+          <ac:picMkLst>
+            <pc:docMk/>
+            <pc:sldMk cId="1561574345" sldId="259"/>
+            <ac:picMk id="9" creationId="{00000000-0000-0000-0000-000000000000}"/>
+          </ac:picMkLst>
+        </pc:picChg>
+        <pc:picChg chg="add del mod">
+          <ac:chgData name="Aditya Priyadarshi" userId="77e3dce1717f3105" providerId="LiveId" clId="{B1D5EEBF-C571-4A0B-84AF-1F93F8160EFF}" dt="2017-12-13T05:11:35.772" v="388" actId="478"/>
+          <ac:picMkLst>
+            <pc:docMk/>
+            <pc:sldMk cId="1561574345" sldId="259"/>
+            <ac:picMk id="11" creationId="{763B8EFC-9172-4EB3-A7E5-108804D8FE62}"/>
+          </ac:picMkLst>
+        </pc:picChg>
+        <pc:picChg chg="add del mod">
+          <ac:chgData name="Aditya Priyadarshi" userId="77e3dce1717f3105" providerId="LiveId" clId="{B1D5EEBF-C571-4A0B-84AF-1F93F8160EFF}" dt="2017-12-13T05:11:34.219" v="387" actId="478"/>
+          <ac:picMkLst>
+            <pc:docMk/>
+            <pc:sldMk cId="1561574345" sldId="259"/>
+            <ac:picMk id="14" creationId="{696335A9-8529-4842-A712-B91642C8F548}"/>
+          </ac:picMkLst>
+        </pc:picChg>
+      </pc:sldChg>
+      <pc:sldChg chg="modSp add">
+        <pc:chgData name="Aditya Priyadarshi" userId="77e3dce1717f3105" providerId="LiveId" clId="{B1D5EEBF-C571-4A0B-84AF-1F93F8160EFF}" dt="2017-12-13T05:00:41.701" v="307" actId="20577"/>
+        <pc:sldMkLst>
+          <pc:docMk/>
+          <pc:sldMk cId="1634841487" sldId="265"/>
+        </pc:sldMkLst>
+        <pc:spChg chg="mod">
+          <ac:chgData name="Aditya Priyadarshi" userId="77e3dce1717f3105" providerId="LiveId" clId="{B1D5EEBF-C571-4A0B-84AF-1F93F8160EFF}" dt="2017-12-13T04:56:29.578" v="27" actId="20577"/>
+          <ac:spMkLst>
+            <pc:docMk/>
+            <pc:sldMk cId="1634841487" sldId="265"/>
+            <ac:spMk id="2" creationId="{64328DD1-FC2A-4501-991C-B997205E885B}"/>
+          </ac:spMkLst>
+        </pc:spChg>
+        <pc:spChg chg="mod">
+          <ac:chgData name="Aditya Priyadarshi" userId="77e3dce1717f3105" providerId="LiveId" clId="{B1D5EEBF-C571-4A0B-84AF-1F93F8160EFF}" dt="2017-12-13T05:00:41.701" v="307" actId="20577"/>
+          <ac:spMkLst>
+            <pc:docMk/>
+            <pc:sldMk cId="1634841487" sldId="265"/>
+            <ac:spMk id="3" creationId="{E5801039-0831-46C3-BBC4-8A94ADD5C881}"/>
+          </ac:spMkLst>
+        </pc:spChg>
+      </pc:sldChg>
+      <pc:sldChg chg="modSp add">
+        <pc:chgData name="Aditya Priyadarshi" userId="77e3dce1717f3105" providerId="LiveId" clId="{B1D5EEBF-C571-4A0B-84AF-1F93F8160EFF}" dt="2017-12-13T05:15:52.005" v="603" actId="1076"/>
+        <pc:sldMkLst>
+          <pc:docMk/>
+          <pc:sldMk cId="1282364818" sldId="266"/>
+        </pc:sldMkLst>
+        <pc:spChg chg="mod">
+          <ac:chgData name="Aditya Priyadarshi" userId="77e3dce1717f3105" providerId="LiveId" clId="{B1D5EEBF-C571-4A0B-84AF-1F93F8160EFF}" dt="2017-12-13T05:15:41.445" v="601" actId="1076"/>
+          <ac:spMkLst>
+            <pc:docMk/>
+            <pc:sldMk cId="1282364818" sldId="266"/>
+            <ac:spMk id="5" creationId="{00000000-0000-0000-0000-000000000000}"/>
+          </ac:spMkLst>
+        </pc:spChg>
+        <pc:spChg chg="mod">
+          <ac:chgData name="Aditya Priyadarshi" userId="77e3dce1717f3105" providerId="LiveId" clId="{B1D5EEBF-C571-4A0B-84AF-1F93F8160EFF}" dt="2017-12-13T05:15:43.690" v="602" actId="1076"/>
+          <ac:spMkLst>
+            <pc:docMk/>
+            <pc:sldMk cId="1282364818" sldId="266"/>
+            <ac:spMk id="6" creationId="{00000000-0000-0000-0000-000000000000}"/>
+          </ac:spMkLst>
+        </pc:spChg>
+        <pc:picChg chg="mod">
+          <ac:chgData name="Aditya Priyadarshi" userId="77e3dce1717f3105" providerId="LiveId" clId="{B1D5EEBF-C571-4A0B-84AF-1F93F8160EFF}" dt="2017-12-13T05:15:41.030" v="600" actId="1076"/>
+          <ac:picMkLst>
+            <pc:docMk/>
+            <pc:sldMk cId="1282364818" sldId="266"/>
+            <ac:picMk id="8" creationId="{00000000-0000-0000-0000-000000000000}"/>
+          </ac:picMkLst>
+        </pc:picChg>
+        <pc:picChg chg="mod">
+          <ac:chgData name="Aditya Priyadarshi" userId="77e3dce1717f3105" providerId="LiveId" clId="{B1D5EEBF-C571-4A0B-84AF-1F93F8160EFF}" dt="2017-12-13T05:15:52.005" v="603" actId="1076"/>
+          <ac:picMkLst>
+            <pc:docMk/>
+            <pc:sldMk cId="1282364818" sldId="266"/>
+            <ac:picMk id="9" creationId="{00000000-0000-0000-0000-000000000000}"/>
+          </ac:picMkLst>
+        </pc:picChg>
+      </pc:sldChg>
+      <pc:sldChg chg="addSp delSp modSp add">
+        <pc:chgData name="Aditya Priyadarshi" userId="77e3dce1717f3105" providerId="LiveId" clId="{B1D5EEBF-C571-4A0B-84AF-1F93F8160EFF}" dt="2017-12-13T05:26:39.160" v="796" actId="14100"/>
+        <pc:sldMkLst>
+          <pc:docMk/>
+          <pc:sldMk cId="1963870073" sldId="267"/>
+        </pc:sldMkLst>
+        <pc:spChg chg="mod">
+          <ac:chgData name="Aditya Priyadarshi" userId="77e3dce1717f3105" providerId="LiveId" clId="{B1D5EEBF-C571-4A0B-84AF-1F93F8160EFF}" dt="2017-12-13T05:17:24.786" v="639" actId="20577"/>
+          <ac:spMkLst>
+            <pc:docMk/>
+            <pc:sldMk cId="1963870073" sldId="267"/>
+            <ac:spMk id="2" creationId="{B5B988DD-3CEA-4306-9333-C8B9309F3C73}"/>
+          </ac:spMkLst>
+        </pc:spChg>
+        <pc:spChg chg="mod">
+          <ac:chgData name="Aditya Priyadarshi" userId="77e3dce1717f3105" providerId="LiveId" clId="{B1D5EEBF-C571-4A0B-84AF-1F93F8160EFF}" dt="2017-12-13T05:25:06.429" v="790" actId="20577"/>
+          <ac:spMkLst>
+            <pc:docMk/>
+            <pc:sldMk cId="1963870073" sldId="267"/>
+            <ac:spMk id="3" creationId="{E629C9F5-B61D-4EEA-ABF2-D845038A52CF}"/>
+          </ac:spMkLst>
+        </pc:spChg>
+        <pc:spChg chg="del">
+          <ac:chgData name="Aditya Priyadarshi" userId="77e3dce1717f3105" providerId="LiveId" clId="{B1D5EEBF-C571-4A0B-84AF-1F93F8160EFF}" dt="2017-12-13T05:17:14.945" v="636" actId="478"/>
+          <ac:spMkLst>
+            <pc:docMk/>
+            <pc:sldMk cId="1963870073" sldId="267"/>
+            <ac:spMk id="4" creationId="{B621EFA1-761A-4B20-82AD-C71391484213}"/>
+          </ac:spMkLst>
+        </pc:spChg>
+        <pc:picChg chg="add mod">
+          <ac:chgData name="Aditya Priyadarshi" userId="77e3dce1717f3105" providerId="LiveId" clId="{B1D5EEBF-C571-4A0B-84AF-1F93F8160EFF}" dt="2017-12-13T05:26:39.160" v="796" actId="14100"/>
+          <ac:picMkLst>
+            <pc:docMk/>
+            <pc:sldMk cId="1963870073" sldId="267"/>
+            <ac:picMk id="6" creationId="{F4F9CB59-64AC-4445-AEB9-F9F8ADE9EAFC}"/>
+          </ac:picMkLst>
+        </pc:picChg>
+      </pc:sldChg>
+      <pc:sldChg chg="addSp delSp modSp add mod setBg">
+        <pc:chgData name="Aditya Priyadarshi" userId="77e3dce1717f3105" providerId="LiveId" clId="{B1D5EEBF-C571-4A0B-84AF-1F93F8160EFF}" dt="2017-12-13T05:29:00.625" v="826" actId="1076"/>
+        <pc:sldMkLst>
+          <pc:docMk/>
+          <pc:sldMk cId="482401313" sldId="268"/>
+        </pc:sldMkLst>
+        <pc:spChg chg="mod ord">
+          <ac:chgData name="Aditya Priyadarshi" userId="77e3dce1717f3105" providerId="LiveId" clId="{B1D5EEBF-C571-4A0B-84AF-1F93F8160EFF}" dt="2017-12-13T05:29:00.625" v="826" actId="1076"/>
+          <ac:spMkLst>
+            <pc:docMk/>
+            <pc:sldMk cId="482401313" sldId="268"/>
+            <ac:spMk id="2" creationId="{8DDE080F-369D-45F0-AFC1-59F520CB0A99}"/>
+          </ac:spMkLst>
+        </pc:spChg>
+        <pc:spChg chg="del">
+          <ac:chgData name="Aditya Priyadarshi" userId="77e3dce1717f3105" providerId="LiveId" clId="{B1D5EEBF-C571-4A0B-84AF-1F93F8160EFF}" dt="2017-12-13T05:28:10.351" v="818"/>
+          <ac:spMkLst>
+            <pc:docMk/>
+            <pc:sldMk cId="482401313" sldId="268"/>
+            <ac:spMk id="3" creationId="{338DE6F5-6755-464A-BF4D-31C6A5CAB8D7}"/>
+          </ac:spMkLst>
+        </pc:spChg>
+        <pc:spChg chg="del">
+          <ac:chgData name="Aditya Priyadarshi" userId="77e3dce1717f3105" providerId="LiveId" clId="{B1D5EEBF-C571-4A0B-84AF-1F93F8160EFF}" dt="2017-12-13T05:28:03.269" v="817" actId="478"/>
+          <ac:spMkLst>
+            <pc:docMk/>
+            <pc:sldMk cId="482401313" sldId="268"/>
+            <ac:spMk id="4" creationId="{674C14BA-9AC5-448F-9DF8-2103F272856D}"/>
+          </ac:spMkLst>
+        </pc:spChg>
+        <pc:picChg chg="add mod">
+          <ac:chgData name="Aditya Priyadarshi" userId="77e3dce1717f3105" providerId="LiveId" clId="{B1D5EEBF-C571-4A0B-84AF-1F93F8160EFF}" dt="2017-12-13T05:28:47.107" v="824" actId="1076"/>
+          <ac:picMkLst>
+            <pc:docMk/>
+            <pc:sldMk cId="482401313" sldId="268"/>
+            <ac:picMk id="6" creationId="{2C3FC618-4A0F-4D6C-B3FB-3EBE29DEEC71}"/>
+          </ac:picMkLst>
+        </pc:picChg>
+      </pc:sldChg>
+      <pc:sldChg chg="delSp modSp add">
+        <pc:chgData name="Aditya Priyadarshi" userId="77e3dce1717f3105" providerId="LiveId" clId="{B1D5EEBF-C571-4A0B-84AF-1F93F8160EFF}" dt="2017-12-13T05:32:53.263" v="1060" actId="20577"/>
+        <pc:sldMkLst>
+          <pc:docMk/>
+          <pc:sldMk cId="3839082217" sldId="269"/>
+        </pc:sldMkLst>
+        <pc:spChg chg="mod">
+          <ac:chgData name="Aditya Priyadarshi" userId="77e3dce1717f3105" providerId="LiveId" clId="{B1D5EEBF-C571-4A0B-84AF-1F93F8160EFF}" dt="2017-12-13T05:32:53.263" v="1060" actId="20577"/>
+          <ac:spMkLst>
+            <pc:docMk/>
+            <pc:sldMk cId="3839082217" sldId="269"/>
+            <ac:spMk id="2" creationId="{2FD8CD52-7B04-44C1-81F8-F6083BC044BB}"/>
+          </ac:spMkLst>
+        </pc:spChg>
+        <pc:spChg chg="mod">
+          <ac:chgData name="Aditya Priyadarshi" userId="77e3dce1717f3105" providerId="LiveId" clId="{B1D5EEBF-C571-4A0B-84AF-1F93F8160EFF}" dt="2017-12-13T05:32:34.781" v="1047" actId="20577"/>
+          <ac:spMkLst>
+            <pc:docMk/>
+            <pc:sldMk cId="3839082217" sldId="269"/>
+            <ac:spMk id="3" creationId="{EF1E5ACD-A634-4E52-9F70-65709F9A6A6A}"/>
+          </ac:spMkLst>
+        </pc:spChg>
+        <pc:spChg chg="del">
+          <ac:chgData name="Aditya Priyadarshi" userId="77e3dce1717f3105" providerId="LiveId" clId="{B1D5EEBF-C571-4A0B-84AF-1F93F8160EFF}" dt="2017-12-13T05:29:26.771" v="848" actId="478"/>
+          <ac:spMkLst>
+            <pc:docMk/>
+            <pc:sldMk cId="3839082217" sldId="269"/>
+            <ac:spMk id="4" creationId="{6098472C-B8AB-4729-A728-E0EB99C0FB5E}"/>
+          </ac:spMkLst>
+        </pc:spChg>
+      </pc:sldChg>
+    </pc:docChg>
+  </pc:docChgLst>
+</pc:chgInfo>
 </file>
 
 <file path=ppt/slideLayouts/slideLayout1.xml><?xml version="1.0" encoding="utf-8"?>
@@ -174,7 +448,7 @@
           </a:lstStyle>
           <a:p>
             <a:r>
-              <a:rPr lang="en-US" smtClean="0"/>
+              <a:rPr lang="en-US"/>
               <a:t>Click to edit Master title style</a:t>
             </a:r>
             <a:endParaRPr lang="en-US" dirty="0"/>
@@ -304,7 +578,7 @@
           </a:lstStyle>
           <a:p>
             <a:r>
-              <a:rPr lang="en-US" smtClean="0"/>
+              <a:rPr lang="en-US"/>
               <a:t>Click to edit Master subtitle style</a:t>
             </a:r>
             <a:endParaRPr lang="en-US" dirty="0"/>
@@ -329,7 +603,7 @@
             <a:fld id="{B61BEF0D-F0BB-DE4B-95CE-6DB70DBA9567}" type="datetimeFigureOut">
               <a:rPr lang="en-US" dirty="0"/>
               <a:pPr/>
-              <a:t>12/12/17</a:t>
+              <a:t>12/12/2017</a:t>
             </a:fld>
             <a:endParaRPr lang="en-US" dirty="0"/>
           </a:p>
@@ -430,7 +704,7 @@
           </a:lstStyle>
           <a:p>
             <a:r>
-              <a:rPr lang="en-US" smtClean="0"/>
+              <a:rPr lang="en-US"/>
               <a:t>Click to edit Master title style</a:t>
             </a:r>
             <a:endParaRPr lang="en-US" dirty="0"/>
@@ -525,7 +799,7 @@
           </a:lstStyle>
           <a:p>
             <a:r>
-              <a:rPr lang="en-US" smtClean="0"/>
+              <a:rPr lang="en-US"/>
               <a:t>Drag picture to placeholder or click icon to add</a:t>
             </a:r>
             <a:endParaRPr lang="en-US" dirty="0"/>
@@ -593,7 +867,7 @@
           <a:p>
             <a:pPr lvl="0"/>
             <a:r>
-              <a:rPr lang="en-US" smtClean="0"/>
+              <a:rPr lang="en-US"/>
               <a:t>Click to edit Master text styles</a:t>
             </a:r>
           </a:p>
@@ -617,7 +891,7 @@
             <a:fld id="{B61BEF0D-F0BB-DE4B-95CE-6DB70DBA9567}" type="datetimeFigureOut">
               <a:rPr lang="en-US" dirty="0"/>
               <a:pPr/>
-              <a:t>12/12/17</a:t>
+              <a:t>12/12/2017</a:t>
             </a:fld>
             <a:endParaRPr lang="en-US" dirty="0"/>
           </a:p>
@@ -718,7 +992,7 @@
           </a:lstStyle>
           <a:p>
             <a:r>
-              <a:rPr lang="en-US" smtClean="0"/>
+              <a:rPr lang="en-US"/>
               <a:t>Click to edit Master title style</a:t>
             </a:r>
             <a:endParaRPr lang="en-US" dirty="0"/>
@@ -849,7 +1123,7 @@
           <a:p>
             <a:pPr lvl="0"/>
             <a:r>
-              <a:rPr lang="en-US" smtClean="0"/>
+              <a:rPr lang="en-US"/>
               <a:t>Click to edit Master text styles</a:t>
             </a:r>
           </a:p>
@@ -873,7 +1147,7 @@
             <a:fld id="{B61BEF0D-F0BB-DE4B-95CE-6DB70DBA9567}" type="datetimeFigureOut">
               <a:rPr lang="en-US" dirty="0"/>
               <a:pPr/>
-              <a:t>12/12/17</a:t>
+              <a:t>12/12/2017</a:t>
             </a:fld>
             <a:endParaRPr lang="en-US" dirty="0"/>
           </a:p>
@@ -1208,7 +1482,7 @@
           </a:lstStyle>
           <a:p>
             <a:r>
-              <a:rPr lang="en-US" smtClean="0"/>
+              <a:rPr lang="en-US"/>
               <a:t>Click to edit Master title style</a:t>
             </a:r>
             <a:endParaRPr lang="en-US" dirty="0"/>
@@ -1263,7 +1537,7 @@
           <a:p>
             <a:pPr lvl="0"/>
             <a:r>
-              <a:rPr lang="en-US" smtClean="0"/>
+              <a:rPr lang="en-US"/>
               <a:t>Click to edit Master text styles</a:t>
             </a:r>
           </a:p>
@@ -1315,7 +1589,7 @@
               <a:buNone/>
             </a:pPr>
             <a:r>
-              <a:rPr lang="en-US" smtClean="0"/>
+              <a:rPr lang="en-US"/>
               <a:t>Click to edit Master text styles</a:t>
             </a:r>
           </a:p>
@@ -1339,7 +1613,7 @@
             <a:fld id="{B61BEF0D-F0BB-DE4B-95CE-6DB70DBA9567}" type="datetimeFigureOut">
               <a:rPr lang="en-US" dirty="0"/>
               <a:pPr/>
-              <a:t>12/12/17</a:t>
+              <a:t>12/12/2017</a:t>
             </a:fld>
             <a:endParaRPr lang="en-US" dirty="0"/>
           </a:p>
@@ -1440,7 +1714,7 @@
           </a:lstStyle>
           <a:p>
             <a:r>
-              <a:rPr lang="en-US" smtClean="0"/>
+              <a:rPr lang="en-US"/>
               <a:t>Click to edit Master title style</a:t>
             </a:r>
             <a:endParaRPr lang="en-US" dirty="0"/>
@@ -1492,7 +1766,7 @@
               <a:buNone/>
             </a:pPr>
             <a:r>
-              <a:rPr lang="en-US" smtClean="0"/>
+              <a:rPr lang="en-US"/>
               <a:t>Click to edit Master text styles</a:t>
             </a:r>
           </a:p>
@@ -1516,7 +1790,7 @@
             <a:fld id="{B61BEF0D-F0BB-DE4B-95CE-6DB70DBA9567}" type="datetimeFigureOut">
               <a:rPr lang="en-US" dirty="0"/>
               <a:pPr/>
-              <a:t>12/12/17</a:t>
+              <a:t>12/12/2017</a:t>
             </a:fld>
             <a:endParaRPr lang="en-US" dirty="0"/>
           </a:p>
@@ -1862,7 +2136,7 @@
           </a:lstStyle>
           <a:p>
             <a:r>
-              <a:rPr lang="en-US" smtClean="0"/>
+              <a:rPr lang="en-US"/>
               <a:t>Click to edit Master title style</a:t>
             </a:r>
             <a:endParaRPr lang="en-US" dirty="0"/>
@@ -1935,7 +2209,7 @@
               <a:buNone/>
             </a:pPr>
             <a:r>
-              <a:rPr lang="en-US" smtClean="0"/>
+              <a:rPr lang="en-US"/>
               <a:t>Click to edit Master text styles</a:t>
             </a:r>
           </a:p>
@@ -2065,7 +2339,7 @@
           <a:p>
             <a:pPr lvl="0"/>
             <a:r>
-              <a:rPr lang="en-US" smtClean="0"/>
+              <a:rPr lang="en-US"/>
               <a:t>Click to edit Master text styles</a:t>
             </a:r>
           </a:p>
@@ -2089,7 +2363,7 @@
             <a:fld id="{B61BEF0D-F0BB-DE4B-95CE-6DB70DBA9567}" type="datetimeFigureOut">
               <a:rPr lang="en-US" dirty="0"/>
               <a:pPr/>
-              <a:t>12/12/17</a:t>
+              <a:t>12/12/2017</a:t>
             </a:fld>
             <a:endParaRPr lang="en-US" dirty="0"/>
           </a:p>
@@ -2191,7 +2465,7 @@
           <a:p>
             <a:pPr marL="0" lvl="0"/>
             <a:r>
-              <a:rPr lang="en-US" smtClean="0"/>
+              <a:rPr lang="en-US"/>
               <a:t>Click to edit Master title style</a:t>
             </a:r>
             <a:endParaRPr lang="en-US" dirty="0"/>
@@ -2264,7 +2538,7 @@
               <a:buNone/>
             </a:pPr>
             <a:r>
-              <a:rPr lang="en-US" smtClean="0"/>
+              <a:rPr lang="en-US"/>
               <a:t>Click to edit Master text styles</a:t>
             </a:r>
           </a:p>
@@ -2394,7 +2668,7 @@
           <a:p>
             <a:pPr lvl="0"/>
             <a:r>
-              <a:rPr lang="en-US" smtClean="0"/>
+              <a:rPr lang="en-US"/>
               <a:t>Click to edit Master text styles</a:t>
             </a:r>
           </a:p>
@@ -2418,7 +2692,7 @@
             <a:fld id="{B61BEF0D-F0BB-DE4B-95CE-6DB70DBA9567}" type="datetimeFigureOut">
               <a:rPr lang="en-US" dirty="0"/>
               <a:pPr/>
-              <a:t>12/12/17</a:t>
+              <a:t>12/12/2017</a:t>
             </a:fld>
             <a:endParaRPr lang="en-US" dirty="0"/>
           </a:p>
@@ -2513,7 +2787,7 @@
           <a:lstStyle/>
           <a:p>
             <a:r>
-              <a:rPr lang="en-US" smtClean="0"/>
+              <a:rPr lang="en-US"/>
               <a:t>Click to edit Master title style</a:t>
             </a:r>
             <a:endParaRPr lang="en-US" dirty="0"/>
@@ -2537,35 +2811,35 @@
           <a:p>
             <a:pPr lvl="0"/>
             <a:r>
-              <a:rPr lang="en-US" smtClean="0"/>
+              <a:rPr lang="en-US"/>
               <a:t>Click to edit Master text styles</a:t>
             </a:r>
           </a:p>
           <a:p>
             <a:pPr lvl="1"/>
             <a:r>
-              <a:rPr lang="en-US" smtClean="0"/>
+              <a:rPr lang="en-US"/>
               <a:t>Second level</a:t>
             </a:r>
           </a:p>
           <a:p>
             <a:pPr lvl="2"/>
             <a:r>
-              <a:rPr lang="en-US" smtClean="0"/>
+              <a:rPr lang="en-US"/>
               <a:t>Third level</a:t>
             </a:r>
           </a:p>
           <a:p>
             <a:pPr lvl="3"/>
             <a:r>
-              <a:rPr lang="en-US" smtClean="0"/>
+              <a:rPr lang="en-US"/>
               <a:t>Fourth level</a:t>
             </a:r>
           </a:p>
           <a:p>
             <a:pPr lvl="4"/>
             <a:r>
-              <a:rPr lang="en-US" smtClean="0"/>
+              <a:rPr lang="en-US"/>
               <a:t>Fifth level</a:t>
             </a:r>
             <a:endParaRPr lang="en-US" dirty="0"/>
@@ -2590,7 +2864,7 @@
             <a:fld id="{B61BEF0D-F0BB-DE4B-95CE-6DB70DBA9567}" type="datetimeFigureOut">
               <a:rPr lang="en-US" dirty="0"/>
               <a:pPr/>
-              <a:t>12/12/17</a:t>
+              <a:t>12/12/2017</a:t>
             </a:fld>
             <a:endParaRPr lang="en-US" dirty="0"/>
           </a:p>
@@ -2685,7 +2959,7 @@
           <a:lstStyle/>
           <a:p>
             <a:r>
-              <a:rPr lang="en-US" smtClean="0"/>
+              <a:rPr lang="en-US"/>
               <a:t>Click to edit Master title style</a:t>
             </a:r>
             <a:endParaRPr lang="en-US" dirty="0"/>
@@ -2714,35 +2988,35 @@
           <a:p>
             <a:pPr lvl="0"/>
             <a:r>
-              <a:rPr lang="en-US" smtClean="0"/>
+              <a:rPr lang="en-US"/>
               <a:t>Click to edit Master text styles</a:t>
             </a:r>
           </a:p>
           <a:p>
             <a:pPr lvl="1"/>
             <a:r>
-              <a:rPr lang="en-US" smtClean="0"/>
+              <a:rPr lang="en-US"/>
               <a:t>Second level</a:t>
             </a:r>
           </a:p>
           <a:p>
             <a:pPr lvl="2"/>
             <a:r>
-              <a:rPr lang="en-US" smtClean="0"/>
+              <a:rPr lang="en-US"/>
               <a:t>Third level</a:t>
             </a:r>
           </a:p>
           <a:p>
             <a:pPr lvl="3"/>
             <a:r>
-              <a:rPr lang="en-US" smtClean="0"/>
+              <a:rPr lang="en-US"/>
               <a:t>Fourth level</a:t>
             </a:r>
           </a:p>
           <a:p>
             <a:pPr lvl="4"/>
             <a:r>
-              <a:rPr lang="en-US" smtClean="0"/>
+              <a:rPr lang="en-US"/>
               <a:t>Fifth level</a:t>
             </a:r>
             <a:endParaRPr lang="en-US" dirty="0"/>
@@ -2767,7 +3041,7 @@
             <a:fld id="{B61BEF0D-F0BB-DE4B-95CE-6DB70DBA9567}" type="datetimeFigureOut">
               <a:rPr lang="en-US" dirty="0"/>
               <a:pPr/>
-              <a:t>12/12/17</a:t>
+              <a:t>12/12/2017</a:t>
             </a:fld>
             <a:endParaRPr lang="en-US" dirty="0"/>
           </a:p>
@@ -2857,7 +3131,7 @@
           <a:lstStyle/>
           <a:p>
             <a:r>
-              <a:rPr lang="en-US" smtClean="0"/>
+              <a:rPr lang="en-US"/>
               <a:t>Click to edit Master title style</a:t>
             </a:r>
             <a:endParaRPr lang="en-US" dirty="0"/>
@@ -2881,35 +3155,35 @@
           <a:p>
             <a:pPr lvl="0"/>
             <a:r>
-              <a:rPr lang="en-US" smtClean="0"/>
+              <a:rPr lang="en-US"/>
               <a:t>Click to edit Master text styles</a:t>
             </a:r>
           </a:p>
           <a:p>
             <a:pPr lvl="1"/>
             <a:r>
-              <a:rPr lang="en-US" smtClean="0"/>
+              <a:rPr lang="en-US"/>
               <a:t>Second level</a:t>
             </a:r>
           </a:p>
           <a:p>
             <a:pPr lvl="2"/>
             <a:r>
-              <a:rPr lang="en-US" smtClean="0"/>
+              <a:rPr lang="en-US"/>
               <a:t>Third level</a:t>
             </a:r>
           </a:p>
           <a:p>
             <a:pPr lvl="3"/>
             <a:r>
-              <a:rPr lang="en-US" smtClean="0"/>
+              <a:rPr lang="en-US"/>
               <a:t>Fourth level</a:t>
             </a:r>
           </a:p>
           <a:p>
             <a:pPr lvl="4"/>
             <a:r>
-              <a:rPr lang="en-US" smtClean="0"/>
+              <a:rPr lang="en-US"/>
               <a:t>Fifth level</a:t>
             </a:r>
             <a:endParaRPr lang="en-US" dirty="0"/>
@@ -2934,7 +3208,7 @@
             <a:fld id="{B61BEF0D-F0BB-DE4B-95CE-6DB70DBA9567}" type="datetimeFigureOut">
               <a:rPr lang="en-US" dirty="0"/>
               <a:pPr/>
-              <a:t>12/12/17</a:t>
+              <a:t>12/12/2017</a:t>
             </a:fld>
             <a:endParaRPr lang="en-US" dirty="0"/>
           </a:p>
@@ -3033,7 +3307,7 @@
           </a:lstStyle>
           <a:p>
             <a:r>
-              <a:rPr lang="en-US" smtClean="0"/>
+              <a:rPr lang="en-US"/>
               <a:t>Click to edit Master title style</a:t>
             </a:r>
             <a:endParaRPr lang="en-US" dirty="0"/>
@@ -3164,7 +3438,7 @@
           <a:p>
             <a:pPr lvl="0"/>
             <a:r>
-              <a:rPr lang="en-US" smtClean="0"/>
+              <a:rPr lang="en-US"/>
               <a:t>Click to edit Master text styles</a:t>
             </a:r>
           </a:p>
@@ -3188,7 +3462,7 @@
             <a:fld id="{B61BEF0D-F0BB-DE4B-95CE-6DB70DBA9567}" type="datetimeFigureOut">
               <a:rPr lang="en-US" dirty="0"/>
               <a:pPr/>
-              <a:t>12/12/17</a:t>
+              <a:t>12/12/2017</a:t>
             </a:fld>
             <a:endParaRPr lang="en-US" dirty="0"/>
           </a:p>
@@ -3278,7 +3552,7 @@
           <a:lstStyle/>
           <a:p>
             <a:r>
-              <a:rPr lang="en-US" smtClean="0"/>
+              <a:rPr lang="en-US"/>
               <a:t>Click to edit Master title style</a:t>
             </a:r>
             <a:endParaRPr lang="en-US" dirty="0"/>
@@ -3337,35 +3611,35 @@
           <a:p>
             <a:pPr lvl="0"/>
             <a:r>
-              <a:rPr lang="en-US" smtClean="0"/>
+              <a:rPr lang="en-US"/>
               <a:t>Click to edit Master text styles</a:t>
             </a:r>
           </a:p>
           <a:p>
             <a:pPr lvl="1"/>
             <a:r>
-              <a:rPr lang="en-US" smtClean="0"/>
+              <a:rPr lang="en-US"/>
               <a:t>Second level</a:t>
             </a:r>
           </a:p>
           <a:p>
             <a:pPr lvl="2"/>
             <a:r>
-              <a:rPr lang="en-US" smtClean="0"/>
+              <a:rPr lang="en-US"/>
               <a:t>Third level</a:t>
             </a:r>
           </a:p>
           <a:p>
             <a:pPr lvl="3"/>
             <a:r>
-              <a:rPr lang="en-US" smtClean="0"/>
+              <a:rPr lang="en-US"/>
               <a:t>Fourth level</a:t>
             </a:r>
           </a:p>
           <a:p>
             <a:pPr lvl="4"/>
             <a:r>
-              <a:rPr lang="en-US" smtClean="0"/>
+              <a:rPr lang="en-US"/>
               <a:t>Fifth level</a:t>
             </a:r>
             <a:endParaRPr lang="en-US" dirty="0"/>
@@ -3424,35 +3698,35 @@
           <a:p>
             <a:pPr lvl="0"/>
             <a:r>
-              <a:rPr lang="en-US" smtClean="0"/>
+              <a:rPr lang="en-US"/>
               <a:t>Click to edit Master text styles</a:t>
             </a:r>
           </a:p>
           <a:p>
             <a:pPr lvl="1"/>
             <a:r>
-              <a:rPr lang="en-US" smtClean="0"/>
+              <a:rPr lang="en-US"/>
               <a:t>Second level</a:t>
             </a:r>
           </a:p>
           <a:p>
             <a:pPr lvl="2"/>
             <a:r>
-              <a:rPr lang="en-US" smtClean="0"/>
+              <a:rPr lang="en-US"/>
               <a:t>Third level</a:t>
             </a:r>
           </a:p>
           <a:p>
             <a:pPr lvl="3"/>
             <a:r>
-              <a:rPr lang="en-US" smtClean="0"/>
+              <a:rPr lang="en-US"/>
               <a:t>Fourth level</a:t>
             </a:r>
           </a:p>
           <a:p>
             <a:pPr lvl="4"/>
             <a:r>
-              <a:rPr lang="en-US" smtClean="0"/>
+              <a:rPr lang="en-US"/>
               <a:t>Fifth level</a:t>
             </a:r>
             <a:endParaRPr lang="en-US" dirty="0"/>
@@ -3477,7 +3751,7 @@
             <a:fld id="{B61BEF0D-F0BB-DE4B-95CE-6DB70DBA9567}" type="datetimeFigureOut">
               <a:rPr lang="en-US" dirty="0"/>
               <a:pPr/>
-              <a:t>12/12/17</a:t>
+              <a:t>12/12/2017</a:t>
             </a:fld>
             <a:endParaRPr lang="en-US" dirty="0"/>
           </a:p>
@@ -3571,7 +3845,7 @@
           </a:lstStyle>
           <a:p>
             <a:r>
-              <a:rPr lang="en-US" smtClean="0"/>
+              <a:rPr lang="en-US"/>
               <a:t>Click to edit Master title style</a:t>
             </a:r>
             <a:endParaRPr lang="en-US" dirty="0"/>
@@ -3639,7 +3913,7 @@
           <a:p>
             <a:pPr lvl="0"/>
             <a:r>
-              <a:rPr lang="en-US" smtClean="0"/>
+              <a:rPr lang="en-US"/>
               <a:t>Click to edit Master text styles</a:t>
             </a:r>
           </a:p>
@@ -3697,35 +3971,35 @@
           <a:p>
             <a:pPr lvl="0"/>
             <a:r>
-              <a:rPr lang="en-US" smtClean="0"/>
+              <a:rPr lang="en-US"/>
               <a:t>Click to edit Master text styles</a:t>
             </a:r>
           </a:p>
           <a:p>
             <a:pPr lvl="1"/>
             <a:r>
-              <a:rPr lang="en-US" smtClean="0"/>
+              <a:rPr lang="en-US"/>
               <a:t>Second level</a:t>
             </a:r>
           </a:p>
           <a:p>
             <a:pPr lvl="2"/>
             <a:r>
-              <a:rPr lang="en-US" smtClean="0"/>
+              <a:rPr lang="en-US"/>
               <a:t>Third level</a:t>
             </a:r>
           </a:p>
           <a:p>
             <a:pPr lvl="3"/>
             <a:r>
-              <a:rPr lang="en-US" smtClean="0"/>
+              <a:rPr lang="en-US"/>
               <a:t>Fourth level</a:t>
             </a:r>
           </a:p>
           <a:p>
             <a:pPr lvl="4"/>
             <a:r>
-              <a:rPr lang="en-US" smtClean="0"/>
+              <a:rPr lang="en-US"/>
               <a:t>Fifth level</a:t>
             </a:r>
             <a:endParaRPr lang="en-US" dirty="0"/>
@@ -3793,7 +4067,7 @@
           <a:p>
             <a:pPr lvl="0"/>
             <a:r>
-              <a:rPr lang="en-US" smtClean="0"/>
+              <a:rPr lang="en-US"/>
               <a:t>Click to edit Master text styles</a:t>
             </a:r>
           </a:p>
@@ -3851,35 +4125,35 @@
           <a:p>
             <a:pPr lvl="0"/>
             <a:r>
-              <a:rPr lang="en-US" smtClean="0"/>
+              <a:rPr lang="en-US"/>
               <a:t>Click to edit Master text styles</a:t>
             </a:r>
           </a:p>
           <a:p>
             <a:pPr lvl="1"/>
             <a:r>
-              <a:rPr lang="en-US" smtClean="0"/>
+              <a:rPr lang="en-US"/>
               <a:t>Second level</a:t>
             </a:r>
           </a:p>
           <a:p>
             <a:pPr lvl="2"/>
             <a:r>
-              <a:rPr lang="en-US" smtClean="0"/>
+              <a:rPr lang="en-US"/>
               <a:t>Third level</a:t>
             </a:r>
           </a:p>
           <a:p>
             <a:pPr lvl="3"/>
             <a:r>
-              <a:rPr lang="en-US" smtClean="0"/>
+              <a:rPr lang="en-US"/>
               <a:t>Fourth level</a:t>
             </a:r>
           </a:p>
           <a:p>
             <a:pPr lvl="4"/>
             <a:r>
-              <a:rPr lang="en-US" smtClean="0"/>
+              <a:rPr lang="en-US"/>
               <a:t>Fifth level</a:t>
             </a:r>
             <a:endParaRPr lang="en-US" dirty="0"/>
@@ -3904,7 +4178,7 @@
             <a:fld id="{B61BEF0D-F0BB-DE4B-95CE-6DB70DBA9567}" type="datetimeFigureOut">
               <a:rPr lang="en-US" dirty="0"/>
               <a:pPr/>
-              <a:t>12/12/17</a:t>
+              <a:t>12/12/2017</a:t>
             </a:fld>
             <a:endParaRPr lang="en-US" dirty="0"/>
           </a:p>
@@ -3994,7 +4268,7 @@
           <a:lstStyle/>
           <a:p>
             <a:r>
-              <a:rPr lang="en-US" smtClean="0"/>
+              <a:rPr lang="en-US"/>
               <a:t>Click to edit Master title style</a:t>
             </a:r>
             <a:endParaRPr lang="en-US" dirty="0"/>
@@ -4019,7 +4293,7 @@
             <a:fld id="{B61BEF0D-F0BB-DE4B-95CE-6DB70DBA9567}" type="datetimeFigureOut">
               <a:rPr lang="en-US" dirty="0"/>
               <a:pPr/>
-              <a:t>12/12/17</a:t>
+              <a:t>12/12/2017</a:t>
             </a:fld>
             <a:endParaRPr lang="en-US" dirty="0"/>
           </a:p>
@@ -4111,7 +4385,7 @@
             <a:fld id="{B61BEF0D-F0BB-DE4B-95CE-6DB70DBA9567}" type="datetimeFigureOut">
               <a:rPr lang="en-US" dirty="0"/>
               <a:pPr/>
-              <a:t>12/12/17</a:t>
+              <a:t>12/12/2017</a:t>
             </a:fld>
             <a:endParaRPr lang="en-US" dirty="0"/>
           </a:p>
@@ -4212,7 +4486,7 @@
           </a:lstStyle>
           <a:p>
             <a:r>
-              <a:rPr lang="en-US" smtClean="0"/>
+              <a:rPr lang="en-US"/>
               <a:t>Click to edit Master title style</a:t>
             </a:r>
             <a:endParaRPr lang="en-US" dirty="0"/>
@@ -4271,35 +4545,35 @@
           <a:p>
             <a:pPr lvl="0"/>
             <a:r>
-              <a:rPr lang="en-US" smtClean="0"/>
+              <a:rPr lang="en-US"/>
               <a:t>Click to edit Master text styles</a:t>
             </a:r>
           </a:p>
           <a:p>
             <a:pPr lvl="1"/>
             <a:r>
-              <a:rPr lang="en-US" smtClean="0"/>
+              <a:rPr lang="en-US"/>
               <a:t>Second level</a:t>
             </a:r>
           </a:p>
           <a:p>
             <a:pPr lvl="2"/>
             <a:r>
-              <a:rPr lang="en-US" smtClean="0"/>
+              <a:rPr lang="en-US"/>
               <a:t>Third level</a:t>
             </a:r>
           </a:p>
           <a:p>
             <a:pPr lvl="3"/>
             <a:r>
-              <a:rPr lang="en-US" smtClean="0"/>
+              <a:rPr lang="en-US"/>
               <a:t>Fourth level</a:t>
             </a:r>
           </a:p>
           <a:p>
             <a:pPr lvl="4"/>
             <a:r>
-              <a:rPr lang="en-US" smtClean="0"/>
+              <a:rPr lang="en-US"/>
               <a:t>Fifth level</a:t>
             </a:r>
             <a:endParaRPr lang="en-US" dirty="0"/>
@@ -4367,7 +4641,7 @@
           <a:p>
             <a:pPr lvl="0"/>
             <a:r>
-              <a:rPr lang="en-US" smtClean="0"/>
+              <a:rPr lang="en-US"/>
               <a:t>Click to edit Master text styles</a:t>
             </a:r>
           </a:p>
@@ -4391,7 +4665,7 @@
             <a:fld id="{B61BEF0D-F0BB-DE4B-95CE-6DB70DBA9567}" type="datetimeFigureOut">
               <a:rPr lang="en-US" dirty="0"/>
               <a:pPr/>
-              <a:t>12/12/17</a:t>
+              <a:t>12/12/2017</a:t>
             </a:fld>
             <a:endParaRPr lang="en-US" dirty="0"/>
           </a:p>
@@ -4492,7 +4766,7 @@
           </a:lstStyle>
           <a:p>
             <a:r>
-              <a:rPr lang="en-US" smtClean="0"/>
+              <a:rPr lang="en-US"/>
               <a:t>Click to edit Master title style</a:t>
             </a:r>
             <a:endParaRPr lang="en-US" dirty="0"/>
@@ -4582,7 +4856,7 @@
           </a:lstStyle>
           <a:p>
             <a:r>
-              <a:rPr lang="en-US" smtClean="0"/>
+              <a:rPr lang="en-US"/>
               <a:t>Drag picture to placeholder or click icon to add</a:t>
             </a:r>
             <a:endParaRPr lang="en-US" dirty="0"/>
@@ -4650,7 +4924,7 @@
           <a:p>
             <a:pPr lvl="0"/>
             <a:r>
-              <a:rPr lang="en-US" smtClean="0"/>
+              <a:rPr lang="en-US"/>
               <a:t>Click to edit Master text styles</a:t>
             </a:r>
           </a:p>
@@ -4679,7 +4953,7 @@
             <a:fld id="{B61BEF0D-F0BB-DE4B-95CE-6DB70DBA9567}" type="datetimeFigureOut">
               <a:rPr lang="en-US" dirty="0"/>
               <a:pPr/>
-              <a:t>12/12/17</a:t>
+              <a:t>12/12/2017</a:t>
             </a:fld>
             <a:endParaRPr lang="en-US" dirty="0"/>
           </a:p>
@@ -4794,7 +5068,7 @@
           <a:lstStyle/>
           <a:p>
             <a:r>
-              <a:rPr lang="en-US" smtClean="0"/>
+              <a:rPr lang="en-US"/>
               <a:t>Click to edit Master title style</a:t>
             </a:r>
             <a:endParaRPr lang="en-US" dirty="0"/>
@@ -4828,35 +5102,35 @@
           <a:p>
             <a:pPr lvl="0"/>
             <a:r>
-              <a:rPr lang="en-US" smtClean="0"/>
+              <a:rPr lang="en-US"/>
               <a:t>Click to edit Master text styles</a:t>
             </a:r>
           </a:p>
           <a:p>
             <a:pPr lvl="1"/>
             <a:r>
-              <a:rPr lang="en-US" smtClean="0"/>
+              <a:rPr lang="en-US"/>
               <a:t>Second level</a:t>
             </a:r>
           </a:p>
           <a:p>
             <a:pPr lvl="2"/>
             <a:r>
-              <a:rPr lang="en-US" smtClean="0"/>
+              <a:rPr lang="en-US"/>
               <a:t>Third level</a:t>
             </a:r>
           </a:p>
           <a:p>
             <a:pPr lvl="3"/>
             <a:r>
-              <a:rPr lang="en-US" smtClean="0"/>
+              <a:rPr lang="en-US"/>
               <a:t>Fourth level</a:t>
             </a:r>
           </a:p>
           <a:p>
             <a:pPr lvl="4"/>
             <a:r>
-              <a:rPr lang="en-US" smtClean="0"/>
+              <a:rPr lang="en-US"/>
               <a:t>Fifth level</a:t>
             </a:r>
             <a:endParaRPr lang="en-US" dirty="0"/>
@@ -4907,7 +5181,7 @@
             <a:fld id="{B61BEF0D-F0BB-DE4B-95CE-6DB70DBA9567}" type="datetimeFigureOut">
               <a:rPr lang="en-US" dirty="0"/>
               <a:pPr/>
-              <a:t>12/12/17</a:t>
+              <a:t>12/12/2017</a:t>
             </a:fld>
             <a:endParaRPr lang="en-US" dirty="0"/>
           </a:p>
@@ -5693,10 +5967,9 @@
           <a:lstStyle/>
           <a:p>
             <a:r>
-              <a:rPr lang="en-US" dirty="0" smtClean="0"/>
+              <a:rPr lang="en-US" dirty="0"/>
               <a:t>RECOMMENDATION SYSTEM YELP DATASET</a:t>
             </a:r>
-            <a:endParaRPr lang="en-US" dirty="0"/>
           </a:p>
         </p:txBody>
       </p:sp>
@@ -5722,17 +5995,16 @@
           <a:p>
             <a:pPr algn="r"/>
             <a:r>
-              <a:rPr lang="en-US" dirty="0" smtClean="0"/>
+              <a:rPr lang="en-US" dirty="0"/>
               <a:t>- VARUN NANDU, ADITYA PRIYADARSHI, XINGXING LIU,</a:t>
             </a:r>
           </a:p>
           <a:p>
             <a:pPr algn="r"/>
             <a:r>
-              <a:rPr lang="en-US" dirty="0" smtClean="0"/>
+              <a:rPr lang="en-US" dirty="0"/>
               <a:t>ABHAY KASTURIA AND GAUTAM VASHISHT</a:t>
             </a:r>
-            <a:endParaRPr lang="en-US" dirty="0"/>
           </a:p>
         </p:txBody>
       </p:sp>
@@ -5746,13 +6018,610 @@
   <p:clrMapOvr>
     <a:masterClrMapping/>
   </p:clrMapOvr>
-  <p:timing>
-    <p:tnLst>
-      <p:par>
-        <p:cTn id="1" dur="indefinite" restart="never" nodeType="tmRoot"/>
-      </p:par>
-    </p:tnLst>
-  </p:timing>
+</p:sld>
+</file>
+
+<file path=ppt/slides/slide10.xml><?xml version="1.0" encoding="utf-8"?>
+<p:sld xmlns:a="http://schemas.openxmlformats.org/drawingml/2006/main" xmlns:r="http://schemas.openxmlformats.org/officeDocument/2006/relationships" xmlns:p="http://schemas.openxmlformats.org/presentationml/2006/main">
+  <p:cSld>
+    <p:spTree>
+      <p:nvGrpSpPr>
+        <p:cNvPr id="1" name=""/>
+        <p:cNvGrpSpPr/>
+        <p:nvPr/>
+      </p:nvGrpSpPr>
+      <p:grpSpPr>
+        <a:xfrm>
+          <a:off x="0" y="0"/>
+          <a:ext cx="0" cy="0"/>
+          <a:chOff x="0" y="0"/>
+          <a:chExt cx="0" cy="0"/>
+        </a:xfrm>
+      </p:grpSpPr>
+      <p:sp>
+        <p:nvSpPr>
+          <p:cNvPr id="2" name="Title 1"/>
+          <p:cNvSpPr>
+            <a:spLocks noGrp="1"/>
+          </p:cNvSpPr>
+          <p:nvPr>
+            <p:ph type="title"/>
+          </p:nvPr>
+        </p:nvSpPr>
+        <p:spPr/>
+        <p:txBody>
+          <a:bodyPr/>
+          <a:lstStyle/>
+          <a:p>
+            <a:r>
+              <a:rPr lang="en-US" dirty="0"/>
+              <a:t>Recommend businesses</a:t>
+            </a:r>
+          </a:p>
+        </p:txBody>
+      </p:sp>
+      <p:sp>
+        <p:nvSpPr>
+          <p:cNvPr id="3" name="Content Placeholder 2"/>
+          <p:cNvSpPr>
+            <a:spLocks noGrp="1"/>
+          </p:cNvSpPr>
+          <p:nvPr>
+            <p:ph idx="1"/>
+          </p:nvPr>
+        </p:nvSpPr>
+        <p:spPr/>
+        <p:txBody>
+          <a:bodyPr/>
+          <a:lstStyle/>
+          <a:p>
+            <a:r>
+              <a:rPr lang="en-US" dirty="0"/>
+              <a:t>Calculate average preference vector</a:t>
+            </a:r>
+          </a:p>
+          <a:p>
+            <a:r>
+              <a:rPr lang="en-US" dirty="0"/>
+              <a:t>Calculate dot product with each business vector</a:t>
+            </a:r>
+          </a:p>
+          <a:p>
+            <a:r>
+              <a:rPr lang="en-US" dirty="0"/>
+              <a:t>Sort the businesses based on decreasing value of the above dot product</a:t>
+            </a:r>
+          </a:p>
+          <a:p>
+            <a:r>
+              <a:rPr lang="en-US" dirty="0"/>
+              <a:t>Take out first 20 businesses as your top recommendations</a:t>
+            </a:r>
+          </a:p>
+        </p:txBody>
+      </p:sp>
+    </p:spTree>
+    <p:extLst>
+      <p:ext uri="{BB962C8B-B14F-4D97-AF65-F5344CB8AC3E}">
+        <p14:creationId xmlns:p14="http://schemas.microsoft.com/office/powerpoint/2010/main" val="1445313786"/>
+      </p:ext>
+    </p:extLst>
+  </p:cSld>
+  <p:clrMapOvr>
+    <a:masterClrMapping/>
+  </p:clrMapOvr>
+</p:sld>
+</file>
+
+<file path=ppt/slides/slide11.xml><?xml version="1.0" encoding="utf-8"?>
+<p:sld xmlns:a="http://schemas.openxmlformats.org/drawingml/2006/main" xmlns:r="http://schemas.openxmlformats.org/officeDocument/2006/relationships" xmlns:p="http://schemas.openxmlformats.org/presentationml/2006/main">
+  <p:cSld>
+    <p:spTree>
+      <p:nvGrpSpPr>
+        <p:cNvPr id="1" name=""/>
+        <p:cNvGrpSpPr/>
+        <p:nvPr/>
+      </p:nvGrpSpPr>
+      <p:grpSpPr>
+        <a:xfrm>
+          <a:off x="0" y="0"/>
+          <a:ext cx="0" cy="0"/>
+          <a:chOff x="0" y="0"/>
+          <a:chExt cx="0" cy="0"/>
+        </a:xfrm>
+      </p:grpSpPr>
+      <p:sp>
+        <p:nvSpPr>
+          <p:cNvPr id="2" name="Title 1"/>
+          <p:cNvSpPr>
+            <a:spLocks noGrp="1"/>
+          </p:cNvSpPr>
+          <p:nvPr>
+            <p:ph type="title"/>
+          </p:nvPr>
+        </p:nvSpPr>
+        <p:spPr/>
+        <p:txBody>
+          <a:bodyPr/>
+          <a:lstStyle/>
+          <a:p>
+            <a:r>
+              <a:rPr lang="en-US" dirty="0"/>
+              <a:t>Evaluation and results of clustering based recommendation</a:t>
+            </a:r>
+          </a:p>
+        </p:txBody>
+      </p:sp>
+      <p:sp>
+        <p:nvSpPr>
+          <p:cNvPr id="4" name="Content Placeholder 3"/>
+          <p:cNvSpPr>
+            <a:spLocks noGrp="1"/>
+          </p:cNvSpPr>
+          <p:nvPr>
+            <p:ph sz="half" idx="1"/>
+          </p:nvPr>
+        </p:nvSpPr>
+        <p:spPr/>
+        <p:txBody>
+          <a:bodyPr/>
+          <a:lstStyle/>
+          <a:p>
+            <a:r>
+              <a:rPr lang="en-US" dirty="0"/>
+              <a:t>Hit ratio</a:t>
+            </a:r>
+          </a:p>
+          <a:p>
+            <a:r>
+              <a:rPr lang="en-US" dirty="0"/>
+              <a:t>Normalized discounted cumulative gain (NDCG)</a:t>
+            </a:r>
+          </a:p>
+        </p:txBody>
+      </p:sp>
+      <p:pic>
+        <p:nvPicPr>
+          <p:cNvPr id="6" name="Content Placeholder 5"/>
+          <p:cNvPicPr>
+            <a:picLocks noGrp="1" noChangeAspect="1"/>
+          </p:cNvPicPr>
+          <p:nvPr>
+            <p:ph sz="half" idx="2"/>
+          </p:nvPr>
+        </p:nvPicPr>
+        <p:blipFill>
+          <a:blip r:embed="rId2">
+            <a:extLst>
+              <a:ext uri="{28A0092B-C50C-407E-A947-70E740481C1C}">
+                <a14:useLocalDpi xmlns:a14="http://schemas.microsoft.com/office/drawing/2010/main" val="0"/>
+              </a:ext>
+            </a:extLst>
+          </a:blip>
+          <a:stretch>
+            <a:fillRect/>
+          </a:stretch>
+        </p:blipFill>
+        <p:spPr>
+          <a:xfrm>
+            <a:off x="6672263" y="1791233"/>
+            <a:ext cx="3471862" cy="4370177"/>
+          </a:xfrm>
+        </p:spPr>
+      </p:pic>
+    </p:spTree>
+    <p:extLst>
+      <p:ext uri="{BB962C8B-B14F-4D97-AF65-F5344CB8AC3E}">
+        <p14:creationId xmlns:p14="http://schemas.microsoft.com/office/powerpoint/2010/main" val="1189300681"/>
+      </p:ext>
+    </p:extLst>
+  </p:cSld>
+  <p:clrMapOvr>
+    <a:masterClrMapping/>
+  </p:clrMapOvr>
+</p:sld>
+</file>
+
+<file path=ppt/slides/slide12.xml><?xml version="1.0" encoding="utf-8"?>
+<p:sld xmlns:a="http://schemas.openxmlformats.org/drawingml/2006/main" xmlns:r="http://schemas.openxmlformats.org/officeDocument/2006/relationships" xmlns:p="http://schemas.openxmlformats.org/presentationml/2006/main">
+  <p:cSld>
+    <p:spTree>
+      <p:nvGrpSpPr>
+        <p:cNvPr id="1" name=""/>
+        <p:cNvGrpSpPr/>
+        <p:nvPr/>
+      </p:nvGrpSpPr>
+      <p:grpSpPr>
+        <a:xfrm>
+          <a:off x="0" y="0"/>
+          <a:ext cx="0" cy="0"/>
+          <a:chOff x="0" y="0"/>
+          <a:chExt cx="0" cy="0"/>
+        </a:xfrm>
+      </p:grpSpPr>
+      <p:sp>
+        <p:nvSpPr>
+          <p:cNvPr id="2" name="Title 1">
+            <a:extLst>
+              <a:ext uri="{FF2B5EF4-FFF2-40B4-BE49-F238E27FC236}">
+                <a16:creationId xmlns:a16="http://schemas.microsoft.com/office/drawing/2014/main" id="{B5B988DD-3CEA-4306-9333-C8B9309F3C73}"/>
+              </a:ext>
+            </a:extLst>
+          </p:cNvPr>
+          <p:cNvSpPr>
+            <a:spLocks noGrp="1"/>
+          </p:cNvSpPr>
+          <p:nvPr>
+            <p:ph type="title"/>
+          </p:nvPr>
+        </p:nvSpPr>
+        <p:spPr/>
+        <p:txBody>
+          <a:bodyPr/>
+          <a:lstStyle/>
+          <a:p>
+            <a:r>
+              <a:rPr lang="en-IN" dirty="0"/>
+              <a:t>Deep Learning based approach</a:t>
+            </a:r>
+          </a:p>
+        </p:txBody>
+      </p:sp>
+      <p:sp>
+        <p:nvSpPr>
+          <p:cNvPr id="3" name="Content Placeholder 2">
+            <a:extLst>
+              <a:ext uri="{FF2B5EF4-FFF2-40B4-BE49-F238E27FC236}">
+                <a16:creationId xmlns:a16="http://schemas.microsoft.com/office/drawing/2014/main" id="{E629C9F5-B61D-4EEA-ABF2-D845038A52CF}"/>
+              </a:ext>
+            </a:extLst>
+          </p:cNvPr>
+          <p:cNvSpPr>
+            <a:spLocks noGrp="1"/>
+          </p:cNvSpPr>
+          <p:nvPr>
+            <p:ph sz="half" idx="1"/>
+          </p:nvPr>
+        </p:nvSpPr>
+        <p:spPr>
+          <a:xfrm>
+            <a:off x="1141412" y="2666999"/>
+            <a:ext cx="9990876" cy="3124201"/>
+          </a:xfrm>
+        </p:spPr>
+        <p:txBody>
+          <a:bodyPr/>
+          <a:lstStyle/>
+          <a:p>
+            <a:r>
+              <a:rPr lang="en-IN" dirty="0"/>
+              <a:t>Uses multi-layer perceptron (MLP) to learn user-item interaction</a:t>
+            </a:r>
+          </a:p>
+          <a:p>
+            <a:r>
+              <a:rPr lang="en-IN" dirty="0"/>
+              <a:t>Uses implicit feedback rather than explicit reviews</a:t>
+            </a:r>
+          </a:p>
+          <a:p>
+            <a:endParaRPr lang="en-IN" dirty="0"/>
+          </a:p>
+        </p:txBody>
+      </p:sp>
+      <p:pic>
+        <p:nvPicPr>
+          <p:cNvPr id="6" name="Picture 5">
+            <a:extLst>
+              <a:ext uri="{FF2B5EF4-FFF2-40B4-BE49-F238E27FC236}">
+                <a16:creationId xmlns:a16="http://schemas.microsoft.com/office/drawing/2014/main" id="{F4F9CB59-64AC-4445-AEB9-F9F8ADE9EAFC}"/>
+              </a:ext>
+            </a:extLst>
+          </p:cNvPr>
+          <p:cNvPicPr>
+            <a:picLocks noChangeAspect="1"/>
+          </p:cNvPicPr>
+          <p:nvPr/>
+        </p:nvPicPr>
+        <p:blipFill>
+          <a:blip r:embed="rId2"/>
+          <a:stretch>
+            <a:fillRect/>
+          </a:stretch>
+        </p:blipFill>
+        <p:spPr>
+          <a:xfrm>
+            <a:off x="2349796" y="5124893"/>
+            <a:ext cx="6836734" cy="999460"/>
+          </a:xfrm>
+          <a:prstGeom prst="rect">
+            <a:avLst/>
+          </a:prstGeom>
+        </p:spPr>
+      </p:pic>
+    </p:spTree>
+    <p:extLst>
+      <p:ext uri="{BB962C8B-B14F-4D97-AF65-F5344CB8AC3E}">
+        <p14:creationId xmlns:p14="http://schemas.microsoft.com/office/powerpoint/2010/main" val="1963870073"/>
+      </p:ext>
+    </p:extLst>
+  </p:cSld>
+  <p:clrMapOvr>
+    <a:masterClrMapping/>
+  </p:clrMapOvr>
+</p:sld>
+</file>
+
+<file path=ppt/slides/slide13.xml><?xml version="1.0" encoding="utf-8"?>
+<p:sld xmlns:a="http://schemas.openxmlformats.org/drawingml/2006/main" xmlns:r="http://schemas.openxmlformats.org/officeDocument/2006/relationships" xmlns:p="http://schemas.openxmlformats.org/presentationml/2006/main">
+  <p:cSld>
+    <p:bg>
+      <p:bgPr>
+        <a:blipFill rotWithShape="1">
+          <a:blip r:embed="rId2">
+            <a:duotone>
+              <a:schemeClr val="bg2">
+                <a:shade val="28000"/>
+                <a:satMod val="94000"/>
+                <a:lumMod val="20000"/>
+              </a:schemeClr>
+              <a:schemeClr val="bg2">
+                <a:tint val="94000"/>
+                <a:shade val="84000"/>
+                <a:satMod val="148000"/>
+                <a:lumMod val="114000"/>
+              </a:schemeClr>
+            </a:duotone>
+            <a:extLst/>
+          </a:blip>
+          <a:stretch/>
+        </a:blipFill>
+        <a:effectLst/>
+      </p:bgPr>
+    </p:bg>
+    <p:spTree>
+      <p:nvGrpSpPr>
+        <p:cNvPr id="1" name=""/>
+        <p:cNvGrpSpPr/>
+        <p:nvPr/>
+      </p:nvGrpSpPr>
+      <p:grpSpPr>
+        <a:xfrm>
+          <a:off x="0" y="0"/>
+          <a:ext cx="0" cy="0"/>
+          <a:chOff x="0" y="0"/>
+          <a:chExt cx="0" cy="0"/>
+        </a:xfrm>
+      </p:grpSpPr>
+      <p:pic>
+        <p:nvPicPr>
+          <p:cNvPr id="6" name="Content Placeholder 5" descr="A close up of a map&#10;&#10;Description generated with very high confidence">
+            <a:extLst>
+              <a:ext uri="{FF2B5EF4-FFF2-40B4-BE49-F238E27FC236}">
+                <a16:creationId xmlns:a16="http://schemas.microsoft.com/office/drawing/2014/main" id="{2C3FC618-4A0F-4D6C-B3FB-3EBE29DEEC71}"/>
+              </a:ext>
+            </a:extLst>
+          </p:cNvPr>
+          <p:cNvPicPr>
+            <a:picLocks noGrp="1" noChangeAspect="1"/>
+          </p:cNvPicPr>
+          <p:nvPr>
+            <p:ph sz="half" idx="1"/>
+          </p:nvPr>
+        </p:nvPicPr>
+        <p:blipFill>
+          <a:blip r:embed="rId3"/>
+          <a:stretch>
+            <a:fillRect/>
+          </a:stretch>
+        </p:blipFill>
+        <p:spPr>
+          <a:xfrm>
+            <a:off x="4783612" y="1116021"/>
+            <a:ext cx="6915663" cy="4235842"/>
+          </a:xfrm>
+          <a:prstGeom prst="roundRect">
+            <a:avLst>
+              <a:gd name="adj" fmla="val 3517"/>
+            </a:avLst>
+          </a:prstGeom>
+          <a:ln w="38100">
+            <a:gradFill flip="none" rotWithShape="1">
+              <a:gsLst>
+                <a:gs pos="0">
+                  <a:srgbClr val="363D46"/>
+                </a:gs>
+                <a:gs pos="100000">
+                  <a:srgbClr val="363D46">
+                    <a:lumMod val="75000"/>
+                  </a:srgbClr>
+                </a:gs>
+              </a:gsLst>
+              <a:lin ang="5400000" scaled="0"/>
+              <a:tileRect/>
+            </a:gradFill>
+          </a:ln>
+          <a:effectLst>
+            <a:innerShdw blurRad="57150" dist="38100" dir="14460000">
+              <a:srgbClr val="000000">
+                <a:alpha val="70000"/>
+              </a:srgbClr>
+            </a:innerShdw>
+          </a:effectLst>
+        </p:spPr>
+      </p:pic>
+      <p:sp>
+        <p:nvSpPr>
+          <p:cNvPr id="2" name="Title 1">
+            <a:extLst>
+              <a:ext uri="{FF2B5EF4-FFF2-40B4-BE49-F238E27FC236}">
+                <a16:creationId xmlns:a16="http://schemas.microsoft.com/office/drawing/2014/main" id="{8DDE080F-369D-45F0-AFC1-59F520CB0A99}"/>
+              </a:ext>
+            </a:extLst>
+          </p:cNvPr>
+          <p:cNvSpPr>
+            <a:spLocks noGrp="1"/>
+          </p:cNvSpPr>
+          <p:nvPr>
+            <p:ph type="title"/>
+          </p:nvPr>
+        </p:nvSpPr>
+        <p:spPr>
+          <a:xfrm>
+            <a:off x="296013" y="60252"/>
+            <a:ext cx="3369133" cy="3642851"/>
+          </a:xfrm>
+        </p:spPr>
+        <p:txBody>
+          <a:bodyPr vert="horz" lIns="91440" tIns="45720" rIns="91440" bIns="45720" rtlCol="0" anchor="b">
+            <a:normAutofit/>
+          </a:bodyPr>
+          <a:lstStyle/>
+          <a:p>
+            <a:pPr algn="ctr"/>
+            <a:r>
+              <a:rPr lang="en-US" sz="3400" dirty="0">
+                <a:effectLst>
+                  <a:glow rad="38100">
+                    <a:schemeClr val="bg1">
+                      <a:lumMod val="65000"/>
+                      <a:lumOff val="35000"/>
+                      <a:alpha val="50000"/>
+                    </a:schemeClr>
+                  </a:glow>
+                  <a:outerShdw blurRad="28575" dist="31750" dir="13200000" algn="tl" rotWithShape="0">
+                    <a:srgbClr val="000000">
+                      <a:alpha val="25000"/>
+                    </a:srgbClr>
+                  </a:outerShdw>
+                </a:effectLst>
+              </a:rPr>
+              <a:t>Model architecture</a:t>
+            </a:r>
+          </a:p>
+        </p:txBody>
+      </p:sp>
+    </p:spTree>
+    <p:extLst>
+      <p:ext uri="{BB962C8B-B14F-4D97-AF65-F5344CB8AC3E}">
+        <p14:creationId xmlns:p14="http://schemas.microsoft.com/office/powerpoint/2010/main" val="482401313"/>
+      </p:ext>
+    </p:extLst>
+  </p:cSld>
+  <p:clrMapOvr>
+    <a:masterClrMapping/>
+  </p:clrMapOvr>
+</p:sld>
+</file>
+
+<file path=ppt/slides/slide14.xml><?xml version="1.0" encoding="utf-8"?>
+<p:sld xmlns:a="http://schemas.openxmlformats.org/drawingml/2006/main" xmlns:r="http://schemas.openxmlformats.org/officeDocument/2006/relationships" xmlns:p="http://schemas.openxmlformats.org/presentationml/2006/main">
+  <p:cSld>
+    <p:spTree>
+      <p:nvGrpSpPr>
+        <p:cNvPr id="1" name=""/>
+        <p:cNvGrpSpPr/>
+        <p:nvPr/>
+      </p:nvGrpSpPr>
+      <p:grpSpPr>
+        <a:xfrm>
+          <a:off x="0" y="0"/>
+          <a:ext cx="0" cy="0"/>
+          <a:chOff x="0" y="0"/>
+          <a:chExt cx="0" cy="0"/>
+        </a:xfrm>
+      </p:grpSpPr>
+      <p:sp>
+        <p:nvSpPr>
+          <p:cNvPr id="2" name="Title 1">
+            <a:extLst>
+              <a:ext uri="{FF2B5EF4-FFF2-40B4-BE49-F238E27FC236}">
+                <a16:creationId xmlns:a16="http://schemas.microsoft.com/office/drawing/2014/main" id="{2FD8CD52-7B04-44C1-81F8-F6083BC044BB}"/>
+              </a:ext>
+            </a:extLst>
+          </p:cNvPr>
+          <p:cNvSpPr>
+            <a:spLocks noGrp="1"/>
+          </p:cNvSpPr>
+          <p:nvPr>
+            <p:ph type="title"/>
+          </p:nvPr>
+        </p:nvSpPr>
+        <p:spPr/>
+        <p:txBody>
+          <a:bodyPr/>
+          <a:lstStyle/>
+          <a:p>
+            <a:r>
+              <a:rPr lang="en-IN" dirty="0"/>
+              <a:t>Evaluation (DNN Method)</a:t>
+            </a:r>
+          </a:p>
+        </p:txBody>
+      </p:sp>
+      <p:sp>
+        <p:nvSpPr>
+          <p:cNvPr id="3" name="Content Placeholder 2">
+            <a:extLst>
+              <a:ext uri="{FF2B5EF4-FFF2-40B4-BE49-F238E27FC236}">
+                <a16:creationId xmlns:a16="http://schemas.microsoft.com/office/drawing/2014/main" id="{EF1E5ACD-A634-4E52-9F70-65709F9A6A6A}"/>
+              </a:ext>
+            </a:extLst>
+          </p:cNvPr>
+          <p:cNvSpPr>
+            <a:spLocks noGrp="1"/>
+          </p:cNvSpPr>
+          <p:nvPr>
+            <p:ph sz="half" idx="1"/>
+          </p:nvPr>
+        </p:nvSpPr>
+        <p:spPr>
+          <a:xfrm>
+            <a:off x="1141411" y="2666999"/>
+            <a:ext cx="9905999" cy="3124201"/>
+          </a:xfrm>
+        </p:spPr>
+        <p:txBody>
+          <a:bodyPr/>
+          <a:lstStyle/>
+          <a:p>
+            <a:r>
+              <a:rPr lang="en-IN" dirty="0"/>
+              <a:t>Trained model using 4 hidden layers with [64,32,16,8] factors.</a:t>
+            </a:r>
+          </a:p>
+          <a:p>
+            <a:r>
+              <a:rPr lang="en-IN" dirty="0"/>
+              <a:t>Used hit ratio and </a:t>
+            </a:r>
+            <a:r>
+              <a:rPr lang="en-IN" dirty="0" err="1"/>
+              <a:t>ndcg</a:t>
+            </a:r>
+            <a:r>
+              <a:rPr lang="en-IN" dirty="0"/>
+              <a:t> to measure quality</a:t>
+            </a:r>
+          </a:p>
+          <a:p>
+            <a:r>
+              <a:rPr lang="en-IN" dirty="0"/>
+              <a:t>Best model – hit ratio (0.8197) and NDCG (0.6220)</a:t>
+            </a:r>
+          </a:p>
+        </p:txBody>
+      </p:sp>
+    </p:spTree>
+    <p:extLst>
+      <p:ext uri="{BB962C8B-B14F-4D97-AF65-F5344CB8AC3E}">
+        <p14:creationId xmlns:p14="http://schemas.microsoft.com/office/powerpoint/2010/main" val="3839082217"/>
+      </p:ext>
+    </p:extLst>
+  </p:cSld>
+  <p:clrMapOvr>
+    <a:masterClrMapping/>
+  </p:clrMapOvr>
 </p:sld>
 </file>
 
@@ -5789,10 +6658,9 @@
           <a:lstStyle/>
           <a:p>
             <a:r>
-              <a:rPr lang="en-US" dirty="0" smtClean="0"/>
+              <a:rPr lang="en-US" dirty="0"/>
               <a:t>outline</a:t>
             </a:r>
-            <a:endParaRPr lang="en-US" dirty="0"/>
           </a:p>
         </p:txBody>
       </p:sp>
@@ -5812,40 +6680,39 @@
           <a:lstStyle/>
           <a:p>
             <a:r>
-              <a:rPr lang="en-US" dirty="0" smtClean="0"/>
+              <a:rPr lang="en-US" dirty="0"/>
               <a:t>Introduction</a:t>
             </a:r>
           </a:p>
           <a:p>
             <a:r>
-              <a:rPr lang="en-US" dirty="0" smtClean="0"/>
+              <a:rPr lang="en-US" dirty="0"/>
               <a:t>Dataset used and its preprocessing</a:t>
             </a:r>
           </a:p>
           <a:p>
             <a:r>
-              <a:rPr lang="en-US" dirty="0" smtClean="0"/>
+              <a:rPr lang="en-US" dirty="0"/>
               <a:t>Clustering</a:t>
             </a:r>
           </a:p>
           <a:p>
             <a:r>
-              <a:rPr lang="en-US" dirty="0" smtClean="0"/>
+              <a:rPr lang="en-US" dirty="0"/>
               <a:t>Collaborative filtering</a:t>
             </a:r>
           </a:p>
           <a:p>
             <a:r>
-              <a:rPr lang="en-US" dirty="0" smtClean="0"/>
+              <a:rPr lang="en-US" dirty="0"/>
               <a:t>Multi layer perceptron</a:t>
             </a:r>
           </a:p>
           <a:p>
             <a:r>
-              <a:rPr lang="en-US" dirty="0" smtClean="0"/>
+              <a:rPr lang="en-US" dirty="0"/>
               <a:t>Evaluation and results</a:t>
             </a:r>
-            <a:endParaRPr lang="en-US" dirty="0"/>
           </a:p>
         </p:txBody>
       </p:sp>
@@ -5859,13 +6726,6 @@
   <p:clrMapOvr>
     <a:masterClrMapping/>
   </p:clrMapOvr>
-  <p:timing>
-    <p:tnLst>
-      <p:par>
-        <p:cTn id="1" dur="indefinite" restart="never" nodeType="tmRoot"/>
-      </p:par>
-    </p:tnLst>
-  </p:timing>
 </p:sld>
 </file>
 
@@ -5907,10 +6767,9 @@
           <a:lstStyle/>
           <a:p>
             <a:r>
-              <a:rPr lang="en-US" dirty="0" smtClean="0"/>
+              <a:rPr lang="en-US" dirty="0"/>
               <a:t>introduction</a:t>
             </a:r>
-            <a:endParaRPr lang="en-US" dirty="0"/>
           </a:p>
         </p:txBody>
       </p:sp>
@@ -5983,13 +6842,6 @@
   <p:clrMapOvr>
     <a:masterClrMapping/>
   </p:clrMapOvr>
-  <p:timing>
-    <p:tnLst>
-      <p:par>
-        <p:cTn id="1" dur="indefinite" restart="never" nodeType="tmRoot"/>
-      </p:par>
-    </p:tnLst>
-  </p:timing>
 </p:sld>
 </file>
 
@@ -6026,10 +6878,9 @@
           <a:lstStyle/>
           <a:p>
             <a:r>
-              <a:rPr lang="en-US" dirty="0" smtClean="0"/>
+              <a:rPr lang="en-US" dirty="0"/>
               <a:t>Yelp dataset and its features</a:t>
             </a:r>
-            <a:endParaRPr lang="en-US" dirty="0"/>
           </a:p>
         </p:txBody>
       </p:sp>
@@ -6094,6 +6945,104 @@
       </p:grpSpPr>
       <p:sp>
         <p:nvSpPr>
+          <p:cNvPr id="2" name="Title 1">
+            <a:extLst>
+              <a:ext uri="{FF2B5EF4-FFF2-40B4-BE49-F238E27FC236}">
+                <a16:creationId xmlns:a16="http://schemas.microsoft.com/office/drawing/2014/main" id="{64328DD1-FC2A-4501-991C-B997205E885B}"/>
+              </a:ext>
+            </a:extLst>
+          </p:cNvPr>
+          <p:cNvSpPr>
+            <a:spLocks noGrp="1"/>
+          </p:cNvSpPr>
+          <p:nvPr>
+            <p:ph type="title"/>
+          </p:nvPr>
+        </p:nvSpPr>
+        <p:spPr/>
+        <p:txBody>
+          <a:bodyPr/>
+          <a:lstStyle/>
+          <a:p>
+            <a:r>
+              <a:rPr lang="en-IN" dirty="0"/>
+              <a:t>Data Pre-processing</a:t>
+            </a:r>
+          </a:p>
+        </p:txBody>
+      </p:sp>
+      <p:sp>
+        <p:nvSpPr>
+          <p:cNvPr id="3" name="Content Placeholder 2">
+            <a:extLst>
+              <a:ext uri="{FF2B5EF4-FFF2-40B4-BE49-F238E27FC236}">
+                <a16:creationId xmlns:a16="http://schemas.microsoft.com/office/drawing/2014/main" id="{E5801039-0831-46C3-BBC4-8A94ADD5C881}"/>
+              </a:ext>
+            </a:extLst>
+          </p:cNvPr>
+          <p:cNvSpPr>
+            <a:spLocks noGrp="1"/>
+          </p:cNvSpPr>
+          <p:nvPr>
+            <p:ph idx="1"/>
+          </p:nvPr>
+        </p:nvSpPr>
+        <p:spPr/>
+        <p:txBody>
+          <a:bodyPr/>
+          <a:lstStyle/>
+          <a:p>
+            <a:r>
+              <a:rPr lang="en-IN" dirty="0"/>
+              <a:t>Filter Businesses by category (only restaurant category select) – 48, 349</a:t>
+            </a:r>
+          </a:p>
+          <a:p>
+            <a:r>
+              <a:rPr lang="en-IN" dirty="0"/>
+              <a:t>Filter users by review count (Min Review : 20) – 19, 771</a:t>
+            </a:r>
+          </a:p>
+          <a:p>
+            <a:r>
+              <a:rPr lang="en-IN" dirty="0"/>
+              <a:t>Divide reviews into training and test set – 9,08,436 Training  and 19,771 Test</a:t>
+            </a:r>
+          </a:p>
+        </p:txBody>
+      </p:sp>
+    </p:spTree>
+    <p:extLst>
+      <p:ext uri="{BB962C8B-B14F-4D97-AF65-F5344CB8AC3E}">
+        <p14:creationId xmlns:p14="http://schemas.microsoft.com/office/powerpoint/2010/main" val="1634841487"/>
+      </p:ext>
+    </p:extLst>
+  </p:cSld>
+  <p:clrMapOvr>
+    <a:masterClrMapping/>
+  </p:clrMapOvr>
+</p:sld>
+</file>
+
+<file path=ppt/slides/slide6.xml><?xml version="1.0" encoding="utf-8"?>
+<p:sld xmlns:a="http://schemas.openxmlformats.org/drawingml/2006/main" xmlns:r="http://schemas.openxmlformats.org/officeDocument/2006/relationships" xmlns:p="http://schemas.openxmlformats.org/presentationml/2006/main">
+  <p:cSld>
+    <p:spTree>
+      <p:nvGrpSpPr>
+        <p:cNvPr id="1" name=""/>
+        <p:cNvGrpSpPr/>
+        <p:nvPr/>
+      </p:nvGrpSpPr>
+      <p:grpSpPr>
+        <a:xfrm>
+          <a:off x="0" y="0"/>
+          <a:ext cx="0" cy="0"/>
+          <a:chOff x="0" y="0"/>
+          <a:chExt cx="0" cy="0"/>
+        </a:xfrm>
+      </p:grpSpPr>
+      <p:sp>
+        <p:nvSpPr>
           <p:cNvPr id="5" name="Title 4"/>
           <p:cNvSpPr>
             <a:spLocks noGrp="1"/>
@@ -6102,16 +7051,173 @@
             <p:ph type="title"/>
           </p:nvPr>
         </p:nvSpPr>
-        <p:spPr/>
-        <p:txBody>
-          <a:bodyPr/>
-          <a:lstStyle/>
-          <a:p>
-            <a:r>
-              <a:rPr lang="en-US" dirty="0" smtClean="0"/>
-              <a:t>Dataset Preprocessing</a:t>
-            </a:r>
-            <a:endParaRPr lang="en-US" dirty="0"/>
+        <p:spPr>
+          <a:xfrm>
+            <a:off x="1141413" y="609600"/>
+            <a:ext cx="9905998" cy="1905000"/>
+          </a:xfrm>
+        </p:spPr>
+        <p:txBody>
+          <a:bodyPr/>
+          <a:lstStyle/>
+          <a:p>
+            <a:r>
+              <a:rPr lang="en-US" dirty="0"/>
+              <a:t>Dataset Analysis</a:t>
+            </a:r>
+          </a:p>
+        </p:txBody>
+      </p:sp>
+      <p:sp>
+        <p:nvSpPr>
+          <p:cNvPr id="6" name="Content Placeholder 5"/>
+          <p:cNvSpPr>
+            <a:spLocks noGrp="1"/>
+          </p:cNvSpPr>
+          <p:nvPr>
+            <p:ph idx="1"/>
+          </p:nvPr>
+        </p:nvSpPr>
+        <p:spPr>
+          <a:xfrm>
+            <a:off x="1141413" y="2410044"/>
+            <a:ext cx="6502400" cy="2547939"/>
+          </a:xfrm>
+        </p:spPr>
+        <p:txBody>
+          <a:bodyPr/>
+          <a:lstStyle/>
+          <a:p>
+            <a:r>
+              <a:rPr lang="en-US" dirty="0"/>
+              <a:t>rating per user</a:t>
+            </a:r>
+          </a:p>
+          <a:p>
+            <a:r>
+              <a:rPr lang="en-US" dirty="0"/>
+              <a:t>Review count per user</a:t>
+            </a:r>
+          </a:p>
+          <a:p>
+            <a:endParaRPr lang="en-US" dirty="0"/>
+          </a:p>
+        </p:txBody>
+      </p:sp>
+      <p:pic>
+        <p:nvPicPr>
+          <p:cNvPr id="3" name="Picture 2">
+            <a:extLst>
+              <a:ext uri="{FF2B5EF4-FFF2-40B4-BE49-F238E27FC236}">
+                <a16:creationId xmlns:a16="http://schemas.microsoft.com/office/drawing/2014/main" id="{974A4BF6-6710-4CD5-AEBB-4E04BC431CF3}"/>
+              </a:ext>
+            </a:extLst>
+          </p:cNvPr>
+          <p:cNvPicPr>
+            <a:picLocks noChangeAspect="1"/>
+          </p:cNvPicPr>
+          <p:nvPr/>
+        </p:nvPicPr>
+        <p:blipFill>
+          <a:blip r:embed="rId2"/>
+          <a:stretch>
+            <a:fillRect/>
+          </a:stretch>
+        </p:blipFill>
+        <p:spPr>
+          <a:xfrm>
+            <a:off x="6118797" y="-38278"/>
+            <a:ext cx="6073202" cy="3467278"/>
+          </a:xfrm>
+          <a:prstGeom prst="rect">
+            <a:avLst/>
+          </a:prstGeom>
+        </p:spPr>
+      </p:pic>
+      <p:pic>
+        <p:nvPicPr>
+          <p:cNvPr id="7" name="Picture 6" descr="A screenshot of a cell phone&#10;&#10;Description generated with very high confidence">
+            <a:extLst>
+              <a:ext uri="{FF2B5EF4-FFF2-40B4-BE49-F238E27FC236}">
+                <a16:creationId xmlns:a16="http://schemas.microsoft.com/office/drawing/2014/main" id="{3372DF14-1931-43AA-91BD-59A5B218EB62}"/>
+              </a:ext>
+            </a:extLst>
+          </p:cNvPr>
+          <p:cNvPicPr>
+            <a:picLocks noChangeAspect="1"/>
+          </p:cNvPicPr>
+          <p:nvPr/>
+        </p:nvPicPr>
+        <p:blipFill>
+          <a:blip r:embed="rId3"/>
+          <a:stretch>
+            <a:fillRect/>
+          </a:stretch>
+        </p:blipFill>
+        <p:spPr>
+          <a:xfrm>
+            <a:off x="6118798" y="3365321"/>
+            <a:ext cx="6073202" cy="3492679"/>
+          </a:xfrm>
+          <a:prstGeom prst="rect">
+            <a:avLst/>
+          </a:prstGeom>
+        </p:spPr>
+      </p:pic>
+    </p:spTree>
+    <p:extLst>
+      <p:ext uri="{BB962C8B-B14F-4D97-AF65-F5344CB8AC3E}">
+        <p14:creationId xmlns:p14="http://schemas.microsoft.com/office/powerpoint/2010/main" val="1561574345"/>
+      </p:ext>
+    </p:extLst>
+  </p:cSld>
+  <p:clrMapOvr>
+    <a:masterClrMapping/>
+  </p:clrMapOvr>
+</p:sld>
+</file>
+
+<file path=ppt/slides/slide7.xml><?xml version="1.0" encoding="utf-8"?>
+<p:sld xmlns:a="http://schemas.openxmlformats.org/drawingml/2006/main" xmlns:r="http://schemas.openxmlformats.org/officeDocument/2006/relationships" xmlns:p="http://schemas.openxmlformats.org/presentationml/2006/main">
+  <p:cSld>
+    <p:spTree>
+      <p:nvGrpSpPr>
+        <p:cNvPr id="1" name=""/>
+        <p:cNvGrpSpPr/>
+        <p:nvPr/>
+      </p:nvGrpSpPr>
+      <p:grpSpPr>
+        <a:xfrm>
+          <a:off x="0" y="0"/>
+          <a:ext cx="0" cy="0"/>
+          <a:chOff x="0" y="0"/>
+          <a:chExt cx="0" cy="0"/>
+        </a:xfrm>
+      </p:grpSpPr>
+      <p:sp>
+        <p:nvSpPr>
+          <p:cNvPr id="5" name="Title 4"/>
+          <p:cNvSpPr>
+            <a:spLocks noGrp="1"/>
+          </p:cNvSpPr>
+          <p:nvPr>
+            <p:ph type="title"/>
+          </p:nvPr>
+        </p:nvSpPr>
+        <p:spPr>
+          <a:xfrm>
+            <a:off x="1141413" y="609600"/>
+            <a:ext cx="9905998" cy="1905000"/>
+          </a:xfrm>
+        </p:spPr>
+        <p:txBody>
+          <a:bodyPr/>
+          <a:lstStyle/>
+          <a:p>
+            <a:r>
+              <a:rPr lang="en-US" dirty="0"/>
+              <a:t>Dataset Analysis</a:t>
+            </a:r>
           </a:p>
         </p:txBody>
       </p:sp>
@@ -6136,20 +7242,19 @@
           <a:lstStyle/>
           <a:p>
             <a:r>
-              <a:rPr lang="en-US" dirty="0" smtClean="0"/>
-              <a:t>Division of testing and training data</a:t>
-            </a:r>
-          </a:p>
-          <a:p>
-            <a:r>
-              <a:rPr lang="en-US" dirty="0" smtClean="0"/>
-              <a:t>Top cities</a:t>
-            </a:r>
-          </a:p>
-          <a:p>
-            <a:r>
-              <a:rPr lang="en-US" dirty="0" smtClean="0"/>
-              <a:t>Top businesses</a:t>
+              <a:rPr lang="en-US" dirty="0"/>
+              <a:t>Top category in popular city like las </a:t>
+            </a:r>
+            <a:r>
+              <a:rPr lang="en-US" dirty="0" err="1"/>
+              <a:t>vegas</a:t>
+            </a:r>
+            <a:endParaRPr lang="en-US" dirty="0"/>
+          </a:p>
+          <a:p>
+            <a:r>
+              <a:rPr lang="en-US" dirty="0"/>
+              <a:t>Yelp user growth</a:t>
             </a:r>
           </a:p>
           <a:p>
@@ -6209,7 +7314,7 @@
         </p:blipFill>
         <p:spPr>
           <a:xfrm>
-            <a:off x="6094412" y="3718194"/>
+            <a:off x="6239874" y="3819128"/>
             <a:ext cx="5836823" cy="2791619"/>
           </a:xfrm>
           <a:prstGeom prst="rect">
@@ -6220,260 +7325,7 @@
     </p:spTree>
     <p:extLst>
       <p:ext uri="{BB962C8B-B14F-4D97-AF65-F5344CB8AC3E}">
-        <p14:creationId xmlns:p14="http://schemas.microsoft.com/office/powerpoint/2010/main" val="1561574345"/>
-      </p:ext>
-    </p:extLst>
-  </p:cSld>
-  <p:clrMapOvr>
-    <a:masterClrMapping/>
-  </p:clrMapOvr>
-</p:sld>
-</file>
-
-<file path=ppt/slides/slide6.xml><?xml version="1.0" encoding="utf-8"?>
-<p:sld xmlns:a="http://schemas.openxmlformats.org/drawingml/2006/main" xmlns:r="http://schemas.openxmlformats.org/officeDocument/2006/relationships" xmlns:p="http://schemas.openxmlformats.org/presentationml/2006/main">
-  <p:cSld>
-    <p:spTree>
-      <p:nvGrpSpPr>
-        <p:cNvPr id="1" name=""/>
-        <p:cNvGrpSpPr/>
-        <p:nvPr/>
-      </p:nvGrpSpPr>
-      <p:grpSpPr>
-        <a:xfrm>
-          <a:off x="0" y="0"/>
-          <a:ext cx="0" cy="0"/>
-          <a:chOff x="0" y="0"/>
-          <a:chExt cx="0" cy="0"/>
-        </a:xfrm>
-      </p:grpSpPr>
-      <p:sp>
-        <p:nvSpPr>
-          <p:cNvPr id="2" name="Title 1"/>
-          <p:cNvSpPr>
-            <a:spLocks noGrp="1"/>
-          </p:cNvSpPr>
-          <p:nvPr>
-            <p:ph type="title"/>
-          </p:nvPr>
-        </p:nvSpPr>
-        <p:spPr/>
-        <p:txBody>
-          <a:bodyPr/>
-          <a:lstStyle/>
-          <a:p>
-            <a:r>
-              <a:rPr lang="en-US" dirty="0" smtClean="0"/>
-              <a:t>clustering</a:t>
-            </a:r>
-            <a:endParaRPr lang="en-US" dirty="0"/>
-          </a:p>
-        </p:txBody>
-      </p:sp>
-      <p:sp>
-        <p:nvSpPr>
-          <p:cNvPr id="3" name="Content Placeholder 2"/>
-          <p:cNvSpPr>
-            <a:spLocks noGrp="1"/>
-          </p:cNvSpPr>
-          <p:nvPr>
-            <p:ph idx="1"/>
-          </p:nvPr>
-        </p:nvSpPr>
-        <p:spPr/>
-        <p:txBody>
-          <a:bodyPr/>
-          <a:lstStyle/>
-          <a:p>
-            <a:r>
-              <a:rPr lang="en-US" dirty="0" smtClean="0"/>
-              <a:t>Assumptions </a:t>
-            </a:r>
-            <a:r>
-              <a:rPr lang="mr-IN" dirty="0" smtClean="0"/>
-              <a:t>–</a:t>
-            </a:r>
-            <a:r>
-              <a:rPr lang="en-US" dirty="0" smtClean="0"/>
-              <a:t> </a:t>
-            </a:r>
-            <a:r>
-              <a:rPr lang="en-US" dirty="0" err="1" smtClean="0"/>
-              <a:t>UserID</a:t>
-            </a:r>
-            <a:r>
-              <a:rPr lang="en-US" dirty="0" smtClean="0"/>
-              <a:t>, Location and Type Of Business</a:t>
-            </a:r>
-          </a:p>
-          <a:p>
-            <a:r>
-              <a:rPr lang="en-US" dirty="0" smtClean="0"/>
-              <a:t>User preference vector of top 15 categories based on rating </a:t>
-            </a:r>
-            <a:r>
-              <a:rPr lang="mr-IN" dirty="0" smtClean="0"/>
-              <a:t>–</a:t>
-            </a:r>
-            <a:r>
-              <a:rPr lang="en-US" dirty="0" smtClean="0"/>
-              <a:t> what if no rating?</a:t>
-            </a:r>
-          </a:p>
-          <a:p>
-            <a:r>
-              <a:rPr lang="en-US" dirty="0" smtClean="0"/>
-              <a:t>Business vector </a:t>
-            </a:r>
-            <a:r>
-              <a:rPr lang="mr-IN" dirty="0" smtClean="0"/>
-              <a:t>–</a:t>
-            </a:r>
-            <a:r>
-              <a:rPr lang="en-US" dirty="0" smtClean="0"/>
-              <a:t> must contain 3 of top 15 categories. </a:t>
-            </a:r>
-          </a:p>
-          <a:p>
-            <a:r>
-              <a:rPr lang="en-US" dirty="0" smtClean="0"/>
-              <a:t>Use agglomerative Hierarchical clustering to cluster users</a:t>
-            </a:r>
-          </a:p>
-          <a:p>
-            <a:endParaRPr lang="en-US" dirty="0" smtClean="0"/>
-          </a:p>
-          <a:p>
-            <a:endParaRPr lang="en-US" dirty="0"/>
-          </a:p>
-        </p:txBody>
-      </p:sp>
-    </p:spTree>
-    <p:extLst>
-      <p:ext uri="{BB962C8B-B14F-4D97-AF65-F5344CB8AC3E}">
-        <p14:creationId xmlns:p14="http://schemas.microsoft.com/office/powerpoint/2010/main" val="1217502752"/>
-      </p:ext>
-    </p:extLst>
-  </p:cSld>
-  <p:clrMapOvr>
-    <a:masterClrMapping/>
-  </p:clrMapOvr>
-</p:sld>
-</file>
-
-<file path=ppt/slides/slide7.xml><?xml version="1.0" encoding="utf-8"?>
-<p:sld xmlns:a="http://schemas.openxmlformats.org/drawingml/2006/main" xmlns:r="http://schemas.openxmlformats.org/officeDocument/2006/relationships" xmlns:p="http://schemas.openxmlformats.org/presentationml/2006/main">
-  <p:cSld>
-    <p:spTree>
-      <p:nvGrpSpPr>
-        <p:cNvPr id="1" name=""/>
-        <p:cNvGrpSpPr/>
-        <p:nvPr/>
-      </p:nvGrpSpPr>
-      <p:grpSpPr>
-        <a:xfrm>
-          <a:off x="0" y="0"/>
-          <a:ext cx="0" cy="0"/>
-          <a:chOff x="0" y="0"/>
-          <a:chExt cx="0" cy="0"/>
-        </a:xfrm>
-      </p:grpSpPr>
-      <p:sp>
-        <p:nvSpPr>
-          <p:cNvPr id="2" name="Title 1"/>
-          <p:cNvSpPr>
-            <a:spLocks noGrp="1"/>
-          </p:cNvSpPr>
-          <p:nvPr>
-            <p:ph type="title"/>
-          </p:nvPr>
-        </p:nvSpPr>
-        <p:spPr/>
-        <p:txBody>
-          <a:bodyPr/>
-          <a:lstStyle/>
-          <a:p>
-            <a:r>
-              <a:rPr lang="en-US" dirty="0" smtClean="0"/>
-              <a:t>Agglomerative </a:t>
-            </a:r>
-            <a:r>
-              <a:rPr lang="en-US" dirty="0"/>
-              <a:t>Hierarchical </a:t>
-            </a:r>
-            <a:r>
-              <a:rPr lang="en-US" dirty="0" smtClean="0"/>
-              <a:t>clustering</a:t>
-            </a:r>
-            <a:endParaRPr lang="en-US" dirty="0"/>
-          </a:p>
-        </p:txBody>
-      </p:sp>
-      <p:pic>
-        <p:nvPicPr>
-          <p:cNvPr id="5" name="Content Placeholder 4"/>
-          <p:cNvPicPr>
-            <a:picLocks noGrp="1" noChangeAspect="1"/>
-          </p:cNvPicPr>
-          <p:nvPr>
-            <p:ph idx="1"/>
-          </p:nvPr>
-        </p:nvPicPr>
-        <p:blipFill>
-          <a:blip r:embed="rId2">
-            <a:extLst>
-              <a:ext uri="{28A0092B-C50C-407E-A947-70E740481C1C}">
-                <a14:useLocalDpi xmlns:a14="http://schemas.microsoft.com/office/drawing/2010/main" val="0"/>
-              </a:ext>
-            </a:extLst>
-          </a:blip>
-          <a:stretch>
-            <a:fillRect/>
-          </a:stretch>
-        </p:blipFill>
-        <p:spPr>
-          <a:xfrm>
-            <a:off x="2170360" y="3662631"/>
-            <a:ext cx="7658100" cy="1536700"/>
-          </a:xfrm>
-        </p:spPr>
-      </p:pic>
-      <p:sp>
-        <p:nvSpPr>
-          <p:cNvPr id="7" name="TextBox 6"/>
-          <p:cNvSpPr txBox="1"/>
-          <p:nvPr/>
-        </p:nvSpPr>
-        <p:spPr>
-          <a:xfrm>
-            <a:off x="2042105" y="2223760"/>
-            <a:ext cx="3396793" cy="738664"/>
-          </a:xfrm>
-          <a:prstGeom prst="rect">
-            <a:avLst/>
-          </a:prstGeom>
-          <a:noFill/>
-        </p:spPr>
-        <p:txBody>
-          <a:bodyPr wrap="square" rtlCol="0">
-            <a:spAutoFit/>
-          </a:bodyPr>
-          <a:lstStyle/>
-          <a:p>
-            <a:r>
-              <a:rPr lang="en-US" sz="2400" dirty="0" smtClean="0"/>
-              <a:t>Number Of Clusters?</a:t>
-            </a:r>
-          </a:p>
-          <a:p>
-            <a:endParaRPr lang="en-US" dirty="0"/>
-          </a:p>
-        </p:txBody>
-      </p:sp>
-    </p:spTree>
-    <p:extLst>
-      <p:ext uri="{BB962C8B-B14F-4D97-AF65-F5344CB8AC3E}">
-        <p14:creationId xmlns:p14="http://schemas.microsoft.com/office/powerpoint/2010/main" val="1303766744"/>
+        <p14:creationId xmlns:p14="http://schemas.microsoft.com/office/powerpoint/2010/main" val="1282364818"/>
       </p:ext>
     </p:extLst>
   </p:cSld>
@@ -6516,10 +7368,9 @@
           <a:lstStyle/>
           <a:p>
             <a:r>
-              <a:rPr lang="en-US" dirty="0" smtClean="0"/>
-              <a:t>Recommend businesses</a:t>
-            </a:r>
-            <a:endParaRPr lang="en-US" dirty="0"/>
+              <a:rPr lang="en-US" dirty="0"/>
+              <a:t>clustering</a:t>
+            </a:r>
           </a:p>
         </p:txBody>
       </p:sp>
@@ -6539,27 +7390,64 @@
           <a:lstStyle/>
           <a:p>
             <a:r>
-              <a:rPr lang="en-US" dirty="0" smtClean="0"/>
-              <a:t>Calculate average preference vector</a:t>
-            </a:r>
-          </a:p>
-          <a:p>
-            <a:r>
-              <a:rPr lang="en-US" dirty="0" smtClean="0"/>
-              <a:t>Calculate dot product with each business vector</a:t>
-            </a:r>
-          </a:p>
-          <a:p>
-            <a:r>
-              <a:rPr lang="en-US" dirty="0" smtClean="0"/>
-              <a:t>Sort the businesses based on decreasing value of the above dot product</a:t>
-            </a:r>
-          </a:p>
-          <a:p>
-            <a:r>
-              <a:rPr lang="en-US" dirty="0" smtClean="0"/>
-              <a:t>Take out first 20 businesses as your top recommendations</a:t>
-            </a:r>
+              <a:rPr lang="en-US" dirty="0"/>
+              <a:t>Assumptions </a:t>
+            </a:r>
+            <a:r>
+              <a:rPr lang="mr-IN" dirty="0"/>
+              <a:t>–</a:t>
+            </a:r>
+            <a:r>
+              <a:rPr lang="en-US" dirty="0"/>
+              <a:t> </a:t>
+            </a:r>
+            <a:r>
+              <a:rPr lang="en-US" dirty="0" err="1"/>
+              <a:t>UserID</a:t>
+            </a:r>
+            <a:r>
+              <a:rPr lang="en-US" dirty="0"/>
+              <a:t>, Location and Type Of Business</a:t>
+            </a:r>
+          </a:p>
+          <a:p>
+            <a:r>
+              <a:rPr lang="en-US" dirty="0"/>
+              <a:t>User preference vector of top 15 categories based on rating </a:t>
+            </a:r>
+            <a:r>
+              <a:rPr lang="mr-IN" dirty="0"/>
+              <a:t>–</a:t>
+            </a:r>
+            <a:r>
+              <a:rPr lang="en-US" dirty="0"/>
+              <a:t> what if no rating?</a:t>
+            </a:r>
+          </a:p>
+          <a:p>
+            <a:r>
+              <a:rPr lang="en-US" dirty="0"/>
+              <a:t>Business vector </a:t>
+            </a:r>
+            <a:r>
+              <a:rPr lang="mr-IN" dirty="0"/>
+              <a:t>–</a:t>
+            </a:r>
+            <a:r>
+              <a:rPr lang="en-US" dirty="0"/>
+              <a:t> must contain 3 of top 15 categories. </a:t>
+            </a:r>
+          </a:p>
+          <a:p>
+            <a:r>
+              <a:rPr lang="en-US" dirty="0"/>
+              <a:t>Use agglomerative Hierarchical clustering to cluster users</a:t>
+            </a:r>
+          </a:p>
+          <a:p>
+            <a:endParaRPr lang="en-US" dirty="0"/>
+          </a:p>
+          <a:p>
             <a:endParaRPr lang="en-US" dirty="0"/>
           </a:p>
         </p:txBody>
@@ -6567,7 +7455,7 @@
     </p:spTree>
     <p:extLst>
       <p:ext uri="{BB962C8B-B14F-4D97-AF65-F5344CB8AC3E}">
-        <p14:creationId xmlns:p14="http://schemas.microsoft.com/office/powerpoint/2010/main" val="1445313786"/>
+        <p14:creationId xmlns:p14="http://schemas.microsoft.com/office/powerpoint/2010/main" val="1217502752"/>
       </p:ext>
     </p:extLst>
   </p:cSld>
@@ -6610,49 +7498,20 @@
           <a:lstStyle/>
           <a:p>
             <a:r>
-              <a:rPr lang="en-US" dirty="0" smtClean="0"/>
-              <a:t>Evaluation and results of clustering based recommendation</a:t>
-            </a:r>
-            <a:endParaRPr lang="en-US" dirty="0"/>
-          </a:p>
-        </p:txBody>
-      </p:sp>
-      <p:sp>
-        <p:nvSpPr>
-          <p:cNvPr id="4" name="Content Placeholder 3"/>
-          <p:cNvSpPr>
-            <a:spLocks noGrp="1"/>
-          </p:cNvSpPr>
-          <p:nvPr>
-            <p:ph sz="half" idx="1"/>
-          </p:nvPr>
-        </p:nvSpPr>
-        <p:spPr/>
-        <p:txBody>
-          <a:bodyPr/>
-          <a:lstStyle/>
-          <a:p>
-            <a:r>
-              <a:rPr lang="en-US" dirty="0" smtClean="0"/>
-              <a:t>Hit ratio</a:t>
-            </a:r>
-          </a:p>
-          <a:p>
-            <a:r>
-              <a:rPr lang="en-US" dirty="0" smtClean="0"/>
-              <a:t>Normalized discounted cumulative gain (NDCG)</a:t>
+              <a:rPr lang="en-US" dirty="0"/>
+              <a:t>Agglomerative Hierarchical clustering</a:t>
             </a:r>
           </a:p>
         </p:txBody>
       </p:sp>
       <p:pic>
         <p:nvPicPr>
-          <p:cNvPr id="6" name="Content Placeholder 5"/>
+          <p:cNvPr id="5" name="Content Placeholder 4"/>
           <p:cNvPicPr>
             <a:picLocks noGrp="1" noChangeAspect="1"/>
           </p:cNvPicPr>
           <p:nvPr>
-            <p:ph sz="half" idx="2"/>
+            <p:ph idx="1"/>
           </p:nvPr>
         </p:nvPicPr>
         <p:blipFill>
@@ -6669,15 +7528,47 @@
         </p:blipFill>
         <p:spPr>
           <a:xfrm>
-            <a:off x="6672263" y="1791233"/>
-            <a:ext cx="3471862" cy="4370177"/>
+            <a:off x="2170360" y="3662631"/>
+            <a:ext cx="7658100" cy="1536700"/>
           </a:xfrm>
         </p:spPr>
       </p:pic>
+      <p:sp>
+        <p:nvSpPr>
+          <p:cNvPr id="7" name="TextBox 6"/>
+          <p:cNvSpPr txBox="1"/>
+          <p:nvPr/>
+        </p:nvSpPr>
+        <p:spPr>
+          <a:xfrm>
+            <a:off x="2042105" y="2223760"/>
+            <a:ext cx="3396793" cy="738664"/>
+          </a:xfrm>
+          <a:prstGeom prst="rect">
+            <a:avLst/>
+          </a:prstGeom>
+          <a:noFill/>
+        </p:spPr>
+        <p:txBody>
+          <a:bodyPr wrap="square" rtlCol="0">
+            <a:spAutoFit/>
+          </a:bodyPr>
+          <a:lstStyle/>
+          <a:p>
+            <a:r>
+              <a:rPr lang="en-US" sz="2400" dirty="0"/>
+              <a:t>Number Of Clusters?</a:t>
+            </a:r>
+          </a:p>
+          <a:p>
+            <a:endParaRPr lang="en-US" dirty="0"/>
+          </a:p>
+        </p:txBody>
+      </p:sp>
     </p:spTree>
     <p:extLst>
       <p:ext uri="{BB962C8B-B14F-4D97-AF65-F5344CB8AC3E}">
-        <p14:creationId xmlns:p14="http://schemas.microsoft.com/office/powerpoint/2010/main" val="1189300681"/>
+        <p14:creationId xmlns:p14="http://schemas.microsoft.com/office/powerpoint/2010/main" val="1303766744"/>
       </p:ext>
     </p:extLst>
   </p:cSld>

--- a/Final_Presentation/draft_presentation.pptx
+++ b/Final_Presentation/draft_presentation.pptx
@@ -8,17 +8,20 @@
     <p:sldId id="256" r:id="rId2"/>
     <p:sldId id="258" r:id="rId3"/>
     <p:sldId id="257" r:id="rId4"/>
-    <p:sldId id="260" r:id="rId5"/>
-    <p:sldId id="265" r:id="rId6"/>
-    <p:sldId id="259" r:id="rId7"/>
-    <p:sldId id="266" r:id="rId8"/>
-    <p:sldId id="261" r:id="rId9"/>
-    <p:sldId id="262" r:id="rId10"/>
-    <p:sldId id="263" r:id="rId11"/>
-    <p:sldId id="264" r:id="rId12"/>
-    <p:sldId id="267" r:id="rId13"/>
-    <p:sldId id="268" r:id="rId14"/>
-    <p:sldId id="269" r:id="rId15"/>
+    <p:sldId id="270" r:id="rId5"/>
+    <p:sldId id="271" r:id="rId6"/>
+    <p:sldId id="273" r:id="rId7"/>
+    <p:sldId id="272" r:id="rId8"/>
+    <p:sldId id="274" r:id="rId9"/>
+    <p:sldId id="261" r:id="rId10"/>
+    <p:sldId id="275" r:id="rId11"/>
+    <p:sldId id="262" r:id="rId12"/>
+    <p:sldId id="263" r:id="rId13"/>
+    <p:sldId id="264" r:id="rId14"/>
+    <p:sldId id="267" r:id="rId15"/>
+    <p:sldId id="276" r:id="rId16"/>
+    <p:sldId id="269" r:id="rId17"/>
+    <p:sldId id="277" r:id="rId18"/>
   </p:sldIdLst>
   <p:sldSz cx="12192000" cy="6858000"/>
   <p:notesSz cx="6858000" cy="9144000"/>
@@ -123,6 +126,10 @@
     </p:ext>
   </p:extLst>
 </p:presentation>
+</file>
+
+<file path=ppt/revisionInfo.xml><?xml version="1.0" encoding="utf-8"?>
+<p1510:revInfo xmlns:a="http://schemas.openxmlformats.org/drawingml/2006/main" xmlns:r="http://schemas.openxmlformats.org/officeDocument/2006/relationships" xmlns:p1510="http://schemas.microsoft.com/office/powerpoint/2015/10/main"/>
 </file>
 
 <file path=ppt/changesInfos/changesInfo1.xml><?xml version="1.0" encoding="utf-8"?>
@@ -603,7 +610,7 @@
             <a:fld id="{B61BEF0D-F0BB-DE4B-95CE-6DB70DBA9567}" type="datetimeFigureOut">
               <a:rPr lang="en-US" dirty="0"/>
               <a:pPr/>
-              <a:t>12/12/2017</a:t>
+              <a:t>12/13/2017</a:t>
             </a:fld>
             <a:endParaRPr lang="en-US" dirty="0"/>
           </a:p>
@@ -891,7 +898,7 @@
             <a:fld id="{B61BEF0D-F0BB-DE4B-95CE-6DB70DBA9567}" type="datetimeFigureOut">
               <a:rPr lang="en-US" dirty="0"/>
               <a:pPr/>
-              <a:t>12/12/2017</a:t>
+              <a:t>12/13/2017</a:t>
             </a:fld>
             <a:endParaRPr lang="en-US" dirty="0"/>
           </a:p>
@@ -1147,7 +1154,7 @@
             <a:fld id="{B61BEF0D-F0BB-DE4B-95CE-6DB70DBA9567}" type="datetimeFigureOut">
               <a:rPr lang="en-US" dirty="0"/>
               <a:pPr/>
-              <a:t>12/12/2017</a:t>
+              <a:t>12/13/2017</a:t>
             </a:fld>
             <a:endParaRPr lang="en-US" dirty="0"/>
           </a:p>
@@ -1613,7 +1620,7 @@
             <a:fld id="{B61BEF0D-F0BB-DE4B-95CE-6DB70DBA9567}" type="datetimeFigureOut">
               <a:rPr lang="en-US" dirty="0"/>
               <a:pPr/>
-              <a:t>12/12/2017</a:t>
+              <a:t>12/13/2017</a:t>
             </a:fld>
             <a:endParaRPr lang="en-US" dirty="0"/>
           </a:p>
@@ -1790,7 +1797,7 @@
             <a:fld id="{B61BEF0D-F0BB-DE4B-95CE-6DB70DBA9567}" type="datetimeFigureOut">
               <a:rPr lang="en-US" dirty="0"/>
               <a:pPr/>
-              <a:t>12/12/2017</a:t>
+              <a:t>12/13/2017</a:t>
             </a:fld>
             <a:endParaRPr lang="en-US" dirty="0"/>
           </a:p>
@@ -2363,7 +2370,7 @@
             <a:fld id="{B61BEF0D-F0BB-DE4B-95CE-6DB70DBA9567}" type="datetimeFigureOut">
               <a:rPr lang="en-US" dirty="0"/>
               <a:pPr/>
-              <a:t>12/12/2017</a:t>
+              <a:t>12/13/2017</a:t>
             </a:fld>
             <a:endParaRPr lang="en-US" dirty="0"/>
           </a:p>
@@ -2692,7 +2699,7 @@
             <a:fld id="{B61BEF0D-F0BB-DE4B-95CE-6DB70DBA9567}" type="datetimeFigureOut">
               <a:rPr lang="en-US" dirty="0"/>
               <a:pPr/>
-              <a:t>12/12/2017</a:t>
+              <a:t>12/13/2017</a:t>
             </a:fld>
             <a:endParaRPr lang="en-US" dirty="0"/>
           </a:p>
@@ -2864,7 +2871,7 @@
             <a:fld id="{B61BEF0D-F0BB-DE4B-95CE-6DB70DBA9567}" type="datetimeFigureOut">
               <a:rPr lang="en-US" dirty="0"/>
               <a:pPr/>
-              <a:t>12/12/2017</a:t>
+              <a:t>12/13/2017</a:t>
             </a:fld>
             <a:endParaRPr lang="en-US" dirty="0"/>
           </a:p>
@@ -3041,7 +3048,7 @@
             <a:fld id="{B61BEF0D-F0BB-DE4B-95CE-6DB70DBA9567}" type="datetimeFigureOut">
               <a:rPr lang="en-US" dirty="0"/>
               <a:pPr/>
-              <a:t>12/12/2017</a:t>
+              <a:t>12/13/2017</a:t>
             </a:fld>
             <a:endParaRPr lang="en-US" dirty="0"/>
           </a:p>
@@ -3208,7 +3215,7 @@
             <a:fld id="{B61BEF0D-F0BB-DE4B-95CE-6DB70DBA9567}" type="datetimeFigureOut">
               <a:rPr lang="en-US" dirty="0"/>
               <a:pPr/>
-              <a:t>12/12/2017</a:t>
+              <a:t>12/13/2017</a:t>
             </a:fld>
             <a:endParaRPr lang="en-US" dirty="0"/>
           </a:p>
@@ -3462,7 +3469,7 @@
             <a:fld id="{B61BEF0D-F0BB-DE4B-95CE-6DB70DBA9567}" type="datetimeFigureOut">
               <a:rPr lang="en-US" dirty="0"/>
               <a:pPr/>
-              <a:t>12/12/2017</a:t>
+              <a:t>12/13/2017</a:t>
             </a:fld>
             <a:endParaRPr lang="en-US" dirty="0"/>
           </a:p>
@@ -3751,7 +3758,7 @@
             <a:fld id="{B61BEF0D-F0BB-DE4B-95CE-6DB70DBA9567}" type="datetimeFigureOut">
               <a:rPr lang="en-US" dirty="0"/>
               <a:pPr/>
-              <a:t>12/12/2017</a:t>
+              <a:t>12/13/2017</a:t>
             </a:fld>
             <a:endParaRPr lang="en-US" dirty="0"/>
           </a:p>
@@ -4178,7 +4185,7 @@
             <a:fld id="{B61BEF0D-F0BB-DE4B-95CE-6DB70DBA9567}" type="datetimeFigureOut">
               <a:rPr lang="en-US" dirty="0"/>
               <a:pPr/>
-              <a:t>12/12/2017</a:t>
+              <a:t>12/13/2017</a:t>
             </a:fld>
             <a:endParaRPr lang="en-US" dirty="0"/>
           </a:p>
@@ -4293,7 +4300,7 @@
             <a:fld id="{B61BEF0D-F0BB-DE4B-95CE-6DB70DBA9567}" type="datetimeFigureOut">
               <a:rPr lang="en-US" dirty="0"/>
               <a:pPr/>
-              <a:t>12/12/2017</a:t>
+              <a:t>12/13/2017</a:t>
             </a:fld>
             <a:endParaRPr lang="en-US" dirty="0"/>
           </a:p>
@@ -4385,7 +4392,7 @@
             <a:fld id="{B61BEF0D-F0BB-DE4B-95CE-6DB70DBA9567}" type="datetimeFigureOut">
               <a:rPr lang="en-US" dirty="0"/>
               <a:pPr/>
-              <a:t>12/12/2017</a:t>
+              <a:t>12/13/2017</a:t>
             </a:fld>
             <a:endParaRPr lang="en-US" dirty="0"/>
           </a:p>
@@ -4665,7 +4672,7 @@
             <a:fld id="{B61BEF0D-F0BB-DE4B-95CE-6DB70DBA9567}" type="datetimeFigureOut">
               <a:rPr lang="en-US" dirty="0"/>
               <a:pPr/>
-              <a:t>12/12/2017</a:t>
+              <a:t>12/13/2017</a:t>
             </a:fld>
             <a:endParaRPr lang="en-US" dirty="0"/>
           </a:p>
@@ -4953,7 +4960,7 @@
             <a:fld id="{B61BEF0D-F0BB-DE4B-95CE-6DB70DBA9567}" type="datetimeFigureOut">
               <a:rPr lang="en-US" dirty="0"/>
               <a:pPr/>
-              <a:t>12/12/2017</a:t>
+              <a:t>12/13/2017</a:t>
             </a:fld>
             <a:endParaRPr lang="en-US" dirty="0"/>
           </a:p>
@@ -5181,7 +5188,7 @@
             <a:fld id="{B61BEF0D-F0BB-DE4B-95CE-6DB70DBA9567}" type="datetimeFigureOut">
               <a:rPr lang="en-US" dirty="0"/>
               <a:pPr/>
-              <a:t>12/12/2017</a:t>
+              <a:t>12/13/2017</a:t>
             </a:fld>
             <a:endParaRPr lang="en-US" dirty="0"/>
           </a:p>
@@ -5968,7 +5975,7 @@
           <a:p>
             <a:r>
               <a:rPr lang="en-US" dirty="0"/>
-              <a:t>RECOMMENDATION SYSTEM YELP DATASET</a:t>
+              <a:t>RECOMMENDATION SYSTEM USING YELP DATASET</a:t>
             </a:r>
           </a:p>
         </p:txBody>
@@ -5990,20 +5997,43 @@
           </a:xfrm>
         </p:spPr>
         <p:txBody>
-          <a:bodyPr/>
+          <a:bodyPr>
+            <a:normAutofit fontScale="92500" lnSpcReduction="20000"/>
+          </a:bodyPr>
           <a:lstStyle/>
           <a:p>
             <a:pPr algn="r"/>
             <a:r>
               <a:rPr lang="en-US" dirty="0"/>
-              <a:t>- VARUN NANDU, ADITYA PRIYADARSHI, XINGXING LIU,</a:t>
+              <a:t>ABHAY KASTURIA		</a:t>
             </a:r>
           </a:p>
           <a:p>
             <a:pPr algn="r"/>
             <a:r>
               <a:rPr lang="en-US" dirty="0"/>
-              <a:t>ABHAY KASTURIA AND GAUTAM VASHISHT</a:t>
+              <a:t>ADITYA PRIYADARSHI	</a:t>
+            </a:r>
+          </a:p>
+          <a:p>
+            <a:pPr algn="r"/>
+            <a:r>
+              <a:rPr lang="en-US" dirty="0"/>
+              <a:t>GAUTAM VASHISHT		</a:t>
+            </a:r>
+          </a:p>
+          <a:p>
+            <a:pPr algn="r"/>
+            <a:r>
+              <a:rPr lang="en-US" dirty="0"/>
+              <a:t>VARUN NANDU			</a:t>
+            </a:r>
+          </a:p>
+          <a:p>
+            <a:pPr algn="r"/>
+            <a:r>
+              <a:rPr lang="en-US" dirty="0"/>
+              <a:t>XINGXING LIU			</a:t>
             </a:r>
           </a:p>
         </p:txBody>
@@ -6048,62 +6078,50 @@
             <p:ph type="title"/>
           </p:nvPr>
         </p:nvSpPr>
+        <p:spPr>
+          <a:xfrm>
+            <a:off x="1141413" y="609600"/>
+            <a:ext cx="9905998" cy="847411"/>
+          </a:xfrm>
+        </p:spPr>
+        <p:txBody>
+          <a:bodyPr/>
+          <a:lstStyle/>
+          <a:p>
+            <a:pPr algn="ctr"/>
+            <a:r>
+              <a:rPr lang="en-US" dirty="0"/>
+              <a:t>Clustering - RECOMMENDATIONS</a:t>
+            </a:r>
+          </a:p>
+        </p:txBody>
+      </p:sp>
+      <p:sp>
+        <p:nvSpPr>
+          <p:cNvPr id="3" name="Content Placeholder 2"/>
+          <p:cNvSpPr>
+            <a:spLocks noGrp="1"/>
+          </p:cNvSpPr>
+          <p:nvPr>
+            <p:ph idx="1"/>
+          </p:nvPr>
+        </p:nvSpPr>
         <p:spPr/>
         <p:txBody>
           <a:bodyPr/>
           <a:lstStyle/>
           <a:p>
-            <a:r>
-              <a:rPr lang="en-US" dirty="0"/>
-              <a:t>Recommend businesses</a:t>
-            </a:r>
-          </a:p>
-        </p:txBody>
-      </p:sp>
-      <p:sp>
-        <p:nvSpPr>
-          <p:cNvPr id="3" name="Content Placeholder 2"/>
-          <p:cNvSpPr>
-            <a:spLocks noGrp="1"/>
-          </p:cNvSpPr>
-          <p:nvPr>
-            <p:ph idx="1"/>
-          </p:nvPr>
-        </p:nvSpPr>
-        <p:spPr/>
-        <p:txBody>
-          <a:bodyPr/>
-          <a:lstStyle/>
-          <a:p>
-            <a:r>
-              <a:rPr lang="en-US" dirty="0"/>
-              <a:t>Calculate average preference vector</a:t>
-            </a:r>
-          </a:p>
-          <a:p>
-            <a:r>
-              <a:rPr lang="en-US" dirty="0"/>
-              <a:t>Calculate dot product with each business vector</a:t>
-            </a:r>
-          </a:p>
-          <a:p>
-            <a:r>
-              <a:rPr lang="en-US" dirty="0"/>
-              <a:t>Sort the businesses based on decreasing value of the above dot product</a:t>
-            </a:r>
-          </a:p>
-          <a:p>
-            <a:r>
-              <a:rPr lang="en-US" dirty="0"/>
-              <a:t>Take out first 20 businesses as your top recommendations</a:t>
-            </a:r>
+            <a:endParaRPr lang="en-US" dirty="0"/>
+          </a:p>
+          <a:p>
+            <a:endParaRPr lang="en-US" dirty="0"/>
           </a:p>
         </p:txBody>
       </p:sp>
     </p:spTree>
     <p:extLst>
       <p:ext uri="{BB962C8B-B14F-4D97-AF65-F5344CB8AC3E}">
-        <p14:creationId xmlns:p14="http://schemas.microsoft.com/office/powerpoint/2010/main" val="1445313786"/>
+        <p14:creationId xmlns:p14="http://schemas.microsoft.com/office/powerpoint/2010/main" val="2873753346"/>
       </p:ext>
     </p:extLst>
   </p:cSld>
@@ -6147,47 +6165,19 @@
           <a:p>
             <a:r>
               <a:rPr lang="en-US" dirty="0"/>
-              <a:t>Evaluation and results of clustering based recommendation</a:t>
-            </a:r>
-          </a:p>
-        </p:txBody>
-      </p:sp>
-      <p:sp>
-        <p:nvSpPr>
-          <p:cNvPr id="4" name="Content Placeholder 3"/>
-          <p:cNvSpPr>
-            <a:spLocks noGrp="1"/>
-          </p:cNvSpPr>
-          <p:nvPr>
-            <p:ph sz="half" idx="1"/>
-          </p:nvPr>
-        </p:nvSpPr>
-        <p:spPr/>
-        <p:txBody>
-          <a:bodyPr/>
-          <a:lstStyle/>
-          <a:p>
-            <a:r>
-              <a:rPr lang="en-US" dirty="0"/>
-              <a:t>Hit ratio</a:t>
-            </a:r>
-          </a:p>
-          <a:p>
-            <a:r>
-              <a:rPr lang="en-US" dirty="0"/>
-              <a:t>Normalized discounted cumulative gain (NDCG)</a:t>
+              <a:t>Agglomerative Hierarchical clustering</a:t>
             </a:r>
           </a:p>
         </p:txBody>
       </p:sp>
       <p:pic>
         <p:nvPicPr>
-          <p:cNvPr id="6" name="Content Placeholder 5"/>
+          <p:cNvPr id="5" name="Content Placeholder 4"/>
           <p:cNvPicPr>
             <a:picLocks noGrp="1" noChangeAspect="1"/>
           </p:cNvPicPr>
           <p:nvPr>
-            <p:ph sz="half" idx="2"/>
+            <p:ph idx="1"/>
           </p:nvPr>
         </p:nvPicPr>
         <p:blipFill>
@@ -6204,15 +6194,47 @@
         </p:blipFill>
         <p:spPr>
           <a:xfrm>
-            <a:off x="6672263" y="1791233"/>
-            <a:ext cx="3471862" cy="4370177"/>
+            <a:off x="2170360" y="3662631"/>
+            <a:ext cx="7658100" cy="1536700"/>
           </a:xfrm>
         </p:spPr>
       </p:pic>
+      <p:sp>
+        <p:nvSpPr>
+          <p:cNvPr id="7" name="TextBox 6"/>
+          <p:cNvSpPr txBox="1"/>
+          <p:nvPr/>
+        </p:nvSpPr>
+        <p:spPr>
+          <a:xfrm>
+            <a:off x="2042105" y="2223760"/>
+            <a:ext cx="3396793" cy="738664"/>
+          </a:xfrm>
+          <a:prstGeom prst="rect">
+            <a:avLst/>
+          </a:prstGeom>
+          <a:noFill/>
+        </p:spPr>
+        <p:txBody>
+          <a:bodyPr wrap="square" rtlCol="0">
+            <a:spAutoFit/>
+          </a:bodyPr>
+          <a:lstStyle/>
+          <a:p>
+            <a:r>
+              <a:rPr lang="en-US" sz="2400" dirty="0"/>
+              <a:t>Number Of Clusters?</a:t>
+            </a:r>
+          </a:p>
+          <a:p>
+            <a:endParaRPr lang="en-US" dirty="0"/>
+          </a:p>
+        </p:txBody>
+      </p:sp>
     </p:spTree>
     <p:extLst>
       <p:ext uri="{BB962C8B-B14F-4D97-AF65-F5344CB8AC3E}">
-        <p14:creationId xmlns:p14="http://schemas.microsoft.com/office/powerpoint/2010/main" val="1189300681"/>
+        <p14:creationId xmlns:p14="http://schemas.microsoft.com/office/powerpoint/2010/main" val="1303766744"/>
       </p:ext>
     </p:extLst>
   </p:cSld>
@@ -6241,6 +6263,213 @@
       </p:grpSpPr>
       <p:sp>
         <p:nvSpPr>
+          <p:cNvPr id="2" name="Title 1"/>
+          <p:cNvSpPr>
+            <a:spLocks noGrp="1"/>
+          </p:cNvSpPr>
+          <p:nvPr>
+            <p:ph type="title"/>
+          </p:nvPr>
+        </p:nvSpPr>
+        <p:spPr/>
+        <p:txBody>
+          <a:bodyPr/>
+          <a:lstStyle/>
+          <a:p>
+            <a:r>
+              <a:rPr lang="en-US" dirty="0"/>
+              <a:t>Recommend businesses</a:t>
+            </a:r>
+          </a:p>
+        </p:txBody>
+      </p:sp>
+      <p:sp>
+        <p:nvSpPr>
+          <p:cNvPr id="3" name="Content Placeholder 2"/>
+          <p:cNvSpPr>
+            <a:spLocks noGrp="1"/>
+          </p:cNvSpPr>
+          <p:nvPr>
+            <p:ph idx="1"/>
+          </p:nvPr>
+        </p:nvSpPr>
+        <p:spPr/>
+        <p:txBody>
+          <a:bodyPr/>
+          <a:lstStyle/>
+          <a:p>
+            <a:r>
+              <a:rPr lang="en-US" dirty="0"/>
+              <a:t>Calculate average preference vector</a:t>
+            </a:r>
+          </a:p>
+          <a:p>
+            <a:r>
+              <a:rPr lang="en-US" dirty="0"/>
+              <a:t>Calculate dot product with each business vector</a:t>
+            </a:r>
+          </a:p>
+          <a:p>
+            <a:r>
+              <a:rPr lang="en-US" dirty="0"/>
+              <a:t>Sort the businesses based on decreasing value of the above dot product</a:t>
+            </a:r>
+          </a:p>
+          <a:p>
+            <a:r>
+              <a:rPr lang="en-US" dirty="0"/>
+              <a:t>Take out first 20 businesses as your top recommendations</a:t>
+            </a:r>
+          </a:p>
+        </p:txBody>
+      </p:sp>
+    </p:spTree>
+    <p:extLst>
+      <p:ext uri="{BB962C8B-B14F-4D97-AF65-F5344CB8AC3E}">
+        <p14:creationId xmlns:p14="http://schemas.microsoft.com/office/powerpoint/2010/main" val="1445313786"/>
+      </p:ext>
+    </p:extLst>
+  </p:cSld>
+  <p:clrMapOvr>
+    <a:masterClrMapping/>
+  </p:clrMapOvr>
+</p:sld>
+</file>
+
+<file path=ppt/slides/slide13.xml><?xml version="1.0" encoding="utf-8"?>
+<p:sld xmlns:a="http://schemas.openxmlformats.org/drawingml/2006/main" xmlns:r="http://schemas.openxmlformats.org/officeDocument/2006/relationships" xmlns:p="http://schemas.openxmlformats.org/presentationml/2006/main">
+  <p:cSld>
+    <p:spTree>
+      <p:nvGrpSpPr>
+        <p:cNvPr id="1" name=""/>
+        <p:cNvGrpSpPr/>
+        <p:nvPr/>
+      </p:nvGrpSpPr>
+      <p:grpSpPr>
+        <a:xfrm>
+          <a:off x="0" y="0"/>
+          <a:ext cx="0" cy="0"/>
+          <a:chOff x="0" y="0"/>
+          <a:chExt cx="0" cy="0"/>
+        </a:xfrm>
+      </p:grpSpPr>
+      <p:sp>
+        <p:nvSpPr>
+          <p:cNvPr id="2" name="Title 1"/>
+          <p:cNvSpPr>
+            <a:spLocks noGrp="1"/>
+          </p:cNvSpPr>
+          <p:nvPr>
+            <p:ph type="title"/>
+          </p:nvPr>
+        </p:nvSpPr>
+        <p:spPr>
+          <a:xfrm>
+            <a:off x="1141413" y="609600"/>
+            <a:ext cx="9905998" cy="887604"/>
+          </a:xfrm>
+        </p:spPr>
+        <p:txBody>
+          <a:bodyPr/>
+          <a:lstStyle/>
+          <a:p>
+            <a:pPr algn="ctr"/>
+            <a:r>
+              <a:rPr lang="en-US" dirty="0"/>
+              <a:t>CLUSTERING - RESULTS</a:t>
+            </a:r>
+          </a:p>
+        </p:txBody>
+      </p:sp>
+      <p:sp>
+        <p:nvSpPr>
+          <p:cNvPr id="4" name="Content Placeholder 3"/>
+          <p:cNvSpPr>
+            <a:spLocks noGrp="1"/>
+          </p:cNvSpPr>
+          <p:nvPr>
+            <p:ph sz="half" idx="1"/>
+          </p:nvPr>
+        </p:nvSpPr>
+        <p:spPr/>
+        <p:txBody>
+          <a:bodyPr/>
+          <a:lstStyle/>
+          <a:p>
+            <a:r>
+              <a:rPr lang="en-US" dirty="0"/>
+              <a:t>Hit ratio</a:t>
+            </a:r>
+          </a:p>
+          <a:p>
+            <a:r>
+              <a:rPr lang="en-US" dirty="0"/>
+              <a:t>Normalized discounted cumulative gain (NDCG)</a:t>
+            </a:r>
+          </a:p>
+        </p:txBody>
+      </p:sp>
+      <p:pic>
+        <p:nvPicPr>
+          <p:cNvPr id="6" name="Content Placeholder 5"/>
+          <p:cNvPicPr>
+            <a:picLocks noGrp="1" noChangeAspect="1"/>
+          </p:cNvPicPr>
+          <p:nvPr>
+            <p:ph sz="half" idx="2"/>
+          </p:nvPr>
+        </p:nvPicPr>
+        <p:blipFill>
+          <a:blip r:embed="rId2">
+            <a:extLst>
+              <a:ext uri="{28A0092B-C50C-407E-A947-70E740481C1C}">
+                <a14:useLocalDpi xmlns:a14="http://schemas.microsoft.com/office/drawing/2010/main" val="0"/>
+              </a:ext>
+            </a:extLst>
+          </a:blip>
+          <a:stretch>
+            <a:fillRect/>
+          </a:stretch>
+        </p:blipFill>
+        <p:spPr>
+          <a:xfrm>
+            <a:off x="6672263" y="1791233"/>
+            <a:ext cx="3471862" cy="4370177"/>
+          </a:xfrm>
+        </p:spPr>
+      </p:pic>
+    </p:spTree>
+    <p:extLst>
+      <p:ext uri="{BB962C8B-B14F-4D97-AF65-F5344CB8AC3E}">
+        <p14:creationId xmlns:p14="http://schemas.microsoft.com/office/powerpoint/2010/main" val="1189300681"/>
+      </p:ext>
+    </p:extLst>
+  </p:cSld>
+  <p:clrMapOvr>
+    <a:masterClrMapping/>
+  </p:clrMapOvr>
+</p:sld>
+</file>
+
+<file path=ppt/slides/slide14.xml><?xml version="1.0" encoding="utf-8"?>
+<p:sld xmlns:a="http://schemas.openxmlformats.org/drawingml/2006/main" xmlns:r="http://schemas.openxmlformats.org/officeDocument/2006/relationships" xmlns:p="http://schemas.openxmlformats.org/presentationml/2006/main">
+  <p:cSld>
+    <p:spTree>
+      <p:nvGrpSpPr>
+        <p:cNvPr id="1" name=""/>
+        <p:cNvGrpSpPr/>
+        <p:nvPr/>
+      </p:nvGrpSpPr>
+      <p:grpSpPr>
+        <a:xfrm>
+          <a:off x="0" y="0"/>
+          <a:ext cx="0" cy="0"/>
+          <a:chOff x="0" y="0"/>
+          <a:chExt cx="0" cy="0"/>
+        </a:xfrm>
+      </p:grpSpPr>
+      <p:sp>
+        <p:nvSpPr>
           <p:cNvPr id="2" name="Title 1">
             <a:extLst>
               <a:ext uri="{FF2B5EF4-FFF2-40B4-BE49-F238E27FC236}">
@@ -6255,14 +6484,20 @@
             <p:ph type="title"/>
           </p:nvPr>
         </p:nvSpPr>
-        <p:spPr/>
+        <p:spPr>
+          <a:xfrm>
+            <a:off x="1141413" y="609600"/>
+            <a:ext cx="9905998" cy="1189055"/>
+          </a:xfrm>
+        </p:spPr>
         <p:txBody>
           <a:bodyPr/>
           <a:lstStyle/>
           <a:p>
+            <a:pPr algn="ctr"/>
             <a:r>
               <a:rPr lang="en-IN" dirty="0"/>
-              <a:t>Deep Learning based approach</a:t>
+              <a:t>Deep Learning - APPROACH</a:t>
             </a:r>
           </a:p>
         </p:txBody>
@@ -6285,8 +6520,8 @@
         </p:nvSpPr>
         <p:spPr>
           <a:xfrm>
-            <a:off x="1141412" y="2666999"/>
-            <a:ext cx="9990876" cy="3124201"/>
+            <a:off x="934497" y="1537399"/>
+            <a:ext cx="10197791" cy="3195376"/>
           </a:xfrm>
         </p:spPr>
         <p:txBody>
@@ -6352,33 +6587,9 @@
 </p:sld>
 </file>
 
-<file path=ppt/slides/slide13.xml><?xml version="1.0" encoding="utf-8"?>
+<file path=ppt/slides/slide15.xml><?xml version="1.0" encoding="utf-8"?>
 <p:sld xmlns:a="http://schemas.openxmlformats.org/drawingml/2006/main" xmlns:r="http://schemas.openxmlformats.org/officeDocument/2006/relationships" xmlns:p="http://schemas.openxmlformats.org/presentationml/2006/main">
   <p:cSld>
-    <p:bg>
-      <p:bgPr>
-        <a:blipFill rotWithShape="1">
-          <a:blip r:embed="rId2">
-            <a:duotone>
-              <a:schemeClr val="bg2">
-                <a:shade val="28000"/>
-                <a:satMod val="94000"/>
-                <a:lumMod val="20000"/>
-              </a:schemeClr>
-              <a:schemeClr val="bg2">
-                <a:tint val="94000"/>
-                <a:shade val="84000"/>
-                <a:satMod val="148000"/>
-                <a:lumMod val="114000"/>
-              </a:schemeClr>
-            </a:duotone>
-            <a:extLst/>
-          </a:blip>
-          <a:stretch/>
-        </a:blipFill>
-        <a:effectLst/>
-      </p:bgPr>
-    </p:bg>
     <p:spTree>
       <p:nvGrpSpPr>
         <p:cNvPr id="1" name=""/>
@@ -6393,12 +6604,46 @@
           <a:chExt cx="0" cy="0"/>
         </a:xfrm>
       </p:grpSpPr>
+      <p:sp>
+        <p:nvSpPr>
+          <p:cNvPr id="2" name="Title 1">
+            <a:extLst>
+              <a:ext uri="{FF2B5EF4-FFF2-40B4-BE49-F238E27FC236}">
+                <a16:creationId xmlns:a16="http://schemas.microsoft.com/office/drawing/2014/main" id="{B5B988DD-3CEA-4306-9333-C8B9309F3C73}"/>
+              </a:ext>
+            </a:extLst>
+          </p:cNvPr>
+          <p:cNvSpPr>
+            <a:spLocks noGrp="1"/>
+          </p:cNvSpPr>
+          <p:nvPr>
+            <p:ph type="title"/>
+          </p:nvPr>
+        </p:nvSpPr>
+        <p:spPr>
+          <a:xfrm>
+            <a:off x="1141413" y="609600"/>
+            <a:ext cx="9905998" cy="857459"/>
+          </a:xfrm>
+        </p:spPr>
+        <p:txBody>
+          <a:bodyPr/>
+          <a:lstStyle/>
+          <a:p>
+            <a:pPr algn="ctr"/>
+            <a:r>
+              <a:rPr lang="en-IN" dirty="0"/>
+              <a:t>Deep Learning - ARCHITECTURE</a:t>
+            </a:r>
+          </a:p>
+        </p:txBody>
+      </p:sp>
       <p:pic>
         <p:nvPicPr>
-          <p:cNvPr id="6" name="Content Placeholder 5" descr="A close up of a map&#10;&#10;Description generated with very high confidence">
+          <p:cNvPr id="7" name="Content Placeholder 5" descr="A close up of a map&#10;&#10;Description generated with very high confidence">
             <a:extLst>
               <a:ext uri="{FF2B5EF4-FFF2-40B4-BE49-F238E27FC236}">
-                <a16:creationId xmlns:a16="http://schemas.microsoft.com/office/drawing/2014/main" id="{2C3FC618-4A0F-4D6C-B3FB-3EBE29DEEC71}"/>
+                <a16:creationId xmlns:a16="http://schemas.microsoft.com/office/drawing/2014/main" id="{1E99C260-561F-41BB-BB97-90772368D66E}"/>
               </a:ext>
             </a:extLst>
           </p:cNvPr>
@@ -6410,14 +6655,14 @@
           </p:nvPr>
         </p:nvPicPr>
         <p:blipFill>
-          <a:blip r:embed="rId3"/>
+          <a:blip r:embed="rId2"/>
           <a:stretch>
             <a:fillRect/>
           </a:stretch>
         </p:blipFill>
         <p:spPr>
           <a:xfrm>
-            <a:off x="4783612" y="1116021"/>
+            <a:off x="2636580" y="1798655"/>
             <a:ext cx="6915663" cy="4235842"/>
           </a:xfrm>
           <a:prstGeom prst="roundRect">
@@ -6450,61 +6695,10 @@
           </a:effectLst>
         </p:spPr>
       </p:pic>
-      <p:sp>
-        <p:nvSpPr>
-          <p:cNvPr id="2" name="Title 1">
-            <a:extLst>
-              <a:ext uri="{FF2B5EF4-FFF2-40B4-BE49-F238E27FC236}">
-                <a16:creationId xmlns:a16="http://schemas.microsoft.com/office/drawing/2014/main" id="{8DDE080F-369D-45F0-AFC1-59F520CB0A99}"/>
-              </a:ext>
-            </a:extLst>
-          </p:cNvPr>
-          <p:cNvSpPr>
-            <a:spLocks noGrp="1"/>
-          </p:cNvSpPr>
-          <p:nvPr>
-            <p:ph type="title"/>
-          </p:nvPr>
-        </p:nvSpPr>
-        <p:spPr>
-          <a:xfrm>
-            <a:off x="296013" y="60252"/>
-            <a:ext cx="3369133" cy="3642851"/>
-          </a:xfrm>
-        </p:spPr>
-        <p:txBody>
-          <a:bodyPr vert="horz" lIns="91440" tIns="45720" rIns="91440" bIns="45720" rtlCol="0" anchor="b">
-            <a:normAutofit/>
-          </a:bodyPr>
-          <a:lstStyle/>
-          <a:p>
-            <a:pPr algn="ctr"/>
-            <a:r>
-              <a:rPr lang="en-US" sz="3400" dirty="0">
-                <a:effectLst>
-                  <a:glow rad="38100">
-                    <a:schemeClr val="bg1">
-                      <a:lumMod val="65000"/>
-                      <a:lumOff val="35000"/>
-                      <a:alpha val="50000"/>
-                    </a:schemeClr>
-                  </a:glow>
-                  <a:outerShdw blurRad="28575" dist="31750" dir="13200000" algn="tl" rotWithShape="0">
-                    <a:srgbClr val="000000">
-                      <a:alpha val="25000"/>
-                    </a:srgbClr>
-                  </a:outerShdw>
-                </a:effectLst>
-              </a:rPr>
-              <a:t>Model architecture</a:t>
-            </a:r>
-          </a:p>
-        </p:txBody>
-      </p:sp>
     </p:spTree>
     <p:extLst>
       <p:ext uri="{BB962C8B-B14F-4D97-AF65-F5344CB8AC3E}">
-        <p14:creationId xmlns:p14="http://schemas.microsoft.com/office/powerpoint/2010/main" val="482401313"/>
+        <p14:creationId xmlns:p14="http://schemas.microsoft.com/office/powerpoint/2010/main" val="784668171"/>
       </p:ext>
     </p:extLst>
   </p:cSld>
@@ -6514,7 +6708,7 @@
 </p:sld>
 </file>
 
-<file path=ppt/slides/slide14.xml><?xml version="1.0" encoding="utf-8"?>
+<file path=ppt/slides/slide16.xml><?xml version="1.0" encoding="utf-8"?>
 <p:sld xmlns:a="http://schemas.openxmlformats.org/drawingml/2006/main" xmlns:r="http://schemas.openxmlformats.org/officeDocument/2006/relationships" xmlns:p="http://schemas.openxmlformats.org/presentationml/2006/main">
   <p:cSld>
     <p:spTree>
@@ -6547,14 +6741,20 @@
             <p:ph type="title"/>
           </p:nvPr>
         </p:nvSpPr>
-        <p:spPr/>
+        <p:spPr>
+          <a:xfrm>
+            <a:off x="1141413" y="609600"/>
+            <a:ext cx="9905998" cy="1028281"/>
+          </a:xfrm>
+        </p:spPr>
         <p:txBody>
           <a:bodyPr/>
           <a:lstStyle/>
           <a:p>
+            <a:pPr algn="ctr"/>
             <a:r>
               <a:rPr lang="en-IN" dirty="0"/>
-              <a:t>Evaluation (DNN Method)</a:t>
+              <a:t>Deep Learning - RESULTS</a:t>
             </a:r>
           </a:p>
         </p:txBody>
@@ -6616,6 +6816,70 @@
     <p:extLst>
       <p:ext uri="{BB962C8B-B14F-4D97-AF65-F5344CB8AC3E}">
         <p14:creationId xmlns:p14="http://schemas.microsoft.com/office/powerpoint/2010/main" val="3839082217"/>
+      </p:ext>
+    </p:extLst>
+  </p:cSld>
+  <p:clrMapOvr>
+    <a:masterClrMapping/>
+  </p:clrMapOvr>
+</p:sld>
+</file>
+
+<file path=ppt/slides/slide17.xml><?xml version="1.0" encoding="utf-8"?>
+<p:sld xmlns:a="http://schemas.openxmlformats.org/drawingml/2006/main" xmlns:r="http://schemas.openxmlformats.org/officeDocument/2006/relationships" xmlns:p="http://schemas.openxmlformats.org/presentationml/2006/main">
+  <p:cSld>
+    <p:spTree>
+      <p:nvGrpSpPr>
+        <p:cNvPr id="1" name=""/>
+        <p:cNvGrpSpPr/>
+        <p:nvPr/>
+      </p:nvGrpSpPr>
+      <p:grpSpPr>
+        <a:xfrm>
+          <a:off x="0" y="0"/>
+          <a:ext cx="0" cy="0"/>
+          <a:chOff x="0" y="0"/>
+          <a:chExt cx="0" cy="0"/>
+        </a:xfrm>
+      </p:grpSpPr>
+      <p:sp>
+        <p:nvSpPr>
+          <p:cNvPr id="2" name="Title 1">
+            <a:extLst>
+              <a:ext uri="{FF2B5EF4-FFF2-40B4-BE49-F238E27FC236}">
+                <a16:creationId xmlns:a16="http://schemas.microsoft.com/office/drawing/2014/main" id="{2FD8CD52-7B04-44C1-81F8-F6083BC044BB}"/>
+              </a:ext>
+            </a:extLst>
+          </p:cNvPr>
+          <p:cNvSpPr>
+            <a:spLocks noGrp="1"/>
+          </p:cNvSpPr>
+          <p:nvPr>
+            <p:ph type="title"/>
+          </p:nvPr>
+        </p:nvSpPr>
+        <p:spPr>
+          <a:xfrm>
+            <a:off x="1141413" y="609600"/>
+            <a:ext cx="9905998" cy="1028281"/>
+          </a:xfrm>
+        </p:spPr>
+        <p:txBody>
+          <a:bodyPr/>
+          <a:lstStyle/>
+          <a:p>
+            <a:pPr algn="ctr"/>
+            <a:r>
+              <a:rPr lang="en-IN" dirty="0"/>
+              <a:t>MODEL EVALUATION</a:t>
+            </a:r>
+          </a:p>
+        </p:txBody>
+      </p:sp>
+    </p:spTree>
+    <p:extLst>
+      <p:ext uri="{BB962C8B-B14F-4D97-AF65-F5344CB8AC3E}">
+        <p14:creationId xmlns:p14="http://schemas.microsoft.com/office/powerpoint/2010/main" val="3263611984"/>
       </p:ext>
     </p:extLst>
   </p:cSld>
@@ -6644,7 +6908,13 @@
       </p:grpSpPr>
       <p:sp>
         <p:nvSpPr>
-          <p:cNvPr id="2" name="Title 1"/>
+          <p:cNvPr id="10" name="Title 1">
+            <a:extLst>
+              <a:ext uri="{FF2B5EF4-FFF2-40B4-BE49-F238E27FC236}">
+                <a16:creationId xmlns:a16="http://schemas.microsoft.com/office/drawing/2014/main" id="{6B56B2BE-0644-4A62-BF6B-79E7717A5508}"/>
+              </a:ext>
+            </a:extLst>
+          </p:cNvPr>
           <p:cNvSpPr>
             <a:spLocks noGrp="1"/>
           </p:cNvSpPr>
@@ -6652,11 +6922,17 @@
             <p:ph type="title"/>
           </p:nvPr>
         </p:nvSpPr>
-        <p:spPr/>
+        <p:spPr>
+          <a:xfrm>
+            <a:off x="1141413" y="609600"/>
+            <a:ext cx="9905998" cy="1905000"/>
+          </a:xfrm>
+        </p:spPr>
         <p:txBody>
           <a:bodyPr/>
           <a:lstStyle/>
           <a:p>
+            <a:pPr algn="ctr"/>
             <a:r>
               <a:rPr lang="en-US" dirty="0"/>
               <a:t>outline</a:t>
@@ -6666,7 +6942,13 @@
       </p:sp>
       <p:sp>
         <p:nvSpPr>
-          <p:cNvPr id="3" name="Content Placeholder 2"/>
+          <p:cNvPr id="11" name="Content Placeholder 2">
+            <a:extLst>
+              <a:ext uri="{FF2B5EF4-FFF2-40B4-BE49-F238E27FC236}">
+                <a16:creationId xmlns:a16="http://schemas.microsoft.com/office/drawing/2014/main" id="{C43678B6-9ECD-490D-8922-F5AD8D06FF18}"/>
+              </a:ext>
+            </a:extLst>
+          </p:cNvPr>
           <p:cNvSpPr>
             <a:spLocks noGrp="1"/>
           </p:cNvSpPr>
@@ -6674,7 +6956,12 @@
             <p:ph idx="1"/>
           </p:nvPr>
         </p:nvSpPr>
-        <p:spPr/>
+        <p:spPr>
+          <a:xfrm>
+            <a:off x="1141413" y="2033753"/>
+            <a:ext cx="9905998" cy="3757448"/>
+          </a:xfrm>
+        </p:spPr>
         <p:txBody>
           <a:bodyPr/>
           <a:lstStyle/>
@@ -6687,25 +6974,13 @@
           <a:p>
             <a:r>
               <a:rPr lang="en-US" dirty="0"/>
-              <a:t>Dataset used and its preprocessing</a:t>
-            </a:r>
-          </a:p>
-          <a:p>
-            <a:r>
-              <a:rPr lang="en-US" dirty="0"/>
-              <a:t>Clustering</a:t>
-            </a:r>
-          </a:p>
-          <a:p>
-            <a:r>
-              <a:rPr lang="en-US" dirty="0"/>
-              <a:t>Collaborative filtering</a:t>
-            </a:r>
-          </a:p>
-          <a:p>
-            <a:r>
-              <a:rPr lang="en-US" dirty="0"/>
-              <a:t>Multi layer perceptron</a:t>
+              <a:t>Data Preprocessing</a:t>
+            </a:r>
+          </a:p>
+          <a:p>
+            <a:r>
+              <a:rPr lang="en-US" dirty="0"/>
+              <a:t>Methods</a:t>
             </a:r>
           </a:p>
           <a:p>
@@ -6748,7 +7023,13 @@
       </p:grpSpPr>
       <p:sp>
         <p:nvSpPr>
-          <p:cNvPr id="2" name="Title 1"/>
+          <p:cNvPr id="11" name="Title 1">
+            <a:extLst>
+              <a:ext uri="{FF2B5EF4-FFF2-40B4-BE49-F238E27FC236}">
+                <a16:creationId xmlns:a16="http://schemas.microsoft.com/office/drawing/2014/main" id="{42D2E274-AE4C-4470-BB81-8005B204AD41}"/>
+              </a:ext>
+            </a:extLst>
+          </p:cNvPr>
           <p:cNvSpPr>
             <a:spLocks noGrp="1"/>
           </p:cNvSpPr>
@@ -6759,23 +7040,31 @@
         <p:spPr>
           <a:xfrm>
             <a:off x="1141410" y="609601"/>
-            <a:ext cx="3549121" cy="1371600"/>
+            <a:ext cx="10437880" cy="789991"/>
           </a:xfrm>
         </p:spPr>
         <p:txBody>
           <a:bodyPr/>
           <a:lstStyle/>
           <a:p>
-            <a:r>
-              <a:rPr lang="en-US" dirty="0"/>
+            <a:pPr algn="ctr"/>
+            <a:r>
+              <a:rPr lang="en-US" sz="3200" dirty="0"/>
               <a:t>introduction</a:t>
             </a:r>
+            <a:endParaRPr lang="en-US" dirty="0"/>
           </a:p>
         </p:txBody>
       </p:sp>
       <p:pic>
         <p:nvPicPr>
-          <p:cNvPr id="7" name="Content Placeholder 6"/>
+          <p:cNvPr id="12" name="Content Placeholder 6">
+            <a:extLst>
+              <a:ext uri="{FF2B5EF4-FFF2-40B4-BE49-F238E27FC236}">
+                <a16:creationId xmlns:a16="http://schemas.microsoft.com/office/drawing/2014/main" id="{6B489A06-075E-4376-B3A7-18A55553B81B}"/>
+              </a:ext>
+            </a:extLst>
+          </p:cNvPr>
           <p:cNvPicPr>
             <a:picLocks noGrp="1" noChangeAspect="1"/>
           </p:cNvPicPr>
@@ -6797,14 +7086,20 @@
         </p:blipFill>
         <p:spPr>
           <a:xfrm>
-            <a:off x="4856164" y="785813"/>
+            <a:off x="4930808" y="1634899"/>
             <a:ext cx="6515100" cy="4886325"/>
           </a:xfrm>
         </p:spPr>
       </p:pic>
       <p:sp>
         <p:nvSpPr>
-          <p:cNvPr id="5" name="Text Placeholder 4"/>
+          <p:cNvPr id="13" name="Text Placeholder 4">
+            <a:extLst>
+              <a:ext uri="{FF2B5EF4-FFF2-40B4-BE49-F238E27FC236}">
+                <a16:creationId xmlns:a16="http://schemas.microsoft.com/office/drawing/2014/main" id="{DF1B168D-E236-4045-A51D-A104E0C13E69}"/>
+              </a:ext>
+            </a:extLst>
+          </p:cNvPr>
           <p:cNvSpPr>
             <a:spLocks noGrp="1"/>
           </p:cNvSpPr>
@@ -6822,13 +7117,24 @@
           <a:bodyPr/>
           <a:lstStyle/>
           <a:p>
-            <a:r>
-              <a:rPr lang="en-US"/>
-              <a:t>What is recommendation system and why we use it</a:t>
-            </a:r>
-          </a:p>
-          <a:p>
-            <a:endParaRPr lang="en-US" dirty="0"/>
+            <a:pPr marL="285750" indent="-285750">
+              <a:buFontTx/>
+              <a:buChar char="-"/>
+            </a:pPr>
+            <a:r>
+              <a:rPr lang="en-US" dirty="0"/>
+              <a:t>Recommendation System</a:t>
+            </a:r>
+          </a:p>
+          <a:p>
+            <a:pPr marL="285750" indent="-285750">
+              <a:buFontTx/>
+              <a:buChar char="-"/>
+            </a:pPr>
+            <a:r>
+              <a:rPr lang="en-US" dirty="0"/>
+              <a:t>What? Why?</a:t>
+            </a:r>
           </a:p>
         </p:txBody>
       </p:sp>
@@ -6872,21 +7178,99 @@
             <p:ph type="title"/>
           </p:nvPr>
         </p:nvSpPr>
-        <p:spPr/>
+        <p:spPr>
+          <a:xfrm>
+            <a:off x="1141410" y="609601"/>
+            <a:ext cx="10437880" cy="789991"/>
+          </a:xfrm>
+        </p:spPr>
         <p:txBody>
           <a:bodyPr/>
           <a:lstStyle/>
           <a:p>
-            <a:r>
-              <a:rPr lang="en-US" dirty="0"/>
-              <a:t>Yelp dataset and its features</a:t>
+            <a:pPr algn="ctr"/>
+            <a:r>
+              <a:rPr lang="en-US" sz="3200" dirty="0"/>
+              <a:t>PROJECT</a:t>
+            </a:r>
+            <a:endParaRPr lang="en-US" dirty="0"/>
+          </a:p>
+        </p:txBody>
+      </p:sp>
+      <p:sp>
+        <p:nvSpPr>
+          <p:cNvPr id="5" name="Text Placeholder 4"/>
+          <p:cNvSpPr>
+            <a:spLocks noGrp="1"/>
+          </p:cNvSpPr>
+          <p:nvPr>
+            <p:ph type="body" sz="half" idx="2"/>
+          </p:nvPr>
+        </p:nvSpPr>
+        <p:spPr>
+          <a:xfrm>
+            <a:off x="902525" y="1399593"/>
+            <a:ext cx="10984675" cy="1856792"/>
+          </a:xfrm>
+        </p:spPr>
+        <p:txBody>
+          <a:bodyPr/>
+          <a:lstStyle/>
+          <a:p>
+            <a:pPr marL="285750" indent="-285750">
+              <a:buFont typeface="Arial" panose="020B0604020202020204" pitchFamily="34" charset="0"/>
+              <a:buChar char="•"/>
+            </a:pPr>
+            <a:r>
+              <a:rPr lang="en-US" dirty="0"/>
+              <a:t>Use yelp dataset to recommend relevant businesses to users</a:t>
+            </a:r>
+          </a:p>
+          <a:p>
+            <a:pPr marL="285750" indent="-285750">
+              <a:buFont typeface="Arial" panose="020B0604020202020204" pitchFamily="34" charset="0"/>
+              <a:buChar char="•"/>
+            </a:pPr>
+            <a:r>
+              <a:rPr lang="en-US" dirty="0"/>
+              <a:t>Based on the activity of users on yelp</a:t>
+            </a:r>
+          </a:p>
+          <a:p>
+            <a:pPr marL="285750" indent="-285750">
+              <a:buFont typeface="Arial" panose="020B0604020202020204" pitchFamily="34" charset="0"/>
+              <a:buChar char="•"/>
+            </a:pPr>
+            <a:r>
+              <a:rPr lang="en-US" dirty="0" err="1"/>
+              <a:t>Activty</a:t>
+            </a:r>
+            <a:r>
+              <a:rPr lang="en-US" dirty="0"/>
+              <a:t> = reviews given by user to business</a:t>
+            </a:r>
+          </a:p>
+          <a:p>
+            <a:pPr marL="285750" indent="-285750">
+              <a:buFont typeface="Arial" panose="020B0604020202020204" pitchFamily="34" charset="0"/>
+              <a:buChar char="•"/>
+            </a:pPr>
+            <a:r>
+              <a:rPr lang="en-US" dirty="0"/>
+              <a:t>Evaluate several data mining methodologies used for recommendations</a:t>
             </a:r>
           </a:p>
         </p:txBody>
       </p:sp>
       <p:pic>
         <p:nvPicPr>
-          <p:cNvPr id="4" name="Content Placeholder 3"/>
+          <p:cNvPr id="8" name="Content Placeholder 3">
+            <a:extLst>
+              <a:ext uri="{FF2B5EF4-FFF2-40B4-BE49-F238E27FC236}">
+                <a16:creationId xmlns:a16="http://schemas.microsoft.com/office/drawing/2014/main" id="{7A84243C-3CDE-4BA4-B00A-11FC4DB63885}"/>
+              </a:ext>
+            </a:extLst>
+          </p:cNvPr>
           <p:cNvPicPr>
             <a:picLocks noGrp="1" noChangeAspect="1"/>
           </p:cNvPicPr>
@@ -6908,15 +7292,15 @@
         </p:blipFill>
         <p:spPr>
           <a:xfrm>
-            <a:off x="2065338" y="2514600"/>
-            <a:ext cx="8221662" cy="3498580"/>
+            <a:off x="3015575" y="3443835"/>
+            <a:ext cx="6220838" cy="2647165"/>
           </a:xfrm>
         </p:spPr>
       </p:pic>
     </p:spTree>
     <p:extLst>
       <p:ext uri="{BB962C8B-B14F-4D97-AF65-F5344CB8AC3E}">
-        <p14:creationId xmlns:p14="http://schemas.microsoft.com/office/powerpoint/2010/main" val="982366428"/>
+        <p14:creationId xmlns:p14="http://schemas.microsoft.com/office/powerpoint/2010/main" val="506449381"/>
       </p:ext>
     </p:extLst>
   </p:cSld>
@@ -6945,68 +7329,158 @@
       </p:grpSpPr>
       <p:sp>
         <p:nvSpPr>
-          <p:cNvPr id="2" name="Title 1">
+          <p:cNvPr id="5" name="Title 4"/>
+          <p:cNvSpPr>
+            <a:spLocks noGrp="1"/>
+          </p:cNvSpPr>
+          <p:nvPr>
+            <p:ph type="title"/>
+          </p:nvPr>
+        </p:nvSpPr>
+        <p:spPr>
+          <a:xfrm>
+            <a:off x="1141413" y="609600"/>
+            <a:ext cx="9905998" cy="1060580"/>
+          </a:xfrm>
+        </p:spPr>
+        <p:txBody>
+          <a:bodyPr/>
+          <a:lstStyle/>
+          <a:p>
+            <a:pPr algn="ctr"/>
+            <a:r>
+              <a:rPr lang="en-US" dirty="0"/>
+              <a:t>Basic Data Analysis</a:t>
+            </a:r>
+          </a:p>
+        </p:txBody>
+      </p:sp>
+      <p:pic>
+        <p:nvPicPr>
+          <p:cNvPr id="6" name="Picture 5" descr="A screenshot of a cell phone&#10;&#10;Description generated with very high confidence">
             <a:extLst>
               <a:ext uri="{FF2B5EF4-FFF2-40B4-BE49-F238E27FC236}">
-                <a16:creationId xmlns:a16="http://schemas.microsoft.com/office/drawing/2014/main" id="{64328DD1-FC2A-4501-991C-B997205E885B}"/>
+                <a16:creationId xmlns:a16="http://schemas.microsoft.com/office/drawing/2014/main" id="{0D2295E3-2F00-4C02-A7BD-833E96CDD36E}"/>
               </a:ext>
             </a:extLst>
           </p:cNvPr>
-          <p:cNvSpPr>
-            <a:spLocks noGrp="1"/>
-          </p:cNvSpPr>
-          <p:nvPr>
-            <p:ph type="title"/>
-          </p:nvPr>
-        </p:nvSpPr>
-        <p:spPr/>
-        <p:txBody>
-          <a:bodyPr/>
-          <a:lstStyle/>
-          <a:p>
-            <a:r>
-              <a:rPr lang="en-IN" dirty="0"/>
-              <a:t>Data Pre-processing</a:t>
-            </a:r>
-          </a:p>
-        </p:txBody>
-      </p:sp>
-      <p:sp>
-        <p:nvSpPr>
-          <p:cNvPr id="3" name="Content Placeholder 2">
+          <p:cNvPicPr>
+            <a:picLocks noChangeAspect="1"/>
+          </p:cNvPicPr>
+          <p:nvPr/>
+        </p:nvPicPr>
+        <p:blipFill>
+          <a:blip r:embed="rId2"/>
+          <a:stretch>
+            <a:fillRect/>
+          </a:stretch>
+        </p:blipFill>
+        <p:spPr>
+          <a:xfrm>
+            <a:off x="7171701" y="2484951"/>
+            <a:ext cx="3689683" cy="2121926"/>
+          </a:xfrm>
+          <a:prstGeom prst="rect">
+            <a:avLst/>
+          </a:prstGeom>
+        </p:spPr>
+      </p:pic>
+      <p:pic>
+        <p:nvPicPr>
+          <p:cNvPr id="7" name="Picture 6">
             <a:extLst>
               <a:ext uri="{FF2B5EF4-FFF2-40B4-BE49-F238E27FC236}">
-                <a16:creationId xmlns:a16="http://schemas.microsoft.com/office/drawing/2014/main" id="{E5801039-0831-46C3-BBC4-8A94ADD5C881}"/>
+                <a16:creationId xmlns:a16="http://schemas.microsoft.com/office/drawing/2014/main" id="{0F34BD68-B52D-4797-A927-184291B9EA7C}"/>
               </a:ext>
             </a:extLst>
           </p:cNvPr>
-          <p:cNvSpPr>
-            <a:spLocks noGrp="1"/>
-          </p:cNvSpPr>
-          <p:nvPr>
-            <p:ph idx="1"/>
-          </p:nvPr>
-        </p:nvSpPr>
-        <p:spPr/>
-        <p:txBody>
-          <a:bodyPr/>
-          <a:lstStyle/>
-          <a:p>
-            <a:r>
-              <a:rPr lang="en-IN" dirty="0"/>
-              <a:t>Filter Businesses by category (only restaurant category select) – 48, 349</a:t>
-            </a:r>
-          </a:p>
-          <a:p>
-            <a:r>
-              <a:rPr lang="en-IN" dirty="0"/>
-              <a:t>Filter users by review count (Min Review : 20) – 19, 771</a:t>
-            </a:r>
-          </a:p>
-          <a:p>
-            <a:r>
-              <a:rPr lang="en-IN" dirty="0"/>
-              <a:t>Divide reviews into training and test set – 9,08,436 Training  and 19,771 Test</a:t>
+          <p:cNvPicPr>
+            <a:picLocks noChangeAspect="1"/>
+          </p:cNvPicPr>
+          <p:nvPr/>
+        </p:nvPicPr>
+        <p:blipFill>
+          <a:blip r:embed="rId3"/>
+          <a:stretch>
+            <a:fillRect/>
+          </a:stretch>
+        </p:blipFill>
+        <p:spPr>
+          <a:xfrm>
+            <a:off x="1630690" y="2484951"/>
+            <a:ext cx="3689683" cy="2106493"/>
+          </a:xfrm>
+          <a:prstGeom prst="rect">
+            <a:avLst/>
+          </a:prstGeom>
+        </p:spPr>
+      </p:pic>
+      <p:sp>
+        <p:nvSpPr>
+          <p:cNvPr id="8" name="TextBox 7">
+            <a:extLst>
+              <a:ext uri="{FF2B5EF4-FFF2-40B4-BE49-F238E27FC236}">
+                <a16:creationId xmlns:a16="http://schemas.microsoft.com/office/drawing/2014/main" id="{7EA937AC-1D94-4194-8435-0298EC972E51}"/>
+              </a:ext>
+            </a:extLst>
+          </p:cNvPr>
+          <p:cNvSpPr txBox="1"/>
+          <p:nvPr/>
+        </p:nvSpPr>
+        <p:spPr>
+          <a:xfrm>
+            <a:off x="2213807" y="4591444"/>
+            <a:ext cx="2523448" cy="369332"/>
+          </a:xfrm>
+          <a:prstGeom prst="rect">
+            <a:avLst/>
+          </a:prstGeom>
+          <a:noFill/>
+        </p:spPr>
+        <p:txBody>
+          <a:bodyPr wrap="none" rtlCol="0">
+            <a:spAutoFit/>
+          </a:bodyPr>
+          <a:lstStyle/>
+          <a:p>
+            <a:r>
+              <a:rPr lang="en-US" dirty="0"/>
+              <a:t>Average Star Ratings</a:t>
+            </a:r>
+          </a:p>
+        </p:txBody>
+      </p:sp>
+      <p:sp>
+        <p:nvSpPr>
+          <p:cNvPr id="10" name="TextBox 9">
+            <a:extLst>
+              <a:ext uri="{FF2B5EF4-FFF2-40B4-BE49-F238E27FC236}">
+                <a16:creationId xmlns:a16="http://schemas.microsoft.com/office/drawing/2014/main" id="{3B799D3C-6594-4041-A992-CB4A7604568D}"/>
+              </a:ext>
+            </a:extLst>
+          </p:cNvPr>
+          <p:cNvSpPr txBox="1"/>
+          <p:nvPr/>
+        </p:nvSpPr>
+        <p:spPr>
+          <a:xfrm>
+            <a:off x="7868631" y="4606877"/>
+            <a:ext cx="2295821" cy="369332"/>
+          </a:xfrm>
+          <a:prstGeom prst="rect">
+            <a:avLst/>
+          </a:prstGeom>
+          <a:noFill/>
+        </p:spPr>
+        <p:txBody>
+          <a:bodyPr wrap="none" rtlCol="0">
+            <a:spAutoFit/>
+          </a:bodyPr>
+          <a:lstStyle/>
+          <a:p>
+            <a:r>
+              <a:rPr lang="en-US" dirty="0"/>
+              <a:t>Average #Reviews</a:t>
             </a:r>
           </a:p>
         </p:txBody>
@@ -7014,7 +7488,7 @@
     </p:spTree>
     <p:extLst>
       <p:ext uri="{BB962C8B-B14F-4D97-AF65-F5344CB8AC3E}">
-        <p14:creationId xmlns:p14="http://schemas.microsoft.com/office/powerpoint/2010/main" val="1634841487"/>
+        <p14:creationId xmlns:p14="http://schemas.microsoft.com/office/powerpoint/2010/main" val="975771786"/>
       </p:ext>
     </p:extLst>
   </p:cSld>
@@ -7054,62 +7528,62 @@
         <p:spPr>
           <a:xfrm>
             <a:off x="1141413" y="609600"/>
-            <a:ext cx="9905998" cy="1905000"/>
+            <a:ext cx="9905998" cy="1060580"/>
           </a:xfrm>
         </p:spPr>
         <p:txBody>
           <a:bodyPr/>
           <a:lstStyle/>
           <a:p>
-            <a:r>
-              <a:rPr lang="en-US" dirty="0"/>
-              <a:t>Dataset Analysis</a:t>
-            </a:r>
-          </a:p>
-        </p:txBody>
-      </p:sp>
-      <p:sp>
-        <p:nvSpPr>
-          <p:cNvPr id="6" name="Content Placeholder 5"/>
-          <p:cNvSpPr>
-            <a:spLocks noGrp="1"/>
-          </p:cNvSpPr>
-          <p:nvPr>
-            <p:ph idx="1"/>
-          </p:nvPr>
-        </p:nvSpPr>
-        <p:spPr>
-          <a:xfrm>
-            <a:off x="1141413" y="2410044"/>
-            <a:ext cx="6502400" cy="2547939"/>
-          </a:xfrm>
-        </p:spPr>
-        <p:txBody>
-          <a:bodyPr/>
-          <a:lstStyle/>
-          <a:p>
-            <a:r>
-              <a:rPr lang="en-US" dirty="0"/>
-              <a:t>rating per user</a:t>
-            </a:r>
-          </a:p>
-          <a:p>
-            <a:r>
-              <a:rPr lang="en-US" dirty="0"/>
-              <a:t>Review count per user</a:t>
-            </a:r>
-          </a:p>
-          <a:p>
-            <a:endParaRPr lang="en-US" dirty="0"/>
+            <a:pPr algn="ctr"/>
+            <a:r>
+              <a:rPr lang="en-US" dirty="0"/>
+              <a:t>Basic Data Analysis</a:t>
+            </a:r>
+          </a:p>
+        </p:txBody>
+      </p:sp>
+      <p:sp>
+        <p:nvSpPr>
+          <p:cNvPr id="2" name="TextBox 1">
+            <a:extLst>
+              <a:ext uri="{FF2B5EF4-FFF2-40B4-BE49-F238E27FC236}">
+                <a16:creationId xmlns:a16="http://schemas.microsoft.com/office/drawing/2014/main" id="{0E878017-C7F4-4984-A314-FDEC8AD8849D}"/>
+              </a:ext>
+            </a:extLst>
+          </p:cNvPr>
+          <p:cNvSpPr txBox="1"/>
+          <p:nvPr/>
+        </p:nvSpPr>
+        <p:spPr>
+          <a:xfrm>
+            <a:off x="7325461" y="4994228"/>
+            <a:ext cx="3791423" cy="369332"/>
+          </a:xfrm>
+          <a:prstGeom prst="rect">
+            <a:avLst/>
+          </a:prstGeom>
+          <a:noFill/>
+        </p:spPr>
+        <p:txBody>
+          <a:bodyPr wrap="none" rtlCol="0">
+            <a:spAutoFit/>
+          </a:bodyPr>
+          <a:lstStyle/>
+          <a:p>
+            <a:r>
+              <a:rPr lang="en-US" dirty="0"/>
+              <a:t>Popular Categories in Las Vegas</a:t>
+            </a:r>
           </a:p>
         </p:txBody>
       </p:sp>
       <p:pic>
         <p:nvPicPr>
-          <p:cNvPr id="3" name="Picture 2">
+          <p:cNvPr id="11" name="Picture 10">
             <a:extLst>
               <a:ext uri="{FF2B5EF4-FFF2-40B4-BE49-F238E27FC236}">
-                <a16:creationId xmlns:a16="http://schemas.microsoft.com/office/drawing/2014/main" id="{974A4BF6-6710-4CD5-AEBB-4E04BC431CF3}"/>
+                <a16:creationId xmlns:a16="http://schemas.microsoft.com/office/drawing/2014/main" id="{844D8DC0-629A-4266-8F60-3B5C58532DA0}"/>
               </a:ext>
             </a:extLst>
           </p:cNvPr>
@@ -7119,15 +7593,21 @@
           <p:nvPr/>
         </p:nvPicPr>
         <p:blipFill>
-          <a:blip r:embed="rId2"/>
+          <a:blip r:embed="rId2">
+            <a:extLst>
+              <a:ext uri="{28A0092B-C50C-407E-A947-70E740481C1C}">
+                <a14:useLocalDpi xmlns:a14="http://schemas.microsoft.com/office/drawing/2010/main" val="0"/>
+              </a:ext>
+            </a:extLst>
+          </a:blip>
           <a:stretch>
             <a:fillRect/>
           </a:stretch>
         </p:blipFill>
         <p:spPr>
           <a:xfrm>
-            <a:off x="6118797" y="-38278"/>
-            <a:ext cx="6073202" cy="3467278"/>
+            <a:off x="7063760" y="2142017"/>
+            <a:ext cx="4314827" cy="2852211"/>
           </a:xfrm>
           <a:prstGeom prst="rect">
             <a:avLst/>
@@ -7136,10 +7616,10 @@
       </p:pic>
       <p:pic>
         <p:nvPicPr>
-          <p:cNvPr id="7" name="Picture 6" descr="A screenshot of a cell phone&#10;&#10;Description generated with very high confidence">
+          <p:cNvPr id="12" name="Picture 11">
             <a:extLst>
               <a:ext uri="{FF2B5EF4-FFF2-40B4-BE49-F238E27FC236}">
-                <a16:creationId xmlns:a16="http://schemas.microsoft.com/office/drawing/2014/main" id="{3372DF14-1931-43AA-91BD-59A5B218EB62}"/>
+                <a16:creationId xmlns:a16="http://schemas.microsoft.com/office/drawing/2014/main" id="{A6B049C9-B9FE-4026-BEB3-DAB3D0313009}"/>
               </a:ext>
             </a:extLst>
           </p:cNvPr>
@@ -7149,25 +7629,66 @@
           <p:nvPr/>
         </p:nvPicPr>
         <p:blipFill>
-          <a:blip r:embed="rId3"/>
+          <a:blip r:embed="rId3">
+            <a:extLst>
+              <a:ext uri="{28A0092B-C50C-407E-A947-70E740481C1C}">
+                <a14:useLocalDpi xmlns:a14="http://schemas.microsoft.com/office/drawing/2010/main" val="0"/>
+              </a:ext>
+            </a:extLst>
+          </a:blip>
           <a:stretch>
             <a:fillRect/>
           </a:stretch>
         </p:blipFill>
         <p:spPr>
           <a:xfrm>
-            <a:off x="6118798" y="3365321"/>
-            <a:ext cx="6073202" cy="3492679"/>
+            <a:off x="200937" y="2142017"/>
+            <a:ext cx="5987973" cy="2863910"/>
           </a:xfrm>
           <a:prstGeom prst="rect">
             <a:avLst/>
           </a:prstGeom>
         </p:spPr>
       </p:pic>
+      <p:sp>
+        <p:nvSpPr>
+          <p:cNvPr id="13" name="TextBox 12">
+            <a:extLst>
+              <a:ext uri="{FF2B5EF4-FFF2-40B4-BE49-F238E27FC236}">
+                <a16:creationId xmlns:a16="http://schemas.microsoft.com/office/drawing/2014/main" id="{5E4C9F02-F821-41E5-AF02-70D32D49B62A}"/>
+              </a:ext>
+            </a:extLst>
+          </p:cNvPr>
+          <p:cNvSpPr txBox="1"/>
+          <p:nvPr/>
+        </p:nvSpPr>
+        <p:spPr>
+          <a:xfrm>
+            <a:off x="2391917" y="4994228"/>
+            <a:ext cx="1606012" cy="369332"/>
+          </a:xfrm>
+          <a:prstGeom prst="rect">
+            <a:avLst/>
+          </a:prstGeom>
+          <a:noFill/>
+        </p:spPr>
+        <p:txBody>
+          <a:bodyPr wrap="square" rtlCol="0">
+            <a:spAutoFit/>
+          </a:bodyPr>
+          <a:lstStyle/>
+          <a:p>
+            <a:r>
+              <a:rPr lang="en-US" dirty="0"/>
+              <a:t>User Growth</a:t>
+            </a:r>
+          </a:p>
+        </p:txBody>
+      </p:sp>
     </p:spTree>
     <p:extLst>
       <p:ext uri="{BB962C8B-B14F-4D97-AF65-F5344CB8AC3E}">
-        <p14:creationId xmlns:p14="http://schemas.microsoft.com/office/powerpoint/2010/main" val="1561574345"/>
+        <p14:creationId xmlns:p14="http://schemas.microsoft.com/office/powerpoint/2010/main" val="2570384556"/>
       </p:ext>
     </p:extLst>
   </p:cSld>
@@ -7207,16 +7728,17 @@
         <p:spPr>
           <a:xfrm>
             <a:off x="1141413" y="609600"/>
-            <a:ext cx="9905998" cy="1905000"/>
+            <a:ext cx="9905998" cy="1060580"/>
           </a:xfrm>
         </p:spPr>
         <p:txBody>
           <a:bodyPr/>
           <a:lstStyle/>
           <a:p>
-            <a:r>
-              <a:rPr lang="en-US" dirty="0"/>
-              <a:t>Dataset Analysis</a:t>
+            <a:pPr algn="ctr"/>
+            <a:r>
+              <a:rPr lang="en-US" dirty="0"/>
+              <a:t>Data PREPROCESSING</a:t>
             </a:r>
           </a:p>
         </p:txBody>
@@ -7233,99 +7755,98 @@
         </p:nvSpPr>
         <p:spPr>
           <a:xfrm>
-            <a:off x="1141413" y="2666999"/>
-            <a:ext cx="6502400" cy="2547939"/>
-          </a:xfrm>
-        </p:spPr>
-        <p:txBody>
-          <a:bodyPr/>
-          <a:lstStyle/>
-          <a:p>
-            <a:r>
-              <a:rPr lang="en-US" dirty="0"/>
-              <a:t>Top category in popular city like las </a:t>
-            </a:r>
+            <a:off x="982793" y="1670179"/>
+            <a:ext cx="10736456" cy="4861249"/>
+          </a:xfrm>
+        </p:spPr>
+        <p:txBody>
+          <a:bodyPr>
+            <a:normAutofit/>
+          </a:bodyPr>
+          <a:lstStyle/>
+          <a:p>
+            <a:r>
+              <a:rPr lang="en-US" dirty="0"/>
+              <a:t>Data Filtering:</a:t>
+            </a:r>
+          </a:p>
+          <a:p>
+            <a:pPr lvl="1"/>
+            <a:r>
+              <a:rPr lang="en-US" dirty="0"/>
+              <a:t>Users with reviews &gt;= 20  ~20K records</a:t>
+            </a:r>
+          </a:p>
+          <a:p>
+            <a:pPr lvl="1"/>
+            <a:r>
+              <a:rPr lang="en-US" dirty="0"/>
+              <a:t>Business with Category = Restaurant ~ </a:t>
+            </a:r>
+            <a:r>
+              <a:rPr lang="en-IN" dirty="0"/>
+              <a:t>48K records</a:t>
+            </a:r>
+            <a:endParaRPr lang="en-US" dirty="0"/>
+          </a:p>
+          <a:p>
+            <a:r>
+              <a:rPr lang="en-US" dirty="0"/>
+              <a:t>Data Transformation:</a:t>
+            </a:r>
+          </a:p>
+          <a:p>
+            <a:pPr lvl="1"/>
             <a:r>
               <a:rPr lang="en-US" dirty="0" err="1"/>
-              <a:t>vegas</a:t>
-            </a:r>
-            <a:endParaRPr lang="en-US" dirty="0"/>
-          </a:p>
-          <a:p>
-            <a:r>
-              <a:rPr lang="en-US" dirty="0"/>
-              <a:t>Yelp user growth</a:t>
-            </a:r>
-          </a:p>
-          <a:p>
-            <a:endParaRPr lang="en-US" dirty="0"/>
-          </a:p>
-        </p:txBody>
-      </p:sp>
-      <p:pic>
-        <p:nvPicPr>
-          <p:cNvPr id="8" name="Picture 7"/>
-          <p:cNvPicPr>
-            <a:picLocks noChangeAspect="1"/>
-          </p:cNvPicPr>
-          <p:nvPr/>
-        </p:nvPicPr>
-        <p:blipFill>
-          <a:blip r:embed="rId2">
-            <a:extLst>
-              <a:ext uri="{28A0092B-C50C-407E-A947-70E740481C1C}">
-                <a14:useLocalDpi xmlns:a14="http://schemas.microsoft.com/office/drawing/2010/main" val="0"/>
-              </a:ext>
-            </a:extLst>
-          </a:blip>
-          <a:stretch>
-            <a:fillRect/>
-          </a:stretch>
-        </p:blipFill>
-        <p:spPr>
-          <a:xfrm>
-            <a:off x="7000873" y="609600"/>
-            <a:ext cx="4314827" cy="2852211"/>
-          </a:xfrm>
-          <a:prstGeom prst="rect">
-            <a:avLst/>
-          </a:prstGeom>
-        </p:spPr>
-      </p:pic>
-      <p:pic>
-        <p:nvPicPr>
-          <p:cNvPr id="9" name="Picture 8"/>
-          <p:cNvPicPr>
-            <a:picLocks noChangeAspect="1"/>
-          </p:cNvPicPr>
-          <p:nvPr/>
-        </p:nvPicPr>
-        <p:blipFill>
-          <a:blip r:embed="rId3">
-            <a:extLst>
-              <a:ext uri="{28A0092B-C50C-407E-A947-70E740481C1C}">
-                <a14:useLocalDpi xmlns:a14="http://schemas.microsoft.com/office/drawing/2010/main" val="0"/>
-              </a:ext>
-            </a:extLst>
-          </a:blip>
-          <a:stretch>
-            <a:fillRect/>
-          </a:stretch>
-        </p:blipFill>
-        <p:spPr>
-          <a:xfrm>
-            <a:off x="6239874" y="3819128"/>
-            <a:ext cx="5836823" cy="2791619"/>
-          </a:xfrm>
-          <a:prstGeom prst="rect">
-            <a:avLst/>
-          </a:prstGeom>
-        </p:spPr>
-      </p:pic>
+              <a:t>UserId</a:t>
+            </a:r>
+            <a:r>
+              <a:rPr lang="en-US" dirty="0"/>
+              <a:t> and </a:t>
+            </a:r>
+            <a:r>
+              <a:rPr lang="en-US" dirty="0" err="1"/>
+              <a:t>BusinessId</a:t>
+            </a:r>
+            <a:r>
+              <a:rPr lang="en-US" dirty="0"/>
+              <a:t> mapped to serial numbers</a:t>
+            </a:r>
+          </a:p>
+          <a:p>
+            <a:r>
+              <a:rPr lang="en-US" dirty="0"/>
+              <a:t>Data Division:</a:t>
+            </a:r>
+          </a:p>
+          <a:p>
+            <a:pPr lvl="1"/>
+            <a:r>
+              <a:rPr lang="en-US" dirty="0"/>
+              <a:t>Based on time</a:t>
+            </a:r>
+          </a:p>
+          <a:p>
+            <a:pPr lvl="1"/>
+            <a:r>
+              <a:rPr lang="en-US" dirty="0"/>
+              <a:t>Training data – Reviews before 2015 ~ 900K</a:t>
+            </a:r>
+          </a:p>
+          <a:p>
+            <a:pPr lvl="1"/>
+            <a:r>
+              <a:rPr lang="en-US" dirty="0"/>
+              <a:t>Testing data – Reviews in and after 2015 ~ 19K</a:t>
+            </a:r>
+          </a:p>
+        </p:txBody>
+      </p:sp>
     </p:spTree>
     <p:extLst>
       <p:ext uri="{BB962C8B-B14F-4D97-AF65-F5344CB8AC3E}">
-        <p14:creationId xmlns:p14="http://schemas.microsoft.com/office/powerpoint/2010/main" val="1282364818"/>
+        <p14:creationId xmlns:p14="http://schemas.microsoft.com/office/powerpoint/2010/main" val="2318902304"/>
       </p:ext>
     </p:extLst>
   </p:cSld>
@@ -7354,7 +7875,7 @@
       </p:grpSpPr>
       <p:sp>
         <p:nvSpPr>
-          <p:cNvPr id="2" name="Title 1"/>
+          <p:cNvPr id="5" name="Title 4"/>
           <p:cNvSpPr>
             <a:spLocks noGrp="1"/>
           </p:cNvSpPr>
@@ -7362,21 +7883,27 @@
             <p:ph type="title"/>
           </p:nvPr>
         </p:nvSpPr>
-        <p:spPr/>
+        <p:spPr>
+          <a:xfrm>
+            <a:off x="1141413" y="609600"/>
+            <a:ext cx="9905998" cy="1060580"/>
+          </a:xfrm>
+        </p:spPr>
         <p:txBody>
           <a:bodyPr/>
           <a:lstStyle/>
           <a:p>
-            <a:r>
-              <a:rPr lang="en-US" dirty="0"/>
-              <a:t>clustering</a:t>
-            </a:r>
-          </a:p>
-        </p:txBody>
-      </p:sp>
-      <p:sp>
-        <p:nvSpPr>
-          <p:cNvPr id="3" name="Content Placeholder 2"/>
+            <a:pPr algn="ctr"/>
+            <a:r>
+              <a:rPr lang="en-US" dirty="0"/>
+              <a:t>METHODS</a:t>
+            </a:r>
+          </a:p>
+        </p:txBody>
+      </p:sp>
+      <p:sp>
+        <p:nvSpPr>
+          <p:cNvPr id="6" name="Content Placeholder 5"/>
           <p:cNvSpPr>
             <a:spLocks noGrp="1"/>
           </p:cNvSpPr>
@@ -7384,78 +7911,70 @@
             <p:ph idx="1"/>
           </p:nvPr>
         </p:nvSpPr>
-        <p:spPr/>
-        <p:txBody>
-          <a:bodyPr/>
-          <a:lstStyle/>
-          <a:p>
-            <a:r>
-              <a:rPr lang="en-US" dirty="0"/>
-              <a:t>Assumptions </a:t>
-            </a:r>
-            <a:r>
-              <a:rPr lang="mr-IN" dirty="0"/>
-              <a:t>–</a:t>
-            </a:r>
-            <a:r>
-              <a:rPr lang="en-US" dirty="0"/>
-              <a:t> </a:t>
-            </a:r>
-            <a:r>
-              <a:rPr lang="en-US" dirty="0" err="1"/>
-              <a:t>UserID</a:t>
-            </a:r>
-            <a:r>
-              <a:rPr lang="en-US" dirty="0"/>
-              <a:t>, Location and Type Of Business</a:t>
-            </a:r>
-          </a:p>
-          <a:p>
-            <a:r>
-              <a:rPr lang="en-US" dirty="0"/>
-              <a:t>User preference vector of top 15 categories based on rating </a:t>
-            </a:r>
-            <a:r>
-              <a:rPr lang="mr-IN" dirty="0"/>
-              <a:t>–</a:t>
-            </a:r>
-            <a:r>
-              <a:rPr lang="en-US" dirty="0"/>
-              <a:t> what if no rating?</a:t>
-            </a:r>
-          </a:p>
-          <a:p>
-            <a:r>
-              <a:rPr lang="en-US" dirty="0"/>
-              <a:t>Business vector </a:t>
-            </a:r>
-            <a:r>
-              <a:rPr lang="mr-IN" dirty="0"/>
-              <a:t>–</a:t>
-            </a:r>
-            <a:r>
-              <a:rPr lang="en-US" dirty="0"/>
-              <a:t> must contain 3 of top 15 categories. </a:t>
-            </a:r>
-          </a:p>
-          <a:p>
-            <a:r>
-              <a:rPr lang="en-US" dirty="0"/>
-              <a:t>Use agglomerative Hierarchical clustering to cluster users</a:t>
-            </a:r>
-          </a:p>
-          <a:p>
-            <a:endParaRPr lang="en-US" dirty="0"/>
-          </a:p>
-          <a:p>
-            <a:endParaRPr lang="en-US" dirty="0"/>
+        <p:spPr>
+          <a:xfrm>
+            <a:off x="982793" y="1670179"/>
+            <a:ext cx="10736456" cy="4861249"/>
+          </a:xfrm>
+        </p:spPr>
+        <p:txBody>
+          <a:bodyPr>
+            <a:normAutofit/>
+          </a:bodyPr>
+          <a:lstStyle/>
+          <a:p>
+            <a:r>
+              <a:rPr lang="en-US" dirty="0"/>
+              <a:t>Clustering</a:t>
+            </a:r>
+          </a:p>
+          <a:p>
+            <a:pPr lvl="1"/>
+            <a:r>
+              <a:rPr lang="en-US" dirty="0"/>
+              <a:t>Agglomerative</a:t>
+            </a:r>
+          </a:p>
+          <a:p>
+            <a:pPr lvl="1"/>
+            <a:endParaRPr lang="en-US" dirty="0"/>
+          </a:p>
+          <a:p>
+            <a:r>
+              <a:rPr lang="en-US" dirty="0"/>
+              <a:t>Collaborative filtering</a:t>
+            </a:r>
+          </a:p>
+          <a:p>
+            <a:pPr lvl="1"/>
+            <a:r>
+              <a:rPr lang="en-US" dirty="0"/>
+              <a:t>User – User similarity based</a:t>
+            </a:r>
+          </a:p>
+          <a:p>
+            <a:pPr lvl="1"/>
+            <a:r>
+              <a:rPr lang="en-US" dirty="0"/>
+              <a:t>Matrix factorization</a:t>
+            </a:r>
+          </a:p>
+          <a:p>
+            <a:pPr lvl="1"/>
+            <a:endParaRPr lang="en-US" dirty="0"/>
+          </a:p>
+          <a:p>
+            <a:r>
+              <a:rPr lang="en-US" dirty="0"/>
+              <a:t>Deep Learning</a:t>
+            </a:r>
           </a:p>
         </p:txBody>
       </p:sp>
     </p:spTree>
     <p:extLst>
       <p:ext uri="{BB962C8B-B14F-4D97-AF65-F5344CB8AC3E}">
-        <p14:creationId xmlns:p14="http://schemas.microsoft.com/office/powerpoint/2010/main" val="1217502752"/>
+        <p14:creationId xmlns:p14="http://schemas.microsoft.com/office/powerpoint/2010/main" val="1275604496"/>
       </p:ext>
     </p:extLst>
   </p:cSld>
@@ -7492,6 +8011,34 @@
             <p:ph type="title"/>
           </p:nvPr>
         </p:nvSpPr>
+        <p:spPr>
+          <a:xfrm>
+            <a:off x="1141413" y="609600"/>
+            <a:ext cx="9905998" cy="847411"/>
+          </a:xfrm>
+        </p:spPr>
+        <p:txBody>
+          <a:bodyPr/>
+          <a:lstStyle/>
+          <a:p>
+            <a:pPr algn="ctr"/>
+            <a:r>
+              <a:rPr lang="en-US" dirty="0"/>
+              <a:t>Clustering - Approach</a:t>
+            </a:r>
+          </a:p>
+        </p:txBody>
+      </p:sp>
+      <p:sp>
+        <p:nvSpPr>
+          <p:cNvPr id="3" name="Content Placeholder 2"/>
+          <p:cNvSpPr>
+            <a:spLocks noGrp="1"/>
+          </p:cNvSpPr>
+          <p:nvPr>
+            <p:ph idx="1"/>
+          </p:nvPr>
+        </p:nvSpPr>
         <p:spPr/>
         <p:txBody>
           <a:bodyPr/>
@@ -7499,66 +8046,61 @@
           <a:p>
             <a:r>
               <a:rPr lang="en-US" dirty="0"/>
-              <a:t>Agglomerative Hierarchical clustering</a:t>
-            </a:r>
-          </a:p>
-        </p:txBody>
-      </p:sp>
-      <p:pic>
-        <p:nvPicPr>
-          <p:cNvPr id="5" name="Content Placeholder 4"/>
-          <p:cNvPicPr>
-            <a:picLocks noGrp="1" noChangeAspect="1"/>
-          </p:cNvPicPr>
-          <p:nvPr>
-            <p:ph idx="1"/>
-          </p:nvPr>
-        </p:nvPicPr>
-        <p:blipFill>
-          <a:blip r:embed="rId2">
-            <a:extLst>
-              <a:ext uri="{28A0092B-C50C-407E-A947-70E740481C1C}">
-                <a14:useLocalDpi xmlns:a14="http://schemas.microsoft.com/office/drawing/2010/main" val="0"/>
-              </a:ext>
-            </a:extLst>
-          </a:blip>
-          <a:stretch>
-            <a:fillRect/>
-          </a:stretch>
-        </p:blipFill>
-        <p:spPr>
-          <a:xfrm>
-            <a:off x="2170360" y="3662631"/>
-            <a:ext cx="7658100" cy="1536700"/>
-          </a:xfrm>
-        </p:spPr>
-      </p:pic>
-      <p:sp>
-        <p:nvSpPr>
-          <p:cNvPr id="7" name="TextBox 6"/>
-          <p:cNvSpPr txBox="1"/>
-          <p:nvPr/>
-        </p:nvSpPr>
-        <p:spPr>
-          <a:xfrm>
-            <a:off x="2042105" y="2223760"/>
-            <a:ext cx="3396793" cy="738664"/>
-          </a:xfrm>
-          <a:prstGeom prst="rect">
-            <a:avLst/>
-          </a:prstGeom>
-          <a:noFill/>
-        </p:spPr>
-        <p:txBody>
-          <a:bodyPr wrap="square" rtlCol="0">
-            <a:spAutoFit/>
-          </a:bodyPr>
-          <a:lstStyle/>
-          <a:p>
-            <a:r>
-              <a:rPr lang="en-US" sz="2400" dirty="0"/>
-              <a:t>Number Of Clusters?</a:t>
-            </a:r>
+              <a:t>Assumptions </a:t>
+            </a:r>
+            <a:r>
+              <a:rPr lang="mr-IN" dirty="0"/>
+              <a:t>–</a:t>
+            </a:r>
+            <a:r>
+              <a:rPr lang="en-US" dirty="0"/>
+              <a:t> </a:t>
+            </a:r>
+            <a:r>
+              <a:rPr lang="en-US" dirty="0" err="1"/>
+              <a:t>UserID</a:t>
+            </a:r>
+            <a:r>
+              <a:rPr lang="en-US" dirty="0"/>
+              <a:t>, Location and Type Of Business</a:t>
+            </a:r>
+          </a:p>
+          <a:p>
+            <a:r>
+              <a:rPr lang="en-US" dirty="0"/>
+              <a:t>User preference vector of top 15 categories based on rating </a:t>
+            </a:r>
+            <a:r>
+              <a:rPr lang="mr-IN" dirty="0"/>
+              <a:t>–</a:t>
+            </a:r>
+            <a:r>
+              <a:rPr lang="en-US" dirty="0"/>
+              <a:t> what if no rating?</a:t>
+            </a:r>
+          </a:p>
+          <a:p>
+            <a:r>
+              <a:rPr lang="en-US" dirty="0"/>
+              <a:t>Business vector </a:t>
+            </a:r>
+            <a:r>
+              <a:rPr lang="mr-IN" dirty="0"/>
+              <a:t>–</a:t>
+            </a:r>
+            <a:r>
+              <a:rPr lang="en-US" dirty="0"/>
+              <a:t> must contain 3 of top 15 categories. </a:t>
+            </a:r>
+          </a:p>
+          <a:p>
+            <a:r>
+              <a:rPr lang="en-US" dirty="0"/>
+              <a:t>Use agglomerative Hierarchical clustering to cluster users</a:t>
+            </a:r>
+          </a:p>
+          <a:p>
+            <a:endParaRPr lang="en-US" dirty="0"/>
           </a:p>
           <a:p>
             <a:endParaRPr lang="en-US" dirty="0"/>
@@ -7568,7 +8110,7 @@
     </p:spTree>
     <p:extLst>
       <p:ext uri="{BB962C8B-B14F-4D97-AF65-F5344CB8AC3E}">
-        <p14:creationId xmlns:p14="http://schemas.microsoft.com/office/powerpoint/2010/main" val="1303766744"/>
+        <p14:creationId xmlns:p14="http://schemas.microsoft.com/office/powerpoint/2010/main" val="1217502752"/>
       </p:ext>
     </p:extLst>
   </p:cSld>

--- a/Final_Presentation/draft_presentation.pptx
+++ b/Final_Presentation/draft_presentation.pptx
@@ -18,10 +18,14 @@
     <p:sldId id="262" r:id="rId12"/>
     <p:sldId id="263" r:id="rId13"/>
     <p:sldId id="264" r:id="rId14"/>
-    <p:sldId id="267" r:id="rId15"/>
-    <p:sldId id="276" r:id="rId16"/>
-    <p:sldId id="269" r:id="rId17"/>
-    <p:sldId id="277" r:id="rId18"/>
+    <p:sldId id="278" r:id="rId15"/>
+    <p:sldId id="279" r:id="rId16"/>
+    <p:sldId id="280" r:id="rId17"/>
+    <p:sldId id="281" r:id="rId18"/>
+    <p:sldId id="267" r:id="rId19"/>
+    <p:sldId id="276" r:id="rId20"/>
+    <p:sldId id="269" r:id="rId21"/>
+    <p:sldId id="277" r:id="rId22"/>
   </p:sldIdLst>
   <p:sldSz cx="12192000" cy="6858000"/>
   <p:notesSz cx="6858000" cy="9144000"/>
@@ -6391,7 +6395,12 @@
             <p:ph sz="half" idx="1"/>
           </p:nvPr>
         </p:nvSpPr>
-        <p:spPr/>
+        <p:spPr>
+          <a:xfrm>
+            <a:off x="1141412" y="2057399"/>
+            <a:ext cx="4876800" cy="3124201"/>
+          </a:xfrm>
+        </p:spPr>
         <p:txBody>
           <a:bodyPr/>
           <a:lstStyle/>
@@ -6470,10 +6479,355 @@
       </p:grpSpPr>
       <p:sp>
         <p:nvSpPr>
+          <p:cNvPr id="2" name="Title 1"/>
+          <p:cNvSpPr>
+            <a:spLocks noGrp="1"/>
+          </p:cNvSpPr>
+          <p:nvPr>
+            <p:ph type="title"/>
+          </p:nvPr>
+        </p:nvSpPr>
+        <p:spPr/>
+        <p:txBody>
+          <a:bodyPr/>
+          <a:lstStyle/>
+          <a:p>
+            <a:r>
+              <a:rPr lang="en-US" dirty="0" smtClean="0"/>
+              <a:t>User-user based collaborative filtering</a:t>
+            </a:r>
+            <a:endParaRPr lang="en-US" dirty="0"/>
+          </a:p>
+        </p:txBody>
+      </p:sp>
+      <p:sp>
+        <p:nvSpPr>
+          <p:cNvPr id="3" name="Content Placeholder 2"/>
+          <p:cNvSpPr>
+            <a:spLocks noGrp="1"/>
+          </p:cNvSpPr>
+          <p:nvPr>
+            <p:ph idx="1"/>
+          </p:nvPr>
+        </p:nvSpPr>
+        <p:spPr/>
+        <p:txBody>
+          <a:bodyPr/>
+          <a:lstStyle/>
+          <a:p>
+            <a:r>
+              <a:rPr lang="en-US" dirty="0" smtClean="0"/>
+              <a:t>Created Utility matrix for users vs business filled with rating </a:t>
+            </a:r>
+            <a:endParaRPr lang="en-US" dirty="0"/>
+          </a:p>
+          <a:p>
+            <a:r>
+              <a:rPr lang="en-US" dirty="0" smtClean="0"/>
+              <a:t>Centralized each rating vector of user to mean zero</a:t>
+            </a:r>
+          </a:p>
+          <a:p>
+            <a:r>
+              <a:rPr lang="en-US" dirty="0" smtClean="0"/>
+              <a:t>Replace the missing values with zero</a:t>
+            </a:r>
+          </a:p>
+          <a:p>
+            <a:r>
+              <a:rPr lang="en-US" dirty="0" smtClean="0"/>
+              <a:t>Averaged rating value would be 0, positive or negative where 0 represents mean rating or missing ratings and positive represents higher ratings than mean rating</a:t>
+            </a:r>
+            <a:endParaRPr lang="en-US" dirty="0"/>
+          </a:p>
+        </p:txBody>
+      </p:sp>
+    </p:spTree>
+    <p:extLst>
+      <p:ext uri="{BB962C8B-B14F-4D97-AF65-F5344CB8AC3E}">
+        <p14:creationId xmlns:p14="http://schemas.microsoft.com/office/powerpoint/2010/main" val="3248185485"/>
+      </p:ext>
+    </p:extLst>
+  </p:cSld>
+  <p:clrMapOvr>
+    <a:masterClrMapping/>
+  </p:clrMapOvr>
+</p:sld>
+</file>
+
+<file path=ppt/slides/slide15.xml><?xml version="1.0" encoding="utf-8"?>
+<p:sld xmlns:a="http://schemas.openxmlformats.org/drawingml/2006/main" xmlns:r="http://schemas.openxmlformats.org/officeDocument/2006/relationships" xmlns:p="http://schemas.openxmlformats.org/presentationml/2006/main">
+  <p:cSld>
+    <p:spTree>
+      <p:nvGrpSpPr>
+        <p:cNvPr id="1" name=""/>
+        <p:cNvGrpSpPr/>
+        <p:nvPr/>
+      </p:nvGrpSpPr>
+      <p:grpSpPr>
+        <a:xfrm>
+          <a:off x="0" y="0"/>
+          <a:ext cx="0" cy="0"/>
+          <a:chOff x="0" y="0"/>
+          <a:chExt cx="0" cy="0"/>
+        </a:xfrm>
+      </p:grpSpPr>
+      <p:sp>
+        <p:nvSpPr>
+          <p:cNvPr id="2" name="Title 1"/>
+          <p:cNvSpPr>
+            <a:spLocks noGrp="1"/>
+          </p:cNvSpPr>
+          <p:nvPr>
+            <p:ph type="title"/>
+          </p:nvPr>
+        </p:nvSpPr>
+        <p:spPr/>
+        <p:txBody>
+          <a:bodyPr/>
+          <a:lstStyle/>
+          <a:p>
+            <a:r>
+              <a:rPr lang="en-US" dirty="0" smtClean="0"/>
+              <a:t>Ratin</a:t>
+            </a:r>
+            <a:r>
+              <a:rPr lang="en-US" dirty="0" smtClean="0"/>
+              <a:t>g prediction</a:t>
+            </a:r>
+            <a:endParaRPr lang="en-US" dirty="0"/>
+          </a:p>
+        </p:txBody>
+      </p:sp>
+      <p:sp>
+        <p:nvSpPr>
+          <p:cNvPr id="3" name="Content Placeholder 2"/>
+          <p:cNvSpPr>
+            <a:spLocks noGrp="1"/>
+          </p:cNvSpPr>
+          <p:nvPr>
+            <p:ph idx="1"/>
+          </p:nvPr>
+        </p:nvSpPr>
+        <p:spPr/>
+        <p:txBody>
+          <a:bodyPr/>
+          <a:lstStyle/>
+          <a:p>
+            <a:r>
+              <a:rPr lang="en-US" dirty="0" smtClean="0"/>
+              <a:t>Predicted the ratings that user will give to the new items</a:t>
+            </a:r>
+          </a:p>
+          <a:p>
+            <a:r>
+              <a:rPr lang="en-US" dirty="0"/>
+              <a:t>Find top k similar users which have already rated the item ‘I</a:t>
+            </a:r>
+            <a:r>
+              <a:rPr lang="en-US" dirty="0" smtClean="0"/>
+              <a:t>’ and returned the weighted averaged of ratings with weight as similarity</a:t>
+            </a:r>
+            <a:endParaRPr lang="en-US" dirty="0" smtClean="0"/>
+          </a:p>
+        </p:txBody>
+      </p:sp>
+    </p:spTree>
+    <p:extLst>
+      <p:ext uri="{BB962C8B-B14F-4D97-AF65-F5344CB8AC3E}">
+        <p14:creationId xmlns:p14="http://schemas.microsoft.com/office/powerpoint/2010/main" val="3077307472"/>
+      </p:ext>
+    </p:extLst>
+  </p:cSld>
+  <p:clrMapOvr>
+    <a:masterClrMapping/>
+  </p:clrMapOvr>
+</p:sld>
+</file>
+
+<file path=ppt/slides/slide16.xml><?xml version="1.0" encoding="utf-8"?>
+<p:sld xmlns:a="http://schemas.openxmlformats.org/drawingml/2006/main" xmlns:r="http://schemas.openxmlformats.org/officeDocument/2006/relationships" xmlns:p="http://schemas.openxmlformats.org/presentationml/2006/main">
+  <p:cSld>
+    <p:spTree>
+      <p:nvGrpSpPr>
+        <p:cNvPr id="1" name=""/>
+        <p:cNvGrpSpPr/>
+        <p:nvPr/>
+      </p:nvGrpSpPr>
+      <p:grpSpPr>
+        <a:xfrm>
+          <a:off x="0" y="0"/>
+          <a:ext cx="0" cy="0"/>
+          <a:chOff x="0" y="0"/>
+          <a:chExt cx="0" cy="0"/>
+        </a:xfrm>
+      </p:grpSpPr>
+      <p:sp>
+        <p:nvSpPr>
+          <p:cNvPr id="2" name="Title 1"/>
+          <p:cNvSpPr>
+            <a:spLocks noGrp="1"/>
+          </p:cNvSpPr>
+          <p:nvPr>
+            <p:ph type="title"/>
+          </p:nvPr>
+        </p:nvSpPr>
+        <p:spPr/>
+        <p:txBody>
+          <a:bodyPr/>
+          <a:lstStyle/>
+          <a:p>
+            <a:r>
+              <a:rPr lang="en-US" dirty="0" smtClean="0"/>
+              <a:t>Recommending top 20 business to user</a:t>
+            </a:r>
+            <a:endParaRPr lang="en-US" dirty="0"/>
+          </a:p>
+        </p:txBody>
+      </p:sp>
+      <p:sp>
+        <p:nvSpPr>
+          <p:cNvPr id="3" name="Content Placeholder 2"/>
+          <p:cNvSpPr>
+            <a:spLocks noGrp="1"/>
+          </p:cNvSpPr>
+          <p:nvPr>
+            <p:ph idx="1"/>
+          </p:nvPr>
+        </p:nvSpPr>
+        <p:spPr/>
+        <p:txBody>
+          <a:bodyPr/>
+          <a:lstStyle/>
+          <a:p>
+            <a:r>
+              <a:rPr lang="en-US" dirty="0" smtClean="0"/>
+              <a:t>Predict rating for business for the user which one have not used yet</a:t>
+            </a:r>
+          </a:p>
+          <a:p>
+            <a:r>
+              <a:rPr lang="en-US" dirty="0" smtClean="0"/>
+              <a:t>Sort the array on basis of rating</a:t>
+            </a:r>
+          </a:p>
+          <a:p>
+            <a:r>
+              <a:rPr lang="en-US" dirty="0" smtClean="0"/>
+              <a:t>Return the top 20 business</a:t>
+            </a:r>
+            <a:endParaRPr lang="en-US" dirty="0"/>
+          </a:p>
+        </p:txBody>
+      </p:sp>
+    </p:spTree>
+    <p:extLst>
+      <p:ext uri="{BB962C8B-B14F-4D97-AF65-F5344CB8AC3E}">
+        <p14:creationId xmlns:p14="http://schemas.microsoft.com/office/powerpoint/2010/main" val="580962263"/>
+      </p:ext>
+    </p:extLst>
+  </p:cSld>
+  <p:clrMapOvr>
+    <a:masterClrMapping/>
+  </p:clrMapOvr>
+</p:sld>
+</file>
+
+<file path=ppt/slides/slide17.xml><?xml version="1.0" encoding="utf-8"?>
+<p:sld xmlns:a="http://schemas.openxmlformats.org/drawingml/2006/main" xmlns:r="http://schemas.openxmlformats.org/officeDocument/2006/relationships" xmlns:p="http://schemas.openxmlformats.org/presentationml/2006/main">
+  <p:cSld>
+    <p:spTree>
+      <p:nvGrpSpPr>
+        <p:cNvPr id="1" name=""/>
+        <p:cNvGrpSpPr/>
+        <p:nvPr/>
+      </p:nvGrpSpPr>
+      <p:grpSpPr>
+        <a:xfrm>
+          <a:off x="0" y="0"/>
+          <a:ext cx="0" cy="0"/>
+          <a:chOff x="0" y="0"/>
+          <a:chExt cx="0" cy="0"/>
+        </a:xfrm>
+      </p:grpSpPr>
+      <p:sp>
+        <p:nvSpPr>
+          <p:cNvPr id="2" name="Title 1"/>
+          <p:cNvSpPr>
+            <a:spLocks noGrp="1"/>
+          </p:cNvSpPr>
+          <p:nvPr>
+            <p:ph type="title"/>
+          </p:nvPr>
+        </p:nvSpPr>
+        <p:spPr/>
+        <p:txBody>
+          <a:bodyPr/>
+          <a:lstStyle/>
+          <a:p>
+            <a:r>
+              <a:rPr lang="en-US" dirty="0" smtClean="0"/>
+              <a:t>RESULT</a:t>
+            </a:r>
+            <a:endParaRPr lang="en-US" dirty="0"/>
+          </a:p>
+        </p:txBody>
+      </p:sp>
+      <p:sp>
+        <p:nvSpPr>
+          <p:cNvPr id="3" name="Content Placeholder 2"/>
+          <p:cNvSpPr>
+            <a:spLocks noGrp="1"/>
+          </p:cNvSpPr>
+          <p:nvPr>
+            <p:ph idx="1"/>
+          </p:nvPr>
+        </p:nvSpPr>
+        <p:spPr/>
+        <p:txBody>
+          <a:bodyPr/>
+          <a:lstStyle/>
+          <a:p>
+            <a:endParaRPr lang="en-US" dirty="0"/>
+          </a:p>
+        </p:txBody>
+      </p:sp>
+    </p:spTree>
+    <p:extLst>
+      <p:ext uri="{BB962C8B-B14F-4D97-AF65-F5344CB8AC3E}">
+        <p14:creationId xmlns:p14="http://schemas.microsoft.com/office/powerpoint/2010/main" val="3044084416"/>
+      </p:ext>
+    </p:extLst>
+  </p:cSld>
+  <p:clrMapOvr>
+    <a:masterClrMapping/>
+  </p:clrMapOvr>
+</p:sld>
+</file>
+
+<file path=ppt/slides/slide18.xml><?xml version="1.0" encoding="utf-8"?>
+<p:sld xmlns:a="http://schemas.openxmlformats.org/drawingml/2006/main" xmlns:r="http://schemas.openxmlformats.org/officeDocument/2006/relationships" xmlns:p="http://schemas.openxmlformats.org/presentationml/2006/main">
+  <p:cSld>
+    <p:spTree>
+      <p:nvGrpSpPr>
+        <p:cNvPr id="1" name=""/>
+        <p:cNvGrpSpPr/>
+        <p:nvPr/>
+      </p:nvGrpSpPr>
+      <p:grpSpPr>
+        <a:xfrm>
+          <a:off x="0" y="0"/>
+          <a:ext cx="0" cy="0"/>
+          <a:chOff x="0" y="0"/>
+          <a:chExt cx="0" cy="0"/>
+        </a:xfrm>
+      </p:grpSpPr>
+      <p:sp>
+        <p:nvSpPr>
           <p:cNvPr id="2" name="Title 1">
             <a:extLst>
               <a:ext uri="{FF2B5EF4-FFF2-40B4-BE49-F238E27FC236}">
-                <a16:creationId xmlns:a16="http://schemas.microsoft.com/office/drawing/2014/main" id="{B5B988DD-3CEA-4306-9333-C8B9309F3C73}"/>
+                <a16:creationId xmlns:a16="http://schemas.microsoft.com/office/drawing/2014/main" xmlns="" id="{B5B988DD-3CEA-4306-9333-C8B9309F3C73}"/>
               </a:ext>
             </a:extLst>
           </p:cNvPr>
@@ -6507,7 +6861,7 @@
           <p:cNvPr id="3" name="Content Placeholder 2">
             <a:extLst>
               <a:ext uri="{FF2B5EF4-FFF2-40B4-BE49-F238E27FC236}">
-                <a16:creationId xmlns:a16="http://schemas.microsoft.com/office/drawing/2014/main" id="{E629C9F5-B61D-4EEA-ABF2-D845038A52CF}"/>
+                <a16:creationId xmlns:a16="http://schemas.microsoft.com/office/drawing/2014/main" xmlns="" id="{E629C9F5-B61D-4EEA-ABF2-D845038A52CF}"/>
               </a:ext>
             </a:extLst>
           </p:cNvPr>
@@ -6549,7 +6903,7 @@
           <p:cNvPr id="6" name="Picture 5">
             <a:extLst>
               <a:ext uri="{FF2B5EF4-FFF2-40B4-BE49-F238E27FC236}">
-                <a16:creationId xmlns:a16="http://schemas.microsoft.com/office/drawing/2014/main" id="{F4F9CB59-64AC-4445-AEB9-F9F8ADE9EAFC}"/>
+                <a16:creationId xmlns:a16="http://schemas.microsoft.com/office/drawing/2014/main" xmlns="" id="{F4F9CB59-64AC-4445-AEB9-F9F8ADE9EAFC}"/>
               </a:ext>
             </a:extLst>
           </p:cNvPr>
@@ -6587,7 +6941,7 @@
 </p:sld>
 </file>
 
-<file path=ppt/slides/slide15.xml><?xml version="1.0" encoding="utf-8"?>
+<file path=ppt/slides/slide19.xml><?xml version="1.0" encoding="utf-8"?>
 <p:sld xmlns:a="http://schemas.openxmlformats.org/drawingml/2006/main" xmlns:r="http://schemas.openxmlformats.org/officeDocument/2006/relationships" xmlns:p="http://schemas.openxmlformats.org/presentationml/2006/main">
   <p:cSld>
     <p:spTree>
@@ -6609,7 +6963,7 @@
           <p:cNvPr id="2" name="Title 1">
             <a:extLst>
               <a:ext uri="{FF2B5EF4-FFF2-40B4-BE49-F238E27FC236}">
-                <a16:creationId xmlns:a16="http://schemas.microsoft.com/office/drawing/2014/main" id="{B5B988DD-3CEA-4306-9333-C8B9309F3C73}"/>
+                <a16:creationId xmlns:a16="http://schemas.microsoft.com/office/drawing/2014/main" xmlns="" id="{B5B988DD-3CEA-4306-9333-C8B9309F3C73}"/>
               </a:ext>
             </a:extLst>
           </p:cNvPr>
@@ -6643,7 +6997,7 @@
           <p:cNvPr id="7" name="Content Placeholder 5" descr="A close up of a map&#10;&#10;Description generated with very high confidence">
             <a:extLst>
               <a:ext uri="{FF2B5EF4-FFF2-40B4-BE49-F238E27FC236}">
-                <a16:creationId xmlns:a16="http://schemas.microsoft.com/office/drawing/2014/main" id="{1E99C260-561F-41BB-BB97-90772368D66E}"/>
+                <a16:creationId xmlns:a16="http://schemas.microsoft.com/office/drawing/2014/main" xmlns="" id="{1E99C260-561F-41BB-BB97-90772368D66E}"/>
               </a:ext>
             </a:extLst>
           </p:cNvPr>
@@ -6708,187 +7062,6 @@
 </p:sld>
 </file>
 
-<file path=ppt/slides/slide16.xml><?xml version="1.0" encoding="utf-8"?>
-<p:sld xmlns:a="http://schemas.openxmlformats.org/drawingml/2006/main" xmlns:r="http://schemas.openxmlformats.org/officeDocument/2006/relationships" xmlns:p="http://schemas.openxmlformats.org/presentationml/2006/main">
-  <p:cSld>
-    <p:spTree>
-      <p:nvGrpSpPr>
-        <p:cNvPr id="1" name=""/>
-        <p:cNvGrpSpPr/>
-        <p:nvPr/>
-      </p:nvGrpSpPr>
-      <p:grpSpPr>
-        <a:xfrm>
-          <a:off x="0" y="0"/>
-          <a:ext cx="0" cy="0"/>
-          <a:chOff x="0" y="0"/>
-          <a:chExt cx="0" cy="0"/>
-        </a:xfrm>
-      </p:grpSpPr>
-      <p:sp>
-        <p:nvSpPr>
-          <p:cNvPr id="2" name="Title 1">
-            <a:extLst>
-              <a:ext uri="{FF2B5EF4-FFF2-40B4-BE49-F238E27FC236}">
-                <a16:creationId xmlns:a16="http://schemas.microsoft.com/office/drawing/2014/main" id="{2FD8CD52-7B04-44C1-81F8-F6083BC044BB}"/>
-              </a:ext>
-            </a:extLst>
-          </p:cNvPr>
-          <p:cNvSpPr>
-            <a:spLocks noGrp="1"/>
-          </p:cNvSpPr>
-          <p:nvPr>
-            <p:ph type="title"/>
-          </p:nvPr>
-        </p:nvSpPr>
-        <p:spPr>
-          <a:xfrm>
-            <a:off x="1141413" y="609600"/>
-            <a:ext cx="9905998" cy="1028281"/>
-          </a:xfrm>
-        </p:spPr>
-        <p:txBody>
-          <a:bodyPr/>
-          <a:lstStyle/>
-          <a:p>
-            <a:pPr algn="ctr"/>
-            <a:r>
-              <a:rPr lang="en-IN" dirty="0"/>
-              <a:t>Deep Learning - RESULTS</a:t>
-            </a:r>
-          </a:p>
-        </p:txBody>
-      </p:sp>
-      <p:sp>
-        <p:nvSpPr>
-          <p:cNvPr id="3" name="Content Placeholder 2">
-            <a:extLst>
-              <a:ext uri="{FF2B5EF4-FFF2-40B4-BE49-F238E27FC236}">
-                <a16:creationId xmlns:a16="http://schemas.microsoft.com/office/drawing/2014/main" id="{EF1E5ACD-A634-4E52-9F70-65709F9A6A6A}"/>
-              </a:ext>
-            </a:extLst>
-          </p:cNvPr>
-          <p:cNvSpPr>
-            <a:spLocks noGrp="1"/>
-          </p:cNvSpPr>
-          <p:nvPr>
-            <p:ph sz="half" idx="1"/>
-          </p:nvPr>
-        </p:nvSpPr>
-        <p:spPr>
-          <a:xfrm>
-            <a:off x="1141411" y="2666999"/>
-            <a:ext cx="9905999" cy="3124201"/>
-          </a:xfrm>
-        </p:spPr>
-        <p:txBody>
-          <a:bodyPr/>
-          <a:lstStyle/>
-          <a:p>
-            <a:r>
-              <a:rPr lang="en-IN" dirty="0"/>
-              <a:t>Trained model using 4 hidden layers with [64,32,16,8] factors.</a:t>
-            </a:r>
-          </a:p>
-          <a:p>
-            <a:r>
-              <a:rPr lang="en-IN" dirty="0"/>
-              <a:t>Used hit ratio and </a:t>
-            </a:r>
-            <a:r>
-              <a:rPr lang="en-IN" dirty="0" err="1"/>
-              <a:t>ndcg</a:t>
-            </a:r>
-            <a:r>
-              <a:rPr lang="en-IN" dirty="0"/>
-              <a:t> to measure quality</a:t>
-            </a:r>
-          </a:p>
-          <a:p>
-            <a:r>
-              <a:rPr lang="en-IN" dirty="0"/>
-              <a:t>Best model – hit ratio (0.8197) and NDCG (0.6220)</a:t>
-            </a:r>
-          </a:p>
-        </p:txBody>
-      </p:sp>
-    </p:spTree>
-    <p:extLst>
-      <p:ext uri="{BB962C8B-B14F-4D97-AF65-F5344CB8AC3E}">
-        <p14:creationId xmlns:p14="http://schemas.microsoft.com/office/powerpoint/2010/main" val="3839082217"/>
-      </p:ext>
-    </p:extLst>
-  </p:cSld>
-  <p:clrMapOvr>
-    <a:masterClrMapping/>
-  </p:clrMapOvr>
-</p:sld>
-</file>
-
-<file path=ppt/slides/slide17.xml><?xml version="1.0" encoding="utf-8"?>
-<p:sld xmlns:a="http://schemas.openxmlformats.org/drawingml/2006/main" xmlns:r="http://schemas.openxmlformats.org/officeDocument/2006/relationships" xmlns:p="http://schemas.openxmlformats.org/presentationml/2006/main">
-  <p:cSld>
-    <p:spTree>
-      <p:nvGrpSpPr>
-        <p:cNvPr id="1" name=""/>
-        <p:cNvGrpSpPr/>
-        <p:nvPr/>
-      </p:nvGrpSpPr>
-      <p:grpSpPr>
-        <a:xfrm>
-          <a:off x="0" y="0"/>
-          <a:ext cx="0" cy="0"/>
-          <a:chOff x="0" y="0"/>
-          <a:chExt cx="0" cy="0"/>
-        </a:xfrm>
-      </p:grpSpPr>
-      <p:sp>
-        <p:nvSpPr>
-          <p:cNvPr id="2" name="Title 1">
-            <a:extLst>
-              <a:ext uri="{FF2B5EF4-FFF2-40B4-BE49-F238E27FC236}">
-                <a16:creationId xmlns:a16="http://schemas.microsoft.com/office/drawing/2014/main" id="{2FD8CD52-7B04-44C1-81F8-F6083BC044BB}"/>
-              </a:ext>
-            </a:extLst>
-          </p:cNvPr>
-          <p:cNvSpPr>
-            <a:spLocks noGrp="1"/>
-          </p:cNvSpPr>
-          <p:nvPr>
-            <p:ph type="title"/>
-          </p:nvPr>
-        </p:nvSpPr>
-        <p:spPr>
-          <a:xfrm>
-            <a:off x="1141413" y="609600"/>
-            <a:ext cx="9905998" cy="1028281"/>
-          </a:xfrm>
-        </p:spPr>
-        <p:txBody>
-          <a:bodyPr/>
-          <a:lstStyle/>
-          <a:p>
-            <a:pPr algn="ctr"/>
-            <a:r>
-              <a:rPr lang="en-IN" dirty="0"/>
-              <a:t>MODEL EVALUATION</a:t>
-            </a:r>
-          </a:p>
-        </p:txBody>
-      </p:sp>
-    </p:spTree>
-    <p:extLst>
-      <p:ext uri="{BB962C8B-B14F-4D97-AF65-F5344CB8AC3E}">
-        <p14:creationId xmlns:p14="http://schemas.microsoft.com/office/powerpoint/2010/main" val="3263611984"/>
-      </p:ext>
-    </p:extLst>
-  </p:cSld>
-  <p:clrMapOvr>
-    <a:masterClrMapping/>
-  </p:clrMapOvr>
-</p:sld>
-</file>
-
 <file path=ppt/slides/slide2.xml><?xml version="1.0" encoding="utf-8"?>
 <p:sld xmlns:a="http://schemas.openxmlformats.org/drawingml/2006/main" xmlns:r="http://schemas.openxmlformats.org/officeDocument/2006/relationships" xmlns:p="http://schemas.openxmlformats.org/presentationml/2006/main">
   <p:cSld>
@@ -6911,7 +7084,7 @@
           <p:cNvPr id="10" name="Title 1">
             <a:extLst>
               <a:ext uri="{FF2B5EF4-FFF2-40B4-BE49-F238E27FC236}">
-                <a16:creationId xmlns:a16="http://schemas.microsoft.com/office/drawing/2014/main" id="{6B56B2BE-0644-4A62-BF6B-79E7717A5508}"/>
+                <a16:creationId xmlns:a16="http://schemas.microsoft.com/office/drawing/2014/main" xmlns="" id="{6B56B2BE-0644-4A62-BF6B-79E7717A5508}"/>
               </a:ext>
             </a:extLst>
           </p:cNvPr>
@@ -6945,7 +7118,7 @@
           <p:cNvPr id="11" name="Content Placeholder 2">
             <a:extLst>
               <a:ext uri="{FF2B5EF4-FFF2-40B4-BE49-F238E27FC236}">
-                <a16:creationId xmlns:a16="http://schemas.microsoft.com/office/drawing/2014/main" id="{C43678B6-9ECD-490D-8922-F5AD8D06FF18}"/>
+                <a16:creationId xmlns:a16="http://schemas.microsoft.com/office/drawing/2014/main" xmlns="" id="{C43678B6-9ECD-490D-8922-F5AD8D06FF18}"/>
               </a:ext>
             </a:extLst>
           </p:cNvPr>
@@ -6995,6 +7168,187 @@
     <p:extLst>
       <p:ext uri="{BB962C8B-B14F-4D97-AF65-F5344CB8AC3E}">
         <p14:creationId xmlns:p14="http://schemas.microsoft.com/office/powerpoint/2010/main" val="512220267"/>
+      </p:ext>
+    </p:extLst>
+  </p:cSld>
+  <p:clrMapOvr>
+    <a:masterClrMapping/>
+  </p:clrMapOvr>
+</p:sld>
+</file>
+
+<file path=ppt/slides/slide20.xml><?xml version="1.0" encoding="utf-8"?>
+<p:sld xmlns:a="http://schemas.openxmlformats.org/drawingml/2006/main" xmlns:r="http://schemas.openxmlformats.org/officeDocument/2006/relationships" xmlns:p="http://schemas.openxmlformats.org/presentationml/2006/main">
+  <p:cSld>
+    <p:spTree>
+      <p:nvGrpSpPr>
+        <p:cNvPr id="1" name=""/>
+        <p:cNvGrpSpPr/>
+        <p:nvPr/>
+      </p:nvGrpSpPr>
+      <p:grpSpPr>
+        <a:xfrm>
+          <a:off x="0" y="0"/>
+          <a:ext cx="0" cy="0"/>
+          <a:chOff x="0" y="0"/>
+          <a:chExt cx="0" cy="0"/>
+        </a:xfrm>
+      </p:grpSpPr>
+      <p:sp>
+        <p:nvSpPr>
+          <p:cNvPr id="2" name="Title 1">
+            <a:extLst>
+              <a:ext uri="{FF2B5EF4-FFF2-40B4-BE49-F238E27FC236}">
+                <a16:creationId xmlns:a16="http://schemas.microsoft.com/office/drawing/2014/main" xmlns="" id="{2FD8CD52-7B04-44C1-81F8-F6083BC044BB}"/>
+              </a:ext>
+            </a:extLst>
+          </p:cNvPr>
+          <p:cNvSpPr>
+            <a:spLocks noGrp="1"/>
+          </p:cNvSpPr>
+          <p:nvPr>
+            <p:ph type="title"/>
+          </p:nvPr>
+        </p:nvSpPr>
+        <p:spPr>
+          <a:xfrm>
+            <a:off x="1141413" y="609600"/>
+            <a:ext cx="9905998" cy="1028281"/>
+          </a:xfrm>
+        </p:spPr>
+        <p:txBody>
+          <a:bodyPr/>
+          <a:lstStyle/>
+          <a:p>
+            <a:pPr algn="ctr"/>
+            <a:r>
+              <a:rPr lang="en-IN" dirty="0"/>
+              <a:t>Deep Learning - RESULTS</a:t>
+            </a:r>
+          </a:p>
+        </p:txBody>
+      </p:sp>
+      <p:sp>
+        <p:nvSpPr>
+          <p:cNvPr id="3" name="Content Placeholder 2">
+            <a:extLst>
+              <a:ext uri="{FF2B5EF4-FFF2-40B4-BE49-F238E27FC236}">
+                <a16:creationId xmlns:a16="http://schemas.microsoft.com/office/drawing/2014/main" xmlns="" id="{EF1E5ACD-A634-4E52-9F70-65709F9A6A6A}"/>
+              </a:ext>
+            </a:extLst>
+          </p:cNvPr>
+          <p:cNvSpPr>
+            <a:spLocks noGrp="1"/>
+          </p:cNvSpPr>
+          <p:nvPr>
+            <p:ph sz="half" idx="1"/>
+          </p:nvPr>
+        </p:nvSpPr>
+        <p:spPr>
+          <a:xfrm>
+            <a:off x="1141411" y="2666999"/>
+            <a:ext cx="9905999" cy="3124201"/>
+          </a:xfrm>
+        </p:spPr>
+        <p:txBody>
+          <a:bodyPr/>
+          <a:lstStyle/>
+          <a:p>
+            <a:r>
+              <a:rPr lang="en-IN" dirty="0"/>
+              <a:t>Trained model using 4 hidden layers with [64,32,16,8] factors.</a:t>
+            </a:r>
+          </a:p>
+          <a:p>
+            <a:r>
+              <a:rPr lang="en-IN" dirty="0"/>
+              <a:t>Used hit ratio and </a:t>
+            </a:r>
+            <a:r>
+              <a:rPr lang="en-IN" dirty="0" err="1"/>
+              <a:t>ndcg</a:t>
+            </a:r>
+            <a:r>
+              <a:rPr lang="en-IN" dirty="0"/>
+              <a:t> to measure quality</a:t>
+            </a:r>
+          </a:p>
+          <a:p>
+            <a:r>
+              <a:rPr lang="en-IN" dirty="0"/>
+              <a:t>Best model – hit ratio (0.8197) and NDCG (0.6220)</a:t>
+            </a:r>
+          </a:p>
+        </p:txBody>
+      </p:sp>
+    </p:spTree>
+    <p:extLst>
+      <p:ext uri="{BB962C8B-B14F-4D97-AF65-F5344CB8AC3E}">
+        <p14:creationId xmlns:p14="http://schemas.microsoft.com/office/powerpoint/2010/main" val="3839082217"/>
+      </p:ext>
+    </p:extLst>
+  </p:cSld>
+  <p:clrMapOvr>
+    <a:masterClrMapping/>
+  </p:clrMapOvr>
+</p:sld>
+</file>
+
+<file path=ppt/slides/slide21.xml><?xml version="1.0" encoding="utf-8"?>
+<p:sld xmlns:a="http://schemas.openxmlformats.org/drawingml/2006/main" xmlns:r="http://schemas.openxmlformats.org/officeDocument/2006/relationships" xmlns:p="http://schemas.openxmlformats.org/presentationml/2006/main">
+  <p:cSld>
+    <p:spTree>
+      <p:nvGrpSpPr>
+        <p:cNvPr id="1" name=""/>
+        <p:cNvGrpSpPr/>
+        <p:nvPr/>
+      </p:nvGrpSpPr>
+      <p:grpSpPr>
+        <a:xfrm>
+          <a:off x="0" y="0"/>
+          <a:ext cx="0" cy="0"/>
+          <a:chOff x="0" y="0"/>
+          <a:chExt cx="0" cy="0"/>
+        </a:xfrm>
+      </p:grpSpPr>
+      <p:sp>
+        <p:nvSpPr>
+          <p:cNvPr id="2" name="Title 1">
+            <a:extLst>
+              <a:ext uri="{FF2B5EF4-FFF2-40B4-BE49-F238E27FC236}">
+                <a16:creationId xmlns:a16="http://schemas.microsoft.com/office/drawing/2014/main" xmlns="" id="{2FD8CD52-7B04-44C1-81F8-F6083BC044BB}"/>
+              </a:ext>
+            </a:extLst>
+          </p:cNvPr>
+          <p:cNvSpPr>
+            <a:spLocks noGrp="1"/>
+          </p:cNvSpPr>
+          <p:nvPr>
+            <p:ph type="title"/>
+          </p:nvPr>
+        </p:nvSpPr>
+        <p:spPr>
+          <a:xfrm>
+            <a:off x="1141413" y="609600"/>
+            <a:ext cx="9905998" cy="1028281"/>
+          </a:xfrm>
+        </p:spPr>
+        <p:txBody>
+          <a:bodyPr/>
+          <a:lstStyle/>
+          <a:p>
+            <a:pPr algn="ctr"/>
+            <a:r>
+              <a:rPr lang="en-IN" dirty="0"/>
+              <a:t>MODEL EVALUATION</a:t>
+            </a:r>
+          </a:p>
+        </p:txBody>
+      </p:sp>
+    </p:spTree>
+    <p:extLst>
+      <p:ext uri="{BB962C8B-B14F-4D97-AF65-F5344CB8AC3E}">
+        <p14:creationId xmlns:p14="http://schemas.microsoft.com/office/powerpoint/2010/main" val="3263611984"/>
       </p:ext>
     </p:extLst>
   </p:cSld>
@@ -7026,7 +7380,7 @@
           <p:cNvPr id="11" name="Title 1">
             <a:extLst>
               <a:ext uri="{FF2B5EF4-FFF2-40B4-BE49-F238E27FC236}">
-                <a16:creationId xmlns:a16="http://schemas.microsoft.com/office/drawing/2014/main" id="{42D2E274-AE4C-4470-BB81-8005B204AD41}"/>
+                <a16:creationId xmlns:a16="http://schemas.microsoft.com/office/drawing/2014/main" xmlns="" id="{42D2E274-AE4C-4470-BB81-8005B204AD41}"/>
               </a:ext>
             </a:extLst>
           </p:cNvPr>
@@ -7061,7 +7415,7 @@
           <p:cNvPr id="12" name="Content Placeholder 6">
             <a:extLst>
               <a:ext uri="{FF2B5EF4-FFF2-40B4-BE49-F238E27FC236}">
-                <a16:creationId xmlns:a16="http://schemas.microsoft.com/office/drawing/2014/main" id="{6B489A06-075E-4376-B3A7-18A55553B81B}"/>
+                <a16:creationId xmlns:a16="http://schemas.microsoft.com/office/drawing/2014/main" xmlns="" id="{6B489A06-075E-4376-B3A7-18A55553B81B}"/>
               </a:ext>
             </a:extLst>
           </p:cNvPr>
@@ -7096,7 +7450,7 @@
           <p:cNvPr id="13" name="Text Placeholder 4">
             <a:extLst>
               <a:ext uri="{FF2B5EF4-FFF2-40B4-BE49-F238E27FC236}">
-                <a16:creationId xmlns:a16="http://schemas.microsoft.com/office/drawing/2014/main" id="{DF1B168D-E236-4045-A51D-A104E0C13E69}"/>
+                <a16:creationId xmlns:a16="http://schemas.microsoft.com/office/drawing/2014/main" xmlns="" id="{DF1B168D-E236-4045-A51D-A104E0C13E69}"/>
               </a:ext>
             </a:extLst>
           </p:cNvPr>
@@ -7267,7 +7621,7 @@
           <p:cNvPr id="8" name="Content Placeholder 3">
             <a:extLst>
               <a:ext uri="{FF2B5EF4-FFF2-40B4-BE49-F238E27FC236}">
-                <a16:creationId xmlns:a16="http://schemas.microsoft.com/office/drawing/2014/main" id="{7A84243C-3CDE-4BA4-B00A-11FC4DB63885}"/>
+                <a16:creationId xmlns:a16="http://schemas.microsoft.com/office/drawing/2014/main" xmlns="" id="{7A84243C-3CDE-4BA4-B00A-11FC4DB63885}"/>
               </a:ext>
             </a:extLst>
           </p:cNvPr>
@@ -7360,7 +7714,7 @@
           <p:cNvPr id="6" name="Picture 5" descr="A screenshot of a cell phone&#10;&#10;Description generated with very high confidence">
             <a:extLst>
               <a:ext uri="{FF2B5EF4-FFF2-40B4-BE49-F238E27FC236}">
-                <a16:creationId xmlns:a16="http://schemas.microsoft.com/office/drawing/2014/main" id="{0D2295E3-2F00-4C02-A7BD-833E96CDD36E}"/>
+                <a16:creationId xmlns:a16="http://schemas.microsoft.com/office/drawing/2014/main" xmlns="" id="{0D2295E3-2F00-4C02-A7BD-833E96CDD36E}"/>
               </a:ext>
             </a:extLst>
           </p:cNvPr>
@@ -7390,7 +7744,7 @@
           <p:cNvPr id="7" name="Picture 6">
             <a:extLst>
               <a:ext uri="{FF2B5EF4-FFF2-40B4-BE49-F238E27FC236}">
-                <a16:creationId xmlns:a16="http://schemas.microsoft.com/office/drawing/2014/main" id="{0F34BD68-B52D-4797-A927-184291B9EA7C}"/>
+                <a16:creationId xmlns:a16="http://schemas.microsoft.com/office/drawing/2014/main" xmlns="" id="{0F34BD68-B52D-4797-A927-184291B9EA7C}"/>
               </a:ext>
             </a:extLst>
           </p:cNvPr>
@@ -7420,7 +7774,7 @@
           <p:cNvPr id="8" name="TextBox 7">
             <a:extLst>
               <a:ext uri="{FF2B5EF4-FFF2-40B4-BE49-F238E27FC236}">
-                <a16:creationId xmlns:a16="http://schemas.microsoft.com/office/drawing/2014/main" id="{7EA937AC-1D94-4194-8435-0298EC972E51}"/>
+                <a16:creationId xmlns:a16="http://schemas.microsoft.com/office/drawing/2014/main" xmlns="" id="{7EA937AC-1D94-4194-8435-0298EC972E51}"/>
               </a:ext>
             </a:extLst>
           </p:cNvPr>
@@ -7455,7 +7809,7 @@
           <p:cNvPr id="10" name="TextBox 9">
             <a:extLst>
               <a:ext uri="{FF2B5EF4-FFF2-40B4-BE49-F238E27FC236}">
-                <a16:creationId xmlns:a16="http://schemas.microsoft.com/office/drawing/2014/main" id="{3B799D3C-6594-4041-A992-CB4A7604568D}"/>
+                <a16:creationId xmlns:a16="http://schemas.microsoft.com/office/drawing/2014/main" xmlns="" id="{3B799D3C-6594-4041-A992-CB4A7604568D}"/>
               </a:ext>
             </a:extLst>
           </p:cNvPr>
@@ -7548,7 +7902,7 @@
           <p:cNvPr id="2" name="TextBox 1">
             <a:extLst>
               <a:ext uri="{FF2B5EF4-FFF2-40B4-BE49-F238E27FC236}">
-                <a16:creationId xmlns:a16="http://schemas.microsoft.com/office/drawing/2014/main" id="{0E878017-C7F4-4984-A314-FDEC8AD8849D}"/>
+                <a16:creationId xmlns:a16="http://schemas.microsoft.com/office/drawing/2014/main" xmlns="" id="{0E878017-C7F4-4984-A314-FDEC8AD8849D}"/>
               </a:ext>
             </a:extLst>
           </p:cNvPr>
@@ -7583,7 +7937,7 @@
           <p:cNvPr id="11" name="Picture 10">
             <a:extLst>
               <a:ext uri="{FF2B5EF4-FFF2-40B4-BE49-F238E27FC236}">
-                <a16:creationId xmlns:a16="http://schemas.microsoft.com/office/drawing/2014/main" id="{844D8DC0-629A-4266-8F60-3B5C58532DA0}"/>
+                <a16:creationId xmlns:a16="http://schemas.microsoft.com/office/drawing/2014/main" xmlns="" id="{844D8DC0-629A-4266-8F60-3B5C58532DA0}"/>
               </a:ext>
             </a:extLst>
           </p:cNvPr>
@@ -7619,7 +7973,7 @@
           <p:cNvPr id="12" name="Picture 11">
             <a:extLst>
               <a:ext uri="{FF2B5EF4-FFF2-40B4-BE49-F238E27FC236}">
-                <a16:creationId xmlns:a16="http://schemas.microsoft.com/office/drawing/2014/main" id="{A6B049C9-B9FE-4026-BEB3-DAB3D0313009}"/>
+                <a16:creationId xmlns:a16="http://schemas.microsoft.com/office/drawing/2014/main" xmlns="" id="{A6B049C9-B9FE-4026-BEB3-DAB3D0313009}"/>
               </a:ext>
             </a:extLst>
           </p:cNvPr>
@@ -7655,7 +8009,7 @@
           <p:cNvPr id="13" name="TextBox 12">
             <a:extLst>
               <a:ext uri="{FF2B5EF4-FFF2-40B4-BE49-F238E27FC236}">
-                <a16:creationId xmlns:a16="http://schemas.microsoft.com/office/drawing/2014/main" id="{5E4C9F02-F821-41E5-AF02-70D32D49B62A}"/>
+                <a16:creationId xmlns:a16="http://schemas.microsoft.com/office/drawing/2014/main" xmlns="" id="{5E4C9F02-F821-41E5-AF02-70D32D49B62A}"/>
               </a:ext>
             </a:extLst>
           </p:cNvPr>

--- a/Final_Presentation/draft_presentation.pptx
+++ b/Final_Presentation/draft_presentation.pptx
@@ -4,6 +4,9 @@
   <p:sldMasterIdLst>
     <p:sldMasterId id="2147483648" r:id="rId1"/>
   </p:sldMasterIdLst>
+  <p:notesMasterIdLst>
+    <p:notesMasterId r:id="rId26"/>
+  </p:notesMasterIdLst>
   <p:sldIdLst>
     <p:sldId id="256" r:id="rId2"/>
     <p:sldId id="258" r:id="rId3"/>
@@ -21,11 +24,14 @@
     <p:sldId id="278" r:id="rId15"/>
     <p:sldId id="279" r:id="rId16"/>
     <p:sldId id="280" r:id="rId17"/>
-    <p:sldId id="281" r:id="rId18"/>
-    <p:sldId id="267" r:id="rId19"/>
-    <p:sldId id="276" r:id="rId20"/>
-    <p:sldId id="269" r:id="rId21"/>
-    <p:sldId id="277" r:id="rId22"/>
+    <p:sldId id="282" r:id="rId18"/>
+    <p:sldId id="283" r:id="rId19"/>
+    <p:sldId id="284" r:id="rId20"/>
+    <p:sldId id="267" r:id="rId21"/>
+    <p:sldId id="276" r:id="rId22"/>
+    <p:sldId id="269" r:id="rId23"/>
+    <p:sldId id="277" r:id="rId24"/>
+    <p:sldId id="285" r:id="rId25"/>
   </p:sldIdLst>
   <p:sldSz cx="12192000" cy="6858000"/>
   <p:notesSz cx="6858000" cy="9144000"/>
@@ -398,6 +404,439 @@
     </pc:docChg>
   </pc:docChgLst>
 </pc:chgInfo>
+</file>
+
+<file path=ppt/notesMasters/notesMaster1.xml><?xml version="1.0" encoding="utf-8"?>
+<p:notesMaster xmlns:a="http://schemas.openxmlformats.org/drawingml/2006/main" xmlns:r="http://schemas.openxmlformats.org/officeDocument/2006/relationships" xmlns:p="http://schemas.openxmlformats.org/presentationml/2006/main">
+  <p:cSld>
+    <p:bg>
+      <p:bgRef idx="1001">
+        <a:schemeClr val="bg1"/>
+      </p:bgRef>
+    </p:bg>
+    <p:spTree>
+      <p:nvGrpSpPr>
+        <p:cNvPr id="1" name=""/>
+        <p:cNvGrpSpPr/>
+        <p:nvPr/>
+      </p:nvGrpSpPr>
+      <p:grpSpPr>
+        <a:xfrm>
+          <a:off x="0" y="0"/>
+          <a:ext cx="0" cy="0"/>
+          <a:chOff x="0" y="0"/>
+          <a:chExt cx="0" cy="0"/>
+        </a:xfrm>
+      </p:grpSpPr>
+      <p:sp>
+        <p:nvSpPr>
+          <p:cNvPr id="2" name="Header Placeholder 1"/>
+          <p:cNvSpPr>
+            <a:spLocks noGrp="1"/>
+          </p:cNvSpPr>
+          <p:nvPr>
+            <p:ph type="hdr" sz="quarter"/>
+          </p:nvPr>
+        </p:nvSpPr>
+        <p:spPr>
+          <a:xfrm>
+            <a:off x="0" y="0"/>
+            <a:ext cx="2971800" cy="458788"/>
+          </a:xfrm>
+          <a:prstGeom prst="rect">
+            <a:avLst/>
+          </a:prstGeom>
+        </p:spPr>
+        <p:txBody>
+          <a:bodyPr vert="horz" lIns="91440" tIns="45720" rIns="91440" bIns="45720" rtlCol="0"/>
+          <a:lstStyle>
+            <a:lvl1pPr algn="l">
+              <a:defRPr sz="1200"/>
+            </a:lvl1pPr>
+          </a:lstStyle>
+          <a:p>
+            <a:endParaRPr lang="en-US"/>
+          </a:p>
+        </p:txBody>
+      </p:sp>
+      <p:sp>
+        <p:nvSpPr>
+          <p:cNvPr id="3" name="Date Placeholder 2"/>
+          <p:cNvSpPr>
+            <a:spLocks noGrp="1"/>
+          </p:cNvSpPr>
+          <p:nvPr>
+            <p:ph type="dt" idx="1"/>
+          </p:nvPr>
+        </p:nvSpPr>
+        <p:spPr>
+          <a:xfrm>
+            <a:off x="3884613" y="0"/>
+            <a:ext cx="2971800" cy="458788"/>
+          </a:xfrm>
+          <a:prstGeom prst="rect">
+            <a:avLst/>
+          </a:prstGeom>
+        </p:spPr>
+        <p:txBody>
+          <a:bodyPr vert="horz" lIns="91440" tIns="45720" rIns="91440" bIns="45720" rtlCol="0"/>
+          <a:lstStyle>
+            <a:lvl1pPr algn="r">
+              <a:defRPr sz="1200"/>
+            </a:lvl1pPr>
+          </a:lstStyle>
+          <a:p>
+            <a:fld id="{B016768A-9686-40A5-8F78-9DB4FBB88E2C}" type="datetimeFigureOut">
+              <a:rPr lang="en-US" smtClean="0"/>
+              <a:t>12/13/2017</a:t>
+            </a:fld>
+            <a:endParaRPr lang="en-US"/>
+          </a:p>
+        </p:txBody>
+      </p:sp>
+      <p:sp>
+        <p:nvSpPr>
+          <p:cNvPr id="4" name="Slide Image Placeholder 3"/>
+          <p:cNvSpPr>
+            <a:spLocks noGrp="1" noRot="1" noChangeAspect="1"/>
+          </p:cNvSpPr>
+          <p:nvPr>
+            <p:ph type="sldImg" idx="2"/>
+          </p:nvPr>
+        </p:nvSpPr>
+        <p:spPr>
+          <a:xfrm>
+            <a:off x="685800" y="1143000"/>
+            <a:ext cx="5486400" cy="3086100"/>
+          </a:xfrm>
+          <a:prstGeom prst="rect">
+            <a:avLst/>
+          </a:prstGeom>
+          <a:noFill/>
+          <a:ln w="12700">
+            <a:solidFill>
+              <a:prstClr val="black"/>
+            </a:solidFill>
+          </a:ln>
+        </p:spPr>
+        <p:txBody>
+          <a:bodyPr vert="horz" lIns="91440" tIns="45720" rIns="91440" bIns="45720" rtlCol="0" anchor="ctr"/>
+          <a:lstStyle/>
+          <a:p>
+            <a:endParaRPr lang="en-US"/>
+          </a:p>
+        </p:txBody>
+      </p:sp>
+      <p:sp>
+        <p:nvSpPr>
+          <p:cNvPr id="5" name="Notes Placeholder 4"/>
+          <p:cNvSpPr>
+            <a:spLocks noGrp="1"/>
+          </p:cNvSpPr>
+          <p:nvPr>
+            <p:ph type="body" sz="quarter" idx="3"/>
+          </p:nvPr>
+        </p:nvSpPr>
+        <p:spPr>
+          <a:xfrm>
+            <a:off x="685800" y="4400550"/>
+            <a:ext cx="5486400" cy="3600450"/>
+          </a:xfrm>
+          <a:prstGeom prst="rect">
+            <a:avLst/>
+          </a:prstGeom>
+        </p:spPr>
+        <p:txBody>
+          <a:bodyPr vert="horz" lIns="91440" tIns="45720" rIns="91440" bIns="45720" rtlCol="0"/>
+          <a:lstStyle/>
+          <a:p>
+            <a:pPr lvl="0"/>
+            <a:r>
+              <a:rPr lang="en-US"/>
+              <a:t>Edit Master text styles</a:t>
+            </a:r>
+          </a:p>
+          <a:p>
+            <a:pPr lvl="1"/>
+            <a:r>
+              <a:rPr lang="en-US"/>
+              <a:t>Second level</a:t>
+            </a:r>
+          </a:p>
+          <a:p>
+            <a:pPr lvl="2"/>
+            <a:r>
+              <a:rPr lang="en-US"/>
+              <a:t>Third level</a:t>
+            </a:r>
+          </a:p>
+          <a:p>
+            <a:pPr lvl="3"/>
+            <a:r>
+              <a:rPr lang="en-US"/>
+              <a:t>Fourth level</a:t>
+            </a:r>
+          </a:p>
+          <a:p>
+            <a:pPr lvl="4"/>
+            <a:r>
+              <a:rPr lang="en-US"/>
+              <a:t>Fifth level</a:t>
+            </a:r>
+          </a:p>
+        </p:txBody>
+      </p:sp>
+      <p:sp>
+        <p:nvSpPr>
+          <p:cNvPr id="6" name="Footer Placeholder 5"/>
+          <p:cNvSpPr>
+            <a:spLocks noGrp="1"/>
+          </p:cNvSpPr>
+          <p:nvPr>
+            <p:ph type="ftr" sz="quarter" idx="4"/>
+          </p:nvPr>
+        </p:nvSpPr>
+        <p:spPr>
+          <a:xfrm>
+            <a:off x="0" y="8685213"/>
+            <a:ext cx="2971800" cy="458787"/>
+          </a:xfrm>
+          <a:prstGeom prst="rect">
+            <a:avLst/>
+          </a:prstGeom>
+        </p:spPr>
+        <p:txBody>
+          <a:bodyPr vert="horz" lIns="91440" tIns="45720" rIns="91440" bIns="45720" rtlCol="0" anchor="b"/>
+          <a:lstStyle>
+            <a:lvl1pPr algn="l">
+              <a:defRPr sz="1200"/>
+            </a:lvl1pPr>
+          </a:lstStyle>
+          <a:p>
+            <a:endParaRPr lang="en-US"/>
+          </a:p>
+        </p:txBody>
+      </p:sp>
+      <p:sp>
+        <p:nvSpPr>
+          <p:cNvPr id="7" name="Slide Number Placeholder 6"/>
+          <p:cNvSpPr>
+            <a:spLocks noGrp="1"/>
+          </p:cNvSpPr>
+          <p:nvPr>
+            <p:ph type="sldNum" sz="quarter" idx="5"/>
+          </p:nvPr>
+        </p:nvSpPr>
+        <p:spPr>
+          <a:xfrm>
+            <a:off x="3884613" y="8685213"/>
+            <a:ext cx="2971800" cy="458787"/>
+          </a:xfrm>
+          <a:prstGeom prst="rect">
+            <a:avLst/>
+          </a:prstGeom>
+        </p:spPr>
+        <p:txBody>
+          <a:bodyPr vert="horz" lIns="91440" tIns="45720" rIns="91440" bIns="45720" rtlCol="0" anchor="b"/>
+          <a:lstStyle>
+            <a:lvl1pPr algn="r">
+              <a:defRPr sz="1200"/>
+            </a:lvl1pPr>
+          </a:lstStyle>
+          <a:p>
+            <a:fld id="{77A3FD9C-3F53-4CB3-AA2B-DCC102E7E564}" type="slidenum">
+              <a:rPr lang="en-US" smtClean="0"/>
+              <a:t>‹#›</a:t>
+            </a:fld>
+            <a:endParaRPr lang="en-US"/>
+          </a:p>
+        </p:txBody>
+      </p:sp>
+    </p:spTree>
+    <p:extLst>
+      <p:ext uri="{BB962C8B-B14F-4D97-AF65-F5344CB8AC3E}">
+        <p14:creationId xmlns:p14="http://schemas.microsoft.com/office/powerpoint/2010/main" val="3959412934"/>
+      </p:ext>
+    </p:extLst>
+  </p:cSld>
+  <p:clrMap bg1="lt1" tx1="dk1" bg2="lt2" tx2="dk2" accent1="accent1" accent2="accent2" accent3="accent3" accent4="accent4" accent5="accent5" accent6="accent6" hlink="hlink" folHlink="folHlink"/>
+  <p:notesStyle>
+    <a:lvl1pPr marL="0" algn="l" defTabSz="914400" rtl="0" eaLnBrk="1" latinLnBrk="0" hangingPunct="1">
+      <a:defRPr sz="1200" kern="1200">
+        <a:solidFill>
+          <a:schemeClr val="tx1"/>
+        </a:solidFill>
+        <a:latin typeface="+mn-lt"/>
+        <a:ea typeface="+mn-ea"/>
+        <a:cs typeface="+mn-cs"/>
+      </a:defRPr>
+    </a:lvl1pPr>
+    <a:lvl2pPr marL="457200" algn="l" defTabSz="914400" rtl="0" eaLnBrk="1" latinLnBrk="0" hangingPunct="1">
+      <a:defRPr sz="1200" kern="1200">
+        <a:solidFill>
+          <a:schemeClr val="tx1"/>
+        </a:solidFill>
+        <a:latin typeface="+mn-lt"/>
+        <a:ea typeface="+mn-ea"/>
+        <a:cs typeface="+mn-cs"/>
+      </a:defRPr>
+    </a:lvl2pPr>
+    <a:lvl3pPr marL="914400" algn="l" defTabSz="914400" rtl="0" eaLnBrk="1" latinLnBrk="0" hangingPunct="1">
+      <a:defRPr sz="1200" kern="1200">
+        <a:solidFill>
+          <a:schemeClr val="tx1"/>
+        </a:solidFill>
+        <a:latin typeface="+mn-lt"/>
+        <a:ea typeface="+mn-ea"/>
+        <a:cs typeface="+mn-cs"/>
+      </a:defRPr>
+    </a:lvl3pPr>
+    <a:lvl4pPr marL="1371600" algn="l" defTabSz="914400" rtl="0" eaLnBrk="1" latinLnBrk="0" hangingPunct="1">
+      <a:defRPr sz="1200" kern="1200">
+        <a:solidFill>
+          <a:schemeClr val="tx1"/>
+        </a:solidFill>
+        <a:latin typeface="+mn-lt"/>
+        <a:ea typeface="+mn-ea"/>
+        <a:cs typeface="+mn-cs"/>
+      </a:defRPr>
+    </a:lvl4pPr>
+    <a:lvl5pPr marL="1828800" algn="l" defTabSz="914400" rtl="0" eaLnBrk="1" latinLnBrk="0" hangingPunct="1">
+      <a:defRPr sz="1200" kern="1200">
+        <a:solidFill>
+          <a:schemeClr val="tx1"/>
+        </a:solidFill>
+        <a:latin typeface="+mn-lt"/>
+        <a:ea typeface="+mn-ea"/>
+        <a:cs typeface="+mn-cs"/>
+      </a:defRPr>
+    </a:lvl5pPr>
+    <a:lvl6pPr marL="2286000" algn="l" defTabSz="914400" rtl="0" eaLnBrk="1" latinLnBrk="0" hangingPunct="1">
+      <a:defRPr sz="1200" kern="1200">
+        <a:solidFill>
+          <a:schemeClr val="tx1"/>
+        </a:solidFill>
+        <a:latin typeface="+mn-lt"/>
+        <a:ea typeface="+mn-ea"/>
+        <a:cs typeface="+mn-cs"/>
+      </a:defRPr>
+    </a:lvl6pPr>
+    <a:lvl7pPr marL="2743200" algn="l" defTabSz="914400" rtl="0" eaLnBrk="1" latinLnBrk="0" hangingPunct="1">
+      <a:defRPr sz="1200" kern="1200">
+        <a:solidFill>
+          <a:schemeClr val="tx1"/>
+        </a:solidFill>
+        <a:latin typeface="+mn-lt"/>
+        <a:ea typeface="+mn-ea"/>
+        <a:cs typeface="+mn-cs"/>
+      </a:defRPr>
+    </a:lvl7pPr>
+    <a:lvl8pPr marL="3200400" algn="l" defTabSz="914400" rtl="0" eaLnBrk="1" latinLnBrk="0" hangingPunct="1">
+      <a:defRPr sz="1200" kern="1200">
+        <a:solidFill>
+          <a:schemeClr val="tx1"/>
+        </a:solidFill>
+        <a:latin typeface="+mn-lt"/>
+        <a:ea typeface="+mn-ea"/>
+        <a:cs typeface="+mn-cs"/>
+      </a:defRPr>
+    </a:lvl8pPr>
+    <a:lvl9pPr marL="3657600" algn="l" defTabSz="914400" rtl="0" eaLnBrk="1" latinLnBrk="0" hangingPunct="1">
+      <a:defRPr sz="1200" kern="1200">
+        <a:solidFill>
+          <a:schemeClr val="tx1"/>
+        </a:solidFill>
+        <a:latin typeface="+mn-lt"/>
+        <a:ea typeface="+mn-ea"/>
+        <a:cs typeface="+mn-cs"/>
+      </a:defRPr>
+    </a:lvl9pPr>
+  </p:notesStyle>
+</p:notesMaster>
+</file>
+
+<file path=ppt/notesSlides/notesSlide1.xml><?xml version="1.0" encoding="utf-8"?>
+<p:notes xmlns:a="http://schemas.openxmlformats.org/drawingml/2006/main" xmlns:r="http://schemas.openxmlformats.org/officeDocument/2006/relationships" xmlns:p="http://schemas.openxmlformats.org/presentationml/2006/main">
+  <p:cSld>
+    <p:spTree>
+      <p:nvGrpSpPr>
+        <p:cNvPr id="1" name=""/>
+        <p:cNvGrpSpPr/>
+        <p:nvPr/>
+      </p:nvGrpSpPr>
+      <p:grpSpPr>
+        <a:xfrm>
+          <a:off x="0" y="0"/>
+          <a:ext cx="0" cy="0"/>
+          <a:chOff x="0" y="0"/>
+          <a:chExt cx="0" cy="0"/>
+        </a:xfrm>
+      </p:grpSpPr>
+      <p:sp>
+        <p:nvSpPr>
+          <p:cNvPr id="2" name="Slide Image Placeholder 1"/>
+          <p:cNvSpPr>
+            <a:spLocks noGrp="1" noRot="1" noChangeAspect="1"/>
+          </p:cNvSpPr>
+          <p:nvPr>
+            <p:ph type="sldImg"/>
+          </p:nvPr>
+        </p:nvSpPr>
+        <p:spPr/>
+      </p:sp>
+      <p:sp>
+        <p:nvSpPr>
+          <p:cNvPr id="3" name="Notes Placeholder 2"/>
+          <p:cNvSpPr>
+            <a:spLocks noGrp="1"/>
+          </p:cNvSpPr>
+          <p:nvPr>
+            <p:ph type="body" idx="1"/>
+          </p:nvPr>
+        </p:nvSpPr>
+        <p:spPr/>
+        <p:txBody>
+          <a:bodyPr/>
+          <a:lstStyle/>
+          <a:p>
+            <a:endParaRPr lang="en-US" dirty="0"/>
+          </a:p>
+        </p:txBody>
+      </p:sp>
+      <p:sp>
+        <p:nvSpPr>
+          <p:cNvPr id="4" name="Slide Number Placeholder 3"/>
+          <p:cNvSpPr>
+            <a:spLocks noGrp="1"/>
+          </p:cNvSpPr>
+          <p:nvPr>
+            <p:ph type="sldNum" sz="quarter" idx="10"/>
+          </p:nvPr>
+        </p:nvSpPr>
+        <p:spPr/>
+        <p:txBody>
+          <a:bodyPr/>
+          <a:lstStyle/>
+          <a:p>
+            <a:fld id="{77A3FD9C-3F53-4CB3-AA2B-DCC102E7E564}" type="slidenum">
+              <a:rPr lang="en-US" smtClean="0"/>
+              <a:t>14</a:t>
+            </a:fld>
+            <a:endParaRPr lang="en-US"/>
+          </a:p>
+        </p:txBody>
+      </p:sp>
+    </p:spTree>
+    <p:extLst>
+      <p:ext uri="{BB962C8B-B14F-4D97-AF65-F5344CB8AC3E}">
+        <p14:creationId xmlns:p14="http://schemas.microsoft.com/office/powerpoint/2010/main" val="290648195"/>
+      </p:ext>
+    </p:extLst>
+  </p:cSld>
+  <p:clrMapOvr>
+    <a:masterClrMapping/>
+  </p:clrMapOvr>
+</p:notes>
 </file>
 
 <file path=ppt/slideLayouts/slideLayout1.xml><?xml version="1.0" encoding="utf-8"?>
@@ -6397,8 +6836,8 @@
         </p:nvSpPr>
         <p:spPr>
           <a:xfrm>
-            <a:off x="1141412" y="2057399"/>
-            <a:ext cx="4876800" cy="3124201"/>
+            <a:off x="432079" y="2057399"/>
+            <a:ext cx="5586133" cy="3124201"/>
           </a:xfrm>
         </p:spPr>
         <p:txBody>
@@ -6411,6 +6850,13 @@
             </a:r>
           </a:p>
           <a:p>
+            <a:pPr lvl="1"/>
+            <a:r>
+              <a:rPr lang="en-US" dirty="0"/>
+              <a:t>Positive(&gt;3.7), Negative(&lt;2.6), Neutral(rest) </a:t>
+            </a:r>
+          </a:p>
+          <a:p>
             <a:r>
               <a:rPr lang="en-US" dirty="0"/>
               <a:t>Normalized discounted cumulative gain (NDCG)</a:t>
@@ -6420,31 +6866,32 @@
       </p:sp>
       <p:pic>
         <p:nvPicPr>
-          <p:cNvPr id="6" name="Content Placeholder 5"/>
+          <p:cNvPr id="8" name="Picture 7">
+            <a:extLst>
+              <a:ext uri="{FF2B5EF4-FFF2-40B4-BE49-F238E27FC236}">
+                <a16:creationId xmlns:a16="http://schemas.microsoft.com/office/drawing/2014/main" id="{0E5926AD-975A-4751-BB6F-4C1E79EFDE62}"/>
+              </a:ext>
+            </a:extLst>
+          </p:cNvPr>
           <p:cNvPicPr>
-            <a:picLocks noGrp="1" noChangeAspect="1"/>
+            <a:picLocks noChangeAspect="1"/>
           </p:cNvPicPr>
-          <p:nvPr>
-            <p:ph sz="half" idx="2"/>
-          </p:nvPr>
+          <p:nvPr/>
         </p:nvPicPr>
         <p:blipFill>
-          <a:blip r:embed="rId2">
-            <a:extLst>
-              <a:ext uri="{28A0092B-C50C-407E-A947-70E740481C1C}">
-                <a14:useLocalDpi xmlns:a14="http://schemas.microsoft.com/office/drawing/2010/main" val="0"/>
-              </a:ext>
-            </a:extLst>
-          </a:blip>
+          <a:blip r:embed="rId2"/>
           <a:stretch>
             <a:fillRect/>
           </a:stretch>
         </p:blipFill>
         <p:spPr>
           <a:xfrm>
-            <a:off x="6672263" y="1791233"/>
-            <a:ext cx="3471862" cy="4370177"/>
+            <a:off x="7403688" y="1396721"/>
+            <a:ext cx="3860632" cy="5099538"/>
           </a:xfrm>
+          <a:prstGeom prst="rect">
+            <a:avLst/>
+          </a:prstGeom>
         </p:spPr>
       </p:pic>
     </p:spTree>
@@ -6493,10 +6940,9 @@
           <a:lstStyle/>
           <a:p>
             <a:r>
-              <a:rPr lang="en-US" dirty="0" smtClean="0"/>
+              <a:rPr lang="en-US" dirty="0"/>
               <a:t>User-user based collaborative filtering</a:t>
             </a:r>
-            <a:endParaRPr lang="en-US" dirty="0"/>
           </a:p>
         </p:txBody>
       </p:sp>
@@ -6516,29 +6962,27 @@
           <a:lstStyle/>
           <a:p>
             <a:r>
-              <a:rPr lang="en-US" dirty="0" smtClean="0"/>
+              <a:rPr lang="en-US" dirty="0"/>
               <a:t>Created Utility matrix for users vs business filled with rating </a:t>
             </a:r>
-            <a:endParaRPr lang="en-US" dirty="0"/>
-          </a:p>
-          <a:p>
-            <a:r>
-              <a:rPr lang="en-US" dirty="0" smtClean="0"/>
+          </a:p>
+          <a:p>
+            <a:r>
+              <a:rPr lang="en-US" dirty="0"/>
               <a:t>Centralized each rating vector of user to mean zero</a:t>
             </a:r>
           </a:p>
           <a:p>
             <a:r>
-              <a:rPr lang="en-US" dirty="0" smtClean="0"/>
+              <a:rPr lang="en-US" dirty="0"/>
               <a:t>Replace the missing values with zero</a:t>
             </a:r>
           </a:p>
           <a:p>
             <a:r>
-              <a:rPr lang="en-US" dirty="0" smtClean="0"/>
+              <a:rPr lang="en-US" dirty="0"/>
               <a:t>Averaged rating value would be 0, positive or negative where 0 represents mean rating or missing ratings and positive represents higher ratings than mean rating</a:t>
             </a:r>
-            <a:endParaRPr lang="en-US" dirty="0"/>
           </a:p>
         </p:txBody>
       </p:sp>
@@ -6588,14 +7032,9 @@
           <a:lstStyle/>
           <a:p>
             <a:r>
-              <a:rPr lang="en-US" dirty="0" smtClean="0"/>
-              <a:t>Ratin</a:t>
-            </a:r>
-            <a:r>
-              <a:rPr lang="en-US" dirty="0" smtClean="0"/>
-              <a:t>g prediction</a:t>
-            </a:r>
-            <a:endParaRPr lang="en-US" dirty="0"/>
+              <a:rPr lang="en-US" dirty="0"/>
+              <a:t>Rating prediction</a:t>
+            </a:r>
           </a:p>
         </p:txBody>
       </p:sp>
@@ -6615,23 +7054,54 @@
           <a:lstStyle/>
           <a:p>
             <a:r>
-              <a:rPr lang="en-US" dirty="0" smtClean="0"/>
-              <a:t>Predicted the ratings that user will give to the new items</a:t>
-            </a:r>
-          </a:p>
-          <a:p>
-            <a:r>
-              <a:rPr lang="en-US" dirty="0"/>
-              <a:t>Find top k similar users which have already rated the item ‘I</a:t>
-            </a:r>
-            <a:r>
-              <a:rPr lang="en-US" dirty="0" smtClean="0"/>
-              <a:t>’ and returned the weighted averaged of ratings with weight as similarity</a:t>
-            </a:r>
-            <a:endParaRPr lang="en-US" dirty="0" smtClean="0"/>
-          </a:p>
-        </p:txBody>
-      </p:sp>
+              <a:rPr lang="en-US" dirty="0"/>
+              <a:t>Prediction for user I for business k is given by the formula above.</a:t>
+            </a:r>
+          </a:p>
+          <a:p>
+            <a:r>
+              <a:rPr lang="en-US" dirty="0"/>
+              <a:t>Predicted the ratings that user will give to the new business</a:t>
+            </a:r>
+          </a:p>
+          <a:p>
+            <a:r>
+              <a:rPr lang="en-US" dirty="0"/>
+              <a:t>Find top k similar users which have already rated the item ‘I’ and returned the weighted averaged of ratings with weight as similarity</a:t>
+            </a:r>
+          </a:p>
+        </p:txBody>
+      </p:sp>
+      <p:pic>
+        <p:nvPicPr>
+          <p:cNvPr id="4" name="Picture 3">
+            <a:extLst>
+              <a:ext uri="{FF2B5EF4-FFF2-40B4-BE49-F238E27FC236}">
+                <a16:creationId xmlns:a16="http://schemas.microsoft.com/office/drawing/2014/main" id="{F2D18A5D-77A5-4120-96C6-67349714B04E}"/>
+              </a:ext>
+            </a:extLst>
+          </p:cNvPr>
+          <p:cNvPicPr>
+            <a:picLocks noChangeAspect="1"/>
+          </p:cNvPicPr>
+          <p:nvPr/>
+        </p:nvPicPr>
+        <p:blipFill>
+          <a:blip r:embed="rId2"/>
+          <a:stretch>
+            <a:fillRect/>
+          </a:stretch>
+        </p:blipFill>
+        <p:spPr>
+          <a:xfrm>
+            <a:off x="4222749" y="2241201"/>
+            <a:ext cx="3743325" cy="723900"/>
+          </a:xfrm>
+          <a:prstGeom prst="rect">
+            <a:avLst/>
+          </a:prstGeom>
+        </p:spPr>
+      </p:pic>
     </p:spTree>
     <p:extLst>
       <p:ext uri="{BB962C8B-B14F-4D97-AF65-F5344CB8AC3E}">
@@ -6678,10 +7148,9 @@
           <a:lstStyle/>
           <a:p>
             <a:r>
-              <a:rPr lang="en-US" dirty="0" smtClean="0"/>
-              <a:t>Recommending top 20 business to user</a:t>
-            </a:r>
-            <a:endParaRPr lang="en-US" dirty="0"/>
+              <a:rPr lang="en-US" dirty="0"/>
+              <a:t>Recommending top 10 business to user</a:t>
+            </a:r>
           </a:p>
         </p:txBody>
       </p:sp>
@@ -6701,22 +7170,21 @@
           <a:lstStyle/>
           <a:p>
             <a:r>
-              <a:rPr lang="en-US" dirty="0" smtClean="0"/>
+              <a:rPr lang="en-US" dirty="0"/>
               <a:t>Predict rating for business for the user which one have not used yet</a:t>
             </a:r>
           </a:p>
           <a:p>
             <a:r>
-              <a:rPr lang="en-US" dirty="0" smtClean="0"/>
+              <a:rPr lang="en-US" dirty="0"/>
               <a:t>Sort the array on basis of rating</a:t>
             </a:r>
           </a:p>
           <a:p>
             <a:r>
-              <a:rPr lang="en-US" dirty="0" smtClean="0"/>
-              <a:t>Return the top 20 business</a:t>
-            </a:r>
-            <a:endParaRPr lang="en-US" dirty="0"/>
+              <a:rPr lang="en-US" dirty="0"/>
+              <a:t>Return the top 10 business</a:t>
+            </a:r>
           </a:p>
         </p:txBody>
       </p:sp>
@@ -6760,42 +7228,611 @@
             <p:ph type="title"/>
           </p:nvPr>
         </p:nvSpPr>
-        <p:spPr/>
+        <p:spPr>
+          <a:xfrm>
+            <a:off x="492369" y="609600"/>
+            <a:ext cx="10555042" cy="1369925"/>
+          </a:xfrm>
+        </p:spPr>
+        <p:txBody>
+          <a:bodyPr>
+            <a:normAutofit/>
+          </a:bodyPr>
+          <a:lstStyle/>
+          <a:p>
+            <a:pPr algn="ctr"/>
+            <a:r>
+              <a:rPr lang="en-US" dirty="0"/>
+              <a:t>collaborative filtering</a:t>
+            </a:r>
+            <a:br>
+              <a:rPr lang="en-US" dirty="0"/>
+            </a:br>
+            <a:r>
+              <a:rPr lang="en-US" dirty="0"/>
+              <a:t>MATRIX FACTORIZATION using ALS</a:t>
+            </a:r>
+          </a:p>
+        </p:txBody>
+      </p:sp>
+      <p:pic>
+        <p:nvPicPr>
+          <p:cNvPr id="4" name="Picture 3">
+            <a:extLst>
+              <a:ext uri="{FF2B5EF4-FFF2-40B4-BE49-F238E27FC236}">
+                <a16:creationId xmlns:a16="http://schemas.microsoft.com/office/drawing/2014/main" id="{F225215F-095F-41A6-8BA8-5389CC8862B4}"/>
+              </a:ext>
+            </a:extLst>
+          </p:cNvPr>
+          <p:cNvPicPr>
+            <a:picLocks noChangeAspect="1"/>
+          </p:cNvPicPr>
+          <p:nvPr/>
+        </p:nvPicPr>
+        <p:blipFill>
+          <a:blip r:embed="rId2"/>
+          <a:stretch>
+            <a:fillRect/>
+          </a:stretch>
+        </p:blipFill>
+        <p:spPr>
+          <a:xfrm>
+            <a:off x="4793577" y="2389623"/>
+            <a:ext cx="1952625" cy="571500"/>
+          </a:xfrm>
+          <a:prstGeom prst="rect">
+            <a:avLst/>
+          </a:prstGeom>
+        </p:spPr>
+      </p:pic>
+      <p:sp>
+        <p:nvSpPr>
+          <p:cNvPr id="5" name="Content Placeholder 2">
+            <a:extLst>
+              <a:ext uri="{FF2B5EF4-FFF2-40B4-BE49-F238E27FC236}">
+                <a16:creationId xmlns:a16="http://schemas.microsoft.com/office/drawing/2014/main" id="{D52E045C-852F-4DBC-9D83-D96B28911DB2}"/>
+              </a:ext>
+            </a:extLst>
+          </p:cNvPr>
+          <p:cNvSpPr>
+            <a:spLocks noGrp="1"/>
+          </p:cNvSpPr>
+          <p:nvPr>
+            <p:ph idx="1"/>
+          </p:nvPr>
+        </p:nvSpPr>
+        <p:spPr>
+          <a:xfrm>
+            <a:off x="1141413" y="3084844"/>
+            <a:ext cx="9905998" cy="1547446"/>
+          </a:xfrm>
+        </p:spPr>
         <p:txBody>
           <a:bodyPr/>
           <a:lstStyle/>
           <a:p>
             <a:r>
-              <a:rPr lang="en-US" dirty="0" smtClean="0"/>
-              <a:t>RESULT</a:t>
-            </a:r>
+              <a:rPr lang="en-US" dirty="0"/>
+              <a:t>Q – vector of business and p- vector of users</a:t>
+            </a:r>
+          </a:p>
+          <a:p>
+            <a:r>
+              <a:rPr lang="en-US" dirty="0"/>
+              <a:t>Predicted the ratings based on the dot product of the user and the business vector</a:t>
+            </a:r>
+          </a:p>
+          <a:p>
             <a:endParaRPr lang="en-US" dirty="0"/>
           </a:p>
         </p:txBody>
       </p:sp>
-      <p:sp>
-        <p:nvSpPr>
-          <p:cNvPr id="3" name="Content Placeholder 2"/>
-          <p:cNvSpPr>
-            <a:spLocks noGrp="1"/>
-          </p:cNvSpPr>
-          <p:nvPr>
-            <p:ph idx="1"/>
-          </p:nvPr>
-        </p:nvSpPr>
-        <p:spPr/>
-        <p:txBody>
-          <a:bodyPr/>
-          <a:lstStyle/>
-          <a:p>
-            <a:endParaRPr lang="en-US" dirty="0"/>
+      <p:pic>
+        <p:nvPicPr>
+          <p:cNvPr id="6" name="Picture 5">
+            <a:extLst>
+              <a:ext uri="{FF2B5EF4-FFF2-40B4-BE49-F238E27FC236}">
+                <a16:creationId xmlns:a16="http://schemas.microsoft.com/office/drawing/2014/main" id="{A98923D0-96A4-4094-BE5B-5E0F01A3FAC7}"/>
+              </a:ext>
+            </a:extLst>
+          </p:cNvPr>
+          <p:cNvPicPr>
+            <a:picLocks noChangeAspect="1"/>
+          </p:cNvPicPr>
+          <p:nvPr/>
+        </p:nvPicPr>
+        <p:blipFill>
+          <a:blip r:embed="rId3"/>
+          <a:stretch>
+            <a:fillRect/>
+          </a:stretch>
+        </p:blipFill>
+        <p:spPr>
+          <a:xfrm>
+            <a:off x="3438525" y="4211934"/>
+            <a:ext cx="5314950" cy="990600"/>
+          </a:xfrm>
+          <a:prstGeom prst="rect">
+            <a:avLst/>
+          </a:prstGeom>
+        </p:spPr>
+      </p:pic>
+      <p:sp>
+        <p:nvSpPr>
+          <p:cNvPr id="7" name="Content Placeholder 2">
+            <a:extLst>
+              <a:ext uri="{FF2B5EF4-FFF2-40B4-BE49-F238E27FC236}">
+                <a16:creationId xmlns:a16="http://schemas.microsoft.com/office/drawing/2014/main" id="{CA80AEE0-093B-4590-A6D7-588DC75AFB34}"/>
+              </a:ext>
+            </a:extLst>
+          </p:cNvPr>
+          <p:cNvSpPr txBox="1">
+            <a:spLocks/>
+          </p:cNvSpPr>
+          <p:nvPr/>
+        </p:nvSpPr>
+        <p:spPr>
+          <a:xfrm>
+            <a:off x="1293813" y="5202534"/>
+            <a:ext cx="9905998" cy="1547446"/>
+          </a:xfrm>
+          <a:prstGeom prst="rect">
+            <a:avLst/>
+          </a:prstGeom>
+        </p:spPr>
+        <p:txBody>
+          <a:bodyPr vert="horz" lIns="91440" tIns="45720" rIns="91440" bIns="45720" rtlCol="0" anchor="ctr">
+            <a:normAutofit lnSpcReduction="10000"/>
+          </a:bodyPr>
+          <a:lstStyle>
+            <a:lvl1pPr marL="285750" indent="-285750" algn="l" defTabSz="457200" rtl="0" eaLnBrk="1" latinLnBrk="0" hangingPunct="1">
+              <a:spcBef>
+                <a:spcPct val="20000"/>
+              </a:spcBef>
+              <a:spcAft>
+                <a:spcPts val="600"/>
+              </a:spcAft>
+              <a:buClr>
+                <a:schemeClr val="tx1"/>
+              </a:buClr>
+              <a:buSzPct val="100000"/>
+              <a:buFont typeface="Arial"/>
+              <a:buChar char="•"/>
+              <a:defRPr sz="2000" kern="1200" cap="small">
+                <a:gradFill flip="none" rotWithShape="1">
+                  <a:gsLst>
+                    <a:gs pos="0">
+                      <a:schemeClr val="tx1"/>
+                    </a:gs>
+                    <a:gs pos="100000">
+                      <a:schemeClr val="tx1">
+                        <a:lumMod val="75000"/>
+                      </a:schemeClr>
+                    </a:gs>
+                  </a:gsLst>
+                  <a:lin ang="5580000" scaled="0"/>
+                  <a:tileRect/>
+                </a:gradFill>
+                <a:effectLst>
+                  <a:glow rad="38100">
+                    <a:schemeClr val="bg1">
+                      <a:lumMod val="50000"/>
+                      <a:lumOff val="50000"/>
+                      <a:alpha val="20000"/>
+                    </a:schemeClr>
+                  </a:glow>
+                  <a:outerShdw blurRad="44450" dist="12700" dir="13860000" algn="tl" rotWithShape="0">
+                    <a:srgbClr val="000000">
+                      <a:alpha val="20000"/>
+                    </a:srgbClr>
+                  </a:outerShdw>
+                </a:effectLst>
+                <a:latin typeface="+mn-lt"/>
+                <a:ea typeface="+mn-ea"/>
+                <a:cs typeface="+mn-cs"/>
+              </a:defRPr>
+            </a:lvl1pPr>
+            <a:lvl2pPr marL="742950" indent="-285750" algn="l" defTabSz="457200" rtl="0" eaLnBrk="1" latinLnBrk="0" hangingPunct="1">
+              <a:spcBef>
+                <a:spcPct val="20000"/>
+              </a:spcBef>
+              <a:spcAft>
+                <a:spcPts val="600"/>
+              </a:spcAft>
+              <a:buClr>
+                <a:schemeClr val="tx1"/>
+              </a:buClr>
+              <a:buSzPct val="100000"/>
+              <a:buFont typeface="Arial"/>
+              <a:buChar char="•"/>
+              <a:defRPr sz="1800" kern="1200" cap="small">
+                <a:gradFill flip="none" rotWithShape="1">
+                  <a:gsLst>
+                    <a:gs pos="0">
+                      <a:schemeClr val="tx1"/>
+                    </a:gs>
+                    <a:gs pos="100000">
+                      <a:schemeClr val="tx1">
+                        <a:lumMod val="75000"/>
+                      </a:schemeClr>
+                    </a:gs>
+                  </a:gsLst>
+                  <a:lin ang="5580000" scaled="0"/>
+                  <a:tileRect/>
+                </a:gradFill>
+                <a:effectLst>
+                  <a:glow rad="38100">
+                    <a:schemeClr val="bg1">
+                      <a:lumMod val="50000"/>
+                      <a:lumOff val="50000"/>
+                      <a:alpha val="20000"/>
+                    </a:schemeClr>
+                  </a:glow>
+                  <a:outerShdw blurRad="44450" dist="12700" dir="13860000" algn="tl" rotWithShape="0">
+                    <a:srgbClr val="000000">
+                      <a:alpha val="20000"/>
+                    </a:srgbClr>
+                  </a:outerShdw>
+                </a:effectLst>
+                <a:latin typeface="+mn-lt"/>
+                <a:ea typeface="+mn-ea"/>
+                <a:cs typeface="+mn-cs"/>
+              </a:defRPr>
+            </a:lvl2pPr>
+            <a:lvl3pPr marL="1200150" indent="-285750" algn="l" defTabSz="457200" rtl="0" eaLnBrk="1" latinLnBrk="0" hangingPunct="1">
+              <a:spcBef>
+                <a:spcPct val="20000"/>
+              </a:spcBef>
+              <a:spcAft>
+                <a:spcPts val="600"/>
+              </a:spcAft>
+              <a:buClr>
+                <a:schemeClr val="tx1"/>
+              </a:buClr>
+              <a:buSzPct val="100000"/>
+              <a:buFont typeface="Arial"/>
+              <a:buChar char="•"/>
+              <a:defRPr sz="1600" kern="1200" cap="small">
+                <a:gradFill flip="none" rotWithShape="1">
+                  <a:gsLst>
+                    <a:gs pos="0">
+                      <a:schemeClr val="tx1"/>
+                    </a:gs>
+                    <a:gs pos="100000">
+                      <a:schemeClr val="tx1">
+                        <a:lumMod val="75000"/>
+                      </a:schemeClr>
+                    </a:gs>
+                  </a:gsLst>
+                  <a:lin ang="5580000" scaled="0"/>
+                  <a:tileRect/>
+                </a:gradFill>
+                <a:effectLst>
+                  <a:glow rad="38100">
+                    <a:schemeClr val="bg1">
+                      <a:lumMod val="50000"/>
+                      <a:lumOff val="50000"/>
+                      <a:alpha val="20000"/>
+                    </a:schemeClr>
+                  </a:glow>
+                  <a:outerShdw blurRad="44450" dist="12700" dir="13860000" algn="tl" rotWithShape="0">
+                    <a:srgbClr val="000000">
+                      <a:alpha val="20000"/>
+                    </a:srgbClr>
+                  </a:outerShdw>
+                </a:effectLst>
+                <a:latin typeface="+mn-lt"/>
+                <a:ea typeface="+mn-ea"/>
+                <a:cs typeface="+mn-cs"/>
+              </a:defRPr>
+            </a:lvl3pPr>
+            <a:lvl4pPr marL="1543050" indent="-171450" algn="l" defTabSz="457200" rtl="0" eaLnBrk="1" latinLnBrk="0" hangingPunct="1">
+              <a:spcBef>
+                <a:spcPct val="20000"/>
+              </a:spcBef>
+              <a:spcAft>
+                <a:spcPts val="600"/>
+              </a:spcAft>
+              <a:buClr>
+                <a:schemeClr val="tx1"/>
+              </a:buClr>
+              <a:buSzPct val="100000"/>
+              <a:buFont typeface="Arial"/>
+              <a:buChar char="•"/>
+              <a:defRPr sz="1400" kern="1200" cap="small">
+                <a:gradFill flip="none" rotWithShape="1">
+                  <a:gsLst>
+                    <a:gs pos="0">
+                      <a:schemeClr val="tx1"/>
+                    </a:gs>
+                    <a:gs pos="100000">
+                      <a:schemeClr val="tx1">
+                        <a:lumMod val="75000"/>
+                      </a:schemeClr>
+                    </a:gs>
+                  </a:gsLst>
+                  <a:lin ang="5580000" scaled="0"/>
+                  <a:tileRect/>
+                </a:gradFill>
+                <a:effectLst>
+                  <a:glow rad="38100">
+                    <a:schemeClr val="bg1">
+                      <a:lumMod val="50000"/>
+                      <a:lumOff val="50000"/>
+                      <a:alpha val="20000"/>
+                    </a:schemeClr>
+                  </a:glow>
+                  <a:outerShdw blurRad="44450" dist="12700" dir="13860000" algn="tl" rotWithShape="0">
+                    <a:srgbClr val="000000">
+                      <a:alpha val="20000"/>
+                    </a:srgbClr>
+                  </a:outerShdw>
+                </a:effectLst>
+                <a:latin typeface="+mn-lt"/>
+                <a:ea typeface="+mn-ea"/>
+                <a:cs typeface="+mn-cs"/>
+              </a:defRPr>
+            </a:lvl4pPr>
+            <a:lvl5pPr marL="2000250" indent="-171450" algn="l" defTabSz="457200" rtl="0" eaLnBrk="1" latinLnBrk="0" hangingPunct="1">
+              <a:spcBef>
+                <a:spcPct val="20000"/>
+              </a:spcBef>
+              <a:spcAft>
+                <a:spcPts val="600"/>
+              </a:spcAft>
+              <a:buClr>
+                <a:schemeClr val="tx1"/>
+              </a:buClr>
+              <a:buSzPct val="100000"/>
+              <a:buFont typeface="Arial"/>
+              <a:buChar char="•"/>
+              <a:defRPr sz="1400" kern="1200" cap="small">
+                <a:gradFill flip="none" rotWithShape="1">
+                  <a:gsLst>
+                    <a:gs pos="0">
+                      <a:schemeClr val="tx1"/>
+                    </a:gs>
+                    <a:gs pos="100000">
+                      <a:schemeClr val="tx1">
+                        <a:lumMod val="75000"/>
+                      </a:schemeClr>
+                    </a:gs>
+                  </a:gsLst>
+                  <a:lin ang="5580000" scaled="0"/>
+                  <a:tileRect/>
+                </a:gradFill>
+                <a:effectLst>
+                  <a:glow rad="38100">
+                    <a:schemeClr val="bg1">
+                      <a:lumMod val="50000"/>
+                      <a:lumOff val="50000"/>
+                      <a:alpha val="20000"/>
+                    </a:schemeClr>
+                  </a:glow>
+                  <a:outerShdw blurRad="44450" dist="12700" dir="13860000" algn="tl" rotWithShape="0">
+                    <a:srgbClr val="000000">
+                      <a:alpha val="20000"/>
+                    </a:srgbClr>
+                  </a:outerShdw>
+                </a:effectLst>
+                <a:latin typeface="+mn-lt"/>
+                <a:ea typeface="+mn-ea"/>
+                <a:cs typeface="+mn-cs"/>
+              </a:defRPr>
+            </a:lvl5pPr>
+            <a:lvl6pPr marL="2514600" indent="-228600" algn="l" defTabSz="457200" rtl="0" eaLnBrk="1" latinLnBrk="0" hangingPunct="1">
+              <a:spcBef>
+                <a:spcPct val="20000"/>
+              </a:spcBef>
+              <a:spcAft>
+                <a:spcPts val="600"/>
+              </a:spcAft>
+              <a:buClr>
+                <a:schemeClr val="tx1"/>
+              </a:buClr>
+              <a:buSzPct val="100000"/>
+              <a:buFont typeface="Arial"/>
+              <a:buChar char="•"/>
+              <a:defRPr sz="1200" kern="1200" cap="small">
+                <a:gradFill flip="none" rotWithShape="1">
+                  <a:gsLst>
+                    <a:gs pos="0">
+                      <a:schemeClr val="tx1"/>
+                    </a:gs>
+                    <a:gs pos="100000">
+                      <a:schemeClr val="tx1">
+                        <a:lumMod val="75000"/>
+                      </a:schemeClr>
+                    </a:gs>
+                  </a:gsLst>
+                  <a:lin ang="5580000" scaled="0"/>
+                  <a:tileRect/>
+                </a:gradFill>
+                <a:effectLst>
+                  <a:glow rad="38100">
+                    <a:schemeClr val="bg1">
+                      <a:lumMod val="50000"/>
+                      <a:lumOff val="50000"/>
+                      <a:alpha val="20000"/>
+                    </a:schemeClr>
+                  </a:glow>
+                  <a:outerShdw blurRad="44450" dist="12700" dir="13860000" algn="tl" rotWithShape="0">
+                    <a:srgbClr val="000000">
+                      <a:alpha val="20000"/>
+                    </a:srgbClr>
+                  </a:outerShdw>
+                </a:effectLst>
+                <a:latin typeface="+mn-lt"/>
+                <a:ea typeface="+mn-ea"/>
+                <a:cs typeface="+mn-cs"/>
+              </a:defRPr>
+            </a:lvl6pPr>
+            <a:lvl7pPr marL="2971800" indent="-228600" algn="l" defTabSz="457200" rtl="0" eaLnBrk="1" latinLnBrk="0" hangingPunct="1">
+              <a:spcBef>
+                <a:spcPct val="20000"/>
+              </a:spcBef>
+              <a:spcAft>
+                <a:spcPts val="600"/>
+              </a:spcAft>
+              <a:buClr>
+                <a:schemeClr val="tx1"/>
+              </a:buClr>
+              <a:buSzPct val="100000"/>
+              <a:buFont typeface="Arial"/>
+              <a:buChar char="•"/>
+              <a:defRPr sz="1200" kern="1200" cap="small">
+                <a:gradFill flip="none" rotWithShape="1">
+                  <a:gsLst>
+                    <a:gs pos="0">
+                      <a:schemeClr val="tx1"/>
+                    </a:gs>
+                    <a:gs pos="100000">
+                      <a:schemeClr val="tx1">
+                        <a:lumMod val="75000"/>
+                      </a:schemeClr>
+                    </a:gs>
+                  </a:gsLst>
+                  <a:lin ang="5580000" scaled="0"/>
+                  <a:tileRect/>
+                </a:gradFill>
+                <a:effectLst>
+                  <a:glow rad="38100">
+                    <a:schemeClr val="bg1">
+                      <a:lumMod val="50000"/>
+                      <a:lumOff val="50000"/>
+                      <a:alpha val="20000"/>
+                    </a:schemeClr>
+                  </a:glow>
+                  <a:outerShdw blurRad="44450" dist="12700" dir="13860000" algn="tl" rotWithShape="0">
+                    <a:srgbClr val="000000">
+                      <a:alpha val="20000"/>
+                    </a:srgbClr>
+                  </a:outerShdw>
+                </a:effectLst>
+                <a:latin typeface="+mn-lt"/>
+                <a:ea typeface="+mn-ea"/>
+                <a:cs typeface="+mn-cs"/>
+              </a:defRPr>
+            </a:lvl7pPr>
+            <a:lvl8pPr marL="3429000" indent="-228600" algn="l" defTabSz="457200" rtl="0" eaLnBrk="1" latinLnBrk="0" hangingPunct="1">
+              <a:spcBef>
+                <a:spcPct val="20000"/>
+              </a:spcBef>
+              <a:spcAft>
+                <a:spcPts val="600"/>
+              </a:spcAft>
+              <a:buClr>
+                <a:schemeClr val="tx1"/>
+              </a:buClr>
+              <a:buSzPct val="100000"/>
+              <a:buFont typeface="Arial"/>
+              <a:buChar char="•"/>
+              <a:defRPr sz="1200" kern="1200" cap="small">
+                <a:gradFill flip="none" rotWithShape="1">
+                  <a:gsLst>
+                    <a:gs pos="0">
+                      <a:schemeClr val="tx1"/>
+                    </a:gs>
+                    <a:gs pos="100000">
+                      <a:schemeClr val="tx1">
+                        <a:lumMod val="75000"/>
+                      </a:schemeClr>
+                    </a:gs>
+                  </a:gsLst>
+                  <a:lin ang="5580000" scaled="0"/>
+                  <a:tileRect/>
+                </a:gradFill>
+                <a:effectLst>
+                  <a:glow rad="38100">
+                    <a:schemeClr val="bg1">
+                      <a:lumMod val="50000"/>
+                      <a:lumOff val="50000"/>
+                      <a:alpha val="20000"/>
+                    </a:schemeClr>
+                  </a:glow>
+                  <a:outerShdw blurRad="44450" dist="12700" dir="13860000" algn="tl" rotWithShape="0">
+                    <a:srgbClr val="000000">
+                      <a:alpha val="20000"/>
+                    </a:srgbClr>
+                  </a:outerShdw>
+                </a:effectLst>
+                <a:latin typeface="+mn-lt"/>
+                <a:ea typeface="+mn-ea"/>
+                <a:cs typeface="+mn-cs"/>
+              </a:defRPr>
+            </a:lvl8pPr>
+            <a:lvl9pPr marL="3886200" indent="-228600" algn="l" defTabSz="457200" rtl="0" eaLnBrk="1" latinLnBrk="0" hangingPunct="1">
+              <a:spcBef>
+                <a:spcPct val="20000"/>
+              </a:spcBef>
+              <a:spcAft>
+                <a:spcPts val="600"/>
+              </a:spcAft>
+              <a:buClr>
+                <a:schemeClr val="tx1"/>
+              </a:buClr>
+              <a:buSzPct val="100000"/>
+              <a:buFont typeface="Arial"/>
+              <a:buChar char="•"/>
+              <a:defRPr sz="1200" kern="1200" cap="small">
+                <a:gradFill flip="none" rotWithShape="1">
+                  <a:gsLst>
+                    <a:gs pos="0">
+                      <a:schemeClr val="tx1"/>
+                    </a:gs>
+                    <a:gs pos="100000">
+                      <a:schemeClr val="tx1">
+                        <a:lumMod val="75000"/>
+                      </a:schemeClr>
+                    </a:gs>
+                  </a:gsLst>
+                  <a:lin ang="5580000" scaled="0"/>
+                  <a:tileRect/>
+                </a:gradFill>
+                <a:effectLst>
+                  <a:glow rad="38100">
+                    <a:schemeClr val="bg1">
+                      <a:lumMod val="50000"/>
+                      <a:lumOff val="50000"/>
+                      <a:alpha val="20000"/>
+                    </a:schemeClr>
+                  </a:glow>
+                  <a:outerShdw blurRad="44450" dist="12700" dir="13860000" algn="tl" rotWithShape="0">
+                    <a:srgbClr val="000000">
+                      <a:alpha val="20000"/>
+                    </a:srgbClr>
+                  </a:outerShdw>
+                </a:effectLst>
+                <a:latin typeface="+mn-lt"/>
+                <a:ea typeface="+mn-ea"/>
+                <a:cs typeface="+mn-cs"/>
+              </a:defRPr>
+            </a:lvl9pPr>
+          </a:lstStyle>
+          <a:p>
+            <a:r>
+              <a:rPr lang="en-US" dirty="0"/>
+              <a:t>Both q and p are unknowns, Equation is not convex.</a:t>
+            </a:r>
+          </a:p>
+          <a:p>
+            <a:r>
+              <a:rPr lang="en-US" dirty="0"/>
+              <a:t>ALS fixes one and optimizes the other and rotate between fixing the q and fixing the p. Thus, the name – Alternating Least Squares.</a:t>
+            </a:r>
+          </a:p>
+          <a:p>
+            <a:r>
+              <a:rPr lang="en-US" dirty="0"/>
+              <a:t>This ensures that each step decreases equation until convergence.</a:t>
+            </a:r>
           </a:p>
         </p:txBody>
       </p:sp>
     </p:spTree>
     <p:extLst>
       <p:ext uri="{BB962C8B-B14F-4D97-AF65-F5344CB8AC3E}">
-        <p14:creationId xmlns:p14="http://schemas.microsoft.com/office/powerpoint/2010/main" val="3044084416"/>
+        <p14:creationId xmlns:p14="http://schemas.microsoft.com/office/powerpoint/2010/main" val="1414590981"/>
       </p:ext>
     </p:extLst>
   </p:cSld>
@@ -6824,10 +7861,1354 @@
       </p:grpSpPr>
       <p:sp>
         <p:nvSpPr>
+          <p:cNvPr id="5" name="Content Placeholder 2">
+            <a:extLst>
+              <a:ext uri="{FF2B5EF4-FFF2-40B4-BE49-F238E27FC236}">
+                <a16:creationId xmlns:a16="http://schemas.microsoft.com/office/drawing/2014/main" id="{D52E045C-852F-4DBC-9D83-D96B28911DB2}"/>
+              </a:ext>
+            </a:extLst>
+          </p:cNvPr>
+          <p:cNvSpPr>
+            <a:spLocks noGrp="1"/>
+          </p:cNvSpPr>
+          <p:nvPr>
+            <p:ph idx="1"/>
+          </p:nvPr>
+        </p:nvSpPr>
+        <p:spPr>
+          <a:xfrm>
+            <a:off x="1141413" y="3084843"/>
+            <a:ext cx="9905998" cy="2190541"/>
+          </a:xfrm>
+        </p:spPr>
+        <p:txBody>
+          <a:bodyPr/>
+          <a:lstStyle/>
+          <a:p>
+            <a:r>
+              <a:rPr lang="en-US" dirty="0"/>
+              <a:t>Parameters for ALS:</a:t>
+            </a:r>
+          </a:p>
+          <a:p>
+            <a:pPr lvl="1"/>
+            <a:r>
+              <a:rPr lang="en-US" dirty="0"/>
+              <a:t>Lambda - Regularization Parameter</a:t>
+            </a:r>
+          </a:p>
+          <a:p>
+            <a:pPr lvl="1"/>
+            <a:r>
+              <a:rPr lang="en-US" dirty="0"/>
+              <a:t>Iterations – Max If Convergence not reached</a:t>
+            </a:r>
+          </a:p>
+          <a:p>
+            <a:pPr lvl="1"/>
+            <a:r>
+              <a:rPr lang="en-US" dirty="0"/>
+              <a:t>Rank - </a:t>
+            </a:r>
+            <a:r>
+              <a:rPr lang="en-US" dirty="0">
+                <a:effectLst/>
+              </a:rPr>
+              <a:t>the number of features to use (aka the number of latent factors).</a:t>
+            </a:r>
+            <a:endParaRPr lang="en-US" dirty="0"/>
+          </a:p>
+          <a:p>
+            <a:endParaRPr lang="en-US" dirty="0"/>
+          </a:p>
+        </p:txBody>
+      </p:sp>
+      <p:pic>
+        <p:nvPicPr>
+          <p:cNvPr id="6" name="Picture 5">
+            <a:extLst>
+              <a:ext uri="{FF2B5EF4-FFF2-40B4-BE49-F238E27FC236}">
+                <a16:creationId xmlns:a16="http://schemas.microsoft.com/office/drawing/2014/main" id="{A98923D0-96A4-4094-BE5B-5E0F01A3FAC7}"/>
+              </a:ext>
+            </a:extLst>
+          </p:cNvPr>
+          <p:cNvPicPr>
+            <a:picLocks noChangeAspect="1"/>
+          </p:cNvPicPr>
+          <p:nvPr/>
+        </p:nvPicPr>
+        <p:blipFill>
+          <a:blip r:embed="rId2"/>
+          <a:stretch>
+            <a:fillRect/>
+          </a:stretch>
+        </p:blipFill>
+        <p:spPr>
+          <a:xfrm>
+            <a:off x="3277752" y="2094244"/>
+            <a:ext cx="5314950" cy="990600"/>
+          </a:xfrm>
+          <a:prstGeom prst="rect">
+            <a:avLst/>
+          </a:prstGeom>
+        </p:spPr>
+      </p:pic>
+      <p:sp>
+        <p:nvSpPr>
+          <p:cNvPr id="7" name="Content Placeholder 2">
+            <a:extLst>
+              <a:ext uri="{FF2B5EF4-FFF2-40B4-BE49-F238E27FC236}">
+                <a16:creationId xmlns:a16="http://schemas.microsoft.com/office/drawing/2014/main" id="{CA80AEE0-093B-4590-A6D7-588DC75AFB34}"/>
+              </a:ext>
+            </a:extLst>
+          </p:cNvPr>
+          <p:cNvSpPr txBox="1">
+            <a:spLocks/>
+          </p:cNvSpPr>
+          <p:nvPr/>
+        </p:nvSpPr>
+        <p:spPr>
+          <a:xfrm>
+            <a:off x="1293813" y="5202534"/>
+            <a:ext cx="9905998" cy="1547446"/>
+          </a:xfrm>
+          <a:prstGeom prst="rect">
+            <a:avLst/>
+          </a:prstGeom>
+        </p:spPr>
+        <p:txBody>
+          <a:bodyPr vert="horz" lIns="91440" tIns="45720" rIns="91440" bIns="45720" rtlCol="0" anchor="ctr">
+            <a:normAutofit fontScale="92500" lnSpcReduction="10000"/>
+          </a:bodyPr>
+          <a:lstStyle>
+            <a:lvl1pPr marL="285750" indent="-285750" algn="l" defTabSz="457200" rtl="0" eaLnBrk="1" latinLnBrk="0" hangingPunct="1">
+              <a:spcBef>
+                <a:spcPct val="20000"/>
+              </a:spcBef>
+              <a:spcAft>
+                <a:spcPts val="600"/>
+              </a:spcAft>
+              <a:buClr>
+                <a:schemeClr val="tx1"/>
+              </a:buClr>
+              <a:buSzPct val="100000"/>
+              <a:buFont typeface="Arial"/>
+              <a:buChar char="•"/>
+              <a:defRPr sz="2000" kern="1200" cap="small">
+                <a:gradFill flip="none" rotWithShape="1">
+                  <a:gsLst>
+                    <a:gs pos="0">
+                      <a:schemeClr val="tx1"/>
+                    </a:gs>
+                    <a:gs pos="100000">
+                      <a:schemeClr val="tx1">
+                        <a:lumMod val="75000"/>
+                      </a:schemeClr>
+                    </a:gs>
+                  </a:gsLst>
+                  <a:lin ang="5580000" scaled="0"/>
+                  <a:tileRect/>
+                </a:gradFill>
+                <a:effectLst>
+                  <a:glow rad="38100">
+                    <a:schemeClr val="bg1">
+                      <a:lumMod val="50000"/>
+                      <a:lumOff val="50000"/>
+                      <a:alpha val="20000"/>
+                    </a:schemeClr>
+                  </a:glow>
+                  <a:outerShdw blurRad="44450" dist="12700" dir="13860000" algn="tl" rotWithShape="0">
+                    <a:srgbClr val="000000">
+                      <a:alpha val="20000"/>
+                    </a:srgbClr>
+                  </a:outerShdw>
+                </a:effectLst>
+                <a:latin typeface="+mn-lt"/>
+                <a:ea typeface="+mn-ea"/>
+                <a:cs typeface="+mn-cs"/>
+              </a:defRPr>
+            </a:lvl1pPr>
+            <a:lvl2pPr marL="742950" indent="-285750" algn="l" defTabSz="457200" rtl="0" eaLnBrk="1" latinLnBrk="0" hangingPunct="1">
+              <a:spcBef>
+                <a:spcPct val="20000"/>
+              </a:spcBef>
+              <a:spcAft>
+                <a:spcPts val="600"/>
+              </a:spcAft>
+              <a:buClr>
+                <a:schemeClr val="tx1"/>
+              </a:buClr>
+              <a:buSzPct val="100000"/>
+              <a:buFont typeface="Arial"/>
+              <a:buChar char="•"/>
+              <a:defRPr sz="1800" kern="1200" cap="small">
+                <a:gradFill flip="none" rotWithShape="1">
+                  <a:gsLst>
+                    <a:gs pos="0">
+                      <a:schemeClr val="tx1"/>
+                    </a:gs>
+                    <a:gs pos="100000">
+                      <a:schemeClr val="tx1">
+                        <a:lumMod val="75000"/>
+                      </a:schemeClr>
+                    </a:gs>
+                  </a:gsLst>
+                  <a:lin ang="5580000" scaled="0"/>
+                  <a:tileRect/>
+                </a:gradFill>
+                <a:effectLst>
+                  <a:glow rad="38100">
+                    <a:schemeClr val="bg1">
+                      <a:lumMod val="50000"/>
+                      <a:lumOff val="50000"/>
+                      <a:alpha val="20000"/>
+                    </a:schemeClr>
+                  </a:glow>
+                  <a:outerShdw blurRad="44450" dist="12700" dir="13860000" algn="tl" rotWithShape="0">
+                    <a:srgbClr val="000000">
+                      <a:alpha val="20000"/>
+                    </a:srgbClr>
+                  </a:outerShdw>
+                </a:effectLst>
+                <a:latin typeface="+mn-lt"/>
+                <a:ea typeface="+mn-ea"/>
+                <a:cs typeface="+mn-cs"/>
+              </a:defRPr>
+            </a:lvl2pPr>
+            <a:lvl3pPr marL="1200150" indent="-285750" algn="l" defTabSz="457200" rtl="0" eaLnBrk="1" latinLnBrk="0" hangingPunct="1">
+              <a:spcBef>
+                <a:spcPct val="20000"/>
+              </a:spcBef>
+              <a:spcAft>
+                <a:spcPts val="600"/>
+              </a:spcAft>
+              <a:buClr>
+                <a:schemeClr val="tx1"/>
+              </a:buClr>
+              <a:buSzPct val="100000"/>
+              <a:buFont typeface="Arial"/>
+              <a:buChar char="•"/>
+              <a:defRPr sz="1600" kern="1200" cap="small">
+                <a:gradFill flip="none" rotWithShape="1">
+                  <a:gsLst>
+                    <a:gs pos="0">
+                      <a:schemeClr val="tx1"/>
+                    </a:gs>
+                    <a:gs pos="100000">
+                      <a:schemeClr val="tx1">
+                        <a:lumMod val="75000"/>
+                      </a:schemeClr>
+                    </a:gs>
+                  </a:gsLst>
+                  <a:lin ang="5580000" scaled="0"/>
+                  <a:tileRect/>
+                </a:gradFill>
+                <a:effectLst>
+                  <a:glow rad="38100">
+                    <a:schemeClr val="bg1">
+                      <a:lumMod val="50000"/>
+                      <a:lumOff val="50000"/>
+                      <a:alpha val="20000"/>
+                    </a:schemeClr>
+                  </a:glow>
+                  <a:outerShdw blurRad="44450" dist="12700" dir="13860000" algn="tl" rotWithShape="0">
+                    <a:srgbClr val="000000">
+                      <a:alpha val="20000"/>
+                    </a:srgbClr>
+                  </a:outerShdw>
+                </a:effectLst>
+                <a:latin typeface="+mn-lt"/>
+                <a:ea typeface="+mn-ea"/>
+                <a:cs typeface="+mn-cs"/>
+              </a:defRPr>
+            </a:lvl3pPr>
+            <a:lvl4pPr marL="1543050" indent="-171450" algn="l" defTabSz="457200" rtl="0" eaLnBrk="1" latinLnBrk="0" hangingPunct="1">
+              <a:spcBef>
+                <a:spcPct val="20000"/>
+              </a:spcBef>
+              <a:spcAft>
+                <a:spcPts val="600"/>
+              </a:spcAft>
+              <a:buClr>
+                <a:schemeClr val="tx1"/>
+              </a:buClr>
+              <a:buSzPct val="100000"/>
+              <a:buFont typeface="Arial"/>
+              <a:buChar char="•"/>
+              <a:defRPr sz="1400" kern="1200" cap="small">
+                <a:gradFill flip="none" rotWithShape="1">
+                  <a:gsLst>
+                    <a:gs pos="0">
+                      <a:schemeClr val="tx1"/>
+                    </a:gs>
+                    <a:gs pos="100000">
+                      <a:schemeClr val="tx1">
+                        <a:lumMod val="75000"/>
+                      </a:schemeClr>
+                    </a:gs>
+                  </a:gsLst>
+                  <a:lin ang="5580000" scaled="0"/>
+                  <a:tileRect/>
+                </a:gradFill>
+                <a:effectLst>
+                  <a:glow rad="38100">
+                    <a:schemeClr val="bg1">
+                      <a:lumMod val="50000"/>
+                      <a:lumOff val="50000"/>
+                      <a:alpha val="20000"/>
+                    </a:schemeClr>
+                  </a:glow>
+                  <a:outerShdw blurRad="44450" dist="12700" dir="13860000" algn="tl" rotWithShape="0">
+                    <a:srgbClr val="000000">
+                      <a:alpha val="20000"/>
+                    </a:srgbClr>
+                  </a:outerShdw>
+                </a:effectLst>
+                <a:latin typeface="+mn-lt"/>
+                <a:ea typeface="+mn-ea"/>
+                <a:cs typeface="+mn-cs"/>
+              </a:defRPr>
+            </a:lvl4pPr>
+            <a:lvl5pPr marL="2000250" indent="-171450" algn="l" defTabSz="457200" rtl="0" eaLnBrk="1" latinLnBrk="0" hangingPunct="1">
+              <a:spcBef>
+                <a:spcPct val="20000"/>
+              </a:spcBef>
+              <a:spcAft>
+                <a:spcPts val="600"/>
+              </a:spcAft>
+              <a:buClr>
+                <a:schemeClr val="tx1"/>
+              </a:buClr>
+              <a:buSzPct val="100000"/>
+              <a:buFont typeface="Arial"/>
+              <a:buChar char="•"/>
+              <a:defRPr sz="1400" kern="1200" cap="small">
+                <a:gradFill flip="none" rotWithShape="1">
+                  <a:gsLst>
+                    <a:gs pos="0">
+                      <a:schemeClr val="tx1"/>
+                    </a:gs>
+                    <a:gs pos="100000">
+                      <a:schemeClr val="tx1">
+                        <a:lumMod val="75000"/>
+                      </a:schemeClr>
+                    </a:gs>
+                  </a:gsLst>
+                  <a:lin ang="5580000" scaled="0"/>
+                  <a:tileRect/>
+                </a:gradFill>
+                <a:effectLst>
+                  <a:glow rad="38100">
+                    <a:schemeClr val="bg1">
+                      <a:lumMod val="50000"/>
+                      <a:lumOff val="50000"/>
+                      <a:alpha val="20000"/>
+                    </a:schemeClr>
+                  </a:glow>
+                  <a:outerShdw blurRad="44450" dist="12700" dir="13860000" algn="tl" rotWithShape="0">
+                    <a:srgbClr val="000000">
+                      <a:alpha val="20000"/>
+                    </a:srgbClr>
+                  </a:outerShdw>
+                </a:effectLst>
+                <a:latin typeface="+mn-lt"/>
+                <a:ea typeface="+mn-ea"/>
+                <a:cs typeface="+mn-cs"/>
+              </a:defRPr>
+            </a:lvl5pPr>
+            <a:lvl6pPr marL="2514600" indent="-228600" algn="l" defTabSz="457200" rtl="0" eaLnBrk="1" latinLnBrk="0" hangingPunct="1">
+              <a:spcBef>
+                <a:spcPct val="20000"/>
+              </a:spcBef>
+              <a:spcAft>
+                <a:spcPts val="600"/>
+              </a:spcAft>
+              <a:buClr>
+                <a:schemeClr val="tx1"/>
+              </a:buClr>
+              <a:buSzPct val="100000"/>
+              <a:buFont typeface="Arial"/>
+              <a:buChar char="•"/>
+              <a:defRPr sz="1200" kern="1200" cap="small">
+                <a:gradFill flip="none" rotWithShape="1">
+                  <a:gsLst>
+                    <a:gs pos="0">
+                      <a:schemeClr val="tx1"/>
+                    </a:gs>
+                    <a:gs pos="100000">
+                      <a:schemeClr val="tx1">
+                        <a:lumMod val="75000"/>
+                      </a:schemeClr>
+                    </a:gs>
+                  </a:gsLst>
+                  <a:lin ang="5580000" scaled="0"/>
+                  <a:tileRect/>
+                </a:gradFill>
+                <a:effectLst>
+                  <a:glow rad="38100">
+                    <a:schemeClr val="bg1">
+                      <a:lumMod val="50000"/>
+                      <a:lumOff val="50000"/>
+                      <a:alpha val="20000"/>
+                    </a:schemeClr>
+                  </a:glow>
+                  <a:outerShdw blurRad="44450" dist="12700" dir="13860000" algn="tl" rotWithShape="0">
+                    <a:srgbClr val="000000">
+                      <a:alpha val="20000"/>
+                    </a:srgbClr>
+                  </a:outerShdw>
+                </a:effectLst>
+                <a:latin typeface="+mn-lt"/>
+                <a:ea typeface="+mn-ea"/>
+                <a:cs typeface="+mn-cs"/>
+              </a:defRPr>
+            </a:lvl6pPr>
+            <a:lvl7pPr marL="2971800" indent="-228600" algn="l" defTabSz="457200" rtl="0" eaLnBrk="1" latinLnBrk="0" hangingPunct="1">
+              <a:spcBef>
+                <a:spcPct val="20000"/>
+              </a:spcBef>
+              <a:spcAft>
+                <a:spcPts val="600"/>
+              </a:spcAft>
+              <a:buClr>
+                <a:schemeClr val="tx1"/>
+              </a:buClr>
+              <a:buSzPct val="100000"/>
+              <a:buFont typeface="Arial"/>
+              <a:buChar char="•"/>
+              <a:defRPr sz="1200" kern="1200" cap="small">
+                <a:gradFill flip="none" rotWithShape="1">
+                  <a:gsLst>
+                    <a:gs pos="0">
+                      <a:schemeClr val="tx1"/>
+                    </a:gs>
+                    <a:gs pos="100000">
+                      <a:schemeClr val="tx1">
+                        <a:lumMod val="75000"/>
+                      </a:schemeClr>
+                    </a:gs>
+                  </a:gsLst>
+                  <a:lin ang="5580000" scaled="0"/>
+                  <a:tileRect/>
+                </a:gradFill>
+                <a:effectLst>
+                  <a:glow rad="38100">
+                    <a:schemeClr val="bg1">
+                      <a:lumMod val="50000"/>
+                      <a:lumOff val="50000"/>
+                      <a:alpha val="20000"/>
+                    </a:schemeClr>
+                  </a:glow>
+                  <a:outerShdw blurRad="44450" dist="12700" dir="13860000" algn="tl" rotWithShape="0">
+                    <a:srgbClr val="000000">
+                      <a:alpha val="20000"/>
+                    </a:srgbClr>
+                  </a:outerShdw>
+                </a:effectLst>
+                <a:latin typeface="+mn-lt"/>
+                <a:ea typeface="+mn-ea"/>
+                <a:cs typeface="+mn-cs"/>
+              </a:defRPr>
+            </a:lvl7pPr>
+            <a:lvl8pPr marL="3429000" indent="-228600" algn="l" defTabSz="457200" rtl="0" eaLnBrk="1" latinLnBrk="0" hangingPunct="1">
+              <a:spcBef>
+                <a:spcPct val="20000"/>
+              </a:spcBef>
+              <a:spcAft>
+                <a:spcPts val="600"/>
+              </a:spcAft>
+              <a:buClr>
+                <a:schemeClr val="tx1"/>
+              </a:buClr>
+              <a:buSzPct val="100000"/>
+              <a:buFont typeface="Arial"/>
+              <a:buChar char="•"/>
+              <a:defRPr sz="1200" kern="1200" cap="small">
+                <a:gradFill flip="none" rotWithShape="1">
+                  <a:gsLst>
+                    <a:gs pos="0">
+                      <a:schemeClr val="tx1"/>
+                    </a:gs>
+                    <a:gs pos="100000">
+                      <a:schemeClr val="tx1">
+                        <a:lumMod val="75000"/>
+                      </a:schemeClr>
+                    </a:gs>
+                  </a:gsLst>
+                  <a:lin ang="5580000" scaled="0"/>
+                  <a:tileRect/>
+                </a:gradFill>
+                <a:effectLst>
+                  <a:glow rad="38100">
+                    <a:schemeClr val="bg1">
+                      <a:lumMod val="50000"/>
+                      <a:lumOff val="50000"/>
+                      <a:alpha val="20000"/>
+                    </a:schemeClr>
+                  </a:glow>
+                  <a:outerShdw blurRad="44450" dist="12700" dir="13860000" algn="tl" rotWithShape="0">
+                    <a:srgbClr val="000000">
+                      <a:alpha val="20000"/>
+                    </a:srgbClr>
+                  </a:outerShdw>
+                </a:effectLst>
+                <a:latin typeface="+mn-lt"/>
+                <a:ea typeface="+mn-ea"/>
+                <a:cs typeface="+mn-cs"/>
+              </a:defRPr>
+            </a:lvl8pPr>
+            <a:lvl9pPr marL="3886200" indent="-228600" algn="l" defTabSz="457200" rtl="0" eaLnBrk="1" latinLnBrk="0" hangingPunct="1">
+              <a:spcBef>
+                <a:spcPct val="20000"/>
+              </a:spcBef>
+              <a:spcAft>
+                <a:spcPts val="600"/>
+              </a:spcAft>
+              <a:buClr>
+                <a:schemeClr val="tx1"/>
+              </a:buClr>
+              <a:buSzPct val="100000"/>
+              <a:buFont typeface="Arial"/>
+              <a:buChar char="•"/>
+              <a:defRPr sz="1200" kern="1200" cap="small">
+                <a:gradFill flip="none" rotWithShape="1">
+                  <a:gsLst>
+                    <a:gs pos="0">
+                      <a:schemeClr val="tx1"/>
+                    </a:gs>
+                    <a:gs pos="100000">
+                      <a:schemeClr val="tx1">
+                        <a:lumMod val="75000"/>
+                      </a:schemeClr>
+                    </a:gs>
+                  </a:gsLst>
+                  <a:lin ang="5580000" scaled="0"/>
+                  <a:tileRect/>
+                </a:gradFill>
+                <a:effectLst>
+                  <a:glow rad="38100">
+                    <a:schemeClr val="bg1">
+                      <a:lumMod val="50000"/>
+                      <a:lumOff val="50000"/>
+                      <a:alpha val="20000"/>
+                    </a:schemeClr>
+                  </a:glow>
+                  <a:outerShdw blurRad="44450" dist="12700" dir="13860000" algn="tl" rotWithShape="0">
+                    <a:srgbClr val="000000">
+                      <a:alpha val="20000"/>
+                    </a:srgbClr>
+                  </a:outerShdw>
+                </a:effectLst>
+                <a:latin typeface="+mn-lt"/>
+                <a:ea typeface="+mn-ea"/>
+                <a:cs typeface="+mn-cs"/>
+              </a:defRPr>
+            </a:lvl9pPr>
+          </a:lstStyle>
+          <a:p>
+            <a:r>
+              <a:rPr lang="en-US" dirty="0"/>
+              <a:t>Parameters for our ALS model:</a:t>
+            </a:r>
+          </a:p>
+          <a:p>
+            <a:pPr lvl="1"/>
+            <a:r>
+              <a:rPr lang="en-US" dirty="0"/>
+              <a:t>Lambda = 0.15</a:t>
+            </a:r>
+          </a:p>
+          <a:p>
+            <a:pPr lvl="1"/>
+            <a:r>
+              <a:rPr lang="en-US" dirty="0"/>
+              <a:t>Iterations = 20 (Slow computers)</a:t>
+            </a:r>
+          </a:p>
+          <a:p>
+            <a:pPr lvl="1"/>
+            <a:r>
+              <a:rPr lang="en-US" dirty="0"/>
+              <a:t>Rank = 100 (Low Memory Computers)</a:t>
+            </a:r>
+          </a:p>
+          <a:p>
+            <a:pPr lvl="1"/>
+            <a:endParaRPr lang="en-US" dirty="0"/>
+          </a:p>
+        </p:txBody>
+      </p:sp>
+      <p:sp>
+        <p:nvSpPr>
+          <p:cNvPr id="9" name="Title 1">
+            <a:extLst>
+              <a:ext uri="{FF2B5EF4-FFF2-40B4-BE49-F238E27FC236}">
+                <a16:creationId xmlns:a16="http://schemas.microsoft.com/office/drawing/2014/main" id="{7E809F2B-2AE6-4B17-BD66-3DA3DDB09F99}"/>
+              </a:ext>
+            </a:extLst>
+          </p:cNvPr>
+          <p:cNvSpPr>
+            <a:spLocks noGrp="1"/>
+          </p:cNvSpPr>
+          <p:nvPr>
+            <p:ph type="title"/>
+          </p:nvPr>
+        </p:nvSpPr>
+        <p:spPr>
+          <a:xfrm>
+            <a:off x="492369" y="609600"/>
+            <a:ext cx="10555042" cy="1369925"/>
+          </a:xfrm>
+        </p:spPr>
+        <p:txBody>
+          <a:bodyPr>
+            <a:normAutofit/>
+          </a:bodyPr>
+          <a:lstStyle/>
+          <a:p>
+            <a:pPr algn="ctr"/>
+            <a:r>
+              <a:rPr lang="en-US" dirty="0"/>
+              <a:t>collaborative filtering</a:t>
+            </a:r>
+            <a:br>
+              <a:rPr lang="en-US" dirty="0"/>
+            </a:br>
+            <a:r>
+              <a:rPr lang="en-US" dirty="0"/>
+              <a:t>MATRIX FACTORIZATION using ALS</a:t>
+            </a:r>
+          </a:p>
+        </p:txBody>
+      </p:sp>
+    </p:spTree>
+    <p:extLst>
+      <p:ext uri="{BB962C8B-B14F-4D97-AF65-F5344CB8AC3E}">
+        <p14:creationId xmlns:p14="http://schemas.microsoft.com/office/powerpoint/2010/main" val="1280243852"/>
+      </p:ext>
+    </p:extLst>
+  </p:cSld>
+  <p:clrMapOvr>
+    <a:masterClrMapping/>
+  </p:clrMapOvr>
+</p:sld>
+</file>
+
+<file path=ppt/slides/slide19.xml><?xml version="1.0" encoding="utf-8"?>
+<p:sld xmlns:a="http://schemas.openxmlformats.org/drawingml/2006/main" xmlns:r="http://schemas.openxmlformats.org/officeDocument/2006/relationships" xmlns:p="http://schemas.openxmlformats.org/presentationml/2006/main">
+  <p:cSld>
+    <p:spTree>
+      <p:nvGrpSpPr>
+        <p:cNvPr id="1" name=""/>
+        <p:cNvGrpSpPr/>
+        <p:nvPr/>
+      </p:nvGrpSpPr>
+      <p:grpSpPr>
+        <a:xfrm>
+          <a:off x="0" y="0"/>
+          <a:ext cx="0" cy="0"/>
+          <a:chOff x="0" y="0"/>
+          <a:chExt cx="0" cy="0"/>
+        </a:xfrm>
+      </p:grpSpPr>
+      <p:sp>
+        <p:nvSpPr>
+          <p:cNvPr id="5" name="Content Placeholder 2">
+            <a:extLst>
+              <a:ext uri="{FF2B5EF4-FFF2-40B4-BE49-F238E27FC236}">
+                <a16:creationId xmlns:a16="http://schemas.microsoft.com/office/drawing/2014/main" id="{D52E045C-852F-4DBC-9D83-D96B28911DB2}"/>
+              </a:ext>
+            </a:extLst>
+          </p:cNvPr>
+          <p:cNvSpPr>
+            <a:spLocks noGrp="1"/>
+          </p:cNvSpPr>
+          <p:nvPr>
+            <p:ph idx="1"/>
+          </p:nvPr>
+        </p:nvSpPr>
+        <p:spPr>
+          <a:xfrm>
+            <a:off x="1141413" y="3084844"/>
+            <a:ext cx="9905998" cy="783772"/>
+          </a:xfrm>
+        </p:spPr>
+        <p:txBody>
+          <a:bodyPr/>
+          <a:lstStyle/>
+          <a:p>
+            <a:r>
+              <a:rPr lang="en-US" dirty="0"/>
+              <a:t>RESULTS:</a:t>
+            </a:r>
+          </a:p>
+        </p:txBody>
+      </p:sp>
+      <p:pic>
+        <p:nvPicPr>
+          <p:cNvPr id="6" name="Picture 5">
+            <a:extLst>
+              <a:ext uri="{FF2B5EF4-FFF2-40B4-BE49-F238E27FC236}">
+                <a16:creationId xmlns:a16="http://schemas.microsoft.com/office/drawing/2014/main" id="{A98923D0-96A4-4094-BE5B-5E0F01A3FAC7}"/>
+              </a:ext>
+            </a:extLst>
+          </p:cNvPr>
+          <p:cNvPicPr>
+            <a:picLocks noChangeAspect="1"/>
+          </p:cNvPicPr>
+          <p:nvPr/>
+        </p:nvPicPr>
+        <p:blipFill>
+          <a:blip r:embed="rId2"/>
+          <a:stretch>
+            <a:fillRect/>
+          </a:stretch>
+        </p:blipFill>
+        <p:spPr>
+          <a:xfrm>
+            <a:off x="3277752" y="2094244"/>
+            <a:ext cx="5314950" cy="990600"/>
+          </a:xfrm>
+          <a:prstGeom prst="rect">
+            <a:avLst/>
+          </a:prstGeom>
+        </p:spPr>
+      </p:pic>
+      <p:sp>
+        <p:nvSpPr>
+          <p:cNvPr id="8" name="Title 1">
+            <a:extLst>
+              <a:ext uri="{FF2B5EF4-FFF2-40B4-BE49-F238E27FC236}">
+                <a16:creationId xmlns:a16="http://schemas.microsoft.com/office/drawing/2014/main" id="{FE8FA8B1-44C4-4352-BB57-D8C81795B60C}"/>
+              </a:ext>
+            </a:extLst>
+          </p:cNvPr>
+          <p:cNvSpPr>
+            <a:spLocks noGrp="1"/>
+          </p:cNvSpPr>
+          <p:nvPr>
+            <p:ph type="title"/>
+          </p:nvPr>
+        </p:nvSpPr>
+        <p:spPr>
+          <a:xfrm>
+            <a:off x="492369" y="609600"/>
+            <a:ext cx="10555042" cy="1369925"/>
+          </a:xfrm>
+        </p:spPr>
+        <p:txBody>
+          <a:bodyPr>
+            <a:normAutofit/>
+          </a:bodyPr>
+          <a:lstStyle/>
+          <a:p>
+            <a:pPr algn="ctr"/>
+            <a:r>
+              <a:rPr lang="en-US" dirty="0"/>
+              <a:t>collaborative filtering</a:t>
+            </a:r>
+            <a:br>
+              <a:rPr lang="en-US" dirty="0"/>
+            </a:br>
+            <a:r>
+              <a:rPr lang="en-US" dirty="0"/>
+              <a:t>MATRIX FACTORIZATION using ALS</a:t>
+            </a:r>
+          </a:p>
+        </p:txBody>
+      </p:sp>
+      <p:graphicFrame>
+        <p:nvGraphicFramePr>
+          <p:cNvPr id="11" name="Table 10">
+            <a:extLst>
+              <a:ext uri="{FF2B5EF4-FFF2-40B4-BE49-F238E27FC236}">
+                <a16:creationId xmlns:a16="http://schemas.microsoft.com/office/drawing/2014/main" id="{95C7040E-15BD-45D1-9A9A-11FC4D4ED591}"/>
+              </a:ext>
+            </a:extLst>
+          </p:cNvPr>
+          <p:cNvGraphicFramePr>
+            <a:graphicFrameLocks noGrp="1"/>
+          </p:cNvGraphicFramePr>
+          <p:nvPr>
+            <p:extLst>
+              <p:ext uri="{D42A27DB-BD31-4B8C-83A1-F6EECF244321}">
+                <p14:modId xmlns:p14="http://schemas.microsoft.com/office/powerpoint/2010/main" val="3244933622"/>
+              </p:ext>
+            </p:extLst>
+          </p:nvPr>
+        </p:nvGraphicFramePr>
+        <p:xfrm>
+          <a:off x="1888252" y="4352141"/>
+          <a:ext cx="4080469" cy="1104114"/>
+        </p:xfrm>
+        <a:graphic>
+          <a:graphicData uri="http://schemas.openxmlformats.org/drawingml/2006/table">
+            <a:tbl>
+              <a:tblPr>
+                <a:tableStyleId>{5C22544A-7EE6-4342-B048-85BDC9FD1C3A}</a:tableStyleId>
+              </a:tblPr>
+              <a:tblGrid>
+                <a:gridCol w="1088126">
+                  <a:extLst>
+                    <a:ext uri="{9D8B030D-6E8A-4147-A177-3AD203B41FA5}">
+                      <a16:colId xmlns:a16="http://schemas.microsoft.com/office/drawing/2014/main" val="2683563568"/>
+                    </a:ext>
+                  </a:extLst>
+                </a:gridCol>
+                <a:gridCol w="1541509">
+                  <a:extLst>
+                    <a:ext uri="{9D8B030D-6E8A-4147-A177-3AD203B41FA5}">
+                      <a16:colId xmlns:a16="http://schemas.microsoft.com/office/drawing/2014/main" val="1414821362"/>
+                    </a:ext>
+                  </a:extLst>
+                </a:gridCol>
+                <a:gridCol w="1450834">
+                  <a:extLst>
+                    <a:ext uri="{9D8B030D-6E8A-4147-A177-3AD203B41FA5}">
+                      <a16:colId xmlns:a16="http://schemas.microsoft.com/office/drawing/2014/main" val="594776406"/>
+                    </a:ext>
+                  </a:extLst>
+                </a:gridCol>
+              </a:tblGrid>
+              <a:tr h="368038">
+                <a:tc>
+                  <a:txBody>
+                    <a:bodyPr/>
+                    <a:lstStyle/>
+                    <a:p>
+                      <a:pPr algn="l" fontAlgn="b"/>
+                      <a:r>
+                        <a:rPr lang="en-US" sz="1600" u="none" strike="noStrike">
+                          <a:effectLst/>
+                        </a:rPr>
+                        <a:t> </a:t>
+                      </a:r>
+                      <a:endParaRPr lang="en-US" sz="1600" b="0" i="0" u="none" strike="noStrike">
+                        <a:solidFill>
+                          <a:srgbClr val="000000"/>
+                        </a:solidFill>
+                        <a:effectLst/>
+                        <a:latin typeface="Calibri" panose="020F0502020204030204" pitchFamily="34" charset="0"/>
+                      </a:endParaRPr>
+                    </a:p>
+                  </a:txBody>
+                  <a:tcPr marL="7620" marR="7620" marT="7620" marB="0" anchor="b"/>
+                </a:tc>
+                <a:tc>
+                  <a:txBody>
+                    <a:bodyPr/>
+                    <a:lstStyle/>
+                    <a:p>
+                      <a:pPr algn="l" fontAlgn="b"/>
+                      <a:r>
+                        <a:rPr lang="en-US" sz="1600" u="none" strike="noStrike">
+                          <a:effectLst/>
+                        </a:rPr>
+                        <a:t>MSE - Training</a:t>
+                      </a:r>
+                      <a:endParaRPr lang="en-US" sz="1600" b="0" i="0" u="none" strike="noStrike">
+                        <a:solidFill>
+                          <a:srgbClr val="000000"/>
+                        </a:solidFill>
+                        <a:effectLst/>
+                        <a:latin typeface="Calibri" panose="020F0502020204030204" pitchFamily="34" charset="0"/>
+                      </a:endParaRPr>
+                    </a:p>
+                  </a:txBody>
+                  <a:tcPr marL="7620" marR="7620" marT="7620" marB="0" anchor="b"/>
+                </a:tc>
+                <a:tc>
+                  <a:txBody>
+                    <a:bodyPr/>
+                    <a:lstStyle/>
+                    <a:p>
+                      <a:pPr algn="l" fontAlgn="b"/>
+                      <a:r>
+                        <a:rPr lang="en-US" sz="1600" u="none" strike="noStrike">
+                          <a:effectLst/>
+                        </a:rPr>
+                        <a:t>MSE - Testing</a:t>
+                      </a:r>
+                      <a:endParaRPr lang="en-US" sz="1600" b="0" i="0" u="none" strike="noStrike">
+                        <a:solidFill>
+                          <a:srgbClr val="000000"/>
+                        </a:solidFill>
+                        <a:effectLst/>
+                        <a:latin typeface="Calibri" panose="020F0502020204030204" pitchFamily="34" charset="0"/>
+                      </a:endParaRPr>
+                    </a:p>
+                  </a:txBody>
+                  <a:tcPr marL="7620" marR="7620" marT="7620" marB="0" anchor="b"/>
+                </a:tc>
+                <a:extLst>
+                  <a:ext uri="{0D108BD9-81ED-4DB2-BD59-A6C34878D82A}">
+                    <a16:rowId xmlns:a16="http://schemas.microsoft.com/office/drawing/2014/main" val="3694076482"/>
+                  </a:ext>
+                </a:extLst>
+              </a:tr>
+              <a:tr h="368038">
+                <a:tc>
+                  <a:txBody>
+                    <a:bodyPr/>
+                    <a:lstStyle/>
+                    <a:p>
+                      <a:pPr algn="l" fontAlgn="b"/>
+                      <a:r>
+                        <a:rPr lang="en-US" sz="1600" u="none" strike="noStrike">
+                          <a:effectLst/>
+                        </a:rPr>
+                        <a:t>Non-Reg</a:t>
+                      </a:r>
+                      <a:endParaRPr lang="en-US" sz="1600" b="0" i="0" u="none" strike="noStrike">
+                        <a:solidFill>
+                          <a:srgbClr val="000000"/>
+                        </a:solidFill>
+                        <a:effectLst/>
+                        <a:latin typeface="Calibri" panose="020F0502020204030204" pitchFamily="34" charset="0"/>
+                      </a:endParaRPr>
+                    </a:p>
+                  </a:txBody>
+                  <a:tcPr marL="7620" marR="7620" marT="7620" marB="0" anchor="b"/>
+                </a:tc>
+                <a:tc>
+                  <a:txBody>
+                    <a:bodyPr/>
+                    <a:lstStyle/>
+                    <a:p>
+                      <a:pPr algn="r" fontAlgn="b"/>
+                      <a:r>
+                        <a:rPr lang="en-US" sz="1600" u="none" strike="noStrike" dirty="0">
+                          <a:effectLst/>
+                        </a:rPr>
+                        <a:t>0.02</a:t>
+                      </a:r>
+                      <a:endParaRPr lang="en-US" sz="1600" b="0" i="0" u="none" strike="noStrike" dirty="0">
+                        <a:solidFill>
+                          <a:srgbClr val="000000"/>
+                        </a:solidFill>
+                        <a:effectLst/>
+                        <a:latin typeface="Calibri" panose="020F0502020204030204" pitchFamily="34" charset="0"/>
+                      </a:endParaRPr>
+                    </a:p>
+                  </a:txBody>
+                  <a:tcPr marL="7620" marR="7620" marT="7620" marB="0" anchor="b"/>
+                </a:tc>
+                <a:tc>
+                  <a:txBody>
+                    <a:bodyPr/>
+                    <a:lstStyle/>
+                    <a:p>
+                      <a:pPr algn="r" fontAlgn="b"/>
+                      <a:r>
+                        <a:rPr lang="en-US" sz="1600" u="none" strike="noStrike" dirty="0">
+                          <a:effectLst/>
+                        </a:rPr>
+                        <a:t>2.2</a:t>
+                      </a:r>
+                      <a:endParaRPr lang="en-US" sz="1600" b="0" i="0" u="none" strike="noStrike" dirty="0">
+                        <a:solidFill>
+                          <a:srgbClr val="000000"/>
+                        </a:solidFill>
+                        <a:effectLst/>
+                        <a:latin typeface="Calibri" panose="020F0502020204030204" pitchFamily="34" charset="0"/>
+                      </a:endParaRPr>
+                    </a:p>
+                  </a:txBody>
+                  <a:tcPr marL="7620" marR="7620" marT="7620" marB="0" anchor="b"/>
+                </a:tc>
+                <a:extLst>
+                  <a:ext uri="{0D108BD9-81ED-4DB2-BD59-A6C34878D82A}">
+                    <a16:rowId xmlns:a16="http://schemas.microsoft.com/office/drawing/2014/main" val="2641754172"/>
+                  </a:ext>
+                </a:extLst>
+              </a:tr>
+              <a:tr h="368038">
+                <a:tc>
+                  <a:txBody>
+                    <a:bodyPr/>
+                    <a:lstStyle/>
+                    <a:p>
+                      <a:pPr algn="l" fontAlgn="b"/>
+                      <a:r>
+                        <a:rPr lang="en-US" sz="1600" u="none" strike="noStrike">
+                          <a:effectLst/>
+                        </a:rPr>
+                        <a:t>Reg</a:t>
+                      </a:r>
+                      <a:endParaRPr lang="en-US" sz="1600" b="0" i="0" u="none" strike="noStrike">
+                        <a:solidFill>
+                          <a:srgbClr val="000000"/>
+                        </a:solidFill>
+                        <a:effectLst/>
+                        <a:latin typeface="Calibri" panose="020F0502020204030204" pitchFamily="34" charset="0"/>
+                      </a:endParaRPr>
+                    </a:p>
+                  </a:txBody>
+                  <a:tcPr marL="7620" marR="7620" marT="7620" marB="0" anchor="b"/>
+                </a:tc>
+                <a:tc>
+                  <a:txBody>
+                    <a:bodyPr/>
+                    <a:lstStyle/>
+                    <a:p>
+                      <a:pPr algn="r" fontAlgn="b"/>
+                      <a:r>
+                        <a:rPr lang="en-US" sz="1600" u="none" strike="noStrike" dirty="0">
+                          <a:effectLst/>
+                        </a:rPr>
+                        <a:t>0.04</a:t>
+                      </a:r>
+                      <a:endParaRPr lang="en-US" sz="1600" b="0" i="0" u="none" strike="noStrike" dirty="0">
+                        <a:solidFill>
+                          <a:srgbClr val="000000"/>
+                        </a:solidFill>
+                        <a:effectLst/>
+                        <a:latin typeface="Calibri" panose="020F0502020204030204" pitchFamily="34" charset="0"/>
+                      </a:endParaRPr>
+                    </a:p>
+                  </a:txBody>
+                  <a:tcPr marL="7620" marR="7620" marT="7620" marB="0" anchor="b"/>
+                </a:tc>
+                <a:tc>
+                  <a:txBody>
+                    <a:bodyPr/>
+                    <a:lstStyle/>
+                    <a:p>
+                      <a:pPr algn="r" fontAlgn="b"/>
+                      <a:r>
+                        <a:rPr lang="en-US" sz="1600" u="none" strike="noStrike" dirty="0">
+                          <a:effectLst/>
+                        </a:rPr>
+                        <a:t>1.4</a:t>
+                      </a:r>
+                      <a:endParaRPr lang="en-US" sz="1600" b="0" i="0" u="none" strike="noStrike" dirty="0">
+                        <a:solidFill>
+                          <a:srgbClr val="000000"/>
+                        </a:solidFill>
+                        <a:effectLst/>
+                        <a:latin typeface="Calibri" panose="020F0502020204030204" pitchFamily="34" charset="0"/>
+                      </a:endParaRPr>
+                    </a:p>
+                  </a:txBody>
+                  <a:tcPr marL="7620" marR="7620" marT="7620" marB="0" anchor="b"/>
+                </a:tc>
+                <a:extLst>
+                  <a:ext uri="{0D108BD9-81ED-4DB2-BD59-A6C34878D82A}">
+                    <a16:rowId xmlns:a16="http://schemas.microsoft.com/office/drawing/2014/main" val="1429484332"/>
+                  </a:ext>
+                </a:extLst>
+              </a:tr>
+            </a:tbl>
+          </a:graphicData>
+        </a:graphic>
+      </p:graphicFrame>
+      <p:graphicFrame>
+        <p:nvGraphicFramePr>
+          <p:cNvPr id="12" name="Table 11">
+            <a:extLst>
+              <a:ext uri="{FF2B5EF4-FFF2-40B4-BE49-F238E27FC236}">
+                <a16:creationId xmlns:a16="http://schemas.microsoft.com/office/drawing/2014/main" id="{BD5E2509-8F61-4C6D-84EB-D889EC53A7C8}"/>
+              </a:ext>
+            </a:extLst>
+          </p:cNvPr>
+          <p:cNvGraphicFramePr>
+            <a:graphicFrameLocks noGrp="1"/>
+          </p:cNvGraphicFramePr>
+          <p:nvPr>
+            <p:extLst>
+              <p:ext uri="{D42A27DB-BD31-4B8C-83A1-F6EECF244321}">
+                <p14:modId xmlns:p14="http://schemas.microsoft.com/office/powerpoint/2010/main" val="2055620820"/>
+              </p:ext>
+            </p:extLst>
+          </p:nvPr>
+        </p:nvGraphicFramePr>
+        <p:xfrm>
+          <a:off x="7275007" y="4587207"/>
+          <a:ext cx="4712677" cy="563880"/>
+        </p:xfrm>
+        <a:graphic>
+          <a:graphicData uri="http://schemas.openxmlformats.org/drawingml/2006/table">
+            <a:tbl>
+              <a:tblPr>
+                <a:tableStyleId>{5C22544A-7EE6-4342-B048-85BDC9FD1C3A}</a:tableStyleId>
+              </a:tblPr>
+              <a:tblGrid>
+                <a:gridCol w="1950073">
+                  <a:extLst>
+                    <a:ext uri="{9D8B030D-6E8A-4147-A177-3AD203B41FA5}">
+                      <a16:colId xmlns:a16="http://schemas.microsoft.com/office/drawing/2014/main" val="2052167699"/>
+                    </a:ext>
+                  </a:extLst>
+                </a:gridCol>
+                <a:gridCol w="2762604">
+                  <a:extLst>
+                    <a:ext uri="{9D8B030D-6E8A-4147-A177-3AD203B41FA5}">
+                      <a16:colId xmlns:a16="http://schemas.microsoft.com/office/drawing/2014/main" val="3603284352"/>
+                    </a:ext>
+                  </a:extLst>
+                </a:gridCol>
+              </a:tblGrid>
+              <a:tr h="272009">
+                <a:tc>
+                  <a:txBody>
+                    <a:bodyPr/>
+                    <a:lstStyle/>
+                    <a:p>
+                      <a:pPr algn="l" fontAlgn="b"/>
+                      <a:r>
+                        <a:rPr lang="en-US" sz="1800" u="none" strike="noStrike" dirty="0">
+                          <a:effectLst/>
+                        </a:rPr>
+                        <a:t> </a:t>
+                      </a:r>
+                      <a:endParaRPr lang="en-US" sz="1800" b="0" i="0" u="none" strike="noStrike" dirty="0">
+                        <a:solidFill>
+                          <a:srgbClr val="000000"/>
+                        </a:solidFill>
+                        <a:effectLst/>
+                        <a:latin typeface="Calibri" panose="020F0502020204030204" pitchFamily="34" charset="0"/>
+                      </a:endParaRPr>
+                    </a:p>
+                  </a:txBody>
+                  <a:tcPr marL="7620" marR="7620" marT="7620" marB="0" anchor="b"/>
+                </a:tc>
+                <a:tc>
+                  <a:txBody>
+                    <a:bodyPr/>
+                    <a:lstStyle/>
+                    <a:p>
+                      <a:pPr algn="l" fontAlgn="b"/>
+                      <a:r>
+                        <a:rPr lang="en-US" sz="1800" u="none" strike="noStrike" dirty="0">
+                          <a:effectLst/>
+                        </a:rPr>
+                        <a:t>Hit Ratio(Threshold = 1.5)</a:t>
+                      </a:r>
+                      <a:endParaRPr lang="en-US" sz="1800" b="0" i="0" u="none" strike="noStrike" dirty="0">
+                        <a:solidFill>
+                          <a:srgbClr val="000000"/>
+                        </a:solidFill>
+                        <a:effectLst/>
+                        <a:latin typeface="Calibri" panose="020F0502020204030204" pitchFamily="34" charset="0"/>
+                      </a:endParaRPr>
+                    </a:p>
+                  </a:txBody>
+                  <a:tcPr marL="7620" marR="7620" marT="7620" marB="0" anchor="b"/>
+                </a:tc>
+                <a:extLst>
+                  <a:ext uri="{0D108BD9-81ED-4DB2-BD59-A6C34878D82A}">
+                    <a16:rowId xmlns:a16="http://schemas.microsoft.com/office/drawing/2014/main" val="1943480554"/>
+                  </a:ext>
+                </a:extLst>
+              </a:tr>
+              <a:tr h="272009">
+                <a:tc>
+                  <a:txBody>
+                    <a:bodyPr/>
+                    <a:lstStyle/>
+                    <a:p>
+                      <a:pPr algn="l" fontAlgn="b"/>
+                      <a:r>
+                        <a:rPr lang="en-US" sz="1800" u="none" strike="noStrike" dirty="0">
+                          <a:effectLst/>
+                        </a:rPr>
+                        <a:t>Reg</a:t>
+                      </a:r>
+                      <a:endParaRPr lang="en-US" sz="1800" b="0" i="0" u="none" strike="noStrike" dirty="0">
+                        <a:solidFill>
+                          <a:srgbClr val="000000"/>
+                        </a:solidFill>
+                        <a:effectLst/>
+                        <a:latin typeface="Calibri" panose="020F0502020204030204" pitchFamily="34" charset="0"/>
+                      </a:endParaRPr>
+                    </a:p>
+                  </a:txBody>
+                  <a:tcPr marL="7620" marR="7620" marT="7620" marB="0" anchor="b"/>
+                </a:tc>
+                <a:tc>
+                  <a:txBody>
+                    <a:bodyPr/>
+                    <a:lstStyle/>
+                    <a:p>
+                      <a:pPr algn="r" fontAlgn="b"/>
+                      <a:r>
+                        <a:rPr lang="en-US" sz="1800" u="none" strike="noStrike" dirty="0">
+                          <a:effectLst/>
+                        </a:rPr>
+                        <a:t>0.77</a:t>
+                      </a:r>
+                      <a:endParaRPr lang="en-US" sz="1800" b="0" i="0" u="none" strike="noStrike" dirty="0">
+                        <a:solidFill>
+                          <a:srgbClr val="000000"/>
+                        </a:solidFill>
+                        <a:effectLst/>
+                        <a:latin typeface="Calibri" panose="020F0502020204030204" pitchFamily="34" charset="0"/>
+                      </a:endParaRPr>
+                    </a:p>
+                  </a:txBody>
+                  <a:tcPr marL="7620" marR="7620" marT="7620" marB="0" anchor="b"/>
+                </a:tc>
+                <a:extLst>
+                  <a:ext uri="{0D108BD9-81ED-4DB2-BD59-A6C34878D82A}">
+                    <a16:rowId xmlns:a16="http://schemas.microsoft.com/office/drawing/2014/main" val="2997880158"/>
+                  </a:ext>
+                </a:extLst>
+              </a:tr>
+            </a:tbl>
+          </a:graphicData>
+        </a:graphic>
+      </p:graphicFrame>
+    </p:spTree>
+    <p:extLst>
+      <p:ext uri="{BB962C8B-B14F-4D97-AF65-F5344CB8AC3E}">
+        <p14:creationId xmlns:p14="http://schemas.microsoft.com/office/powerpoint/2010/main" val="118713724"/>
+      </p:ext>
+    </p:extLst>
+  </p:cSld>
+  <p:clrMapOvr>
+    <a:masterClrMapping/>
+  </p:clrMapOvr>
+</p:sld>
+</file>
+
+<file path=ppt/slides/slide2.xml><?xml version="1.0" encoding="utf-8"?>
+<p:sld xmlns:a="http://schemas.openxmlformats.org/drawingml/2006/main" xmlns:r="http://schemas.openxmlformats.org/officeDocument/2006/relationships" xmlns:p="http://schemas.openxmlformats.org/presentationml/2006/main">
+  <p:cSld>
+    <p:spTree>
+      <p:nvGrpSpPr>
+        <p:cNvPr id="1" name=""/>
+        <p:cNvGrpSpPr/>
+        <p:nvPr/>
+      </p:nvGrpSpPr>
+      <p:grpSpPr>
+        <a:xfrm>
+          <a:off x="0" y="0"/>
+          <a:ext cx="0" cy="0"/>
+          <a:chOff x="0" y="0"/>
+          <a:chExt cx="0" cy="0"/>
+        </a:xfrm>
+      </p:grpSpPr>
+      <p:sp>
+        <p:nvSpPr>
+          <p:cNvPr id="10" name="Title 1">
+            <a:extLst>
+              <a:ext uri="{FF2B5EF4-FFF2-40B4-BE49-F238E27FC236}">
+                <a16:creationId xmlns:a16="http://schemas.microsoft.com/office/drawing/2014/main" id="{6B56B2BE-0644-4A62-BF6B-79E7717A5508}"/>
+              </a:ext>
+            </a:extLst>
+          </p:cNvPr>
+          <p:cNvSpPr>
+            <a:spLocks noGrp="1"/>
+          </p:cNvSpPr>
+          <p:nvPr>
+            <p:ph type="title"/>
+          </p:nvPr>
+        </p:nvSpPr>
+        <p:spPr>
+          <a:xfrm>
+            <a:off x="1141413" y="609600"/>
+            <a:ext cx="9905998" cy="1905000"/>
+          </a:xfrm>
+        </p:spPr>
+        <p:txBody>
+          <a:bodyPr/>
+          <a:lstStyle/>
+          <a:p>
+            <a:pPr algn="ctr"/>
+            <a:r>
+              <a:rPr lang="en-US" dirty="0"/>
+              <a:t>outline</a:t>
+            </a:r>
+          </a:p>
+        </p:txBody>
+      </p:sp>
+      <p:sp>
+        <p:nvSpPr>
+          <p:cNvPr id="11" name="Content Placeholder 2">
+            <a:extLst>
+              <a:ext uri="{FF2B5EF4-FFF2-40B4-BE49-F238E27FC236}">
+                <a16:creationId xmlns:a16="http://schemas.microsoft.com/office/drawing/2014/main" id="{C43678B6-9ECD-490D-8922-F5AD8D06FF18}"/>
+              </a:ext>
+            </a:extLst>
+          </p:cNvPr>
+          <p:cNvSpPr>
+            <a:spLocks noGrp="1"/>
+          </p:cNvSpPr>
+          <p:nvPr>
+            <p:ph idx="1"/>
+          </p:nvPr>
+        </p:nvSpPr>
+        <p:spPr>
+          <a:xfrm>
+            <a:off x="1141413" y="2033753"/>
+            <a:ext cx="9905998" cy="3757448"/>
+          </a:xfrm>
+        </p:spPr>
+        <p:txBody>
+          <a:bodyPr/>
+          <a:lstStyle/>
+          <a:p>
+            <a:r>
+              <a:rPr lang="en-US" dirty="0"/>
+              <a:t>Introduction</a:t>
+            </a:r>
+          </a:p>
+          <a:p>
+            <a:r>
+              <a:rPr lang="en-US" dirty="0"/>
+              <a:t>Data Preprocessing</a:t>
+            </a:r>
+          </a:p>
+          <a:p>
+            <a:r>
+              <a:rPr lang="en-US" dirty="0"/>
+              <a:t>Methods</a:t>
+            </a:r>
+          </a:p>
+          <a:p>
+            <a:r>
+              <a:rPr lang="en-US" dirty="0"/>
+              <a:t>Evaluation and results</a:t>
+            </a:r>
+          </a:p>
+        </p:txBody>
+      </p:sp>
+    </p:spTree>
+    <p:extLst>
+      <p:ext uri="{BB962C8B-B14F-4D97-AF65-F5344CB8AC3E}">
+        <p14:creationId xmlns:p14="http://schemas.microsoft.com/office/powerpoint/2010/main" val="512220267"/>
+      </p:ext>
+    </p:extLst>
+  </p:cSld>
+  <p:clrMapOvr>
+    <a:masterClrMapping/>
+  </p:clrMapOvr>
+</p:sld>
+</file>
+
+<file path=ppt/slides/slide20.xml><?xml version="1.0" encoding="utf-8"?>
+<p:sld xmlns:a="http://schemas.openxmlformats.org/drawingml/2006/main" xmlns:r="http://schemas.openxmlformats.org/officeDocument/2006/relationships" xmlns:p="http://schemas.openxmlformats.org/presentationml/2006/main">
+  <p:cSld>
+    <p:spTree>
+      <p:nvGrpSpPr>
+        <p:cNvPr id="1" name=""/>
+        <p:cNvGrpSpPr/>
+        <p:nvPr/>
+      </p:nvGrpSpPr>
+      <p:grpSpPr>
+        <a:xfrm>
+          <a:off x="0" y="0"/>
+          <a:ext cx="0" cy="0"/>
+          <a:chOff x="0" y="0"/>
+          <a:chExt cx="0" cy="0"/>
+        </a:xfrm>
+      </p:grpSpPr>
+      <p:sp>
+        <p:nvSpPr>
           <p:cNvPr id="2" name="Title 1">
             <a:extLst>
               <a:ext uri="{FF2B5EF4-FFF2-40B4-BE49-F238E27FC236}">
-                <a16:creationId xmlns:a16="http://schemas.microsoft.com/office/drawing/2014/main" xmlns="" id="{B5B988DD-3CEA-4306-9333-C8B9309F3C73}"/>
+                <a16:creationId xmlns:a16="http://schemas.microsoft.com/office/drawing/2014/main" id="{B5B988DD-3CEA-4306-9333-C8B9309F3C73}"/>
               </a:ext>
             </a:extLst>
           </p:cNvPr>
@@ -6861,7 +9242,7 @@
           <p:cNvPr id="3" name="Content Placeholder 2">
             <a:extLst>
               <a:ext uri="{FF2B5EF4-FFF2-40B4-BE49-F238E27FC236}">
-                <a16:creationId xmlns:a16="http://schemas.microsoft.com/office/drawing/2014/main" xmlns="" id="{E629C9F5-B61D-4EEA-ABF2-D845038A52CF}"/>
+                <a16:creationId xmlns:a16="http://schemas.microsoft.com/office/drawing/2014/main" id="{E629C9F5-B61D-4EEA-ABF2-D845038A52CF}"/>
               </a:ext>
             </a:extLst>
           </p:cNvPr>
@@ -6903,7 +9284,7 @@
           <p:cNvPr id="6" name="Picture 5">
             <a:extLst>
               <a:ext uri="{FF2B5EF4-FFF2-40B4-BE49-F238E27FC236}">
-                <a16:creationId xmlns:a16="http://schemas.microsoft.com/office/drawing/2014/main" xmlns="" id="{F4F9CB59-64AC-4445-AEB9-F9F8ADE9EAFC}"/>
+                <a16:creationId xmlns:a16="http://schemas.microsoft.com/office/drawing/2014/main" id="{F4F9CB59-64AC-4445-AEB9-F9F8ADE9EAFC}"/>
               </a:ext>
             </a:extLst>
           </p:cNvPr>
@@ -6941,7 +9322,7 @@
 </p:sld>
 </file>
 
-<file path=ppt/slides/slide19.xml><?xml version="1.0" encoding="utf-8"?>
+<file path=ppt/slides/slide21.xml><?xml version="1.0" encoding="utf-8"?>
 <p:sld xmlns:a="http://schemas.openxmlformats.org/drawingml/2006/main" xmlns:r="http://schemas.openxmlformats.org/officeDocument/2006/relationships" xmlns:p="http://schemas.openxmlformats.org/presentationml/2006/main">
   <p:cSld>
     <p:spTree>
@@ -6963,7 +9344,7 @@
           <p:cNvPr id="2" name="Title 1">
             <a:extLst>
               <a:ext uri="{FF2B5EF4-FFF2-40B4-BE49-F238E27FC236}">
-                <a16:creationId xmlns:a16="http://schemas.microsoft.com/office/drawing/2014/main" xmlns="" id="{B5B988DD-3CEA-4306-9333-C8B9309F3C73}"/>
+                <a16:creationId xmlns:a16="http://schemas.microsoft.com/office/drawing/2014/main" id="{B5B988DD-3CEA-4306-9333-C8B9309F3C73}"/>
               </a:ext>
             </a:extLst>
           </p:cNvPr>
@@ -6997,7 +9378,7 @@
           <p:cNvPr id="7" name="Content Placeholder 5" descr="A close up of a map&#10;&#10;Description generated with very high confidence">
             <a:extLst>
               <a:ext uri="{FF2B5EF4-FFF2-40B4-BE49-F238E27FC236}">
-                <a16:creationId xmlns:a16="http://schemas.microsoft.com/office/drawing/2014/main" xmlns="" id="{1E99C260-561F-41BB-BB97-90772368D66E}"/>
+                <a16:creationId xmlns:a16="http://schemas.microsoft.com/office/drawing/2014/main" id="{1E99C260-561F-41BB-BB97-90772368D66E}"/>
               </a:ext>
             </a:extLst>
           </p:cNvPr>
@@ -7062,7 +9443,7 @@
 </p:sld>
 </file>
 
-<file path=ppt/slides/slide2.xml><?xml version="1.0" encoding="utf-8"?>
+<file path=ppt/slides/slide22.xml><?xml version="1.0" encoding="utf-8"?>
 <p:sld xmlns:a="http://schemas.openxmlformats.org/drawingml/2006/main" xmlns:r="http://schemas.openxmlformats.org/officeDocument/2006/relationships" xmlns:p="http://schemas.openxmlformats.org/presentationml/2006/main">
   <p:cSld>
     <p:spTree>
@@ -7081,10 +9462,10 @@
       </p:grpSpPr>
       <p:sp>
         <p:nvSpPr>
-          <p:cNvPr id="10" name="Title 1">
+          <p:cNvPr id="2" name="Title 1">
             <a:extLst>
               <a:ext uri="{FF2B5EF4-FFF2-40B4-BE49-F238E27FC236}">
-                <a16:creationId xmlns:a16="http://schemas.microsoft.com/office/drawing/2014/main" xmlns="" id="{6B56B2BE-0644-4A62-BF6B-79E7717A5508}"/>
+                <a16:creationId xmlns:a16="http://schemas.microsoft.com/office/drawing/2014/main" id="{2FD8CD52-7B04-44C1-81F8-F6083BC044BB}"/>
               </a:ext>
             </a:extLst>
           </p:cNvPr>
@@ -7098,7 +9479,7 @@
         <p:spPr>
           <a:xfrm>
             <a:off x="1141413" y="609600"/>
-            <a:ext cx="9905998" cy="1905000"/>
+            <a:ext cx="9905998" cy="1028281"/>
           </a:xfrm>
         </p:spPr>
         <p:txBody>
@@ -7107,18 +9488,18 @@
           <a:p>
             <a:pPr algn="ctr"/>
             <a:r>
-              <a:rPr lang="en-US" dirty="0"/>
-              <a:t>outline</a:t>
-            </a:r>
-          </a:p>
-        </p:txBody>
-      </p:sp>
-      <p:sp>
-        <p:nvSpPr>
-          <p:cNvPr id="11" name="Content Placeholder 2">
+              <a:rPr lang="en-IN" dirty="0"/>
+              <a:t>Deep Learning - RESULTS</a:t>
+            </a:r>
+          </a:p>
+        </p:txBody>
+      </p:sp>
+      <p:sp>
+        <p:nvSpPr>
+          <p:cNvPr id="3" name="Content Placeholder 2">
             <a:extLst>
               <a:ext uri="{FF2B5EF4-FFF2-40B4-BE49-F238E27FC236}">
-                <a16:creationId xmlns:a16="http://schemas.microsoft.com/office/drawing/2014/main" xmlns="" id="{C43678B6-9ECD-490D-8922-F5AD8D06FF18}"/>
+                <a16:creationId xmlns:a16="http://schemas.microsoft.com/office/drawing/2014/main" id="{EF1E5ACD-A634-4E52-9F70-65709F9A6A6A}"/>
               </a:ext>
             </a:extLst>
           </p:cNvPr>
@@ -7126,13 +9507,13 @@
             <a:spLocks noGrp="1"/>
           </p:cNvSpPr>
           <p:nvPr>
-            <p:ph idx="1"/>
+            <p:ph sz="half" idx="1"/>
           </p:nvPr>
         </p:nvSpPr>
         <p:spPr>
           <a:xfrm>
-            <a:off x="1141413" y="2033753"/>
-            <a:ext cx="9905998" cy="3757448"/>
+            <a:off x="1141411" y="2666999"/>
+            <a:ext cx="9905999" cy="3124201"/>
           </a:xfrm>
         </p:spPr>
         <p:txBody>
@@ -7140,26 +9521,28 @@
           <a:lstStyle/>
           <a:p>
             <a:r>
-              <a:rPr lang="en-US" dirty="0"/>
-              <a:t>Introduction</a:t>
-            </a:r>
-          </a:p>
-          <a:p>
-            <a:r>
-              <a:rPr lang="en-US" dirty="0"/>
-              <a:t>Data Preprocessing</a:t>
-            </a:r>
-          </a:p>
-          <a:p>
-            <a:r>
-              <a:rPr lang="en-US" dirty="0"/>
-              <a:t>Methods</a:t>
-            </a:r>
-          </a:p>
-          <a:p>
-            <a:r>
-              <a:rPr lang="en-US" dirty="0"/>
-              <a:t>Evaluation and results</a:t>
+              <a:rPr lang="en-IN" dirty="0"/>
+              <a:t>Trained model using 4 hidden layers with [64,32,16,8] factors.</a:t>
+            </a:r>
+          </a:p>
+          <a:p>
+            <a:r>
+              <a:rPr lang="en-IN" dirty="0"/>
+              <a:t>Used hit ratio and </a:t>
+            </a:r>
+            <a:r>
+              <a:rPr lang="en-IN" dirty="0" err="1"/>
+              <a:t>ndcg</a:t>
+            </a:r>
+            <a:r>
+              <a:rPr lang="en-IN" dirty="0"/>
+              <a:t> to measure quality</a:t>
+            </a:r>
+          </a:p>
+          <a:p>
+            <a:r>
+              <a:rPr lang="en-IN" dirty="0"/>
+              <a:t>Best model – hit ratio (0.8197) and NDCG (0.6220)</a:t>
             </a:r>
           </a:p>
         </p:txBody>
@@ -7167,7 +9550,7 @@
     </p:spTree>
     <p:extLst>
       <p:ext uri="{BB962C8B-B14F-4D97-AF65-F5344CB8AC3E}">
-        <p14:creationId xmlns:p14="http://schemas.microsoft.com/office/powerpoint/2010/main" val="512220267"/>
+        <p14:creationId xmlns:p14="http://schemas.microsoft.com/office/powerpoint/2010/main" val="3839082217"/>
       </p:ext>
     </p:extLst>
   </p:cSld>
@@ -7177,7 +9560,7 @@
 </p:sld>
 </file>
 
-<file path=ppt/slides/slide20.xml><?xml version="1.0" encoding="utf-8"?>
+<file path=ppt/slides/slide23.xml><?xml version="1.0" encoding="utf-8"?>
 <p:sld xmlns:a="http://schemas.openxmlformats.org/drawingml/2006/main" xmlns:r="http://schemas.openxmlformats.org/officeDocument/2006/relationships" xmlns:p="http://schemas.openxmlformats.org/presentationml/2006/main">
   <p:cSld>
     <p:spTree>
@@ -7199,7 +9582,7 @@
           <p:cNvPr id="2" name="Title 1">
             <a:extLst>
               <a:ext uri="{FF2B5EF4-FFF2-40B4-BE49-F238E27FC236}">
-                <a16:creationId xmlns:a16="http://schemas.microsoft.com/office/drawing/2014/main" xmlns="" id="{2FD8CD52-7B04-44C1-81F8-F6083BC044BB}"/>
+                <a16:creationId xmlns:a16="http://schemas.microsoft.com/office/drawing/2014/main" id="{2FD8CD52-7B04-44C1-81F8-F6083BC044BB}"/>
               </a:ext>
             </a:extLst>
           </p:cNvPr>
@@ -7223,20 +9606,282 @@
             <a:pPr algn="ctr"/>
             <a:r>
               <a:rPr lang="en-IN" dirty="0"/>
-              <a:t>Deep Learning - RESULTS</a:t>
-            </a:r>
-          </a:p>
-        </p:txBody>
-      </p:sp>
-      <p:sp>
-        <p:nvSpPr>
-          <p:cNvPr id="3" name="Content Placeholder 2">
+              <a:t>Conclusion</a:t>
+            </a:r>
+          </a:p>
+        </p:txBody>
+      </p:sp>
+      <p:graphicFrame>
+        <p:nvGraphicFramePr>
+          <p:cNvPr id="3" name="Table 2">
             <a:extLst>
               <a:ext uri="{FF2B5EF4-FFF2-40B4-BE49-F238E27FC236}">
-                <a16:creationId xmlns:a16="http://schemas.microsoft.com/office/drawing/2014/main" xmlns="" id="{EF1E5ACD-A634-4E52-9F70-65709F9A6A6A}"/>
+                <a16:creationId xmlns:a16="http://schemas.microsoft.com/office/drawing/2014/main" id="{6FC3A4A7-6EFE-4605-B493-C9B9D0779463}"/>
               </a:ext>
             </a:extLst>
           </p:cNvPr>
+          <p:cNvGraphicFramePr>
+            <a:graphicFrameLocks noGrp="1"/>
+          </p:cNvGraphicFramePr>
+          <p:nvPr>
+            <p:extLst>
+              <p:ext uri="{D42A27DB-BD31-4B8C-83A1-F6EECF244321}">
+                <p14:modId xmlns:p14="http://schemas.microsoft.com/office/powerpoint/2010/main" val="3114782807"/>
+              </p:ext>
+            </p:extLst>
+          </p:nvPr>
+        </p:nvGraphicFramePr>
+        <p:xfrm>
+          <a:off x="2461846" y="1999900"/>
+          <a:ext cx="6209881" cy="1155284"/>
+        </p:xfrm>
+        <a:graphic>
+          <a:graphicData uri="http://schemas.openxmlformats.org/drawingml/2006/table">
+            <a:tbl>
+              <a:tblPr>
+                <a:tableStyleId>{5C22544A-7EE6-4342-B048-85BDC9FD1C3A}</a:tableStyleId>
+              </a:tblPr>
+              <a:tblGrid>
+                <a:gridCol w="4044384">
+                  <a:extLst>
+                    <a:ext uri="{9D8B030D-6E8A-4147-A177-3AD203B41FA5}">
+                      <a16:colId xmlns:a16="http://schemas.microsoft.com/office/drawing/2014/main" val="416292723"/>
+                    </a:ext>
+                  </a:extLst>
+                </a:gridCol>
+                <a:gridCol w="2165497">
+                  <a:extLst>
+                    <a:ext uri="{9D8B030D-6E8A-4147-A177-3AD203B41FA5}">
+                      <a16:colId xmlns:a16="http://schemas.microsoft.com/office/drawing/2014/main" val="1958798181"/>
+                    </a:ext>
+                  </a:extLst>
+                </a:gridCol>
+              </a:tblGrid>
+              <a:tr h="288821">
+                <a:tc>
+                  <a:txBody>
+                    <a:bodyPr/>
+                    <a:lstStyle/>
+                    <a:p>
+                      <a:pPr algn="l" fontAlgn="b"/>
+                      <a:r>
+                        <a:rPr lang="en-US" sz="1800" u="none" strike="noStrike">
+                          <a:effectLst/>
+                        </a:rPr>
+                        <a:t> </a:t>
+                      </a:r>
+                      <a:endParaRPr lang="en-US" sz="1800" b="0" i="0" u="none" strike="noStrike">
+                        <a:solidFill>
+                          <a:srgbClr val="000000"/>
+                        </a:solidFill>
+                        <a:effectLst/>
+                        <a:latin typeface="Calibri" panose="020F0502020204030204" pitchFamily="34" charset="0"/>
+                      </a:endParaRPr>
+                    </a:p>
+                  </a:txBody>
+                  <a:tcPr marL="7620" marR="7620" marT="7620" marB="0" anchor="b"/>
+                </a:tc>
+                <a:tc>
+                  <a:txBody>
+                    <a:bodyPr/>
+                    <a:lstStyle/>
+                    <a:p>
+                      <a:pPr algn="l" fontAlgn="b"/>
+                      <a:r>
+                        <a:rPr lang="en-US" sz="1800" u="none" strike="noStrike">
+                          <a:effectLst/>
+                        </a:rPr>
+                        <a:t>Hit Ratio</a:t>
+                      </a:r>
+                      <a:endParaRPr lang="en-US" sz="1800" b="0" i="0" u="none" strike="noStrike">
+                        <a:solidFill>
+                          <a:srgbClr val="000000"/>
+                        </a:solidFill>
+                        <a:effectLst/>
+                        <a:latin typeface="Calibri" panose="020F0502020204030204" pitchFamily="34" charset="0"/>
+                      </a:endParaRPr>
+                    </a:p>
+                  </a:txBody>
+                  <a:tcPr marL="7620" marR="7620" marT="7620" marB="0" anchor="b"/>
+                </a:tc>
+                <a:extLst>
+                  <a:ext uri="{0D108BD9-81ED-4DB2-BD59-A6C34878D82A}">
+                    <a16:rowId xmlns:a16="http://schemas.microsoft.com/office/drawing/2014/main" val="822770467"/>
+                  </a:ext>
+                </a:extLst>
+              </a:tr>
+              <a:tr h="288821">
+                <a:tc>
+                  <a:txBody>
+                    <a:bodyPr/>
+                    <a:lstStyle/>
+                    <a:p>
+                      <a:pPr algn="l" fontAlgn="b"/>
+                      <a:r>
+                        <a:rPr lang="en-US" sz="1800" u="none" strike="noStrike" dirty="0">
+                          <a:effectLst/>
+                        </a:rPr>
+                        <a:t>CF - ALS</a:t>
+                      </a:r>
+                      <a:endParaRPr lang="en-US" sz="1800" b="0" i="0" u="none" strike="noStrike" dirty="0">
+                        <a:solidFill>
+                          <a:srgbClr val="000000"/>
+                        </a:solidFill>
+                        <a:effectLst/>
+                        <a:latin typeface="Calibri" panose="020F0502020204030204" pitchFamily="34" charset="0"/>
+                      </a:endParaRPr>
+                    </a:p>
+                  </a:txBody>
+                  <a:tcPr marL="7620" marR="7620" marT="7620" marB="0" anchor="b"/>
+                </a:tc>
+                <a:tc>
+                  <a:txBody>
+                    <a:bodyPr/>
+                    <a:lstStyle/>
+                    <a:p>
+                      <a:pPr algn="r" fontAlgn="b"/>
+                      <a:r>
+                        <a:rPr lang="en-US" sz="1800" u="none" strike="noStrike" dirty="0">
+                          <a:effectLst/>
+                        </a:rPr>
+                        <a:t>0.77</a:t>
+                      </a:r>
+                      <a:endParaRPr lang="en-US" sz="1800" b="0" i="0" u="none" strike="noStrike" dirty="0">
+                        <a:solidFill>
+                          <a:srgbClr val="000000"/>
+                        </a:solidFill>
+                        <a:effectLst/>
+                        <a:latin typeface="Calibri" panose="020F0502020204030204" pitchFamily="34" charset="0"/>
+                      </a:endParaRPr>
+                    </a:p>
+                  </a:txBody>
+                  <a:tcPr marL="7620" marR="7620" marT="7620" marB="0" anchor="b"/>
+                </a:tc>
+                <a:extLst>
+                  <a:ext uri="{0D108BD9-81ED-4DB2-BD59-A6C34878D82A}">
+                    <a16:rowId xmlns:a16="http://schemas.microsoft.com/office/drawing/2014/main" val="3777771087"/>
+                  </a:ext>
+                </a:extLst>
+              </a:tr>
+              <a:tr h="288821">
+                <a:tc>
+                  <a:txBody>
+                    <a:bodyPr/>
+                    <a:lstStyle/>
+                    <a:p>
+                      <a:pPr algn="l" fontAlgn="b"/>
+                      <a:r>
+                        <a:rPr lang="en-US" sz="1800" u="none" strike="noStrike">
+                          <a:effectLst/>
+                        </a:rPr>
+                        <a:t>DNN </a:t>
+                      </a:r>
+                      <a:endParaRPr lang="en-US" sz="1800" b="0" i="0" u="none" strike="noStrike">
+                        <a:solidFill>
+                          <a:srgbClr val="000000"/>
+                        </a:solidFill>
+                        <a:effectLst/>
+                        <a:latin typeface="Calibri" panose="020F0502020204030204" pitchFamily="34" charset="0"/>
+                      </a:endParaRPr>
+                    </a:p>
+                  </a:txBody>
+                  <a:tcPr marL="7620" marR="7620" marT="7620" marB="0" anchor="b"/>
+                </a:tc>
+                <a:tc>
+                  <a:txBody>
+                    <a:bodyPr/>
+                    <a:lstStyle/>
+                    <a:p>
+                      <a:pPr algn="r" fontAlgn="b"/>
+                      <a:r>
+                        <a:rPr lang="en-US" sz="1800" u="none" strike="noStrike">
+                          <a:effectLst/>
+                        </a:rPr>
+                        <a:t>0.81</a:t>
+                      </a:r>
+                      <a:endParaRPr lang="en-US" sz="1800" b="0" i="0" u="none" strike="noStrike">
+                        <a:solidFill>
+                          <a:srgbClr val="000000"/>
+                        </a:solidFill>
+                        <a:effectLst/>
+                        <a:latin typeface="Calibri" panose="020F0502020204030204" pitchFamily="34" charset="0"/>
+                      </a:endParaRPr>
+                    </a:p>
+                  </a:txBody>
+                  <a:tcPr marL="7620" marR="7620" marT="7620" marB="0" anchor="b"/>
+                </a:tc>
+                <a:extLst>
+                  <a:ext uri="{0D108BD9-81ED-4DB2-BD59-A6C34878D82A}">
+                    <a16:rowId xmlns:a16="http://schemas.microsoft.com/office/drawing/2014/main" val="4281772439"/>
+                  </a:ext>
+                </a:extLst>
+              </a:tr>
+              <a:tr h="288821">
+                <a:tc>
+                  <a:txBody>
+                    <a:bodyPr/>
+                    <a:lstStyle/>
+                    <a:p>
+                      <a:pPr algn="l" fontAlgn="b"/>
+                      <a:r>
+                        <a:rPr lang="en-US" sz="1800" u="none" strike="noStrike">
+                          <a:effectLst/>
+                        </a:rPr>
+                        <a:t>Clustering(avg across cities)</a:t>
+                      </a:r>
+                      <a:endParaRPr lang="en-US" sz="1800" b="0" i="0" u="none" strike="noStrike">
+                        <a:solidFill>
+                          <a:srgbClr val="000000"/>
+                        </a:solidFill>
+                        <a:effectLst/>
+                        <a:latin typeface="Calibri" panose="020F0502020204030204" pitchFamily="34" charset="0"/>
+                      </a:endParaRPr>
+                    </a:p>
+                  </a:txBody>
+                  <a:tcPr marL="7620" marR="7620" marT="7620" marB="0" anchor="b"/>
+                </a:tc>
+                <a:tc>
+                  <a:txBody>
+                    <a:bodyPr/>
+                    <a:lstStyle/>
+                    <a:p>
+                      <a:pPr algn="r" fontAlgn="b"/>
+                      <a:r>
+                        <a:rPr lang="en-US" sz="1800" u="none" strike="noStrike" dirty="0">
+                          <a:effectLst/>
+                        </a:rPr>
+                        <a:t>0.55</a:t>
+                      </a:r>
+                      <a:endParaRPr lang="en-US" sz="1800" b="0" i="0" u="none" strike="noStrike" dirty="0">
+                        <a:solidFill>
+                          <a:srgbClr val="000000"/>
+                        </a:solidFill>
+                        <a:effectLst/>
+                        <a:latin typeface="Calibri" panose="020F0502020204030204" pitchFamily="34" charset="0"/>
+                      </a:endParaRPr>
+                    </a:p>
+                  </a:txBody>
+                  <a:tcPr marL="7620" marR="7620" marT="7620" marB="0" anchor="b"/>
+                </a:tc>
+                <a:extLst>
+                  <a:ext uri="{0D108BD9-81ED-4DB2-BD59-A6C34878D82A}">
+                    <a16:rowId xmlns:a16="http://schemas.microsoft.com/office/drawing/2014/main" val="1504789784"/>
+                  </a:ext>
+                </a:extLst>
+              </a:tr>
+            </a:tbl>
+          </a:graphicData>
+        </a:graphic>
+      </p:graphicFrame>
+      <p:sp>
+        <p:nvSpPr>
+          <p:cNvPr id="4" name="Content Placeholder 2">
+            <a:extLst>
+              <a:ext uri="{FF2B5EF4-FFF2-40B4-BE49-F238E27FC236}">
+                <a16:creationId xmlns:a16="http://schemas.microsoft.com/office/drawing/2014/main" id="{E13D0457-CD0F-458A-9999-EFA83B2780FB}"/>
+              </a:ext>
+            </a:extLst>
+          </p:cNvPr>
           <p:cNvSpPr>
             <a:spLocks noGrp="1"/>
           </p:cNvSpPr>
@@ -7246,7 +9891,7 @@
         </p:nvSpPr>
         <p:spPr>
           <a:xfrm>
-            <a:off x="1141411" y="2666999"/>
+            <a:off x="1141411" y="3269900"/>
             <a:ext cx="9905999" cy="3124201"/>
           </a:xfrm>
         </p:spPr>
@@ -7256,27 +9901,7 @@
           <a:p>
             <a:r>
               <a:rPr lang="en-IN" dirty="0"/>
-              <a:t>Trained model using 4 hidden layers with [64,32,16,8] factors.</a:t>
-            </a:r>
-          </a:p>
-          <a:p>
-            <a:r>
-              <a:rPr lang="en-IN" dirty="0"/>
-              <a:t>Used hit ratio and </a:t>
-            </a:r>
-            <a:r>
-              <a:rPr lang="en-IN" dirty="0" err="1"/>
-              <a:t>ndcg</a:t>
-            </a:r>
-            <a:r>
-              <a:rPr lang="en-IN" dirty="0"/>
-              <a:t> to measure quality</a:t>
-            </a:r>
-          </a:p>
-          <a:p>
-            <a:r>
-              <a:rPr lang="en-IN" dirty="0"/>
-              <a:t>Best model – hit ratio (0.8197) and NDCG (0.6220)</a:t>
+              <a:t>We see that DNN gives us the best Hit Ratio</a:t>
             </a:r>
           </a:p>
         </p:txBody>
@@ -7284,7 +9909,7 @@
     </p:spTree>
     <p:extLst>
       <p:ext uri="{BB962C8B-B14F-4D97-AF65-F5344CB8AC3E}">
-        <p14:creationId xmlns:p14="http://schemas.microsoft.com/office/powerpoint/2010/main" val="3839082217"/>
+        <p14:creationId xmlns:p14="http://schemas.microsoft.com/office/powerpoint/2010/main" val="3263611984"/>
       </p:ext>
     </p:extLst>
   </p:cSld>
@@ -7294,7 +9919,7 @@
 </p:sld>
 </file>
 
-<file path=ppt/slides/slide21.xml><?xml version="1.0" encoding="utf-8"?>
+<file path=ppt/slides/slide24.xml><?xml version="1.0" encoding="utf-8"?>
 <p:sld xmlns:a="http://schemas.openxmlformats.org/drawingml/2006/main" xmlns:r="http://schemas.openxmlformats.org/officeDocument/2006/relationships" xmlns:p="http://schemas.openxmlformats.org/presentationml/2006/main">
   <p:cSld>
     <p:spTree>
@@ -7316,7 +9941,7 @@
           <p:cNvPr id="2" name="Title 1">
             <a:extLst>
               <a:ext uri="{FF2B5EF4-FFF2-40B4-BE49-F238E27FC236}">
-                <a16:creationId xmlns:a16="http://schemas.microsoft.com/office/drawing/2014/main" xmlns="" id="{2FD8CD52-7B04-44C1-81F8-F6083BC044BB}"/>
+                <a16:creationId xmlns:a16="http://schemas.microsoft.com/office/drawing/2014/main" id="{2FD8CD52-7B04-44C1-81F8-F6083BC044BB}"/>
               </a:ext>
             </a:extLst>
           </p:cNvPr>
@@ -7340,7 +9965,46 @@
             <a:pPr algn="ctr"/>
             <a:r>
               <a:rPr lang="en-IN" dirty="0"/>
-              <a:t>MODEL EVALUATION</a:t>
+              <a:t>FUTURE WORKS</a:t>
+            </a:r>
+          </a:p>
+        </p:txBody>
+      </p:sp>
+      <p:sp>
+        <p:nvSpPr>
+          <p:cNvPr id="4" name="Content Placeholder 2">
+            <a:extLst>
+              <a:ext uri="{FF2B5EF4-FFF2-40B4-BE49-F238E27FC236}">
+                <a16:creationId xmlns:a16="http://schemas.microsoft.com/office/drawing/2014/main" id="{E13D0457-CD0F-458A-9999-EFA83B2780FB}"/>
+              </a:ext>
+            </a:extLst>
+          </p:cNvPr>
+          <p:cNvSpPr>
+            <a:spLocks noGrp="1"/>
+          </p:cNvSpPr>
+          <p:nvPr>
+            <p:ph sz="half" idx="1"/>
+          </p:nvPr>
+        </p:nvSpPr>
+        <p:spPr>
+          <a:xfrm>
+            <a:off x="1141411" y="1370761"/>
+            <a:ext cx="9905999" cy="3124201"/>
+          </a:xfrm>
+        </p:spPr>
+        <p:txBody>
+          <a:bodyPr/>
+          <a:lstStyle/>
+          <a:p>
+            <a:r>
+              <a:rPr lang="en-IN" dirty="0"/>
+              <a:t>Utilize textual and image based data to help improve the recommendations.</a:t>
+            </a:r>
+          </a:p>
+          <a:p>
+            <a:r>
+              <a:rPr lang="en-IN" dirty="0"/>
+              <a:t>Utilize hybrid recommendation system techniques to use user behaviour and user characteristics(demographics of users) to improve recommendations.</a:t>
             </a:r>
           </a:p>
         </p:txBody>
@@ -7348,7 +10012,7 @@
     </p:spTree>
     <p:extLst>
       <p:ext uri="{BB962C8B-B14F-4D97-AF65-F5344CB8AC3E}">
-        <p14:creationId xmlns:p14="http://schemas.microsoft.com/office/powerpoint/2010/main" val="3263611984"/>
+        <p14:creationId xmlns:p14="http://schemas.microsoft.com/office/powerpoint/2010/main" val="1091399628"/>
       </p:ext>
     </p:extLst>
   </p:cSld>
@@ -7380,7 +10044,7 @@
           <p:cNvPr id="11" name="Title 1">
             <a:extLst>
               <a:ext uri="{FF2B5EF4-FFF2-40B4-BE49-F238E27FC236}">
-                <a16:creationId xmlns:a16="http://schemas.microsoft.com/office/drawing/2014/main" xmlns="" id="{42D2E274-AE4C-4470-BB81-8005B204AD41}"/>
+                <a16:creationId xmlns:a16="http://schemas.microsoft.com/office/drawing/2014/main" id="{42D2E274-AE4C-4470-BB81-8005B204AD41}"/>
               </a:ext>
             </a:extLst>
           </p:cNvPr>
@@ -7415,7 +10079,7 @@
           <p:cNvPr id="12" name="Content Placeholder 6">
             <a:extLst>
               <a:ext uri="{FF2B5EF4-FFF2-40B4-BE49-F238E27FC236}">
-                <a16:creationId xmlns:a16="http://schemas.microsoft.com/office/drawing/2014/main" xmlns="" id="{6B489A06-075E-4376-B3A7-18A55553B81B}"/>
+                <a16:creationId xmlns:a16="http://schemas.microsoft.com/office/drawing/2014/main" id="{6B489A06-075E-4376-B3A7-18A55553B81B}"/>
               </a:ext>
             </a:extLst>
           </p:cNvPr>
@@ -7450,7 +10114,7 @@
           <p:cNvPr id="13" name="Text Placeholder 4">
             <a:extLst>
               <a:ext uri="{FF2B5EF4-FFF2-40B4-BE49-F238E27FC236}">
-                <a16:creationId xmlns:a16="http://schemas.microsoft.com/office/drawing/2014/main" xmlns="" id="{DF1B168D-E236-4045-A51D-A104E0C13E69}"/>
+                <a16:creationId xmlns:a16="http://schemas.microsoft.com/office/drawing/2014/main" id="{DF1B168D-E236-4045-A51D-A104E0C13E69}"/>
               </a:ext>
             </a:extLst>
           </p:cNvPr>
@@ -7621,7 +10285,7 @@
           <p:cNvPr id="8" name="Content Placeholder 3">
             <a:extLst>
               <a:ext uri="{FF2B5EF4-FFF2-40B4-BE49-F238E27FC236}">
-                <a16:creationId xmlns:a16="http://schemas.microsoft.com/office/drawing/2014/main" xmlns="" id="{7A84243C-3CDE-4BA4-B00A-11FC4DB63885}"/>
+                <a16:creationId xmlns:a16="http://schemas.microsoft.com/office/drawing/2014/main" id="{7A84243C-3CDE-4BA4-B00A-11FC4DB63885}"/>
               </a:ext>
             </a:extLst>
           </p:cNvPr>
@@ -7714,7 +10378,7 @@
           <p:cNvPr id="6" name="Picture 5" descr="A screenshot of a cell phone&#10;&#10;Description generated with very high confidence">
             <a:extLst>
               <a:ext uri="{FF2B5EF4-FFF2-40B4-BE49-F238E27FC236}">
-                <a16:creationId xmlns:a16="http://schemas.microsoft.com/office/drawing/2014/main" xmlns="" id="{0D2295E3-2F00-4C02-A7BD-833E96CDD36E}"/>
+                <a16:creationId xmlns:a16="http://schemas.microsoft.com/office/drawing/2014/main" id="{0D2295E3-2F00-4C02-A7BD-833E96CDD36E}"/>
               </a:ext>
             </a:extLst>
           </p:cNvPr>
@@ -7744,7 +10408,7 @@
           <p:cNvPr id="7" name="Picture 6">
             <a:extLst>
               <a:ext uri="{FF2B5EF4-FFF2-40B4-BE49-F238E27FC236}">
-                <a16:creationId xmlns:a16="http://schemas.microsoft.com/office/drawing/2014/main" xmlns="" id="{0F34BD68-B52D-4797-A927-184291B9EA7C}"/>
+                <a16:creationId xmlns:a16="http://schemas.microsoft.com/office/drawing/2014/main" id="{0F34BD68-B52D-4797-A927-184291B9EA7C}"/>
               </a:ext>
             </a:extLst>
           </p:cNvPr>
@@ -7774,7 +10438,7 @@
           <p:cNvPr id="8" name="TextBox 7">
             <a:extLst>
               <a:ext uri="{FF2B5EF4-FFF2-40B4-BE49-F238E27FC236}">
-                <a16:creationId xmlns:a16="http://schemas.microsoft.com/office/drawing/2014/main" xmlns="" id="{7EA937AC-1D94-4194-8435-0298EC972E51}"/>
+                <a16:creationId xmlns:a16="http://schemas.microsoft.com/office/drawing/2014/main" id="{7EA937AC-1D94-4194-8435-0298EC972E51}"/>
               </a:ext>
             </a:extLst>
           </p:cNvPr>
@@ -7809,7 +10473,7 @@
           <p:cNvPr id="10" name="TextBox 9">
             <a:extLst>
               <a:ext uri="{FF2B5EF4-FFF2-40B4-BE49-F238E27FC236}">
-                <a16:creationId xmlns:a16="http://schemas.microsoft.com/office/drawing/2014/main" xmlns="" id="{3B799D3C-6594-4041-A992-CB4A7604568D}"/>
+                <a16:creationId xmlns:a16="http://schemas.microsoft.com/office/drawing/2014/main" id="{3B799D3C-6594-4041-A992-CB4A7604568D}"/>
               </a:ext>
             </a:extLst>
           </p:cNvPr>
@@ -7902,7 +10566,7 @@
           <p:cNvPr id="2" name="TextBox 1">
             <a:extLst>
               <a:ext uri="{FF2B5EF4-FFF2-40B4-BE49-F238E27FC236}">
-                <a16:creationId xmlns:a16="http://schemas.microsoft.com/office/drawing/2014/main" xmlns="" id="{0E878017-C7F4-4984-A314-FDEC8AD8849D}"/>
+                <a16:creationId xmlns:a16="http://schemas.microsoft.com/office/drawing/2014/main" id="{0E878017-C7F4-4984-A314-FDEC8AD8849D}"/>
               </a:ext>
             </a:extLst>
           </p:cNvPr>
@@ -7937,7 +10601,7 @@
           <p:cNvPr id="11" name="Picture 10">
             <a:extLst>
               <a:ext uri="{FF2B5EF4-FFF2-40B4-BE49-F238E27FC236}">
-                <a16:creationId xmlns:a16="http://schemas.microsoft.com/office/drawing/2014/main" xmlns="" id="{844D8DC0-629A-4266-8F60-3B5C58532DA0}"/>
+                <a16:creationId xmlns:a16="http://schemas.microsoft.com/office/drawing/2014/main" id="{844D8DC0-629A-4266-8F60-3B5C58532DA0}"/>
               </a:ext>
             </a:extLst>
           </p:cNvPr>
@@ -7973,7 +10637,7 @@
           <p:cNvPr id="12" name="Picture 11">
             <a:extLst>
               <a:ext uri="{FF2B5EF4-FFF2-40B4-BE49-F238E27FC236}">
-                <a16:creationId xmlns:a16="http://schemas.microsoft.com/office/drawing/2014/main" xmlns="" id="{A6B049C9-B9FE-4026-BEB3-DAB3D0313009}"/>
+                <a16:creationId xmlns:a16="http://schemas.microsoft.com/office/drawing/2014/main" id="{A6B049C9-B9FE-4026-BEB3-DAB3D0313009}"/>
               </a:ext>
             </a:extLst>
           </p:cNvPr>
@@ -8009,7 +10673,7 @@
           <p:cNvPr id="13" name="TextBox 12">
             <a:extLst>
               <a:ext uri="{FF2B5EF4-FFF2-40B4-BE49-F238E27FC236}">
-                <a16:creationId xmlns:a16="http://schemas.microsoft.com/office/drawing/2014/main" xmlns="" id="{5E4C9F02-F821-41E5-AF02-70D32D49B62A}"/>
+                <a16:creationId xmlns:a16="http://schemas.microsoft.com/office/drawing/2014/main" id="{5E4C9F02-F821-41E5-AF02-70D32D49B62A}"/>
               </a:ext>
             </a:extLst>
           </p:cNvPr>
@@ -8193,6 +10857,13 @@
             <a:r>
               <a:rPr lang="en-US" dirty="0"/>
               <a:t>Testing data – Reviews in and after 2015 ~ 19K</a:t>
+            </a:r>
+          </a:p>
+          <a:p>
+            <a:pPr lvl="1"/>
+            <a:r>
+              <a:rPr lang="en-US" dirty="0"/>
+              <a:t>Testing data review categorization - Positive(&gt;3.7), Negative(&lt;2.6), Neutral(rest)</a:t>
             </a:r>
           </a:p>
         </p:txBody>
@@ -8728,4 +11399,299 @@
     </a:ext>
   </a:extLst>
 </a:theme>
+</file>
+
+<file path=ppt/theme/theme2.xml><?xml version="1.0" encoding="utf-8"?>
+<a:theme xmlns:a="http://schemas.openxmlformats.org/drawingml/2006/main" name="Office Theme">
+  <a:themeElements>
+    <a:clrScheme name="Office">
+      <a:dk1>
+        <a:sysClr val="windowText" lastClr="000000"/>
+      </a:dk1>
+      <a:lt1>
+        <a:sysClr val="window" lastClr="FFFFFF"/>
+      </a:lt1>
+      <a:dk2>
+        <a:srgbClr val="44546A"/>
+      </a:dk2>
+      <a:lt2>
+        <a:srgbClr val="E7E6E6"/>
+      </a:lt2>
+      <a:accent1>
+        <a:srgbClr val="4472C4"/>
+      </a:accent1>
+      <a:accent2>
+        <a:srgbClr val="ED7D31"/>
+      </a:accent2>
+      <a:accent3>
+        <a:srgbClr val="A5A5A5"/>
+      </a:accent3>
+      <a:accent4>
+        <a:srgbClr val="FFC000"/>
+      </a:accent4>
+      <a:accent5>
+        <a:srgbClr val="5B9BD5"/>
+      </a:accent5>
+      <a:accent6>
+        <a:srgbClr val="70AD47"/>
+      </a:accent6>
+      <a:hlink>
+        <a:srgbClr val="0563C1"/>
+      </a:hlink>
+      <a:folHlink>
+        <a:srgbClr val="954F72"/>
+      </a:folHlink>
+    </a:clrScheme>
+    <a:fontScheme name="Office">
+      <a:majorFont>
+        <a:latin typeface="Calibri Light" panose="020F0302020204030204"/>
+        <a:ea typeface=""/>
+        <a:cs typeface=""/>
+        <a:font script="Jpan" typeface="游ゴシック Light"/>
+        <a:font script="Hang" typeface="맑은 고딕"/>
+        <a:font script="Hans" typeface="等线 Light"/>
+        <a:font script="Hant" typeface="新細明體"/>
+        <a:font script="Arab" typeface="Times New Roman"/>
+        <a:font script="Hebr" typeface="Times New Roman"/>
+        <a:font script="Thai" typeface="Angsana New"/>
+        <a:font script="Ethi" typeface="Nyala"/>
+        <a:font script="Beng" typeface="Vrinda"/>
+        <a:font script="Gujr" typeface="Shruti"/>
+        <a:font script="Khmr" typeface="MoolBoran"/>
+        <a:font script="Knda" typeface="Tunga"/>
+        <a:font script="Guru" typeface="Raavi"/>
+        <a:font script="Cans" typeface="Euphemia"/>
+        <a:font script="Cher" typeface="Plantagenet Cherokee"/>
+        <a:font script="Yiii" typeface="Microsoft Yi Baiti"/>
+        <a:font script="Tibt" typeface="Microsoft Himalaya"/>
+        <a:font script="Thaa" typeface="MV Boli"/>
+        <a:font script="Deva" typeface="Mangal"/>
+        <a:font script="Telu" typeface="Gautami"/>
+        <a:font script="Taml" typeface="Latha"/>
+        <a:font script="Syrc" typeface="Estrangelo Edessa"/>
+        <a:font script="Orya" typeface="Kalinga"/>
+        <a:font script="Mlym" typeface="Kartika"/>
+        <a:font script="Laoo" typeface="DokChampa"/>
+        <a:font script="Sinh" typeface="Iskoola Pota"/>
+        <a:font script="Mong" typeface="Mongolian Baiti"/>
+        <a:font script="Viet" typeface="Times New Roman"/>
+        <a:font script="Uigh" typeface="Microsoft Uighur"/>
+        <a:font script="Geor" typeface="Sylfaen"/>
+        <a:font script="Armn" typeface="Arial"/>
+        <a:font script="Bugi" typeface="Leelawadee UI"/>
+        <a:font script="Bopo" typeface="Microsoft JhengHei"/>
+        <a:font script="Java" typeface="Javanese Text"/>
+        <a:font script="Lisu" typeface="Segoe UI"/>
+        <a:font script="Mymr" typeface="Myanmar Text"/>
+        <a:font script="Nkoo" typeface="Ebrima"/>
+        <a:font script="Olck" typeface="Nirmala UI"/>
+        <a:font script="Osma" typeface="Ebrima"/>
+        <a:font script="Phag" typeface="Phagspa"/>
+        <a:font script="Syrn" typeface="Estrangelo Edessa"/>
+        <a:font script="Syrj" typeface="Estrangelo Edessa"/>
+        <a:font script="Syre" typeface="Estrangelo Edessa"/>
+        <a:font script="Sora" typeface="Nirmala UI"/>
+        <a:font script="Tale" typeface="Microsoft Tai Le"/>
+        <a:font script="Talu" typeface="Microsoft New Tai Lue"/>
+        <a:font script="Tfng" typeface="Ebrima"/>
+      </a:majorFont>
+      <a:minorFont>
+        <a:latin typeface="Calibri" panose="020F0502020204030204"/>
+        <a:ea typeface=""/>
+        <a:cs typeface=""/>
+        <a:font script="Jpan" typeface="游ゴシック"/>
+        <a:font script="Hang" typeface="맑은 고딕"/>
+        <a:font script="Hans" typeface="等线"/>
+        <a:font script="Hant" typeface="新細明體"/>
+        <a:font script="Arab" typeface="Arial"/>
+        <a:font script="Hebr" typeface="Arial"/>
+        <a:font script="Thai" typeface="Cordia New"/>
+        <a:font script="Ethi" typeface="Nyala"/>
+        <a:font script="Beng" typeface="Vrinda"/>
+        <a:font script="Gujr" typeface="Shruti"/>
+        <a:font script="Khmr" typeface="DaunPenh"/>
+        <a:font script="Knda" typeface="Tunga"/>
+        <a:font script="Guru" typeface="Raavi"/>
+        <a:font script="Cans" typeface="Euphemia"/>
+        <a:font script="Cher" typeface="Plantagenet Cherokee"/>
+        <a:font script="Yiii" typeface="Microsoft Yi Baiti"/>
+        <a:font script="Tibt" typeface="Microsoft Himalaya"/>
+        <a:font script="Thaa" typeface="MV Boli"/>
+        <a:font script="Deva" typeface="Mangal"/>
+        <a:font script="Telu" typeface="Gautami"/>
+        <a:font script="Taml" typeface="Latha"/>
+        <a:font script="Syrc" typeface="Estrangelo Edessa"/>
+        <a:font script="Orya" typeface="Kalinga"/>
+        <a:font script="Mlym" typeface="Kartika"/>
+        <a:font script="Laoo" typeface="DokChampa"/>
+        <a:font script="Sinh" typeface="Iskoola Pota"/>
+        <a:font script="Mong" typeface="Mongolian Baiti"/>
+        <a:font script="Viet" typeface="Arial"/>
+        <a:font script="Uigh" typeface="Microsoft Uighur"/>
+        <a:font script="Geor" typeface="Sylfaen"/>
+        <a:font script="Armn" typeface="Arial"/>
+        <a:font script="Bugi" typeface="Leelawadee UI"/>
+        <a:font script="Bopo" typeface="Microsoft JhengHei"/>
+        <a:font script="Java" typeface="Javanese Text"/>
+        <a:font script="Lisu" typeface="Segoe UI"/>
+        <a:font script="Mymr" typeface="Myanmar Text"/>
+        <a:font script="Nkoo" typeface="Ebrima"/>
+        <a:font script="Olck" typeface="Nirmala UI"/>
+        <a:font script="Osma" typeface="Ebrima"/>
+        <a:font script="Phag" typeface="Phagspa"/>
+        <a:font script="Syrn" typeface="Estrangelo Edessa"/>
+        <a:font script="Syrj" typeface="Estrangelo Edessa"/>
+        <a:font script="Syre" typeface="Estrangelo Edessa"/>
+        <a:font script="Sora" typeface="Nirmala UI"/>
+        <a:font script="Tale" typeface="Microsoft Tai Le"/>
+        <a:font script="Talu" typeface="Microsoft New Tai Lue"/>
+        <a:font script="Tfng" typeface="Ebrima"/>
+      </a:minorFont>
+    </a:fontScheme>
+    <a:fmtScheme name="Office">
+      <a:fillStyleLst>
+        <a:solidFill>
+          <a:schemeClr val="phClr"/>
+        </a:solidFill>
+        <a:gradFill rotWithShape="1">
+          <a:gsLst>
+            <a:gs pos="0">
+              <a:schemeClr val="phClr">
+                <a:lumMod val="110000"/>
+                <a:satMod val="105000"/>
+                <a:tint val="67000"/>
+              </a:schemeClr>
+            </a:gs>
+            <a:gs pos="50000">
+              <a:schemeClr val="phClr">
+                <a:lumMod val="105000"/>
+                <a:satMod val="103000"/>
+                <a:tint val="73000"/>
+              </a:schemeClr>
+            </a:gs>
+            <a:gs pos="100000">
+              <a:schemeClr val="phClr">
+                <a:lumMod val="105000"/>
+                <a:satMod val="109000"/>
+                <a:tint val="81000"/>
+              </a:schemeClr>
+            </a:gs>
+          </a:gsLst>
+          <a:lin ang="5400000" scaled="0"/>
+        </a:gradFill>
+        <a:gradFill rotWithShape="1">
+          <a:gsLst>
+            <a:gs pos="0">
+              <a:schemeClr val="phClr">
+                <a:satMod val="103000"/>
+                <a:lumMod val="102000"/>
+                <a:tint val="94000"/>
+              </a:schemeClr>
+            </a:gs>
+            <a:gs pos="50000">
+              <a:schemeClr val="phClr">
+                <a:satMod val="110000"/>
+                <a:lumMod val="100000"/>
+                <a:shade val="100000"/>
+              </a:schemeClr>
+            </a:gs>
+            <a:gs pos="100000">
+              <a:schemeClr val="phClr">
+                <a:lumMod val="99000"/>
+                <a:satMod val="120000"/>
+                <a:shade val="78000"/>
+              </a:schemeClr>
+            </a:gs>
+          </a:gsLst>
+          <a:lin ang="5400000" scaled="0"/>
+        </a:gradFill>
+      </a:fillStyleLst>
+      <a:lnStyleLst>
+        <a:ln w="6350" cap="flat" cmpd="sng" algn="ctr">
+          <a:solidFill>
+            <a:schemeClr val="phClr"/>
+          </a:solidFill>
+          <a:prstDash val="solid"/>
+          <a:miter lim="800000"/>
+        </a:ln>
+        <a:ln w="12700" cap="flat" cmpd="sng" algn="ctr">
+          <a:solidFill>
+            <a:schemeClr val="phClr"/>
+          </a:solidFill>
+          <a:prstDash val="solid"/>
+          <a:miter lim="800000"/>
+        </a:ln>
+        <a:ln w="19050" cap="flat" cmpd="sng" algn="ctr">
+          <a:solidFill>
+            <a:schemeClr val="phClr"/>
+          </a:solidFill>
+          <a:prstDash val="solid"/>
+          <a:miter lim="800000"/>
+        </a:ln>
+      </a:lnStyleLst>
+      <a:effectStyleLst>
+        <a:effectStyle>
+          <a:effectLst/>
+        </a:effectStyle>
+        <a:effectStyle>
+          <a:effectLst/>
+        </a:effectStyle>
+        <a:effectStyle>
+          <a:effectLst>
+            <a:outerShdw blurRad="57150" dist="19050" dir="5400000" algn="ctr" rotWithShape="0">
+              <a:srgbClr val="000000">
+                <a:alpha val="63000"/>
+              </a:srgbClr>
+            </a:outerShdw>
+          </a:effectLst>
+        </a:effectStyle>
+      </a:effectStyleLst>
+      <a:bgFillStyleLst>
+        <a:solidFill>
+          <a:schemeClr val="phClr"/>
+        </a:solidFill>
+        <a:solidFill>
+          <a:schemeClr val="phClr">
+            <a:tint val="95000"/>
+            <a:satMod val="170000"/>
+          </a:schemeClr>
+        </a:solidFill>
+        <a:gradFill rotWithShape="1">
+          <a:gsLst>
+            <a:gs pos="0">
+              <a:schemeClr val="phClr">
+                <a:tint val="93000"/>
+                <a:satMod val="150000"/>
+                <a:shade val="98000"/>
+                <a:lumMod val="102000"/>
+              </a:schemeClr>
+            </a:gs>
+            <a:gs pos="50000">
+              <a:schemeClr val="phClr">
+                <a:tint val="98000"/>
+                <a:satMod val="130000"/>
+                <a:shade val="90000"/>
+                <a:lumMod val="103000"/>
+              </a:schemeClr>
+            </a:gs>
+            <a:gs pos="100000">
+              <a:schemeClr val="phClr">
+                <a:shade val="63000"/>
+                <a:satMod val="120000"/>
+              </a:schemeClr>
+            </a:gs>
+          </a:gsLst>
+          <a:lin ang="5400000" scaled="0"/>
+        </a:gradFill>
+      </a:bgFillStyleLst>
+    </a:fmtScheme>
+  </a:themeElements>
+  <a:objectDefaults/>
+  <a:extraClrSchemeLst/>
+  <a:extLst>
+    <a:ext uri="{05A4C25C-085E-4340-85A3-A5531E510DB2}">
+      <thm15:themeFamily xmlns:thm15="http://schemas.microsoft.com/office/thememl/2012/main" name="Office Theme" id="{62F939B6-93AF-4DB8-9C6B-D6C7DFDC589F}" vid="{4A3C46E8-61CC-4603-A589-7422A47A8E4A}"/>
+    </a:ext>
+  </a:extLst>
+</a:theme>
 </file>